--- a/dbflute/etc/doc/ref/session/resource/GenbaSolution2-sc2008autumn-dbflute.pptx
+++ b/dbflute/etc/doc/ref/session/resource/GenbaSolution2-sc2008autumn-dbflute.pptx
@@ -9032,11 +9032,7 @@
           <a:p>
             <a:r>
               <a:rPr lang="en-US" altLang="ja-JP" dirty="0" smtClean="0"/>
-              <a:t>[2]</a:t>
-            </a:r>
-            <a:r>
-              <a:rPr lang="en-US" altLang="ja-JP" dirty="0" smtClean="0"/>
-              <a:t>DDL</a:t>
+              <a:t>[2]DDL</a:t>
             </a:r>
             <a:r>
               <a:rPr lang="ja-JP" altLang="en-US" dirty="0" smtClean="0"/>
@@ -9282,11 +9278,7 @@
           <a:p>
             <a:r>
               <a:rPr lang="en-US" altLang="ja-JP" dirty="0" smtClean="0"/>
-              <a:t>[2]</a:t>
-            </a:r>
-            <a:r>
-              <a:rPr lang="en-US" altLang="ja-JP" dirty="0" smtClean="0"/>
-              <a:t>DDL</a:t>
+              <a:t>[2]DDL</a:t>
             </a:r>
             <a:r>
               <a:rPr lang="ja-JP" altLang="en-US" dirty="0" smtClean="0"/>
@@ -9564,11 +9556,7 @@
           <a:p>
             <a:r>
               <a:rPr lang="en-US" altLang="ja-JP" dirty="0" smtClean="0"/>
-              <a:t>[2]</a:t>
-            </a:r>
-            <a:r>
-              <a:rPr lang="en-US" altLang="ja-JP" dirty="0" smtClean="0"/>
-              <a:t>DDL</a:t>
+              <a:t>[2]DDL</a:t>
             </a:r>
             <a:r>
               <a:rPr lang="ja-JP" altLang="en-US" dirty="0" smtClean="0"/>
@@ -9620,15 +9608,7 @@
             <a:pPr lvl="1"/>
             <a:r>
               <a:rPr lang="ja-JP" altLang="en-US" dirty="0" smtClean="0"/>
-              <a:t>共通</a:t>
-            </a:r>
-            <a:r>
-              <a:rPr lang="ja-JP" altLang="en-US" dirty="0" smtClean="0"/>
-              <a:t>カラム</a:t>
-            </a:r>
-            <a:r>
-              <a:rPr lang="ja-JP" altLang="en-US" dirty="0" smtClean="0"/>
-              <a:t>のテストデータの大抵の場合固定で</a:t>
+              <a:t>共通カラムのテストデータの大抵の場合固定で</a:t>
             </a:r>
             <a:r>
               <a:rPr lang="en-US" altLang="ja-JP" dirty="0" smtClean="0"/>
@@ -9837,11 +9817,7 @@
           <a:p>
             <a:r>
               <a:rPr lang="en-US" altLang="ja-JP" dirty="0" smtClean="0"/>
-              <a:t>[2]</a:t>
-            </a:r>
-            <a:r>
-              <a:rPr lang="en-US" altLang="ja-JP" dirty="0" smtClean="0"/>
-              <a:t>DDL</a:t>
+              <a:t>[2]DDL</a:t>
             </a:r>
             <a:r>
               <a:rPr lang="ja-JP" altLang="en-US" dirty="0" smtClean="0"/>
@@ -9940,19 +9916,7 @@
             <a:pPr lvl="2"/>
             <a:r>
               <a:rPr lang="ja-JP" altLang="en-US" dirty="0" smtClean="0"/>
-              <a:t>ローカルで</a:t>
-            </a:r>
-            <a:r>
-              <a:rPr lang="ja-JP" altLang="en-US" dirty="0" smtClean="0"/>
-              <a:t>の</a:t>
-            </a:r>
-            <a:r>
-              <a:rPr lang="ja-JP" altLang="en-US" dirty="0" smtClean="0"/>
-              <a:t>デグレ防止</a:t>
-            </a:r>
-            <a:r>
-              <a:rPr lang="ja-JP" altLang="en-US" dirty="0" smtClean="0"/>
-              <a:t>一括テストが不可</a:t>
+              <a:t>ローカルでのデグレ防止一括テストが不可</a:t>
             </a:r>
             <a:endParaRPr lang="en-US" altLang="ja-JP" dirty="0" smtClean="0"/>
           </a:p>
@@ -9964,15 +9928,7 @@
             </a:r>
             <a:r>
               <a:rPr lang="ja-JP" altLang="en-US" dirty="0" smtClean="0"/>
-              <a:t>が</a:t>
-            </a:r>
-            <a:r>
-              <a:rPr lang="ja-JP" altLang="en-US" dirty="0" smtClean="0"/>
-              <a:t>テストデータのレビューが</a:t>
-            </a:r>
-            <a:r>
-              <a:rPr lang="ja-JP" altLang="en-US" dirty="0" smtClean="0"/>
-              <a:t>しづらい</a:t>
+              <a:t>がテストデータのレビューがしづらい</a:t>
             </a:r>
             <a:endParaRPr lang="en-US" altLang="ja-JP" dirty="0" smtClean="0"/>
           </a:p>
@@ -10327,7 +10283,6 @@
               <a:rPr lang="en-US" altLang="ja-JP" sz="4400" dirty="0" smtClean="0"/>
               <a:t>!</a:t>
             </a:r>
-            <a:endParaRPr lang="en-US" altLang="ja-JP" sz="4400" dirty="0" smtClean="0"/>
           </a:p>
           <a:p>
             <a:pPr algn="ctr">
@@ -10538,39 +10493,7 @@
                   <a:srgbClr val="000000"/>
                 </a:solidFill>
               </a:rPr>
-              <a:t>私</a:t>
-            </a:r>
-            <a:r>
-              <a:rPr lang="ja-JP" altLang="en-US" dirty="0" smtClean="0">
-                <a:solidFill>
-                  <a:srgbClr val="000000"/>
-                </a:solidFill>
-              </a:rPr>
-              <a:t>が</a:t>
-            </a:r>
-            <a:r>
-              <a:rPr lang="ja-JP" altLang="en-US" dirty="0" smtClean="0">
-                <a:solidFill>
-                  <a:srgbClr val="000000"/>
-                </a:solidFill>
-              </a:rPr>
-              <a:t>マネージャ</a:t>
-            </a:r>
-            <a:r>
-              <a:rPr lang="ja-JP" altLang="en-US" dirty="0" smtClean="0">
-                <a:solidFill>
-                  <a:srgbClr val="000000"/>
-                </a:solidFill>
-              </a:rPr>
-              <a:t>だったら</a:t>
-            </a:r>
-            <a:r>
-              <a:rPr lang="ja-JP" altLang="en-US" dirty="0" smtClean="0">
-                <a:solidFill>
-                  <a:srgbClr val="000000"/>
-                </a:solidFill>
-              </a:rPr>
-              <a:t>、効率の良い人事に悩むわね、きっと</a:t>
+              <a:t>私がマネージャだったら、効率の良い人事に悩むわね、きっと</a:t>
             </a:r>
             <a:endParaRPr lang="en-US" altLang="ja-JP" dirty="0">
               <a:solidFill>
@@ -11050,7 +10973,11 @@
             </a:pPr>
             <a:r>
               <a:rPr lang="ja-JP" altLang="en-US" sz="3600" dirty="0" smtClean="0"/>
-              <a:t>現場指向の</a:t>
+              <a:t>現場</a:t>
+            </a:r>
+            <a:r>
+              <a:rPr lang="ja-JP" altLang="en-US" sz="3600" dirty="0" smtClean="0"/>
+              <a:t>指向の</a:t>
             </a:r>
             <a:r>
               <a:rPr lang="en-US" altLang="ja-JP" sz="3600" dirty="0" smtClean="0"/>
@@ -11137,6 +11064,78 @@
               <a:t>Seasar Conference 2008 Autumn</a:t>
             </a:r>
             <a:endParaRPr lang="ja-JP" altLang="en-US"/>
+          </a:p>
+        </p:txBody>
+      </p:sp>
+      <p:pic>
+        <p:nvPicPr>
+          <p:cNvPr id="5" name="Picture 4" descr="j0199549"/>
+          <p:cNvPicPr>
+            <a:picLocks noChangeAspect="1" noChangeArrowheads="1"/>
+          </p:cNvPicPr>
+          <p:nvPr/>
+        </p:nvPicPr>
+        <p:blipFill>
+          <a:blip r:embed="rId2"/>
+          <a:srcRect/>
+          <a:stretch>
+            <a:fillRect/>
+          </a:stretch>
+        </p:blipFill>
+        <p:spPr bwMode="auto">
+          <a:xfrm>
+            <a:off x="7316787" y="1122363"/>
+            <a:ext cx="1139825" cy="1225550"/>
+          </a:xfrm>
+          <a:prstGeom prst="rect">
+            <a:avLst/>
+          </a:prstGeom>
+          <a:noFill/>
+        </p:spPr>
+      </p:pic>
+      <p:sp>
+        <p:nvSpPr>
+          <p:cNvPr id="6" name="AutoShape 5"/>
+          <p:cNvSpPr>
+            <a:spLocks noChangeArrowheads="1"/>
+          </p:cNvSpPr>
+          <p:nvPr/>
+        </p:nvSpPr>
+        <p:spPr bwMode="auto">
+          <a:xfrm>
+            <a:off x="6666613" y="2347913"/>
+            <a:ext cx="878774" cy="471487"/>
+          </a:xfrm>
+          <a:prstGeom prst="wedgeRoundRectCallout">
+            <a:avLst>
+              <a:gd name="adj1" fmla="val 44151"/>
+              <a:gd name="adj2" fmla="val -162092"/>
+              <a:gd name="adj3" fmla="val 16667"/>
+            </a:avLst>
+          </a:prstGeom>
+          <a:noFill/>
+          <a:ln w="9525">
+            <a:solidFill>
+              <a:schemeClr val="tx1"/>
+            </a:solidFill>
+            <a:miter lim="800000"/>
+            <a:headEnd/>
+            <a:tailEnd/>
+          </a:ln>
+          <a:effectLst/>
+        </p:spPr>
+        <p:txBody>
+          <a:bodyPr lIns="92075" tIns="46038" rIns="92075" bIns="46038" anchor="ctr">
+            <a:prstTxWarp prst="textNoShape">
+              <a:avLst/>
+            </a:prstTxWarp>
+          </a:bodyPr>
+          <a:lstStyle/>
+          <a:p>
+            <a:r>
+              <a:rPr lang="ja-JP" altLang="en-US" sz="1200" dirty="0"/>
+              <a:t>現場！？</a:t>
+            </a:r>
           </a:p>
         </p:txBody>
       </p:sp>
@@ -11266,7 +11265,6 @@
               <a:rPr lang="en-US" altLang="ja-JP" sz="4400" dirty="0" smtClean="0"/>
               <a:t>!</a:t>
             </a:r>
-            <a:endParaRPr lang="en-US" altLang="ja-JP" sz="4400" dirty="0" smtClean="0"/>
           </a:p>
           <a:p>
             <a:pPr algn="ctr">
@@ -11389,11 +11387,7 @@
             </a:pPr>
             <a:r>
               <a:rPr lang="ja-JP" altLang="en-US" sz="4400" dirty="0" smtClean="0"/>
-              <a:t>詳細</a:t>
-            </a:r>
-            <a:r>
-              <a:rPr lang="ja-JP" altLang="en-US" sz="4400" dirty="0" smtClean="0"/>
-              <a:t>は本番当日にて！</a:t>
+              <a:t>詳細は本番当日にて！</a:t>
             </a:r>
             <a:endParaRPr lang="en-US" altLang="ja-JP" sz="4400" dirty="0" smtClean="0"/>
           </a:p>
@@ -11782,11 +11776,7 @@
             <a:pPr lvl="1"/>
             <a:r>
               <a:rPr lang="en-US" altLang="ja-JP" dirty="0" smtClean="0"/>
-              <a:t>o</a:t>
-            </a:r>
-            <a:r>
-              <a:rPr lang="en-US" altLang="ja-JP" dirty="0" smtClean="0"/>
-              <a:t>ne-to-many</a:t>
+              <a:t>one-to-many</a:t>
             </a:r>
           </a:p>
           <a:p>
@@ -12193,15 +12183,7 @@
                   <a:schemeClr val="tx1"/>
                 </a:solidFill>
               </a:rPr>
-              <a:t>と言えども結局タイプセーフじゃない</a:t>
-            </a:r>
-            <a:r>
-              <a:rPr kumimoji="1" lang="ja-JP" altLang="en-US" dirty="0" smtClean="0">
-                <a:solidFill>
-                  <a:schemeClr val="tx1"/>
-                </a:solidFill>
-              </a:rPr>
-              <a:t>から</a:t>
+              <a:t>と言えども結局タイプセーフじゃないから</a:t>
             </a:r>
             <a:r>
               <a:rPr kumimoji="1" lang="en-US" altLang="ja-JP" dirty="0" smtClean="0">
@@ -12211,11 +12193,6 @@
               </a:rPr>
               <a:t>…</a:t>
             </a:r>
-            <a:endParaRPr kumimoji="1" lang="en-US" altLang="ja-JP" dirty="0" smtClean="0">
-              <a:solidFill>
-                <a:schemeClr val="tx1"/>
-              </a:solidFill>
-            </a:endParaRPr>
           </a:p>
           <a:p>
             <a:pPr algn="ctr"/>
@@ -12345,11 +12322,7 @@
             </a:r>
             <a:r>
               <a:rPr lang="ja-JP" altLang="en-US" dirty="0" smtClean="0"/>
-              <a:t>悩み</a:t>
-            </a:r>
-            <a:r>
-              <a:rPr lang="ja-JP" altLang="en-US" dirty="0" smtClean="0"/>
-              <a:t>疑問</a:t>
+              <a:t>悩み疑問</a:t>
             </a:r>
             <a:r>
               <a:rPr lang="en-US" altLang="ja-JP" dirty="0" smtClean="0"/>

--- a/dbflute/etc/doc/ref/session/resource/GenbaSolution2-sc2008autumn-dbflute.pptx
+++ b/dbflute/etc/doc/ref/session/resource/GenbaSolution2-sc2008autumn-dbflute.pptx
@@ -5,10 +5,10 @@
     <p:sldMasterId id="2147483660" r:id="rId1"/>
   </p:sldMasterIdLst>
   <p:notesMasterIdLst>
-    <p:notesMasterId r:id="rId24"/>
+    <p:notesMasterId r:id="rId27"/>
   </p:notesMasterIdLst>
   <p:handoutMasterIdLst>
-    <p:handoutMasterId r:id="rId25"/>
+    <p:handoutMasterId r:id="rId28"/>
   </p:handoutMasterIdLst>
   <p:sldIdLst>
     <p:sldId id="261" r:id="rId2"/>
@@ -21,18 +21,21 @@
     <p:sldId id="263" r:id="rId9"/>
     <p:sldId id="265" r:id="rId10"/>
     <p:sldId id="266" r:id="rId11"/>
-    <p:sldId id="260" r:id="rId12"/>
-    <p:sldId id="268" r:id="rId13"/>
-    <p:sldId id="270" r:id="rId14"/>
-    <p:sldId id="269" r:id="rId15"/>
-    <p:sldId id="271" r:id="rId16"/>
-    <p:sldId id="272" r:id="rId17"/>
-    <p:sldId id="273" r:id="rId18"/>
-    <p:sldId id="274" r:id="rId19"/>
-    <p:sldId id="275" r:id="rId20"/>
-    <p:sldId id="276" r:id="rId21"/>
-    <p:sldId id="259" r:id="rId22"/>
-    <p:sldId id="277" r:id="rId23"/>
+    <p:sldId id="280" r:id="rId12"/>
+    <p:sldId id="281" r:id="rId13"/>
+    <p:sldId id="282" r:id="rId14"/>
+    <p:sldId id="260" r:id="rId15"/>
+    <p:sldId id="268" r:id="rId16"/>
+    <p:sldId id="270" r:id="rId17"/>
+    <p:sldId id="269" r:id="rId18"/>
+    <p:sldId id="271" r:id="rId19"/>
+    <p:sldId id="272" r:id="rId20"/>
+    <p:sldId id="273" r:id="rId21"/>
+    <p:sldId id="274" r:id="rId22"/>
+    <p:sldId id="275" r:id="rId23"/>
+    <p:sldId id="276" r:id="rId24"/>
+    <p:sldId id="259" r:id="rId25"/>
+    <p:sldId id="277" r:id="rId26"/>
   </p:sldIdLst>
   <p:sldSz cx="9144000" cy="6858000" type="screen4x3"/>
   <p:notesSz cx="6858000" cy="9144000"/>
@@ -217,7 +220,7 @@
             <a:fld id="{697514F1-BF3A-8244-8E24-39501B91FCA9}" type="datetimeFigureOut">
               <a:rPr lang="ja-JP" altLang="en-US" smtClean="0"/>
               <a:pPr/>
-              <a:t>08.9.1</a:t>
+              <a:t>08.9.2</a:t>
             </a:fld>
             <a:endParaRPr lang="ja-JP" altLang="en-US"/>
           </a:p>
@@ -380,7 +383,7 @@
             <a:fld id="{BCC37BBF-A47B-C644-A0B3-2AF340262DC0}" type="datetimeFigureOut">
               <a:rPr lang="ja-JP" altLang="en-US" smtClean="0"/>
               <a:pPr/>
-              <a:t>08.9.1</a:t>
+              <a:t>08.9.2</a:t>
             </a:fld>
             <a:endParaRPr lang="ja-JP" altLang="en-US"/>
           </a:p>
@@ -913,7 +916,7 @@
             <a:fld id="{F8B78B27-67EA-284E-B7DE-CA47CEF96BF3}" type="datetime1">
               <a:rPr lang="ja-JP" altLang="en-US" smtClean="0"/>
               <a:pPr/>
-              <a:t>08.9.1</a:t>
+              <a:t>08.9.2</a:t>
             </a:fld>
             <a:endParaRPr lang="ja-JP" altLang="en-US"/>
           </a:p>
@@ -1064,7 +1067,7 @@
             <a:fld id="{B07F40DE-A2F7-9040-AF94-3150A36DAF32}" type="datetime1">
               <a:rPr lang="ja-JP" altLang="en-US" smtClean="0"/>
               <a:pPr/>
-              <a:t>08.9.1</a:t>
+              <a:t>08.9.2</a:t>
             </a:fld>
             <a:endParaRPr lang="ja-JP" altLang="en-US"/>
           </a:p>
@@ -1651,7 +1654,7 @@
             <a:fld id="{7900A983-C81F-484C-AB24-3E409A9B0309}" type="datetime1">
               <a:rPr lang="ja-JP" altLang="en-US" smtClean="0"/>
               <a:pPr/>
-              <a:t>08.9.1</a:t>
+              <a:t>08.9.2</a:t>
             </a:fld>
             <a:endParaRPr lang="ja-JP" altLang="en-US"/>
           </a:p>
@@ -2121,7 +2124,7 @@
             <a:fld id="{49369E27-8AA6-8A4C-8F2F-BD9CFE65CFF9}" type="datetime1">
               <a:rPr lang="ja-JP" altLang="en-US" smtClean="0"/>
               <a:pPr/>
-              <a:t>08.9.1</a:t>
+              <a:t>08.9.2</a:t>
             </a:fld>
             <a:endParaRPr lang="ja-JP" altLang="en-US"/>
           </a:p>
@@ -2217,7 +2220,7 @@
             <a:fld id="{CA0B8717-2CE5-3D48-9724-6A74D3723472}" type="datetime1">
               <a:rPr lang="ja-JP" altLang="en-US" smtClean="0"/>
               <a:pPr/>
-              <a:t>08.9.1</a:t>
+              <a:t>08.9.2</a:t>
             </a:fld>
             <a:endParaRPr lang="ja-JP" altLang="en-US"/>
           </a:p>
@@ -2530,7 +2533,7 @@
             <a:fld id="{A7420916-367F-6347-9752-D3808E2C9DF8}" type="datetime1">
               <a:rPr lang="ja-JP" altLang="en-US" smtClean="0"/>
               <a:pPr/>
-              <a:t>08.9.1</a:t>
+              <a:t>08.9.2</a:t>
             </a:fld>
             <a:endParaRPr lang="ja-JP" altLang="en-US"/>
           </a:p>
@@ -2726,7 +2729,7 @@
             <a:fld id="{36F1D2E6-018C-0A41-B225-E525923353F9}" type="datetime1">
               <a:rPr lang="ja-JP" altLang="en-US" smtClean="0"/>
               <a:pPr/>
-              <a:t>08.9.1</a:t>
+              <a:t>08.9.2</a:t>
             </a:fld>
             <a:endParaRPr lang="ja-JP" altLang="en-US"/>
           </a:p>
@@ -3471,7 +3474,7 @@
             <a:fld id="{2F49DC6A-DB83-C64E-9E52-9AFA5AD018D7}" type="datetime1">
               <a:rPr lang="ja-JP" altLang="en-US" smtClean="0"/>
               <a:pPr/>
-              <a:t>08.9.1</a:t>
+              <a:t>08.9.2</a:t>
             </a:fld>
             <a:endParaRPr lang="ja-JP" altLang="en-US"/>
           </a:p>
@@ -3815,7 +3818,7 @@
             <a:fld id="{36ED8D3F-8256-3C42-8592-819D359B95D7}" type="datetime1">
               <a:rPr lang="ja-JP" altLang="en-US" smtClean="0"/>
               <a:pPr/>
-              <a:t>08.9.1</a:t>
+              <a:t>08.9.2</a:t>
             </a:fld>
             <a:endParaRPr lang="ja-JP" altLang="en-US"/>
           </a:p>
@@ -4418,7 +4421,7 @@
             <a:fld id="{490FEA9A-41F4-204E-A79D-1B36180FAAF8}" type="datetime1">
               <a:rPr lang="ja-JP" altLang="en-US" smtClean="0"/>
               <a:pPr/>
-              <a:t>08.9.1</a:t>
+              <a:t>08.9.2</a:t>
             </a:fld>
             <a:endParaRPr lang="ja-JP" altLang="en-US"/>
           </a:p>
@@ -4635,7 +4638,7 @@
             <a:fld id="{7F7C43F0-DFD5-354C-8FAE-68230B37B986}" type="datetime1">
               <a:rPr lang="ja-JP" altLang="en-US" smtClean="0"/>
               <a:pPr/>
-              <a:t>08.9.1</a:t>
+              <a:t>08.9.2</a:t>
             </a:fld>
             <a:endParaRPr lang="ja-JP" altLang="en-US"/>
           </a:p>
@@ -4838,7 +4841,7 @@
             <a:fld id="{913A2506-493B-D344-A783-4411DA3B51C6}" type="datetime1">
               <a:rPr lang="ja-JP" altLang="en-US" smtClean="0"/>
               <a:pPr/>
-              <a:t>08.9.1</a:t>
+              <a:t>08.9.2</a:t>
             </a:fld>
             <a:endParaRPr lang="ja-JP" altLang="en-US"/>
           </a:p>
@@ -5065,7 +5068,7 @@
             <a:fld id="{A8117D98-E012-1340-B59B-5CB4A353C1AC}" type="datetime1">
               <a:rPr lang="ja-JP" altLang="en-US" smtClean="0"/>
               <a:pPr/>
-              <a:t>08.9.1</a:t>
+              <a:t>08.9.2</a:t>
             </a:fld>
             <a:endParaRPr lang="ja-JP" altLang="en-US"/>
           </a:p>
@@ -5490,7 +5493,7 @@
             <a:fld id="{3A348B0A-8461-AC42-A115-63F264401103}" type="datetime1">
               <a:rPr lang="ja-JP" altLang="en-US" smtClean="0"/>
               <a:pPr/>
-              <a:t>08.9.1</a:t>
+              <a:t>08.9.2</a:t>
             </a:fld>
             <a:endParaRPr lang="ja-JP" altLang="en-US"/>
           </a:p>
@@ -5794,7 +5797,7 @@
             <a:fld id="{5E1B4DB0-F2B9-D04A-9DD7-6703AC7E7248}" type="datetime1">
               <a:rPr lang="ja-JP" altLang="en-US" smtClean="0"/>
               <a:pPr/>
-              <a:t>08.9.1</a:t>
+              <a:t>08.9.2</a:t>
             </a:fld>
             <a:endParaRPr lang="ja-JP" altLang="en-US"/>
           </a:p>
@@ -6201,7 +6204,7 @@
             <a:fld id="{D67B3AFA-E2BB-4B40-8DFD-5F43A75FECED}" type="datetime1">
               <a:rPr lang="ja-JP" altLang="en-US" smtClean="0"/>
               <a:pPr/>
-              <a:t>08.9.1</a:t>
+              <a:t>08.9.2</a:t>
             </a:fld>
             <a:endParaRPr lang="ja-JP" altLang="en-US"/>
           </a:p>
@@ -6597,7 +6600,7 @@
             <a:fld id="{C0E34838-0D8B-784A-8083-2BF0BCC81F31}" type="datetime1">
               <a:rPr lang="ja-JP" altLang="en-US" smtClean="0"/>
               <a:pPr/>
-              <a:t>08.9.1</a:t>
+              <a:t>08.9.2</a:t>
             </a:fld>
             <a:endParaRPr lang="ja-JP" altLang="en-US"/>
           </a:p>
@@ -6950,7 +6953,7 @@
             <a:fld id="{B214FFAD-D2AC-BA4E-94A6-AF1EF61CF5E3}" type="datetime1">
               <a:rPr lang="ja-JP" altLang="en-US" smtClean="0"/>
               <a:pPr/>
-              <a:t>08.9.1</a:t>
+              <a:t>08.9.2</a:t>
             </a:fld>
             <a:endParaRPr lang="ja-JP" altLang="en-US"/>
           </a:p>
@@ -7459,7 +7462,7 @@
             <a:fld id="{A505B7DA-7661-3B41-B158-5031F500DA1D}" type="datetime1">
               <a:rPr lang="ja-JP" altLang="en-US" smtClean="0"/>
               <a:pPr/>
-              <a:t>08.9.1</a:t>
+              <a:t>08.9.2</a:t>
             </a:fld>
             <a:endParaRPr lang="ja-JP" altLang="en-US"/>
           </a:p>
@@ -7791,7 +7794,7 @@
             <a:fld id="{D2DD3DBE-A7FC-A843-A5D2-64A57D5C6B0F}" type="datetime1">
               <a:rPr lang="ja-JP" altLang="en-US" smtClean="0"/>
               <a:pPr/>
-              <a:t>08.9.1</a:t>
+              <a:t>08.9.2</a:t>
             </a:fld>
             <a:endParaRPr lang="ja-JP" altLang="en-US"/>
           </a:p>
@@ -8153,7 +8156,7 @@
             <a:fld id="{19A5AFE0-9EBD-9B43-8D58-2BE7D375FB38}" type="datetime1">
               <a:rPr lang="ja-JP" altLang="en-US" smtClean="0"/>
               <a:pPr/>
-              <a:t>08.9.1</a:t>
+              <a:t>08.9.2</a:t>
             </a:fld>
             <a:endParaRPr lang="ja-JP" altLang="en-US"/>
           </a:p>
@@ -8826,36 +8829,6 @@
           </a:p>
         </p:txBody>
       </p:sp>
-      <p:sp>
-        <p:nvSpPr>
-          <p:cNvPr id="8" name="テキスト ボックス 7"/>
-          <p:cNvSpPr txBox="1"/>
-          <p:nvPr/>
-        </p:nvSpPr>
-        <p:spPr>
-          <a:xfrm>
-            <a:off x="1752600" y="3827272"/>
-            <a:ext cx="1338828" cy="369332"/>
-          </a:xfrm>
-          <a:prstGeom prst="rect">
-            <a:avLst/>
-          </a:prstGeom>
-          <a:noFill/>
-        </p:spPr>
-        <p:txBody>
-          <a:bodyPr wrap="none" rtlCol="0">
-            <a:spAutoFit/>
-          </a:bodyPr>
-          <a:lstStyle/>
-          <a:p>
-            <a:r>
-              <a:rPr kumimoji="1" lang="ja-JP" altLang="en-US" dirty="0" smtClean="0"/>
-              <a:t>事前公開版</a:t>
-            </a:r>
-            <a:endParaRPr kumimoji="1" lang="ja-JP" altLang="en-US" dirty="0"/>
-          </a:p>
-        </p:txBody>
-      </p:sp>
     </p:spTree>
   </p:cSld>
   <p:clrMapOvr>
@@ -8948,21 +8921,12 @@
               <a:rPr lang="en-US" altLang="ja-JP" sz="4400" dirty="0" smtClean="0"/>
               <a:t>!</a:t>
             </a:r>
+            <a:endParaRPr lang="en-US" altLang="ja-JP" sz="4400" dirty="0" smtClean="0"/>
           </a:p>
           <a:p>
             <a:pPr algn="ctr">
               <a:buNone/>
             </a:pPr>
-            <a:endParaRPr lang="en-US" altLang="ja-JP" sz="4400" dirty="0" smtClean="0"/>
-          </a:p>
-          <a:p>
-            <a:pPr algn="ctr">
-              <a:buNone/>
-            </a:pPr>
-            <a:r>
-              <a:rPr lang="ja-JP" altLang="en-US" sz="4400" dirty="0" smtClean="0"/>
-              <a:t>詳細は本番当日にて！</a:t>
-            </a:r>
             <a:endParaRPr lang="en-US" altLang="ja-JP" sz="4400" dirty="0" smtClean="0"/>
           </a:p>
         </p:txBody>
@@ -8999,6 +8963,1114 @@
 </file>
 
 <file path=ppt/slides/slide11.xml><?xml version="1.0" encoding="utf-8"?>
+<p:sld xmlns:a="http://schemas.openxmlformats.org/drawingml/2006/main" xmlns:r="http://schemas.openxmlformats.org/officeDocument/2006/relationships" xmlns:mc="http://schemas.openxmlformats.org/markup-compatibility/2006" xmlns:mv="urn:schemas-microsoft-com:mac:vml" xmlns:p="http://schemas.openxmlformats.org/presentationml/2006/main" mc:Ignorable="mv" mc:PreserveAttributes="mv:*">
+  <p:cSld>
+    <p:spTree>
+      <p:nvGrpSpPr>
+        <p:cNvPr id="1" name=""/>
+        <p:cNvGrpSpPr/>
+        <p:nvPr/>
+      </p:nvGrpSpPr>
+      <p:grpSpPr>
+        <a:xfrm>
+          <a:off x="0" y="0"/>
+          <a:ext cx="0" cy="0"/>
+          <a:chOff x="0" y="0"/>
+          <a:chExt cx="0" cy="0"/>
+        </a:xfrm>
+      </p:grpSpPr>
+      <p:sp>
+        <p:nvSpPr>
+          <p:cNvPr id="2" name="タイトル 1"/>
+          <p:cNvSpPr>
+            <a:spLocks noGrp="1"/>
+          </p:cNvSpPr>
+          <p:nvPr>
+            <p:ph type="title"/>
+          </p:nvPr>
+        </p:nvSpPr>
+        <p:spPr/>
+        <p:txBody>
+          <a:bodyPr/>
+          <a:lstStyle/>
+          <a:p>
+            <a:r>
+              <a:rPr lang="en-US" altLang="ja-JP" dirty="0" smtClean="0"/>
+              <a:t>[1]2Way</a:t>
+            </a:r>
+            <a:r>
+              <a:rPr lang="ja-JP" altLang="en-US" dirty="0" smtClean="0"/>
+              <a:t>テスト</a:t>
+            </a:r>
+            <a:r>
+              <a:rPr lang="en-US" altLang="ja-JP" dirty="0" smtClean="0"/>
+              <a:t>:</a:t>
+            </a:r>
+            <a:br>
+              <a:rPr lang="en-US" altLang="ja-JP" dirty="0" smtClean="0"/>
+            </a:br>
+            <a:r>
+              <a:rPr lang="en-US" altLang="ja-JP" dirty="0" err="1" smtClean="0"/>
+              <a:t>OutsideSqlTest</a:t>
+            </a:r>
+            <a:r>
+              <a:rPr lang="ja-JP" altLang="en-US" dirty="0" smtClean="0"/>
+              <a:t>とは？</a:t>
+            </a:r>
+            <a:endParaRPr lang="ja-JP" altLang="en-US" dirty="0"/>
+          </a:p>
+        </p:txBody>
+      </p:sp>
+      <p:sp>
+        <p:nvSpPr>
+          <p:cNvPr id="3" name="コンテンツ プレースホルダ 2"/>
+          <p:cNvSpPr>
+            <a:spLocks noGrp="1"/>
+          </p:cNvSpPr>
+          <p:nvPr>
+            <p:ph idx="1"/>
+          </p:nvPr>
+        </p:nvSpPr>
+        <p:spPr/>
+        <p:txBody>
+          <a:bodyPr>
+            <a:normAutofit/>
+          </a:bodyPr>
+          <a:lstStyle/>
+          <a:p>
+            <a:pPr algn="ctr"/>
+            <a:endParaRPr lang="en-US" altLang="ja-JP" sz="4400" dirty="0" smtClean="0"/>
+          </a:p>
+          <a:p>
+            <a:pPr algn="ctr">
+              <a:buNone/>
+            </a:pPr>
+            <a:r>
+              <a:rPr lang="ja-JP" altLang="en-US" sz="4400" dirty="0" smtClean="0"/>
+              <a:t>外だし</a:t>
+            </a:r>
+            <a:r>
+              <a:rPr lang="en-US" altLang="ja-JP" sz="4400" dirty="0" smtClean="0"/>
+              <a:t>SQL</a:t>
+            </a:r>
+            <a:r>
+              <a:rPr lang="ja-JP" altLang="en-US" sz="4400" dirty="0" smtClean="0"/>
+              <a:t>を</a:t>
+            </a:r>
+            <a:r>
+              <a:rPr lang="en-US" altLang="ja-JP" sz="4400" dirty="0" smtClean="0"/>
+              <a:t>2WaySQL</a:t>
+            </a:r>
+            <a:r>
+              <a:rPr lang="ja-JP" altLang="en-US" sz="4400" dirty="0" smtClean="0"/>
+              <a:t>として</a:t>
+            </a:r>
+            <a:endParaRPr lang="en-US" altLang="ja-JP" sz="4400" dirty="0" smtClean="0"/>
+          </a:p>
+          <a:p>
+            <a:pPr algn="ctr">
+              <a:buNone/>
+            </a:pPr>
+            <a:r>
+              <a:rPr lang="ja-JP" altLang="en-US" sz="4400" dirty="0" smtClean="0"/>
+              <a:t>実際の</a:t>
+            </a:r>
+            <a:r>
+              <a:rPr lang="en-US" altLang="ja-JP" sz="4400" dirty="0" smtClean="0"/>
+              <a:t>DB</a:t>
+            </a:r>
+            <a:r>
+              <a:rPr lang="ja-JP" altLang="en-US" sz="4400" dirty="0" smtClean="0"/>
+              <a:t>に一括実行して</a:t>
+            </a:r>
+            <a:endParaRPr lang="en-US" altLang="ja-JP" sz="4400" dirty="0" smtClean="0"/>
+          </a:p>
+          <a:p>
+            <a:pPr algn="ctr">
+              <a:buNone/>
+            </a:pPr>
+            <a:r>
+              <a:rPr lang="ja-JP" altLang="en-US" sz="4400" dirty="0" smtClean="0"/>
+              <a:t>テストする</a:t>
+            </a:r>
+            <a:r>
+              <a:rPr lang="en-US" altLang="ja-JP" sz="4400" dirty="0" err="1" smtClean="0"/>
+              <a:t>DBFlute</a:t>
+            </a:r>
+            <a:r>
+              <a:rPr lang="ja-JP" altLang="en-US" sz="4400" dirty="0" smtClean="0"/>
+              <a:t>のタスク</a:t>
+            </a:r>
+            <a:endParaRPr lang="en-US" altLang="ja-JP" sz="4400" dirty="0" smtClean="0"/>
+          </a:p>
+        </p:txBody>
+      </p:sp>
+      <p:sp>
+        <p:nvSpPr>
+          <p:cNvPr id="5" name="フッター プレースホルダ 4"/>
+          <p:cNvSpPr>
+            <a:spLocks noGrp="1"/>
+          </p:cNvSpPr>
+          <p:nvPr>
+            <p:ph type="ftr" sz="quarter" idx="11"/>
+          </p:nvPr>
+        </p:nvSpPr>
+        <p:spPr/>
+        <p:txBody>
+          <a:bodyPr/>
+          <a:lstStyle/>
+          <a:p>
+            <a:r>
+              <a:rPr lang="en-US" altLang="ja-JP" smtClean="0"/>
+              <a:t>Seasar Conference 2008 Autumn</a:t>
+            </a:r>
+            <a:endParaRPr lang="ja-JP" altLang="en-US"/>
+          </a:p>
+        </p:txBody>
+      </p:sp>
+    </p:spTree>
+  </p:cSld>
+  <p:clrMapOvr>
+    <a:masterClrMapping/>
+  </p:clrMapOvr>
+</p:sld>
+</file>
+
+<file path=ppt/slides/slide12.xml><?xml version="1.0" encoding="utf-8"?>
+<p:sld xmlns:a="http://schemas.openxmlformats.org/drawingml/2006/main" xmlns:r="http://schemas.openxmlformats.org/officeDocument/2006/relationships" xmlns:mc="http://schemas.openxmlformats.org/markup-compatibility/2006" xmlns:mv="urn:schemas-microsoft-com:mac:vml" xmlns:p="http://schemas.openxmlformats.org/presentationml/2006/main" mc:Ignorable="mv" mc:PreserveAttributes="mv:*">
+  <p:cSld>
+    <p:spTree>
+      <p:nvGrpSpPr>
+        <p:cNvPr id="1" name=""/>
+        <p:cNvGrpSpPr/>
+        <p:nvPr/>
+      </p:nvGrpSpPr>
+      <p:grpSpPr>
+        <a:xfrm>
+          <a:off x="0" y="0"/>
+          <a:ext cx="0" cy="0"/>
+          <a:chOff x="0" y="0"/>
+          <a:chExt cx="0" cy="0"/>
+        </a:xfrm>
+      </p:grpSpPr>
+      <p:sp>
+        <p:nvSpPr>
+          <p:cNvPr id="2" name="タイトル 1"/>
+          <p:cNvSpPr>
+            <a:spLocks noGrp="1"/>
+          </p:cNvSpPr>
+          <p:nvPr>
+            <p:ph type="title"/>
+          </p:nvPr>
+        </p:nvSpPr>
+        <p:spPr/>
+        <p:txBody>
+          <a:bodyPr/>
+          <a:lstStyle/>
+          <a:p>
+            <a:r>
+              <a:rPr lang="en-US" altLang="ja-JP" dirty="0" smtClean="0"/>
+              <a:t>[1]2Way</a:t>
+            </a:r>
+            <a:r>
+              <a:rPr lang="ja-JP" altLang="en-US" dirty="0" smtClean="0"/>
+              <a:t>テスト</a:t>
+            </a:r>
+            <a:r>
+              <a:rPr lang="en-US" altLang="ja-JP" dirty="0" smtClean="0"/>
+              <a:t>:</a:t>
+            </a:r>
+            <a:br>
+              <a:rPr lang="en-US" altLang="ja-JP" dirty="0" smtClean="0"/>
+            </a:br>
+            <a:r>
+              <a:rPr lang="en-US" altLang="ja-JP" dirty="0" err="1" smtClean="0"/>
+              <a:t>OutsideSqlTest</a:t>
+            </a:r>
+            <a:r>
+              <a:rPr lang="ja-JP" altLang="en-US" dirty="0" smtClean="0"/>
+              <a:t>概念図</a:t>
+            </a:r>
+            <a:endParaRPr lang="ja-JP" altLang="en-US" dirty="0"/>
+          </a:p>
+        </p:txBody>
+      </p:sp>
+      <p:sp>
+        <p:nvSpPr>
+          <p:cNvPr id="5" name="フッター プレースホルダ 4"/>
+          <p:cNvSpPr>
+            <a:spLocks noGrp="1"/>
+          </p:cNvSpPr>
+          <p:nvPr>
+            <p:ph type="ftr" sz="quarter" idx="11"/>
+          </p:nvPr>
+        </p:nvSpPr>
+        <p:spPr/>
+        <p:txBody>
+          <a:bodyPr/>
+          <a:lstStyle/>
+          <a:p>
+            <a:r>
+              <a:rPr lang="en-US" altLang="ja-JP" smtClean="0"/>
+              <a:t>Seasar Conference 2008 Autumn</a:t>
+            </a:r>
+            <a:endParaRPr lang="ja-JP" altLang="en-US"/>
+          </a:p>
+        </p:txBody>
+      </p:sp>
+      <p:sp>
+        <p:nvSpPr>
+          <p:cNvPr id="6" name="円柱 5"/>
+          <p:cNvSpPr/>
+          <p:nvPr/>
+        </p:nvSpPr>
+        <p:spPr>
+          <a:xfrm>
+            <a:off x="6934200" y="2895600"/>
+            <a:ext cx="914400" cy="1216152"/>
+          </a:xfrm>
+          <a:prstGeom prst="can">
+            <a:avLst/>
+          </a:prstGeom>
+        </p:spPr>
+        <p:style>
+          <a:lnRef idx="1">
+            <a:schemeClr val="accent1"/>
+          </a:lnRef>
+          <a:fillRef idx="3">
+            <a:schemeClr val="accent1"/>
+          </a:fillRef>
+          <a:effectRef idx="2">
+            <a:schemeClr val="accent1"/>
+          </a:effectRef>
+          <a:fontRef idx="minor">
+            <a:schemeClr val="lt1"/>
+          </a:fontRef>
+        </p:style>
+        <p:txBody>
+          <a:bodyPr rtlCol="0" anchor="ctr"/>
+          <a:lstStyle/>
+          <a:p>
+            <a:pPr algn="ctr"/>
+            <a:endParaRPr kumimoji="1" lang="ja-JP" altLang="en-US"/>
+          </a:p>
+        </p:txBody>
+      </p:sp>
+      <p:sp>
+        <p:nvSpPr>
+          <p:cNvPr id="8" name="正方形/長方形 7"/>
+          <p:cNvSpPr/>
+          <p:nvPr/>
+        </p:nvSpPr>
+        <p:spPr>
+          <a:xfrm>
+            <a:off x="3942606" y="2286000"/>
+            <a:ext cx="1924793" cy="838200"/>
+          </a:xfrm>
+          <a:prstGeom prst="rect">
+            <a:avLst/>
+          </a:prstGeom>
+          <a:noFill/>
+        </p:spPr>
+        <p:style>
+          <a:lnRef idx="1">
+            <a:schemeClr val="accent1"/>
+          </a:lnRef>
+          <a:fillRef idx="3">
+            <a:schemeClr val="accent1"/>
+          </a:fillRef>
+          <a:effectRef idx="2">
+            <a:schemeClr val="accent1"/>
+          </a:effectRef>
+          <a:fontRef idx="minor">
+            <a:schemeClr val="lt1"/>
+          </a:fontRef>
+        </p:style>
+        <p:txBody>
+          <a:bodyPr rtlCol="0" anchor="ctr"/>
+          <a:lstStyle/>
+          <a:p>
+            <a:pPr algn="ctr"/>
+            <a:r>
+              <a:rPr lang="en-US" altLang="ja-JP" dirty="0" smtClean="0">
+                <a:solidFill>
+                  <a:schemeClr val="tx1"/>
+                </a:solidFill>
+              </a:rPr>
+              <a:t>SQL</a:t>
+            </a:r>
+            <a:r>
+              <a:rPr lang="ja-JP" altLang="en-US" dirty="0" smtClean="0">
+                <a:solidFill>
+                  <a:schemeClr val="tx1"/>
+                </a:solidFill>
+              </a:rPr>
+              <a:t>ファイル</a:t>
+            </a:r>
+            <a:endParaRPr lang="en-US" altLang="ja-JP" dirty="0" smtClean="0">
+              <a:solidFill>
+                <a:schemeClr val="tx1"/>
+              </a:solidFill>
+            </a:endParaRPr>
+          </a:p>
+          <a:p>
+            <a:pPr algn="ctr"/>
+            <a:r>
+              <a:rPr kumimoji="1" lang="en-US" altLang="ja-JP" dirty="0" smtClean="0">
+                <a:solidFill>
+                  <a:schemeClr val="tx1"/>
+                </a:solidFill>
+              </a:rPr>
+              <a:t>(2WaySQL)</a:t>
+            </a:r>
+            <a:endParaRPr kumimoji="1" lang="ja-JP" altLang="en-US" dirty="0">
+              <a:solidFill>
+                <a:schemeClr val="tx1"/>
+              </a:solidFill>
+            </a:endParaRPr>
+          </a:p>
+        </p:txBody>
+      </p:sp>
+      <p:sp>
+        <p:nvSpPr>
+          <p:cNvPr id="9" name="角丸四角形 8"/>
+          <p:cNvSpPr/>
+          <p:nvPr/>
+        </p:nvSpPr>
+        <p:spPr>
+          <a:xfrm>
+            <a:off x="4028703" y="4111753"/>
+            <a:ext cx="1752600" cy="914400"/>
+          </a:xfrm>
+          <a:prstGeom prst="roundRect">
+            <a:avLst/>
+          </a:prstGeom>
+        </p:spPr>
+        <p:style>
+          <a:lnRef idx="1">
+            <a:schemeClr val="accent1"/>
+          </a:lnRef>
+          <a:fillRef idx="3">
+            <a:schemeClr val="accent1"/>
+          </a:fillRef>
+          <a:effectRef idx="2">
+            <a:schemeClr val="accent1"/>
+          </a:effectRef>
+          <a:fontRef idx="minor">
+            <a:schemeClr val="lt1"/>
+          </a:fontRef>
+        </p:style>
+        <p:txBody>
+          <a:bodyPr rtlCol="0" anchor="ctr"/>
+          <a:lstStyle/>
+          <a:p>
+            <a:pPr algn="ctr"/>
+            <a:r>
+              <a:rPr kumimoji="1" lang="en-US" altLang="ja-JP" dirty="0" err="1" smtClean="0"/>
+              <a:t>DBFlute</a:t>
+            </a:r>
+            <a:endParaRPr kumimoji="1" lang="ja-JP" altLang="en-US" dirty="0"/>
+          </a:p>
+        </p:txBody>
+      </p:sp>
+      <p:cxnSp>
+        <p:nvCxnSpPr>
+          <p:cNvPr id="11" name="直線矢印コネクタ 10"/>
+          <p:cNvCxnSpPr>
+            <a:stCxn id="9" idx="0"/>
+            <a:endCxn id="8" idx="2"/>
+          </p:cNvCxnSpPr>
+          <p:nvPr/>
+        </p:nvCxnSpPr>
+        <p:spPr>
+          <a:xfrm rot="5400000" flipH="1" flipV="1">
+            <a:off x="4411227" y="3617977"/>
+            <a:ext cx="987553" cy="1588"/>
+          </a:xfrm>
+          <a:prstGeom prst="straightConnector1">
+            <a:avLst/>
+          </a:prstGeom>
+          <a:ln>
+            <a:tailEnd type="arrow"/>
+          </a:ln>
+        </p:spPr>
+        <p:style>
+          <a:lnRef idx="2">
+            <a:schemeClr val="accent1"/>
+          </a:lnRef>
+          <a:fillRef idx="0">
+            <a:schemeClr val="accent1"/>
+          </a:fillRef>
+          <a:effectRef idx="1">
+            <a:schemeClr val="accent1"/>
+          </a:effectRef>
+          <a:fontRef idx="minor">
+            <a:schemeClr val="tx1"/>
+          </a:fontRef>
+        </p:style>
+      </p:cxnSp>
+      <p:cxnSp>
+        <p:nvCxnSpPr>
+          <p:cNvPr id="12" name="直線矢印コネクタ 11"/>
+          <p:cNvCxnSpPr>
+            <a:stCxn id="9" idx="3"/>
+            <a:endCxn id="6" idx="2"/>
+          </p:cNvCxnSpPr>
+          <p:nvPr/>
+        </p:nvCxnSpPr>
+        <p:spPr>
+          <a:xfrm flipV="1">
+            <a:off x="5781303" y="3503676"/>
+            <a:ext cx="1152897" cy="1065277"/>
+          </a:xfrm>
+          <a:prstGeom prst="straightConnector1">
+            <a:avLst/>
+          </a:prstGeom>
+          <a:ln>
+            <a:tailEnd type="arrow"/>
+          </a:ln>
+        </p:spPr>
+        <p:style>
+          <a:lnRef idx="2">
+            <a:schemeClr val="accent1"/>
+          </a:lnRef>
+          <a:fillRef idx="0">
+            <a:schemeClr val="accent1"/>
+          </a:fillRef>
+          <a:effectRef idx="1">
+            <a:schemeClr val="accent1"/>
+          </a:effectRef>
+          <a:fontRef idx="minor">
+            <a:schemeClr val="tx1"/>
+          </a:fontRef>
+        </p:style>
+      </p:cxnSp>
+      <p:sp>
+        <p:nvSpPr>
+          <p:cNvPr id="16" name="スマイル 15"/>
+          <p:cNvSpPr/>
+          <p:nvPr/>
+        </p:nvSpPr>
+        <p:spPr>
+          <a:xfrm>
+            <a:off x="914400" y="3963662"/>
+            <a:ext cx="914400" cy="914400"/>
+          </a:xfrm>
+          <a:prstGeom prst="smileyFace">
+            <a:avLst/>
+          </a:prstGeom>
+          <a:solidFill>
+            <a:schemeClr val="bg2"/>
+          </a:solidFill>
+        </p:spPr>
+        <p:style>
+          <a:lnRef idx="1">
+            <a:schemeClr val="accent1"/>
+          </a:lnRef>
+          <a:fillRef idx="3">
+            <a:schemeClr val="accent1"/>
+          </a:fillRef>
+          <a:effectRef idx="2">
+            <a:schemeClr val="accent1"/>
+          </a:effectRef>
+          <a:fontRef idx="minor">
+            <a:schemeClr val="lt1"/>
+          </a:fontRef>
+        </p:style>
+        <p:txBody>
+          <a:bodyPr rtlCol="0" anchor="ctr"/>
+          <a:lstStyle/>
+          <a:p>
+            <a:pPr algn="ctr"/>
+            <a:endParaRPr kumimoji="1" lang="ja-JP" altLang="en-US"/>
+          </a:p>
+        </p:txBody>
+      </p:sp>
+      <p:cxnSp>
+        <p:nvCxnSpPr>
+          <p:cNvPr id="17" name="直線矢印コネクタ 16"/>
+          <p:cNvCxnSpPr/>
+          <p:nvPr/>
+        </p:nvCxnSpPr>
+        <p:spPr>
+          <a:xfrm flipV="1">
+            <a:off x="1828802" y="4332993"/>
+            <a:ext cx="2199901" cy="3"/>
+          </a:xfrm>
+          <a:prstGeom prst="straightConnector1">
+            <a:avLst/>
+          </a:prstGeom>
+          <a:ln>
+            <a:tailEnd type="arrow"/>
+          </a:ln>
+        </p:spPr>
+        <p:style>
+          <a:lnRef idx="2">
+            <a:schemeClr val="accent1"/>
+          </a:lnRef>
+          <a:fillRef idx="0">
+            <a:schemeClr val="accent1"/>
+          </a:fillRef>
+          <a:effectRef idx="1">
+            <a:schemeClr val="accent1"/>
+          </a:effectRef>
+          <a:fontRef idx="minor">
+            <a:schemeClr val="tx1"/>
+          </a:fontRef>
+        </p:style>
+      </p:cxnSp>
+      <p:sp>
+        <p:nvSpPr>
+          <p:cNvPr id="20" name="テキスト ボックス 19"/>
+          <p:cNvSpPr txBox="1"/>
+          <p:nvPr/>
+        </p:nvSpPr>
+        <p:spPr>
+          <a:xfrm>
+            <a:off x="1828800" y="3963662"/>
+            <a:ext cx="2187092" cy="369332"/>
+          </a:xfrm>
+          <a:prstGeom prst="rect">
+            <a:avLst/>
+          </a:prstGeom>
+          <a:noFill/>
+        </p:spPr>
+        <p:txBody>
+          <a:bodyPr wrap="none" rtlCol="0">
+            <a:spAutoFit/>
+          </a:bodyPr>
+          <a:lstStyle/>
+          <a:p>
+            <a:r>
+              <a:rPr lang="en-US" altLang="ja-JP" dirty="0" smtClean="0"/>
+              <a:t>1. o</a:t>
+            </a:r>
+            <a:r>
+              <a:rPr kumimoji="1" lang="en-US" altLang="ja-JP" dirty="0" smtClean="0"/>
+              <a:t>utside-</a:t>
+            </a:r>
+            <a:r>
+              <a:rPr lang="en-US" altLang="ja-JP" dirty="0" err="1" smtClean="0"/>
+              <a:t>sql</a:t>
+            </a:r>
+            <a:r>
+              <a:rPr lang="en-US" altLang="ja-JP" dirty="0" smtClean="0"/>
+              <a:t>-test</a:t>
+            </a:r>
+            <a:r>
+              <a:rPr lang="ja-JP" altLang="en-US" dirty="0" smtClean="0"/>
+              <a:t>実行</a:t>
+            </a:r>
+            <a:endParaRPr kumimoji="1" lang="ja-JP" altLang="en-US" dirty="0"/>
+          </a:p>
+        </p:txBody>
+      </p:sp>
+      <p:sp>
+        <p:nvSpPr>
+          <p:cNvPr id="24" name="テキスト ボックス 23"/>
+          <p:cNvSpPr txBox="1"/>
+          <p:nvPr/>
+        </p:nvSpPr>
+        <p:spPr>
+          <a:xfrm>
+            <a:off x="3568661" y="3319010"/>
+            <a:ext cx="1337137" cy="369332"/>
+          </a:xfrm>
+          <a:prstGeom prst="rect">
+            <a:avLst/>
+          </a:prstGeom>
+          <a:noFill/>
+        </p:spPr>
+        <p:txBody>
+          <a:bodyPr wrap="none" rtlCol="0">
+            <a:spAutoFit/>
+          </a:bodyPr>
+          <a:lstStyle/>
+          <a:p>
+            <a:r>
+              <a:rPr lang="en-US" altLang="ja-JP" dirty="0" smtClean="0"/>
+              <a:t>2. </a:t>
+            </a:r>
+            <a:r>
+              <a:rPr lang="ja-JP" altLang="en-US" dirty="0" smtClean="0"/>
+              <a:t>読み込み</a:t>
+            </a:r>
+            <a:endParaRPr kumimoji="1" lang="ja-JP" altLang="en-US" dirty="0"/>
+          </a:p>
+        </p:txBody>
+      </p:sp>
+      <p:sp>
+        <p:nvSpPr>
+          <p:cNvPr id="25" name="テキスト ボックス 24"/>
+          <p:cNvSpPr txBox="1"/>
+          <p:nvPr/>
+        </p:nvSpPr>
+        <p:spPr>
+          <a:xfrm>
+            <a:off x="6096000" y="4332994"/>
+            <a:ext cx="877163" cy="369332"/>
+          </a:xfrm>
+          <a:prstGeom prst="rect">
+            <a:avLst/>
+          </a:prstGeom>
+          <a:noFill/>
+        </p:spPr>
+        <p:txBody>
+          <a:bodyPr wrap="none" rtlCol="0">
+            <a:spAutoFit/>
+          </a:bodyPr>
+          <a:lstStyle/>
+          <a:p>
+            <a:r>
+              <a:rPr lang="en-US" altLang="ja-JP" dirty="0" smtClean="0"/>
+              <a:t>3. </a:t>
+            </a:r>
+            <a:r>
+              <a:rPr lang="ja-JP" altLang="en-US" dirty="0" smtClean="0"/>
+              <a:t>実行</a:t>
+            </a:r>
+            <a:endParaRPr kumimoji="1" lang="ja-JP" altLang="en-US" dirty="0"/>
+          </a:p>
+        </p:txBody>
+      </p:sp>
+      <p:cxnSp>
+        <p:nvCxnSpPr>
+          <p:cNvPr id="30" name="直線矢印コネクタ 29"/>
+          <p:cNvCxnSpPr/>
+          <p:nvPr/>
+        </p:nvCxnSpPr>
+        <p:spPr>
+          <a:xfrm rot="10800000" flipV="1">
+            <a:off x="1828800" y="4568956"/>
+            <a:ext cx="2199904" cy="1"/>
+          </a:xfrm>
+          <a:prstGeom prst="straightConnector1">
+            <a:avLst/>
+          </a:prstGeom>
+          <a:ln>
+            <a:tailEnd type="arrow"/>
+          </a:ln>
+        </p:spPr>
+        <p:style>
+          <a:lnRef idx="2">
+            <a:schemeClr val="accent1"/>
+          </a:lnRef>
+          <a:fillRef idx="0">
+            <a:schemeClr val="accent1"/>
+          </a:fillRef>
+          <a:effectRef idx="1">
+            <a:schemeClr val="accent1"/>
+          </a:effectRef>
+          <a:fontRef idx="minor">
+            <a:schemeClr val="tx1"/>
+          </a:fontRef>
+        </p:style>
+      </p:cxnSp>
+      <p:sp>
+        <p:nvSpPr>
+          <p:cNvPr id="33" name="テキスト ボックス 32"/>
+          <p:cNvSpPr txBox="1"/>
+          <p:nvPr/>
+        </p:nvSpPr>
+        <p:spPr>
+          <a:xfrm>
+            <a:off x="1975402" y="4568958"/>
+            <a:ext cx="1850649" cy="369332"/>
+          </a:xfrm>
+          <a:prstGeom prst="rect">
+            <a:avLst/>
+          </a:prstGeom>
+          <a:noFill/>
+        </p:spPr>
+        <p:txBody>
+          <a:bodyPr wrap="none" rtlCol="0">
+            <a:spAutoFit/>
+          </a:bodyPr>
+          <a:lstStyle/>
+          <a:p>
+            <a:r>
+              <a:rPr kumimoji="1" lang="en-US" altLang="ja-JP" dirty="0" smtClean="0"/>
+              <a:t>4. </a:t>
+            </a:r>
+            <a:r>
+              <a:rPr kumimoji="1" lang="ja-JP" altLang="en-US" dirty="0" smtClean="0"/>
+              <a:t>結果閲覧</a:t>
+            </a:r>
+            <a:r>
+              <a:rPr kumimoji="1" lang="en-US" altLang="ja-JP" dirty="0" smtClean="0"/>
+              <a:t>(</a:t>
+            </a:r>
+            <a:r>
+              <a:rPr kumimoji="1" lang="ja-JP" altLang="en-US" dirty="0" smtClean="0"/>
+              <a:t>ログ</a:t>
+            </a:r>
+            <a:r>
+              <a:rPr kumimoji="1" lang="en-US" altLang="ja-JP" dirty="0" smtClean="0"/>
+              <a:t>)</a:t>
+            </a:r>
+            <a:endParaRPr kumimoji="1" lang="ja-JP" altLang="en-US" dirty="0"/>
+          </a:p>
+        </p:txBody>
+      </p:sp>
+      <p:sp>
+        <p:nvSpPr>
+          <p:cNvPr id="34" name="テキスト ボックス 33"/>
+          <p:cNvSpPr txBox="1"/>
+          <p:nvPr/>
+        </p:nvSpPr>
+        <p:spPr>
+          <a:xfrm>
+            <a:off x="957936" y="2949678"/>
+            <a:ext cx="2034932" cy="369332"/>
+          </a:xfrm>
+          <a:prstGeom prst="rect">
+            <a:avLst/>
+          </a:prstGeom>
+          <a:noFill/>
+          <a:ln>
+            <a:gradFill flip="none" rotWithShape="1">
+              <a:gsLst>
+                <a:gs pos="0">
+                  <a:schemeClr val="bg2"/>
+                </a:gs>
+                <a:gs pos="100000">
+                  <a:srgbClr val="000000"/>
+                </a:gs>
+              </a:gsLst>
+              <a:path path="rect">
+                <a:fillToRect l="100000" t="100000"/>
+              </a:path>
+              <a:tileRect r="-100000" b="-100000"/>
+            </a:gradFill>
+            <a:prstDash val="dashDot"/>
+          </a:ln>
+        </p:spPr>
+        <p:txBody>
+          <a:bodyPr wrap="none" rtlCol="0">
+            <a:spAutoFit/>
+          </a:bodyPr>
+          <a:lstStyle/>
+          <a:p>
+            <a:r>
+              <a:rPr lang="en-US" altLang="ja-JP" dirty="0" err="1" smtClean="0"/>
+              <a:t>b</a:t>
+            </a:r>
+            <a:r>
+              <a:rPr lang="en-US" altLang="ja-JP" dirty="0" err="1" smtClean="0"/>
+              <a:t>at(sh</a:t>
+            </a:r>
+            <a:r>
+              <a:rPr lang="en-US" altLang="ja-JP" dirty="0" smtClean="0"/>
+              <a:t>)</a:t>
+            </a:r>
+            <a:r>
+              <a:rPr lang="ja-JP" altLang="en-US" dirty="0" smtClean="0"/>
+              <a:t>ファイル実行</a:t>
+            </a:r>
+            <a:endParaRPr kumimoji="1" lang="ja-JP" altLang="en-US" dirty="0"/>
+          </a:p>
+        </p:txBody>
+      </p:sp>
+      <p:cxnSp>
+        <p:nvCxnSpPr>
+          <p:cNvPr id="36" name="直線矢印コネクタ 35"/>
+          <p:cNvCxnSpPr>
+            <a:stCxn id="34" idx="2"/>
+            <a:endCxn id="20" idx="0"/>
+          </p:cNvCxnSpPr>
+          <p:nvPr/>
+        </p:nvCxnSpPr>
+        <p:spPr>
+          <a:xfrm rot="16200000" flipH="1">
+            <a:off x="2126548" y="3167864"/>
+            <a:ext cx="644652" cy="946944"/>
+          </a:xfrm>
+          <a:prstGeom prst="straightConnector1">
+            <a:avLst/>
+          </a:prstGeom>
+          <a:ln w="12700" cmpd="sng">
+            <a:solidFill>
+              <a:schemeClr val="tx1">
+                <a:lumMod val="65000"/>
+                <a:lumOff val="35000"/>
+              </a:schemeClr>
+            </a:solidFill>
+            <a:tailEnd type="arrow"/>
+          </a:ln>
+        </p:spPr>
+        <p:style>
+          <a:lnRef idx="2">
+            <a:schemeClr val="accent1"/>
+          </a:lnRef>
+          <a:fillRef idx="0">
+            <a:schemeClr val="accent1"/>
+          </a:fillRef>
+          <a:effectRef idx="1">
+            <a:schemeClr val="accent1"/>
+          </a:effectRef>
+          <a:fontRef idx="minor">
+            <a:schemeClr val="tx1"/>
+          </a:fontRef>
+        </p:style>
+      </p:cxnSp>
+      <p:pic>
+        <p:nvPicPr>
+          <p:cNvPr id="37" name="Picture 4" descr="MCBD07159_0000[1]"/>
+          <p:cNvPicPr>
+            <a:picLocks noChangeAspect="1" noChangeArrowheads="1"/>
+          </p:cNvPicPr>
+          <p:nvPr/>
+        </p:nvPicPr>
+        <p:blipFill>
+          <a:blip r:embed="rId2"/>
+          <a:srcRect/>
+          <a:stretch>
+            <a:fillRect/>
+          </a:stretch>
+        </p:blipFill>
+        <p:spPr bwMode="auto">
+          <a:xfrm>
+            <a:off x="914400" y="5630038"/>
+            <a:ext cx="915988" cy="935037"/>
+          </a:xfrm>
+          <a:prstGeom prst="rect">
+            <a:avLst/>
+          </a:prstGeom>
+          <a:noFill/>
+        </p:spPr>
+      </p:pic>
+    </p:spTree>
+  </p:cSld>
+  <p:clrMapOvr>
+    <a:masterClrMapping/>
+  </p:clrMapOvr>
+</p:sld>
+</file>
+
+<file path=ppt/slides/slide13.xml><?xml version="1.0" encoding="utf-8"?>
+<p:sld xmlns:a="http://schemas.openxmlformats.org/drawingml/2006/main" xmlns:r="http://schemas.openxmlformats.org/officeDocument/2006/relationships" xmlns:mc="http://schemas.openxmlformats.org/markup-compatibility/2006" xmlns:mv="urn:schemas-microsoft-com:mac:vml" xmlns:p="http://schemas.openxmlformats.org/presentationml/2006/main" mc:Ignorable="mv" mc:PreserveAttributes="mv:*">
+  <p:cSld>
+    <p:spTree>
+      <p:nvGrpSpPr>
+        <p:cNvPr id="1" name=""/>
+        <p:cNvGrpSpPr/>
+        <p:nvPr/>
+      </p:nvGrpSpPr>
+      <p:grpSpPr>
+        <a:xfrm>
+          <a:off x="0" y="0"/>
+          <a:ext cx="0" cy="0"/>
+          <a:chOff x="0" y="0"/>
+          <a:chExt cx="0" cy="0"/>
+        </a:xfrm>
+      </p:grpSpPr>
+      <p:sp>
+        <p:nvSpPr>
+          <p:cNvPr id="2" name="タイトル 1"/>
+          <p:cNvSpPr>
+            <a:spLocks noGrp="1"/>
+          </p:cNvSpPr>
+          <p:nvPr>
+            <p:ph type="title"/>
+          </p:nvPr>
+        </p:nvSpPr>
+        <p:spPr/>
+        <p:txBody>
+          <a:bodyPr/>
+          <a:lstStyle/>
+          <a:p>
+            <a:r>
+              <a:rPr lang="en-US" altLang="ja-JP" dirty="0" smtClean="0"/>
+              <a:t>[1]2Way</a:t>
+            </a:r>
+            <a:r>
+              <a:rPr lang="ja-JP" altLang="en-US" dirty="0" smtClean="0"/>
+              <a:t>テスト</a:t>
+            </a:r>
+            <a:r>
+              <a:rPr lang="en-US" altLang="ja-JP" dirty="0" smtClean="0"/>
+              <a:t>:</a:t>
+            </a:r>
+            <a:br>
+              <a:rPr lang="en-US" altLang="ja-JP" dirty="0" smtClean="0"/>
+            </a:br>
+            <a:r>
+              <a:rPr lang="en-US" altLang="ja-JP" dirty="0" err="1" smtClean="0"/>
+              <a:t>OutsideSqlTest</a:t>
+            </a:r>
+            <a:r>
+              <a:rPr lang="ja-JP" altLang="en-US" dirty="0" smtClean="0"/>
+              <a:t>のメリット</a:t>
+            </a:r>
+            <a:endParaRPr lang="ja-JP" altLang="en-US" dirty="0"/>
+          </a:p>
+        </p:txBody>
+      </p:sp>
+      <p:sp>
+        <p:nvSpPr>
+          <p:cNvPr id="3" name="コンテンツ プレースホルダ 2"/>
+          <p:cNvSpPr>
+            <a:spLocks noGrp="1"/>
+          </p:cNvSpPr>
+          <p:nvPr>
+            <p:ph idx="1"/>
+          </p:nvPr>
+        </p:nvSpPr>
+        <p:spPr/>
+        <p:txBody>
+          <a:bodyPr/>
+          <a:lstStyle/>
+          <a:p>
+            <a:endParaRPr lang="en-US" altLang="ja-JP" dirty="0" smtClean="0"/>
+          </a:p>
+          <a:p>
+            <a:r>
+              <a:rPr lang="en-US" altLang="ja-JP" dirty="0" smtClean="0"/>
+              <a:t>DBA</a:t>
+            </a:r>
+            <a:r>
+              <a:rPr lang="ja-JP" altLang="en-US" dirty="0" smtClean="0"/>
+              <a:t>が</a:t>
+            </a:r>
+            <a:r>
+              <a:rPr lang="en-US" altLang="ja-JP" dirty="0" smtClean="0"/>
+              <a:t>DB</a:t>
+            </a:r>
+            <a:r>
+              <a:rPr lang="ja-JP" altLang="en-US" dirty="0" smtClean="0"/>
+              <a:t>変更時の影響を一気に確認できる</a:t>
+            </a:r>
+            <a:endParaRPr lang="en-US" altLang="ja-JP" dirty="0" smtClean="0"/>
+          </a:p>
+          <a:p>
+            <a:r>
+              <a:rPr lang="ja-JP" altLang="en-US" dirty="0" smtClean="0"/>
+              <a:t>プログラマが</a:t>
+            </a:r>
+            <a:r>
+              <a:rPr lang="en-US" altLang="ja-JP" dirty="0" smtClean="0"/>
+              <a:t>DB</a:t>
+            </a:r>
+            <a:r>
+              <a:rPr lang="ja-JP" altLang="en-US" dirty="0" smtClean="0"/>
+              <a:t>ツールなしで簡単実行</a:t>
+            </a:r>
+            <a:endParaRPr lang="en-US" altLang="ja-JP" dirty="0" smtClean="0"/>
+          </a:p>
+          <a:p>
+            <a:r>
+              <a:rPr lang="en-US" altLang="ja-JP" dirty="0" smtClean="0"/>
+              <a:t>Sql2Entity</a:t>
+            </a:r>
+            <a:r>
+              <a:rPr lang="ja-JP" altLang="en-US" dirty="0" smtClean="0"/>
+              <a:t>対象外の</a:t>
+            </a:r>
+            <a:r>
+              <a:rPr lang="en-US" altLang="ja-JP" dirty="0" smtClean="0"/>
+              <a:t>SQL</a:t>
+            </a:r>
+            <a:r>
+              <a:rPr lang="ja-JP" altLang="en-US" dirty="0" smtClean="0"/>
+              <a:t>もチェック可能</a:t>
+            </a:r>
+            <a:endParaRPr lang="en-US" altLang="ja-JP" dirty="0" smtClean="0"/>
+          </a:p>
+          <a:p>
+            <a:endParaRPr lang="ja-JP" altLang="en-US" dirty="0"/>
+          </a:p>
+        </p:txBody>
+      </p:sp>
+      <p:sp>
+        <p:nvSpPr>
+          <p:cNvPr id="4" name="フッター プレースホルダ 3"/>
+          <p:cNvSpPr>
+            <a:spLocks noGrp="1"/>
+          </p:cNvSpPr>
+          <p:nvPr>
+            <p:ph type="ftr" sz="quarter" idx="11"/>
+          </p:nvPr>
+        </p:nvSpPr>
+        <p:spPr/>
+        <p:txBody>
+          <a:bodyPr/>
+          <a:lstStyle/>
+          <a:p>
+            <a:r>
+              <a:rPr lang="en-US" altLang="ja-JP" smtClean="0"/>
+              <a:t>Seasar Conference 2008 Autumn</a:t>
+            </a:r>
+            <a:endParaRPr lang="ja-JP" altLang="en-US"/>
+          </a:p>
+        </p:txBody>
+      </p:sp>
+      <p:sp>
+        <p:nvSpPr>
+          <p:cNvPr id="5" name="正方形/長方形 4"/>
+          <p:cNvSpPr/>
+          <p:nvPr/>
+        </p:nvSpPr>
+        <p:spPr>
+          <a:xfrm>
+            <a:off x="1676400" y="4648200"/>
+            <a:ext cx="5791200" cy="838200"/>
+          </a:xfrm>
+          <a:prstGeom prst="rect">
+            <a:avLst/>
+          </a:prstGeom>
+          <a:noFill/>
+          <a:ln>
+            <a:solidFill>
+              <a:schemeClr val="bg2">
+                <a:lumMod val="75000"/>
+              </a:schemeClr>
+            </a:solidFill>
+          </a:ln>
+        </p:spPr>
+        <p:style>
+          <a:lnRef idx="1">
+            <a:schemeClr val="accent1"/>
+          </a:lnRef>
+          <a:fillRef idx="3">
+            <a:schemeClr val="accent1"/>
+          </a:fillRef>
+          <a:effectRef idx="2">
+            <a:schemeClr val="accent1"/>
+          </a:effectRef>
+          <a:fontRef idx="minor">
+            <a:schemeClr val="lt1"/>
+          </a:fontRef>
+        </p:style>
+        <p:txBody>
+          <a:bodyPr rtlCol="0" anchor="ctr"/>
+          <a:lstStyle/>
+          <a:p>
+            <a:pPr algn="ctr"/>
+            <a:r>
+              <a:rPr kumimoji="1" lang="ja-JP" altLang="en-US" sz="2400" dirty="0" smtClean="0">
+                <a:solidFill>
+                  <a:schemeClr val="tx1"/>
+                </a:solidFill>
+              </a:rPr>
+              <a:t>地味ながら実際の現場でとても役立つ</a:t>
+            </a:r>
+            <a:endParaRPr kumimoji="1" lang="ja-JP" altLang="en-US" sz="2400" dirty="0">
+              <a:solidFill>
+                <a:schemeClr val="tx1"/>
+              </a:solidFill>
+            </a:endParaRPr>
+          </a:p>
+        </p:txBody>
+      </p:sp>
+    </p:spTree>
+  </p:cSld>
+  <p:clrMapOvr>
+    <a:masterClrMapping/>
+  </p:clrMapOvr>
+</p:sld>
+</file>
+
+<file path=ppt/slides/slide14.xml><?xml version="1.0" encoding="utf-8"?>
 <p:sld xmlns:a="http://schemas.openxmlformats.org/drawingml/2006/main" xmlns:r="http://schemas.openxmlformats.org/officeDocument/2006/relationships" xmlns:mc="http://schemas.openxmlformats.org/markup-compatibility/2006" xmlns:mv="urn:schemas-microsoft-com:mac:vml" xmlns:p="http://schemas.openxmlformats.org/presentationml/2006/main" mc:Ignorable="mv" mc:PreserveAttributes="mv:*">
   <p:cSld>
     <p:spTree>
@@ -9244,7 +10316,7 @@
 </p:sld>
 </file>
 
-<file path=ppt/slides/slide12.xml><?xml version="1.0" encoding="utf-8"?>
+<file path=ppt/slides/slide15.xml><?xml version="1.0" encoding="utf-8"?>
 <p:sld xmlns:a="http://schemas.openxmlformats.org/drawingml/2006/main" xmlns:r="http://schemas.openxmlformats.org/officeDocument/2006/relationships" xmlns:mc="http://schemas.openxmlformats.org/markup-compatibility/2006" xmlns:mv="urn:schemas-microsoft-com:mac:vml" xmlns:p="http://schemas.openxmlformats.org/presentationml/2006/main" mc:Ignorable="mv" mc:PreserveAttributes="mv:*">
   <p:cSld>
     <p:spTree>
@@ -9522,7 +10594,7 @@
 </p:sld>
 </file>
 
-<file path=ppt/slides/slide13.xml><?xml version="1.0" encoding="utf-8"?>
+<file path=ppt/slides/slide16.xml><?xml version="1.0" encoding="utf-8"?>
 <p:sld xmlns:a="http://schemas.openxmlformats.org/drawingml/2006/main" xmlns:r="http://schemas.openxmlformats.org/officeDocument/2006/relationships" xmlns:mc="http://schemas.openxmlformats.org/markup-compatibility/2006" xmlns:mv="urn:schemas-microsoft-com:mac:vml" xmlns:p="http://schemas.openxmlformats.org/presentationml/2006/main" mc:Ignorable="mv" mc:PreserveAttributes="mv:*">
   <p:cSld>
     <p:spTree>
@@ -9783,7 +10855,7 @@
 </p:sld>
 </file>
 
-<file path=ppt/slides/slide14.xml><?xml version="1.0" encoding="utf-8"?>
+<file path=ppt/slides/slide17.xml><?xml version="1.0" encoding="utf-8"?>
 <p:sld xmlns:a="http://schemas.openxmlformats.org/drawingml/2006/main" xmlns:r="http://schemas.openxmlformats.org/officeDocument/2006/relationships" xmlns:mc="http://schemas.openxmlformats.org/markup-compatibility/2006" xmlns:mv="urn:schemas-microsoft-com:mac:vml" xmlns:p="http://schemas.openxmlformats.org/presentationml/2006/main" mc:Ignorable="mv" mc:PreserveAttributes="mv:*">
   <p:cSld>
     <p:spTree>
@@ -10068,7 +11140,7 @@
 </p:sld>
 </file>
 
-<file path=ppt/slides/slide15.xml><?xml version="1.0" encoding="utf-8"?>
+<file path=ppt/slides/slide18.xml><?xml version="1.0" encoding="utf-8"?>
 <p:sld xmlns:a="http://schemas.openxmlformats.org/drawingml/2006/main" xmlns:r="http://schemas.openxmlformats.org/officeDocument/2006/relationships" xmlns:mc="http://schemas.openxmlformats.org/markup-compatibility/2006" xmlns:mv="urn:schemas-microsoft-com:mac:vml" xmlns:p="http://schemas.openxmlformats.org/presentationml/2006/main" mc:Ignorable="mv" mc:PreserveAttributes="mv:*">
   <p:cSld>
     <p:spTree>
@@ -10194,7 +11266,7 @@
 </p:sld>
 </file>
 
-<file path=ppt/slides/slide16.xml><?xml version="1.0" encoding="utf-8"?>
+<file path=ppt/slides/slide19.xml><?xml version="1.0" encoding="utf-8"?>
 <p:sld xmlns:a="http://schemas.openxmlformats.org/drawingml/2006/main" xmlns:r="http://schemas.openxmlformats.org/officeDocument/2006/relationships" xmlns:mc="http://schemas.openxmlformats.org/markup-compatibility/2006" xmlns:mv="urn:schemas-microsoft-com:mac:vml" xmlns:p="http://schemas.openxmlformats.org/presentationml/2006/main" mc:Ignorable="mv" mc:PreserveAttributes="mv:*">
   <p:cSld>
     <p:spTree>
@@ -10333,7 +11405,241 @@
 </p:sld>
 </file>
 
-<file path=ppt/slides/slide17.xml><?xml version="1.0" encoding="utf-8"?>
+<file path=ppt/slides/slide2.xml><?xml version="1.0" encoding="utf-8"?>
+<p:sld xmlns:a="http://schemas.openxmlformats.org/drawingml/2006/main" xmlns:r="http://schemas.openxmlformats.org/officeDocument/2006/relationships" xmlns:mc="http://schemas.openxmlformats.org/markup-compatibility/2006" xmlns:mv="urn:schemas-microsoft-com:mac:vml" xmlns:p="http://schemas.openxmlformats.org/presentationml/2006/main" mc:Ignorable="mv" mc:PreserveAttributes="mv:*">
+  <p:cSld>
+    <p:spTree>
+      <p:nvGrpSpPr>
+        <p:cNvPr id="1" name=""/>
+        <p:cNvGrpSpPr/>
+        <p:nvPr/>
+      </p:nvGrpSpPr>
+      <p:grpSpPr>
+        <a:xfrm>
+          <a:off x="0" y="0"/>
+          <a:ext cx="0" cy="0"/>
+          <a:chOff x="0" y="0"/>
+          <a:chExt cx="0" cy="0"/>
+        </a:xfrm>
+      </p:grpSpPr>
+      <p:sp>
+        <p:nvSpPr>
+          <p:cNvPr id="2" name="タイトル 1"/>
+          <p:cNvSpPr>
+            <a:spLocks noGrp="1"/>
+          </p:cNvSpPr>
+          <p:nvPr>
+            <p:ph type="title"/>
+          </p:nvPr>
+        </p:nvSpPr>
+        <p:spPr/>
+        <p:txBody>
+          <a:bodyPr/>
+          <a:lstStyle/>
+          <a:p>
+            <a:r>
+              <a:rPr lang="en-US" altLang="ja-JP" dirty="0" err="1" smtClean="0"/>
+              <a:t>DBFlute</a:t>
+            </a:r>
+            <a:r>
+              <a:rPr lang="ja-JP" altLang="en-US" dirty="0" smtClean="0"/>
+              <a:t>とは？</a:t>
+            </a:r>
+            <a:endParaRPr lang="ja-JP" altLang="en-US" dirty="0"/>
+          </a:p>
+        </p:txBody>
+      </p:sp>
+      <p:sp>
+        <p:nvSpPr>
+          <p:cNvPr id="3" name="コンテンツ プレースホルダ 2"/>
+          <p:cNvSpPr>
+            <a:spLocks noGrp="1"/>
+          </p:cNvSpPr>
+          <p:nvPr>
+            <p:ph idx="1"/>
+          </p:nvPr>
+        </p:nvSpPr>
+        <p:spPr/>
+        <p:txBody>
+          <a:bodyPr/>
+          <a:lstStyle/>
+          <a:p>
+            <a:pPr algn="ctr">
+              <a:buNone/>
+            </a:pPr>
+            <a:r>
+              <a:rPr lang="ja-JP" altLang="en-US" sz="3600" dirty="0" smtClean="0"/>
+              <a:t>現場指向の</a:t>
+            </a:r>
+            <a:r>
+              <a:rPr lang="en-US" altLang="ja-JP" sz="3600" dirty="0" smtClean="0"/>
+              <a:t>O/R</a:t>
+            </a:r>
+            <a:r>
+              <a:rPr lang="ja-JP" altLang="en-US" sz="3600" dirty="0" smtClean="0"/>
+              <a:t>マッパ</a:t>
+            </a:r>
+            <a:endParaRPr lang="en-US" altLang="ja-JP" sz="3600" dirty="0" smtClean="0"/>
+          </a:p>
+          <a:p>
+            <a:endParaRPr lang="en-US" altLang="ja-JP" dirty="0" smtClean="0"/>
+          </a:p>
+          <a:p>
+            <a:pPr lvl="1"/>
+            <a:r>
+              <a:rPr lang="ja-JP" altLang="en-US" dirty="0" smtClean="0"/>
+              <a:t>実際の開発現場で鍛えられつつ作り上げられてきたため、現場にフィットすることを重視しています。</a:t>
+            </a:r>
+            <a:endParaRPr lang="en-US" altLang="ja-JP" dirty="0" smtClean="0"/>
+          </a:p>
+          <a:p>
+            <a:pPr lvl="1"/>
+            <a:endParaRPr lang="en-US" altLang="ja-JP" dirty="0" smtClean="0"/>
+          </a:p>
+          <a:p>
+            <a:pPr lvl="1"/>
+            <a:r>
+              <a:rPr lang="en-US" altLang="ja-JP" dirty="0" smtClean="0"/>
+              <a:t>Apache Torque</a:t>
+            </a:r>
+            <a:r>
+              <a:rPr lang="ja-JP" altLang="en-US" dirty="0" smtClean="0"/>
+              <a:t>と</a:t>
+            </a:r>
+            <a:r>
+              <a:rPr lang="en-US" altLang="ja-JP" dirty="0" smtClean="0"/>
+              <a:t>S2Dao</a:t>
+            </a:r>
+            <a:r>
+              <a:rPr lang="ja-JP" altLang="en-US" dirty="0" smtClean="0"/>
+              <a:t>の良い部分を取り込み、独自のスタイルを提供します。</a:t>
+            </a:r>
+            <a:endParaRPr lang="en-US" altLang="ja-JP" dirty="0" smtClean="0"/>
+          </a:p>
+          <a:p>
+            <a:pPr lvl="2">
+              <a:buNone/>
+            </a:pPr>
+            <a:r>
+              <a:rPr lang="en-US" altLang="ja-JP" dirty="0" smtClean="0"/>
+              <a:t>(S2Dao</a:t>
+            </a:r>
+            <a:r>
+              <a:rPr lang="ja-JP" altLang="en-US" dirty="0" smtClean="0"/>
+              <a:t>の自動生成ツールでもある</a:t>
+            </a:r>
+            <a:r>
+              <a:rPr lang="en-US" altLang="ja-JP" dirty="0" smtClean="0"/>
+              <a:t>)</a:t>
+            </a:r>
+            <a:endParaRPr lang="ja-JP" altLang="en-US" dirty="0"/>
+          </a:p>
+        </p:txBody>
+      </p:sp>
+      <p:sp>
+        <p:nvSpPr>
+          <p:cNvPr id="4" name="フッター プレースホルダ 3"/>
+          <p:cNvSpPr>
+            <a:spLocks noGrp="1"/>
+          </p:cNvSpPr>
+          <p:nvPr>
+            <p:ph type="ftr" sz="quarter" idx="11"/>
+          </p:nvPr>
+        </p:nvSpPr>
+        <p:spPr/>
+        <p:txBody>
+          <a:bodyPr/>
+          <a:lstStyle/>
+          <a:p>
+            <a:r>
+              <a:rPr lang="en-US" altLang="ja-JP" smtClean="0"/>
+              <a:t>Seasar Conference 2008 Autumn</a:t>
+            </a:r>
+            <a:endParaRPr lang="ja-JP" altLang="en-US"/>
+          </a:p>
+        </p:txBody>
+      </p:sp>
+      <p:pic>
+        <p:nvPicPr>
+          <p:cNvPr id="5" name="Picture 4" descr="j0199549"/>
+          <p:cNvPicPr>
+            <a:picLocks noChangeAspect="1" noChangeArrowheads="1"/>
+          </p:cNvPicPr>
+          <p:nvPr/>
+        </p:nvPicPr>
+        <p:blipFill>
+          <a:blip r:embed="rId2"/>
+          <a:srcRect/>
+          <a:stretch>
+            <a:fillRect/>
+          </a:stretch>
+        </p:blipFill>
+        <p:spPr bwMode="auto">
+          <a:xfrm>
+            <a:off x="7316787" y="1122363"/>
+            <a:ext cx="1139825" cy="1225550"/>
+          </a:xfrm>
+          <a:prstGeom prst="rect">
+            <a:avLst/>
+          </a:prstGeom>
+          <a:noFill/>
+        </p:spPr>
+      </p:pic>
+      <p:sp>
+        <p:nvSpPr>
+          <p:cNvPr id="6" name="AutoShape 5"/>
+          <p:cNvSpPr>
+            <a:spLocks noChangeArrowheads="1"/>
+          </p:cNvSpPr>
+          <p:nvPr/>
+        </p:nvSpPr>
+        <p:spPr bwMode="auto">
+          <a:xfrm>
+            <a:off x="6666613" y="2347913"/>
+            <a:ext cx="878774" cy="471487"/>
+          </a:xfrm>
+          <a:prstGeom prst="wedgeRoundRectCallout">
+            <a:avLst>
+              <a:gd name="adj1" fmla="val 44151"/>
+              <a:gd name="adj2" fmla="val -162092"/>
+              <a:gd name="adj3" fmla="val 16667"/>
+            </a:avLst>
+          </a:prstGeom>
+          <a:noFill/>
+          <a:ln w="9525">
+            <a:solidFill>
+              <a:schemeClr val="tx1"/>
+            </a:solidFill>
+            <a:miter lim="800000"/>
+            <a:headEnd/>
+            <a:tailEnd/>
+          </a:ln>
+          <a:effectLst/>
+        </p:spPr>
+        <p:txBody>
+          <a:bodyPr lIns="92075" tIns="46038" rIns="92075" bIns="46038" anchor="ctr">
+            <a:prstTxWarp prst="textNoShape">
+              <a:avLst/>
+            </a:prstTxWarp>
+          </a:bodyPr>
+          <a:lstStyle/>
+          <a:p>
+            <a:r>
+              <a:rPr lang="ja-JP" altLang="en-US" sz="1200" dirty="0"/>
+              <a:t>現場！？</a:t>
+            </a:r>
+          </a:p>
+        </p:txBody>
+      </p:sp>
+    </p:spTree>
+  </p:cSld>
+  <p:clrMapOvr>
+    <a:masterClrMapping/>
+  </p:clrMapOvr>
+</p:sld>
+</file>
+
+<file path=ppt/slides/slide20.xml><?xml version="1.0" encoding="utf-8"?>
 <p:sld xmlns:a="http://schemas.openxmlformats.org/drawingml/2006/main" xmlns:r="http://schemas.openxmlformats.org/officeDocument/2006/relationships" xmlns:mc="http://schemas.openxmlformats.org/markup-compatibility/2006" xmlns:mv="urn:schemas-microsoft-com:mac:vml" xmlns:p="http://schemas.openxmlformats.org/presentationml/2006/main" mc:Ignorable="mv" mc:PreserveAttributes="mv:*">
   <p:cSld>
     <p:spTree>
@@ -10537,7 +11843,7 @@
 </p:sld>
 </file>
 
-<file path=ppt/slides/slide18.xml><?xml version="1.0" encoding="utf-8"?>
+<file path=ppt/slides/slide21.xml><?xml version="1.0" encoding="utf-8"?>
 <p:sld xmlns:a="http://schemas.openxmlformats.org/drawingml/2006/main" xmlns:r="http://schemas.openxmlformats.org/officeDocument/2006/relationships" xmlns:mc="http://schemas.openxmlformats.org/markup-compatibility/2006" xmlns:mv="urn:schemas-microsoft-com:mac:vml" xmlns:p="http://schemas.openxmlformats.org/presentationml/2006/main" mc:Ignorable="mv" mc:PreserveAttributes="mv:*">
   <p:cSld>
     <p:spTree>
@@ -10783,7 +12089,7 @@
 </p:sld>
 </file>
 
-<file path=ppt/slides/slide19.xml><?xml version="1.0" encoding="utf-8"?>
+<file path=ppt/slides/slide22.xml><?xml version="1.0" encoding="utf-8"?>
 <p:sld xmlns:a="http://schemas.openxmlformats.org/drawingml/2006/main" xmlns:r="http://schemas.openxmlformats.org/officeDocument/2006/relationships" xmlns:mc="http://schemas.openxmlformats.org/markup-compatibility/2006" xmlns:mv="urn:schemas-microsoft-com:mac:vml" xmlns:p="http://schemas.openxmlformats.org/presentationml/2006/main" mc:Ignorable="mv" mc:PreserveAttributes="mv:*">
   <p:cSld>
     <p:spTree>
@@ -10909,7 +12215,7 @@
 </p:sld>
 </file>
 
-<file path=ppt/slides/slide2.xml><?xml version="1.0" encoding="utf-8"?>
+<file path=ppt/slides/slide23.xml><?xml version="1.0" encoding="utf-8"?>
 <p:sld xmlns:a="http://schemas.openxmlformats.org/drawingml/2006/main" xmlns:r="http://schemas.openxmlformats.org/officeDocument/2006/relationships" xmlns:mc="http://schemas.openxmlformats.org/markup-compatibility/2006" xmlns:mv="urn:schemas-microsoft-com:mac:vml" xmlns:p="http://schemas.openxmlformats.org/presentationml/2006/main" mc:Ignorable="mv" mc:PreserveAttributes="mv:*">
   <p:cSld>
     <p:spTree>
@@ -10936,117 +12242,119 @@
             <p:ph type="title"/>
           </p:nvPr>
         </p:nvSpPr>
+        <p:spPr>
+          <a:xfrm>
+            <a:off x="457200" y="503238"/>
+            <a:ext cx="8382000" cy="868362"/>
+          </a:xfrm>
+        </p:spPr>
+        <p:txBody>
+          <a:bodyPr/>
+          <a:lstStyle/>
+          <a:p>
+            <a:r>
+              <a:rPr lang="en-US" altLang="ja-JP" dirty="0" smtClean="0"/>
+              <a:t>[3]</a:t>
+            </a:r>
+            <a:r>
+              <a:rPr lang="ja-JP" altLang="en-US" dirty="0" smtClean="0"/>
+              <a:t>別なんとか</a:t>
+            </a:r>
+            <a:r>
+              <a:rPr lang="en-US" altLang="ja-JP" dirty="0" smtClean="0"/>
+              <a:t>:</a:t>
+            </a:r>
+            <a:r>
+              <a:rPr lang="ja-JP" altLang="en-US" dirty="0" smtClean="0"/>
+              <a:t>別言語・別コンテナ</a:t>
+            </a:r>
+            <a:endParaRPr lang="ja-JP" altLang="en-US" dirty="0"/>
+          </a:p>
+        </p:txBody>
+      </p:sp>
+      <p:sp>
+        <p:nvSpPr>
+          <p:cNvPr id="3" name="コンテンツ プレースホルダ 2"/>
+          <p:cNvSpPr>
+            <a:spLocks noGrp="1"/>
+          </p:cNvSpPr>
+          <p:nvPr>
+            <p:ph idx="1"/>
+          </p:nvPr>
+        </p:nvSpPr>
         <p:spPr/>
         <p:txBody>
-          <a:bodyPr/>
-          <a:lstStyle/>
-          <a:p>
-            <a:r>
-              <a:rPr lang="en-US" altLang="ja-JP" dirty="0" err="1" smtClean="0"/>
+          <a:bodyPr>
+            <a:normAutofit fontScale="92500" lnSpcReduction="10000"/>
+          </a:bodyPr>
+          <a:lstStyle/>
+          <a:p>
+            <a:pPr algn="ctr"/>
+            <a:endParaRPr lang="en-US" altLang="ja-JP" sz="4400" dirty="0" smtClean="0"/>
+          </a:p>
+          <a:p>
+            <a:pPr algn="ctr">
+              <a:buNone/>
+            </a:pPr>
+            <a:r>
+              <a:rPr lang="en-US" altLang="ja-JP" sz="4400" dirty="0" smtClean="0"/>
+              <a:t>C#</a:t>
+            </a:r>
+            <a:r>
+              <a:rPr lang="ja-JP" altLang="en-US" sz="4400" dirty="0" smtClean="0"/>
+              <a:t>版の</a:t>
+            </a:r>
+            <a:r>
+              <a:rPr lang="en-US" altLang="ja-JP" sz="4400" dirty="0" err="1" smtClean="0"/>
               <a:t>DBFlute</a:t>
             </a:r>
             <a:r>
-              <a:rPr lang="ja-JP" altLang="en-US" dirty="0" smtClean="0"/>
-              <a:t>とは？</a:t>
-            </a:r>
-            <a:endParaRPr lang="ja-JP" altLang="en-US" dirty="0"/>
-          </a:p>
-        </p:txBody>
-      </p:sp>
-      <p:sp>
-        <p:nvSpPr>
-          <p:cNvPr id="3" name="コンテンツ プレースホルダ 2"/>
-          <p:cNvSpPr>
-            <a:spLocks noGrp="1"/>
-          </p:cNvSpPr>
-          <p:nvPr>
-            <p:ph idx="1"/>
-          </p:nvPr>
-        </p:nvSpPr>
-        <p:spPr/>
-        <p:txBody>
-          <a:bodyPr/>
-          <a:lstStyle/>
+              <a:rPr lang="en-US" altLang="ja-JP" sz="4400" dirty="0" smtClean="0"/>
+              <a:t>!</a:t>
+            </a:r>
+          </a:p>
           <a:p>
             <a:pPr algn="ctr">
               <a:buNone/>
             </a:pPr>
             <a:r>
-              <a:rPr lang="ja-JP" altLang="en-US" sz="3600" dirty="0" smtClean="0"/>
-              <a:t>現場</a:t>
-            </a:r>
-            <a:r>
-              <a:rPr lang="ja-JP" altLang="en-US" sz="3600" dirty="0" smtClean="0"/>
-              <a:t>指向の</a:t>
-            </a:r>
-            <a:r>
-              <a:rPr lang="en-US" altLang="ja-JP" sz="3600" dirty="0" smtClean="0"/>
-              <a:t>O/R</a:t>
-            </a:r>
-            <a:r>
-              <a:rPr lang="ja-JP" altLang="en-US" sz="3600" dirty="0" smtClean="0"/>
-              <a:t>マッパ</a:t>
-            </a:r>
-            <a:endParaRPr lang="en-US" altLang="ja-JP" sz="3600" dirty="0" smtClean="0"/>
-          </a:p>
-          <a:p>
-            <a:endParaRPr lang="en-US" altLang="ja-JP" dirty="0" smtClean="0"/>
-          </a:p>
-          <a:p>
-            <a:pPr lvl="1"/>
-            <a:r>
-              <a:rPr lang="ja-JP" altLang="en-US" dirty="0" smtClean="0"/>
-              <a:t>実際の開発現場で鍛えられつつ作り上げられてきたため、現場にフィットすることを重視しています。</a:t>
-            </a:r>
-            <a:endParaRPr lang="en-US" altLang="ja-JP" dirty="0" smtClean="0"/>
-          </a:p>
-          <a:p>
-            <a:pPr lvl="1"/>
-            <a:endParaRPr lang="en-US" altLang="ja-JP" dirty="0" smtClean="0"/>
-          </a:p>
-          <a:p>
-            <a:pPr lvl="1"/>
-            <a:r>
-              <a:rPr lang="en-US" altLang="ja-JP" dirty="0" smtClean="0"/>
-              <a:t>Apache Torque</a:t>
-            </a:r>
-            <a:r>
-              <a:rPr lang="ja-JP" altLang="en-US" dirty="0" smtClean="0"/>
-              <a:t>と</a:t>
-            </a:r>
-            <a:r>
-              <a:rPr lang="en-US" altLang="ja-JP" dirty="0" smtClean="0"/>
-              <a:t>S2Dao</a:t>
-            </a:r>
-            <a:r>
-              <a:rPr lang="ja-JP" altLang="en-US" dirty="0" smtClean="0"/>
-              <a:t>の良い部分を取り込み、独自のスタイルを提供します。</a:t>
-            </a:r>
-            <a:endParaRPr lang="en-US" altLang="ja-JP" dirty="0" smtClean="0"/>
-          </a:p>
-          <a:p>
-            <a:pPr lvl="2">
+              <a:rPr lang="en-US" altLang="ja-JP" sz="4400" dirty="0" smtClean="0"/>
+              <a:t>Spring</a:t>
+            </a:r>
+            <a:r>
+              <a:rPr lang="ja-JP" altLang="en-US" sz="4400" dirty="0" smtClean="0"/>
+              <a:t>版の</a:t>
+            </a:r>
+            <a:r>
+              <a:rPr lang="en-US" altLang="ja-JP" sz="4400" dirty="0" err="1" smtClean="0"/>
+              <a:t>DBFlute</a:t>
+            </a:r>
+            <a:r>
+              <a:rPr lang="en-US" altLang="ja-JP" sz="4400" dirty="0" smtClean="0"/>
+              <a:t>!</a:t>
+            </a:r>
+          </a:p>
+          <a:p>
+            <a:pPr algn="ctr">
               <a:buNone/>
             </a:pPr>
-            <a:r>
-              <a:rPr lang="en-US" altLang="ja-JP" dirty="0" smtClean="0"/>
-              <a:t>(S2Dao</a:t>
-            </a:r>
-            <a:r>
-              <a:rPr lang="ja-JP" altLang="en-US" dirty="0" smtClean="0"/>
-              <a:t>の自動生成ツールでもある</a:t>
-            </a:r>
-            <a:r>
-              <a:rPr lang="en-US" altLang="ja-JP" dirty="0" smtClean="0"/>
-              <a:t>)</a:t>
-            </a:r>
-            <a:endParaRPr lang="ja-JP" altLang="en-US" dirty="0"/>
-          </a:p>
-        </p:txBody>
-      </p:sp>
-      <p:sp>
-        <p:nvSpPr>
-          <p:cNvPr id="4" name="フッター プレースホルダ 3"/>
+            <a:endParaRPr lang="en-US" altLang="ja-JP" sz="4400" dirty="0" smtClean="0"/>
+          </a:p>
+          <a:p>
+            <a:pPr algn="ctr">
+              <a:buNone/>
+            </a:pPr>
+            <a:r>
+              <a:rPr lang="ja-JP" altLang="en-US" sz="4400" dirty="0" smtClean="0"/>
+              <a:t>詳細は本番当日にて！</a:t>
+            </a:r>
+            <a:endParaRPr lang="en-US" altLang="ja-JP" sz="4400" dirty="0" smtClean="0"/>
+          </a:p>
+        </p:txBody>
+      </p:sp>
+      <p:sp>
+        <p:nvSpPr>
+          <p:cNvPr id="5" name="フッター プレースホルダ 4"/>
           <p:cNvSpPr>
             <a:spLocks noGrp="1"/>
           </p:cNvSpPr>
@@ -11064,78 +12372,6 @@
               <a:t>Seasar Conference 2008 Autumn</a:t>
             </a:r>
             <a:endParaRPr lang="ja-JP" altLang="en-US"/>
-          </a:p>
-        </p:txBody>
-      </p:sp>
-      <p:pic>
-        <p:nvPicPr>
-          <p:cNvPr id="5" name="Picture 4" descr="j0199549"/>
-          <p:cNvPicPr>
-            <a:picLocks noChangeAspect="1" noChangeArrowheads="1"/>
-          </p:cNvPicPr>
-          <p:nvPr/>
-        </p:nvPicPr>
-        <p:blipFill>
-          <a:blip r:embed="rId2"/>
-          <a:srcRect/>
-          <a:stretch>
-            <a:fillRect/>
-          </a:stretch>
-        </p:blipFill>
-        <p:spPr bwMode="auto">
-          <a:xfrm>
-            <a:off x="7316787" y="1122363"/>
-            <a:ext cx="1139825" cy="1225550"/>
-          </a:xfrm>
-          <a:prstGeom prst="rect">
-            <a:avLst/>
-          </a:prstGeom>
-          <a:noFill/>
-        </p:spPr>
-      </p:pic>
-      <p:sp>
-        <p:nvSpPr>
-          <p:cNvPr id="6" name="AutoShape 5"/>
-          <p:cNvSpPr>
-            <a:spLocks noChangeArrowheads="1"/>
-          </p:cNvSpPr>
-          <p:nvPr/>
-        </p:nvSpPr>
-        <p:spPr bwMode="auto">
-          <a:xfrm>
-            <a:off x="6666613" y="2347913"/>
-            <a:ext cx="878774" cy="471487"/>
-          </a:xfrm>
-          <a:prstGeom prst="wedgeRoundRectCallout">
-            <a:avLst>
-              <a:gd name="adj1" fmla="val 44151"/>
-              <a:gd name="adj2" fmla="val -162092"/>
-              <a:gd name="adj3" fmla="val 16667"/>
-            </a:avLst>
-          </a:prstGeom>
-          <a:noFill/>
-          <a:ln w="9525">
-            <a:solidFill>
-              <a:schemeClr val="tx1"/>
-            </a:solidFill>
-            <a:miter lim="800000"/>
-            <a:headEnd/>
-            <a:tailEnd/>
-          </a:ln>
-          <a:effectLst/>
-        </p:spPr>
-        <p:txBody>
-          <a:bodyPr lIns="92075" tIns="46038" rIns="92075" bIns="46038" anchor="ctr">
-            <a:prstTxWarp prst="textNoShape">
-              <a:avLst/>
-            </a:prstTxWarp>
-          </a:bodyPr>
-          <a:lstStyle/>
-          <a:p>
-            <a:r>
-              <a:rPr lang="ja-JP" altLang="en-US" sz="1200" dirty="0"/>
-              <a:t>現場！？</a:t>
-            </a:r>
           </a:p>
         </p:txBody>
       </p:sp>
@@ -11147,7 +12383,7 @@
 </p:sld>
 </file>
 
-<file path=ppt/slides/slide20.xml><?xml version="1.0" encoding="utf-8"?>
+<file path=ppt/slides/slide24.xml><?xml version="1.0" encoding="utf-8"?>
 <p:sld xmlns:a="http://schemas.openxmlformats.org/drawingml/2006/main" xmlns:r="http://schemas.openxmlformats.org/officeDocument/2006/relationships" xmlns:mc="http://schemas.openxmlformats.org/markup-compatibility/2006" xmlns:mv="urn:schemas-microsoft-com:mac:vml" xmlns:p="http://schemas.openxmlformats.org/presentationml/2006/main" mc:Ignorable="mv" mc:PreserveAttributes="mv:*">
   <p:cSld>
     <p:spTree>
@@ -11174,31 +12410,18 @@
             <p:ph type="title"/>
           </p:nvPr>
         </p:nvSpPr>
-        <p:spPr>
-          <a:xfrm>
-            <a:off x="457200" y="503238"/>
-            <a:ext cx="8382000" cy="868362"/>
-          </a:xfrm>
-        </p:spPr>
-        <p:txBody>
-          <a:bodyPr/>
-          <a:lstStyle/>
-          <a:p>
-            <a:r>
-              <a:rPr lang="en-US" altLang="ja-JP" dirty="0" smtClean="0"/>
-              <a:t>[3]</a:t>
+        <p:spPr/>
+        <p:txBody>
+          <a:bodyPr/>
+          <a:lstStyle/>
+          <a:p>
+            <a:r>
+              <a:rPr lang="en-US" altLang="ja-JP" dirty="0" err="1" smtClean="0"/>
+              <a:t>DBFlute</a:t>
             </a:r>
             <a:r>
               <a:rPr lang="ja-JP" altLang="en-US" dirty="0" smtClean="0"/>
-              <a:t>別なんとか</a:t>
-            </a:r>
-            <a:r>
-              <a:rPr lang="en-US" altLang="ja-JP" dirty="0" smtClean="0"/>
-              <a:t>:</a:t>
-            </a:r>
-            <a:r>
-              <a:rPr lang="ja-JP" altLang="en-US" dirty="0" smtClean="0"/>
-              <a:t>別言語・別コンテナ</a:t>
+              <a:t>今後の展望</a:t>
             </a:r>
             <a:endParaRPr lang="ja-JP" altLang="en-US" dirty="0"/>
           </a:p>
@@ -11217,55 +12440,9 @@
         <p:spPr/>
         <p:txBody>
           <a:bodyPr>
-            <a:normAutofit fontScale="92500" lnSpcReduction="10000"/>
+            <a:normAutofit/>
           </a:bodyPr>
           <a:lstStyle/>
-          <a:p>
-            <a:pPr algn="ctr"/>
-            <a:endParaRPr lang="en-US" altLang="ja-JP" sz="4400" dirty="0" smtClean="0"/>
-          </a:p>
-          <a:p>
-            <a:pPr algn="ctr">
-              <a:buNone/>
-            </a:pPr>
-            <a:r>
-              <a:rPr lang="en-US" altLang="ja-JP" sz="4400" dirty="0" smtClean="0"/>
-              <a:t>C#</a:t>
-            </a:r>
-            <a:r>
-              <a:rPr lang="ja-JP" altLang="en-US" sz="4400" dirty="0" smtClean="0"/>
-              <a:t>版の</a:t>
-            </a:r>
-            <a:r>
-              <a:rPr lang="en-US" altLang="ja-JP" sz="4400" dirty="0" err="1" smtClean="0"/>
-              <a:t>DBFlute</a:t>
-            </a:r>
-            <a:r>
-              <a:rPr lang="en-US" altLang="ja-JP" sz="4400" dirty="0" smtClean="0"/>
-              <a:t>!</a:t>
-            </a:r>
-          </a:p>
-          <a:p>
-            <a:pPr algn="ctr">
-              <a:buNone/>
-            </a:pPr>
-            <a:r>
-              <a:rPr lang="en-US" altLang="ja-JP" sz="4400" dirty="0" smtClean="0"/>
-              <a:t>Spring</a:t>
-            </a:r>
-            <a:r>
-              <a:rPr lang="ja-JP" altLang="en-US" sz="4400" dirty="0" smtClean="0"/>
-              <a:t>版の</a:t>
-            </a:r>
-            <a:r>
-              <a:rPr lang="en-US" altLang="ja-JP" sz="4400" dirty="0" err="1" smtClean="0"/>
-              <a:t>DBFlute</a:t>
-            </a:r>
-            <a:r>
-              <a:rPr lang="en-US" altLang="ja-JP" sz="4400" dirty="0" smtClean="0"/>
-              <a:t>!</a:t>
-            </a:r>
-          </a:p>
           <a:p>
             <a:pPr algn="ctr">
               <a:buNone/>
@@ -11282,11 +12459,17 @@
             </a:r>
             <a:endParaRPr lang="en-US" altLang="ja-JP" sz="4400" dirty="0" smtClean="0"/>
           </a:p>
-        </p:txBody>
-      </p:sp>
-      <p:sp>
-        <p:nvSpPr>
-          <p:cNvPr id="5" name="フッター プレースホルダ 4"/>
+          <a:p>
+            <a:pPr algn="ctr">
+              <a:buNone/>
+            </a:pPr>
+            <a:endParaRPr lang="ja-JP" altLang="en-US" sz="4400" dirty="0"/>
+          </a:p>
+        </p:txBody>
+      </p:sp>
+      <p:sp>
+        <p:nvSpPr>
+          <p:cNvPr id="4" name="フッター プレースホルダ 3"/>
           <p:cNvSpPr>
             <a:spLocks noGrp="1"/>
           </p:cNvSpPr>
@@ -11315,122 +12498,7 @@
 </p:sld>
 </file>
 
-<file path=ppt/slides/slide21.xml><?xml version="1.0" encoding="utf-8"?>
-<p:sld xmlns:a="http://schemas.openxmlformats.org/drawingml/2006/main" xmlns:r="http://schemas.openxmlformats.org/officeDocument/2006/relationships" xmlns:mc="http://schemas.openxmlformats.org/markup-compatibility/2006" xmlns:mv="urn:schemas-microsoft-com:mac:vml" xmlns:p="http://schemas.openxmlformats.org/presentationml/2006/main" mc:Ignorable="mv" mc:PreserveAttributes="mv:*">
-  <p:cSld>
-    <p:spTree>
-      <p:nvGrpSpPr>
-        <p:cNvPr id="1" name=""/>
-        <p:cNvGrpSpPr/>
-        <p:nvPr/>
-      </p:nvGrpSpPr>
-      <p:grpSpPr>
-        <a:xfrm>
-          <a:off x="0" y="0"/>
-          <a:ext cx="0" cy="0"/>
-          <a:chOff x="0" y="0"/>
-          <a:chExt cx="0" cy="0"/>
-        </a:xfrm>
-      </p:grpSpPr>
-      <p:sp>
-        <p:nvSpPr>
-          <p:cNvPr id="2" name="タイトル 1"/>
-          <p:cNvSpPr>
-            <a:spLocks noGrp="1"/>
-          </p:cNvSpPr>
-          <p:nvPr>
-            <p:ph type="title"/>
-          </p:nvPr>
-        </p:nvSpPr>
-        <p:spPr/>
-        <p:txBody>
-          <a:bodyPr/>
-          <a:lstStyle/>
-          <a:p>
-            <a:r>
-              <a:rPr lang="en-US" altLang="ja-JP" dirty="0" err="1" smtClean="0"/>
-              <a:t>DBFlute</a:t>
-            </a:r>
-            <a:r>
-              <a:rPr lang="ja-JP" altLang="en-US" dirty="0" smtClean="0"/>
-              <a:t>今後の展望</a:t>
-            </a:r>
-            <a:endParaRPr lang="ja-JP" altLang="en-US" dirty="0"/>
-          </a:p>
-        </p:txBody>
-      </p:sp>
-      <p:sp>
-        <p:nvSpPr>
-          <p:cNvPr id="3" name="コンテンツ プレースホルダ 2"/>
-          <p:cNvSpPr>
-            <a:spLocks noGrp="1"/>
-          </p:cNvSpPr>
-          <p:nvPr>
-            <p:ph idx="1"/>
-          </p:nvPr>
-        </p:nvSpPr>
-        <p:spPr/>
-        <p:txBody>
-          <a:bodyPr>
-            <a:normAutofit/>
-          </a:bodyPr>
-          <a:lstStyle/>
-          <a:p>
-            <a:pPr algn="ctr">
-              <a:buNone/>
-            </a:pPr>
-            <a:endParaRPr lang="en-US" altLang="ja-JP" sz="4400" dirty="0" smtClean="0"/>
-          </a:p>
-          <a:p>
-            <a:pPr algn="ctr">
-              <a:buNone/>
-            </a:pPr>
-            <a:r>
-              <a:rPr lang="ja-JP" altLang="en-US" sz="4400" dirty="0" smtClean="0"/>
-              <a:t>詳細は本番当日にて！</a:t>
-            </a:r>
-            <a:endParaRPr lang="en-US" altLang="ja-JP" sz="4400" dirty="0" smtClean="0"/>
-          </a:p>
-          <a:p>
-            <a:pPr algn="ctr">
-              <a:buNone/>
-            </a:pPr>
-            <a:endParaRPr lang="ja-JP" altLang="en-US" sz="4400" dirty="0"/>
-          </a:p>
-        </p:txBody>
-      </p:sp>
-      <p:sp>
-        <p:nvSpPr>
-          <p:cNvPr id="4" name="フッター プレースホルダ 3"/>
-          <p:cNvSpPr>
-            <a:spLocks noGrp="1"/>
-          </p:cNvSpPr>
-          <p:nvPr>
-            <p:ph type="ftr" sz="quarter" idx="11"/>
-          </p:nvPr>
-        </p:nvSpPr>
-        <p:spPr/>
-        <p:txBody>
-          <a:bodyPr/>
-          <a:lstStyle/>
-          <a:p>
-            <a:r>
-              <a:rPr lang="en-US" altLang="ja-JP" smtClean="0"/>
-              <a:t>Seasar Conference 2008 Autumn</a:t>
-            </a:r>
-            <a:endParaRPr lang="ja-JP" altLang="en-US"/>
-          </a:p>
-        </p:txBody>
-      </p:sp>
-    </p:spTree>
-  </p:cSld>
-  <p:clrMapOvr>
-    <a:masterClrMapping/>
-  </p:clrMapOvr>
-</p:sld>
-</file>
-
-<file path=ppt/slides/slide22.xml><?xml version="1.0" encoding="utf-8"?>
+<file path=ppt/slides/slide25.xml><?xml version="1.0" encoding="utf-8"?>
 <p:sld xmlns:a="http://schemas.openxmlformats.org/drawingml/2006/main" xmlns:r="http://schemas.openxmlformats.org/officeDocument/2006/relationships" xmlns:mc="http://schemas.openxmlformats.org/markup-compatibility/2006" xmlns:mv="urn:schemas-microsoft-com:mac:vml" xmlns:p="http://schemas.openxmlformats.org/presentationml/2006/main" mc:Ignorable="mv" mc:PreserveAttributes="mv:*">
   <p:cSld>
     <p:spTree>

--- a/dbflute/etc/doc/ref/session/resource/GenbaSolution2-sc2008autumn-dbflute.pptx
+++ b/dbflute/etc/doc/ref/session/resource/GenbaSolution2-sc2008autumn-dbflute.pptx
@@ -5,10 +5,10 @@
     <p:sldMasterId id="2147483660" r:id="rId1"/>
   </p:sldMasterIdLst>
   <p:notesMasterIdLst>
-    <p:notesMasterId r:id="rId27"/>
+    <p:notesMasterId r:id="rId36"/>
   </p:notesMasterIdLst>
   <p:handoutMasterIdLst>
-    <p:handoutMasterId r:id="rId28"/>
+    <p:handoutMasterId r:id="rId37"/>
   </p:handoutMasterIdLst>
   <p:sldIdLst>
     <p:sldId id="261" r:id="rId2"/>
@@ -30,12 +30,21 @@
     <p:sldId id="269" r:id="rId18"/>
     <p:sldId id="271" r:id="rId19"/>
     <p:sldId id="272" r:id="rId20"/>
-    <p:sldId id="273" r:id="rId21"/>
-    <p:sldId id="274" r:id="rId22"/>
-    <p:sldId id="275" r:id="rId23"/>
-    <p:sldId id="276" r:id="rId24"/>
-    <p:sldId id="259" r:id="rId25"/>
-    <p:sldId id="277" r:id="rId26"/>
+    <p:sldId id="283" r:id="rId21"/>
+    <p:sldId id="284" r:id="rId22"/>
+    <p:sldId id="285" r:id="rId23"/>
+    <p:sldId id="287" r:id="rId24"/>
+    <p:sldId id="288" r:id="rId25"/>
+    <p:sldId id="289" r:id="rId26"/>
+    <p:sldId id="291" r:id="rId27"/>
+    <p:sldId id="292" r:id="rId28"/>
+    <p:sldId id="290" r:id="rId29"/>
+    <p:sldId id="273" r:id="rId30"/>
+    <p:sldId id="274" r:id="rId31"/>
+    <p:sldId id="275" r:id="rId32"/>
+    <p:sldId id="276" r:id="rId33"/>
+    <p:sldId id="259" r:id="rId34"/>
+    <p:sldId id="277" r:id="rId35"/>
   </p:sldIdLst>
   <p:sldSz cx="9144000" cy="6858000" type="screen4x3"/>
   <p:notesSz cx="6858000" cy="9144000"/>
@@ -220,7 +229,7 @@
             <a:fld id="{697514F1-BF3A-8244-8E24-39501B91FCA9}" type="datetimeFigureOut">
               <a:rPr lang="ja-JP" altLang="en-US" smtClean="0"/>
               <a:pPr/>
-              <a:t>08.9.2</a:t>
+              <a:t>08.9.4</a:t>
             </a:fld>
             <a:endParaRPr lang="ja-JP" altLang="en-US"/>
           </a:p>
@@ -383,7 +392,7 @@
             <a:fld id="{BCC37BBF-A47B-C644-A0B3-2AF340262DC0}" type="datetimeFigureOut">
               <a:rPr lang="ja-JP" altLang="en-US" smtClean="0"/>
               <a:pPr/>
-              <a:t>08.9.2</a:t>
+              <a:t>08.9.4</a:t>
             </a:fld>
             <a:endParaRPr lang="ja-JP" altLang="en-US"/>
           </a:p>
@@ -916,7 +925,7 @@
             <a:fld id="{F8B78B27-67EA-284E-B7DE-CA47CEF96BF3}" type="datetime1">
               <a:rPr lang="ja-JP" altLang="en-US" smtClean="0"/>
               <a:pPr/>
-              <a:t>08.9.2</a:t>
+              <a:t>08.9.4</a:t>
             </a:fld>
             <a:endParaRPr lang="ja-JP" altLang="en-US"/>
           </a:p>
@@ -1067,7 +1076,7 @@
             <a:fld id="{B07F40DE-A2F7-9040-AF94-3150A36DAF32}" type="datetime1">
               <a:rPr lang="ja-JP" altLang="en-US" smtClean="0"/>
               <a:pPr/>
-              <a:t>08.9.2</a:t>
+              <a:t>08.9.4</a:t>
             </a:fld>
             <a:endParaRPr lang="ja-JP" altLang="en-US"/>
           </a:p>
@@ -1654,7 +1663,7 @@
             <a:fld id="{7900A983-C81F-484C-AB24-3E409A9B0309}" type="datetime1">
               <a:rPr lang="ja-JP" altLang="en-US" smtClean="0"/>
               <a:pPr/>
-              <a:t>08.9.2</a:t>
+              <a:t>08.9.4</a:t>
             </a:fld>
             <a:endParaRPr lang="ja-JP" altLang="en-US"/>
           </a:p>
@@ -2124,7 +2133,7 @@
             <a:fld id="{49369E27-8AA6-8A4C-8F2F-BD9CFE65CFF9}" type="datetime1">
               <a:rPr lang="ja-JP" altLang="en-US" smtClean="0"/>
               <a:pPr/>
-              <a:t>08.9.2</a:t>
+              <a:t>08.9.4</a:t>
             </a:fld>
             <a:endParaRPr lang="ja-JP" altLang="en-US"/>
           </a:p>
@@ -2220,7 +2229,7 @@
             <a:fld id="{CA0B8717-2CE5-3D48-9724-6A74D3723472}" type="datetime1">
               <a:rPr lang="ja-JP" altLang="en-US" smtClean="0"/>
               <a:pPr/>
-              <a:t>08.9.2</a:t>
+              <a:t>08.9.4</a:t>
             </a:fld>
             <a:endParaRPr lang="ja-JP" altLang="en-US"/>
           </a:p>
@@ -2533,7 +2542,7 @@
             <a:fld id="{A7420916-367F-6347-9752-D3808E2C9DF8}" type="datetime1">
               <a:rPr lang="ja-JP" altLang="en-US" smtClean="0"/>
               <a:pPr/>
-              <a:t>08.9.2</a:t>
+              <a:t>08.9.4</a:t>
             </a:fld>
             <a:endParaRPr lang="ja-JP" altLang="en-US"/>
           </a:p>
@@ -2729,7 +2738,7 @@
             <a:fld id="{36F1D2E6-018C-0A41-B225-E525923353F9}" type="datetime1">
               <a:rPr lang="ja-JP" altLang="en-US" smtClean="0"/>
               <a:pPr/>
-              <a:t>08.9.2</a:t>
+              <a:t>08.9.4</a:t>
             </a:fld>
             <a:endParaRPr lang="ja-JP" altLang="en-US"/>
           </a:p>
@@ -3474,7 +3483,7 @@
             <a:fld id="{2F49DC6A-DB83-C64E-9E52-9AFA5AD018D7}" type="datetime1">
               <a:rPr lang="ja-JP" altLang="en-US" smtClean="0"/>
               <a:pPr/>
-              <a:t>08.9.2</a:t>
+              <a:t>08.9.4</a:t>
             </a:fld>
             <a:endParaRPr lang="ja-JP" altLang="en-US"/>
           </a:p>
@@ -3818,7 +3827,7 @@
             <a:fld id="{36ED8D3F-8256-3C42-8592-819D359B95D7}" type="datetime1">
               <a:rPr lang="ja-JP" altLang="en-US" smtClean="0"/>
               <a:pPr/>
-              <a:t>08.9.2</a:t>
+              <a:t>08.9.4</a:t>
             </a:fld>
             <a:endParaRPr lang="ja-JP" altLang="en-US"/>
           </a:p>
@@ -4421,7 +4430,7 @@
             <a:fld id="{490FEA9A-41F4-204E-A79D-1B36180FAAF8}" type="datetime1">
               <a:rPr lang="ja-JP" altLang="en-US" smtClean="0"/>
               <a:pPr/>
-              <a:t>08.9.2</a:t>
+              <a:t>08.9.4</a:t>
             </a:fld>
             <a:endParaRPr lang="ja-JP" altLang="en-US"/>
           </a:p>
@@ -4638,7 +4647,7 @@
             <a:fld id="{7F7C43F0-DFD5-354C-8FAE-68230B37B986}" type="datetime1">
               <a:rPr lang="ja-JP" altLang="en-US" smtClean="0"/>
               <a:pPr/>
-              <a:t>08.9.2</a:t>
+              <a:t>08.9.4</a:t>
             </a:fld>
             <a:endParaRPr lang="ja-JP" altLang="en-US"/>
           </a:p>
@@ -4841,7 +4850,7 @@
             <a:fld id="{913A2506-493B-D344-A783-4411DA3B51C6}" type="datetime1">
               <a:rPr lang="ja-JP" altLang="en-US" smtClean="0"/>
               <a:pPr/>
-              <a:t>08.9.2</a:t>
+              <a:t>08.9.4</a:t>
             </a:fld>
             <a:endParaRPr lang="ja-JP" altLang="en-US"/>
           </a:p>
@@ -5068,7 +5077,7 @@
             <a:fld id="{A8117D98-E012-1340-B59B-5CB4A353C1AC}" type="datetime1">
               <a:rPr lang="ja-JP" altLang="en-US" smtClean="0"/>
               <a:pPr/>
-              <a:t>08.9.2</a:t>
+              <a:t>08.9.4</a:t>
             </a:fld>
             <a:endParaRPr lang="ja-JP" altLang="en-US"/>
           </a:p>
@@ -5493,7 +5502,7 @@
             <a:fld id="{3A348B0A-8461-AC42-A115-63F264401103}" type="datetime1">
               <a:rPr lang="ja-JP" altLang="en-US" smtClean="0"/>
               <a:pPr/>
-              <a:t>08.9.2</a:t>
+              <a:t>08.9.4</a:t>
             </a:fld>
             <a:endParaRPr lang="ja-JP" altLang="en-US"/>
           </a:p>
@@ -5797,7 +5806,7 @@
             <a:fld id="{5E1B4DB0-F2B9-D04A-9DD7-6703AC7E7248}" type="datetime1">
               <a:rPr lang="ja-JP" altLang="en-US" smtClean="0"/>
               <a:pPr/>
-              <a:t>08.9.2</a:t>
+              <a:t>08.9.4</a:t>
             </a:fld>
             <a:endParaRPr lang="ja-JP" altLang="en-US"/>
           </a:p>
@@ -6204,7 +6213,7 @@
             <a:fld id="{D67B3AFA-E2BB-4B40-8DFD-5F43A75FECED}" type="datetime1">
               <a:rPr lang="ja-JP" altLang="en-US" smtClean="0"/>
               <a:pPr/>
-              <a:t>08.9.2</a:t>
+              <a:t>08.9.4</a:t>
             </a:fld>
             <a:endParaRPr lang="ja-JP" altLang="en-US"/>
           </a:p>
@@ -6600,7 +6609,7 @@
             <a:fld id="{C0E34838-0D8B-784A-8083-2BF0BCC81F31}" type="datetime1">
               <a:rPr lang="ja-JP" altLang="en-US" smtClean="0"/>
               <a:pPr/>
-              <a:t>08.9.2</a:t>
+              <a:t>08.9.4</a:t>
             </a:fld>
             <a:endParaRPr lang="ja-JP" altLang="en-US"/>
           </a:p>
@@ -6953,7 +6962,7 @@
             <a:fld id="{B214FFAD-D2AC-BA4E-94A6-AF1EF61CF5E3}" type="datetime1">
               <a:rPr lang="ja-JP" altLang="en-US" smtClean="0"/>
               <a:pPr/>
-              <a:t>08.9.2</a:t>
+              <a:t>08.9.4</a:t>
             </a:fld>
             <a:endParaRPr lang="ja-JP" altLang="en-US"/>
           </a:p>
@@ -7462,7 +7471,7 @@
             <a:fld id="{A505B7DA-7661-3B41-B158-5031F500DA1D}" type="datetime1">
               <a:rPr lang="ja-JP" altLang="en-US" smtClean="0"/>
               <a:pPr/>
-              <a:t>08.9.2</a:t>
+              <a:t>08.9.4</a:t>
             </a:fld>
             <a:endParaRPr lang="ja-JP" altLang="en-US"/>
           </a:p>
@@ -7794,7 +7803,7 @@
             <a:fld id="{D2DD3DBE-A7FC-A843-A5D2-64A57D5C6B0F}" type="datetime1">
               <a:rPr lang="ja-JP" altLang="en-US" smtClean="0"/>
               <a:pPr/>
-              <a:t>08.9.2</a:t>
+              <a:t>08.9.4</a:t>
             </a:fld>
             <a:endParaRPr lang="ja-JP" altLang="en-US"/>
           </a:p>
@@ -8156,7 +8165,7 @@
             <a:fld id="{19A5AFE0-9EBD-9B43-8D58-2BE7D375FB38}" type="datetime1">
               <a:rPr lang="ja-JP" altLang="en-US" smtClean="0"/>
               <a:pPr/>
-              <a:t>08.9.2</a:t>
+              <a:t>08.9.4</a:t>
             </a:fld>
             <a:endParaRPr lang="ja-JP" altLang="en-US"/>
           </a:p>
@@ -8921,7 +8930,6 @@
               <a:rPr lang="en-US" altLang="ja-JP" sz="4400" dirty="0" smtClean="0"/>
               <a:t>!</a:t>
             </a:r>
-            <a:endParaRPr lang="en-US" altLang="ja-JP" sz="4400" dirty="0" smtClean="0"/>
           </a:p>
           <a:p>
             <a:pPr algn="ctr">
@@ -9753,11 +9761,7 @@
           <a:p>
             <a:r>
               <a:rPr lang="en-US" altLang="ja-JP" dirty="0" err="1" smtClean="0"/>
-              <a:t>b</a:t>
-            </a:r>
-            <a:r>
-              <a:rPr lang="en-US" altLang="ja-JP" dirty="0" err="1" smtClean="0"/>
-              <a:t>at(sh</a:t>
+              <a:t>bat(sh</a:t>
             </a:r>
             <a:r>
               <a:rPr lang="en-US" altLang="ja-JP" dirty="0" smtClean="0"/>
@@ -11356,22 +11360,6 @@
               <a:t>!</a:t>
             </a:r>
           </a:p>
-          <a:p>
-            <a:pPr algn="ctr">
-              <a:buNone/>
-            </a:pPr>
-            <a:endParaRPr lang="en-US" altLang="ja-JP" sz="4400" dirty="0" smtClean="0"/>
-          </a:p>
-          <a:p>
-            <a:pPr algn="ctr">
-              <a:buNone/>
-            </a:pPr>
-            <a:r>
-              <a:rPr lang="ja-JP" altLang="en-US" sz="4400" dirty="0" smtClean="0"/>
-              <a:t>詳細は本番当日にて！</a:t>
-            </a:r>
-            <a:endParaRPr lang="en-US" altLang="ja-JP" sz="4400" dirty="0" smtClean="0"/>
-          </a:p>
         </p:txBody>
       </p:sp>
       <p:sp>
@@ -11640,6 +11628,4805 @@
 </file>
 
 <file path=ppt/slides/slide20.xml><?xml version="1.0" encoding="utf-8"?>
+<p:sld xmlns:a="http://schemas.openxmlformats.org/drawingml/2006/main" xmlns:r="http://schemas.openxmlformats.org/officeDocument/2006/relationships" xmlns:mc="http://schemas.openxmlformats.org/markup-compatibility/2006" xmlns:mv="urn:schemas-microsoft-com:mac:vml" xmlns:p="http://schemas.openxmlformats.org/presentationml/2006/main" mc:Ignorable="mv" mc:PreserveAttributes="mv:*">
+  <p:cSld>
+    <p:spTree>
+      <p:nvGrpSpPr>
+        <p:cNvPr id="1" name=""/>
+        <p:cNvGrpSpPr/>
+        <p:nvPr/>
+      </p:nvGrpSpPr>
+      <p:grpSpPr>
+        <a:xfrm>
+          <a:off x="0" y="0"/>
+          <a:ext cx="0" cy="0"/>
+          <a:chOff x="0" y="0"/>
+          <a:chExt cx="0" cy="0"/>
+        </a:xfrm>
+      </p:grpSpPr>
+      <p:sp>
+        <p:nvSpPr>
+          <p:cNvPr id="2" name="タイトル 1"/>
+          <p:cNvSpPr>
+            <a:spLocks noGrp="1"/>
+          </p:cNvSpPr>
+          <p:nvPr>
+            <p:ph type="title"/>
+          </p:nvPr>
+        </p:nvSpPr>
+        <p:spPr>
+          <a:xfrm>
+            <a:off x="609600" y="503238"/>
+            <a:ext cx="8153400" cy="868362"/>
+          </a:xfrm>
+        </p:spPr>
+        <p:txBody>
+          <a:bodyPr/>
+          <a:lstStyle/>
+          <a:p>
+            <a:r>
+              <a:rPr lang="en-US" altLang="ja-JP" dirty="0" smtClean="0"/>
+              <a:t>[2]DDL</a:t>
+            </a:r>
+            <a:r>
+              <a:rPr lang="ja-JP" altLang="en-US" dirty="0" smtClean="0"/>
+              <a:t>＆データ</a:t>
+            </a:r>
+            <a:r>
+              <a:rPr lang="en-US" altLang="ja-JP" dirty="0" smtClean="0"/>
+              <a:t>:</a:t>
+            </a:r>
+            <a:br>
+              <a:rPr lang="en-US" altLang="ja-JP" dirty="0" smtClean="0"/>
+            </a:br>
+            <a:r>
+              <a:rPr lang="en-US" altLang="ja-JP" dirty="0" err="1" smtClean="0"/>
+              <a:t>ReplaceSchema</a:t>
+            </a:r>
+            <a:r>
+              <a:rPr lang="ja-JP" altLang="en-US" dirty="0" smtClean="0"/>
+              <a:t>とは？</a:t>
+            </a:r>
+            <a:endParaRPr lang="ja-JP" altLang="en-US" dirty="0"/>
+          </a:p>
+        </p:txBody>
+      </p:sp>
+      <p:sp>
+        <p:nvSpPr>
+          <p:cNvPr id="3" name="コンテンツ プレースホルダ 2"/>
+          <p:cNvSpPr>
+            <a:spLocks noGrp="1"/>
+          </p:cNvSpPr>
+          <p:nvPr>
+            <p:ph idx="1"/>
+          </p:nvPr>
+        </p:nvSpPr>
+        <p:spPr/>
+        <p:txBody>
+          <a:bodyPr>
+            <a:normAutofit fontScale="85000" lnSpcReduction="10000"/>
+          </a:bodyPr>
+          <a:lstStyle/>
+          <a:p>
+            <a:pPr algn="ctr">
+              <a:buNone/>
+            </a:pPr>
+            <a:endParaRPr lang="en-US" altLang="ja-JP" sz="4400" dirty="0" smtClean="0"/>
+          </a:p>
+          <a:p>
+            <a:pPr algn="ctr">
+              <a:buNone/>
+            </a:pPr>
+            <a:r>
+              <a:rPr lang="ja-JP" altLang="en-US" sz="4400" dirty="0" smtClean="0"/>
+              <a:t>スキーマを作り直す</a:t>
+            </a:r>
+            <a:r>
+              <a:rPr lang="en-US" altLang="ja-JP" sz="4400" dirty="0" err="1" smtClean="0"/>
+              <a:t>DBFlute</a:t>
+            </a:r>
+            <a:r>
+              <a:rPr lang="ja-JP" altLang="en-US" sz="4400" dirty="0" smtClean="0"/>
+              <a:t>のタスク</a:t>
+            </a:r>
+            <a:endParaRPr lang="en-US" altLang="ja-JP" sz="4400" dirty="0" smtClean="0"/>
+          </a:p>
+          <a:p>
+            <a:pPr algn="ctr">
+              <a:buNone/>
+            </a:pPr>
+            <a:endParaRPr lang="en-US" altLang="ja-JP" sz="4400" dirty="0" smtClean="0"/>
+          </a:p>
+          <a:p>
+            <a:pPr lvl="3">
+              <a:buFontTx/>
+              <a:buChar char="•"/>
+            </a:pPr>
+            <a:r>
+              <a:rPr lang="ja-JP" altLang="en-US" sz="3800" dirty="0" smtClean="0"/>
+              <a:t>スキーマ初期化</a:t>
+            </a:r>
+            <a:r>
+              <a:rPr lang="en-US" altLang="ja-JP" sz="3800" dirty="0" smtClean="0"/>
+              <a:t>&amp;</a:t>
+            </a:r>
+            <a:r>
+              <a:rPr lang="ja-JP" altLang="en-US" sz="3800" dirty="0" smtClean="0"/>
+              <a:t>作成</a:t>
+            </a:r>
+            <a:endParaRPr lang="en-US" altLang="ja-JP" sz="3800" dirty="0" smtClean="0"/>
+          </a:p>
+          <a:p>
+            <a:pPr lvl="3">
+              <a:buFontTx/>
+              <a:buChar char="•"/>
+            </a:pPr>
+            <a:r>
+              <a:rPr lang="ja-JP" altLang="en-US" sz="3800" dirty="0" smtClean="0"/>
+              <a:t>データ登録</a:t>
+            </a:r>
+            <a:endParaRPr lang="en-US" altLang="ja-JP" sz="3800" dirty="0" smtClean="0"/>
+          </a:p>
+          <a:p>
+            <a:pPr lvl="3">
+              <a:buFontTx/>
+              <a:buChar char="•"/>
+            </a:pPr>
+            <a:r>
+              <a:rPr lang="ja-JP" altLang="en-US" sz="3800" dirty="0" smtClean="0"/>
+              <a:t>データチェック</a:t>
+            </a:r>
+            <a:r>
+              <a:rPr lang="en-US" altLang="ja-JP" sz="3800" dirty="0" smtClean="0"/>
+              <a:t>&amp;</a:t>
+            </a:r>
+            <a:r>
+              <a:rPr lang="ja-JP" altLang="en-US" sz="3800" dirty="0" smtClean="0"/>
+              <a:t>調整</a:t>
+            </a:r>
+            <a:endParaRPr lang="en-US" altLang="ja-JP" sz="4400" dirty="0" smtClean="0"/>
+          </a:p>
+          <a:p>
+            <a:pPr algn="ctr">
+              <a:buNone/>
+            </a:pPr>
+            <a:endParaRPr lang="en-US" altLang="ja-JP" sz="4400" dirty="0" smtClean="0"/>
+          </a:p>
+        </p:txBody>
+      </p:sp>
+      <p:sp>
+        <p:nvSpPr>
+          <p:cNvPr id="5" name="フッター プレースホルダ 4"/>
+          <p:cNvSpPr>
+            <a:spLocks noGrp="1"/>
+          </p:cNvSpPr>
+          <p:nvPr>
+            <p:ph type="ftr" sz="quarter" idx="11"/>
+          </p:nvPr>
+        </p:nvSpPr>
+        <p:spPr/>
+        <p:txBody>
+          <a:bodyPr/>
+          <a:lstStyle/>
+          <a:p>
+            <a:r>
+              <a:rPr lang="en-US" altLang="ja-JP" smtClean="0"/>
+              <a:t>Seasar Conference 2008 Autumn</a:t>
+            </a:r>
+            <a:endParaRPr lang="ja-JP" altLang="en-US"/>
+          </a:p>
+        </p:txBody>
+      </p:sp>
+    </p:spTree>
+  </p:cSld>
+  <p:clrMapOvr>
+    <a:masterClrMapping/>
+  </p:clrMapOvr>
+</p:sld>
+</file>
+
+<file path=ppt/slides/slide21.xml><?xml version="1.0" encoding="utf-8"?>
+<p:sld xmlns:a="http://schemas.openxmlformats.org/drawingml/2006/main" xmlns:r="http://schemas.openxmlformats.org/officeDocument/2006/relationships" xmlns:mc="http://schemas.openxmlformats.org/markup-compatibility/2006" xmlns:mv="urn:schemas-microsoft-com:mac:vml" xmlns:p="http://schemas.openxmlformats.org/presentationml/2006/main" mc:Ignorable="mv" mc:PreserveAttributes="mv:*">
+  <p:cSld>
+    <p:spTree>
+      <p:nvGrpSpPr>
+        <p:cNvPr id="1" name=""/>
+        <p:cNvGrpSpPr/>
+        <p:nvPr/>
+      </p:nvGrpSpPr>
+      <p:grpSpPr>
+        <a:xfrm>
+          <a:off x="0" y="0"/>
+          <a:ext cx="0" cy="0"/>
+          <a:chOff x="0" y="0"/>
+          <a:chExt cx="0" cy="0"/>
+        </a:xfrm>
+      </p:grpSpPr>
+      <p:sp>
+        <p:nvSpPr>
+          <p:cNvPr id="2" name="タイトル 1"/>
+          <p:cNvSpPr>
+            <a:spLocks noGrp="1"/>
+          </p:cNvSpPr>
+          <p:nvPr>
+            <p:ph type="title"/>
+          </p:nvPr>
+        </p:nvSpPr>
+        <p:spPr/>
+        <p:txBody>
+          <a:bodyPr/>
+          <a:lstStyle/>
+          <a:p>
+            <a:r>
+              <a:rPr lang="en-US" altLang="ja-JP" dirty="0" smtClean="0"/>
+              <a:t>[2]DDL</a:t>
+            </a:r>
+            <a:r>
+              <a:rPr lang="ja-JP" altLang="en-US" dirty="0" smtClean="0"/>
+              <a:t>＆データ</a:t>
+            </a:r>
+            <a:r>
+              <a:rPr lang="en-US" altLang="ja-JP" dirty="0" smtClean="0"/>
+              <a:t>:</a:t>
+            </a:r>
+            <a:r>
+              <a:rPr lang="en-US" altLang="ja-JP" dirty="0" smtClean="0"/>
+              <a:t/>
+            </a:r>
+            <a:br>
+              <a:rPr lang="en-US" altLang="ja-JP" dirty="0" smtClean="0"/>
+            </a:br>
+            <a:r>
+              <a:rPr lang="en-US" altLang="ja-JP" dirty="0" err="1" smtClean="0"/>
+              <a:t>ReplaceSchema</a:t>
+            </a:r>
+            <a:r>
+              <a:rPr lang="ja-JP" altLang="en-US" dirty="0" smtClean="0"/>
+              <a:t>概念図</a:t>
+            </a:r>
+            <a:endParaRPr lang="ja-JP" altLang="en-US" dirty="0"/>
+          </a:p>
+        </p:txBody>
+      </p:sp>
+      <p:sp>
+        <p:nvSpPr>
+          <p:cNvPr id="5" name="フッター プレースホルダ 4"/>
+          <p:cNvSpPr>
+            <a:spLocks noGrp="1"/>
+          </p:cNvSpPr>
+          <p:nvPr>
+            <p:ph type="ftr" sz="quarter" idx="11"/>
+          </p:nvPr>
+        </p:nvSpPr>
+        <p:spPr/>
+        <p:txBody>
+          <a:bodyPr/>
+          <a:lstStyle/>
+          <a:p>
+            <a:r>
+              <a:rPr lang="en-US" altLang="ja-JP" smtClean="0"/>
+              <a:t>Seasar Conference 2008 Autumn</a:t>
+            </a:r>
+            <a:endParaRPr lang="ja-JP" altLang="en-US"/>
+          </a:p>
+        </p:txBody>
+      </p:sp>
+      <p:sp>
+        <p:nvSpPr>
+          <p:cNvPr id="6" name="円柱 5"/>
+          <p:cNvSpPr/>
+          <p:nvPr/>
+        </p:nvSpPr>
+        <p:spPr>
+          <a:xfrm>
+            <a:off x="7363977" y="2287524"/>
+            <a:ext cx="914400" cy="1216152"/>
+          </a:xfrm>
+          <a:prstGeom prst="can">
+            <a:avLst/>
+          </a:prstGeom>
+        </p:spPr>
+        <p:style>
+          <a:lnRef idx="1">
+            <a:schemeClr val="accent1"/>
+          </a:lnRef>
+          <a:fillRef idx="3">
+            <a:schemeClr val="accent1"/>
+          </a:fillRef>
+          <a:effectRef idx="2">
+            <a:schemeClr val="accent1"/>
+          </a:effectRef>
+          <a:fontRef idx="minor">
+            <a:schemeClr val="lt1"/>
+          </a:fontRef>
+        </p:style>
+        <p:txBody>
+          <a:bodyPr rtlCol="0" anchor="ctr"/>
+          <a:lstStyle/>
+          <a:p>
+            <a:pPr algn="ctr"/>
+            <a:endParaRPr kumimoji="1" lang="ja-JP" altLang="en-US"/>
+          </a:p>
+        </p:txBody>
+      </p:sp>
+      <p:sp>
+        <p:nvSpPr>
+          <p:cNvPr id="8" name="正方形/長方形 7"/>
+          <p:cNvSpPr/>
+          <p:nvPr/>
+        </p:nvSpPr>
+        <p:spPr>
+          <a:xfrm>
+            <a:off x="3942606" y="2514600"/>
+            <a:ext cx="1924793" cy="609600"/>
+          </a:xfrm>
+          <a:prstGeom prst="rect">
+            <a:avLst/>
+          </a:prstGeom>
+          <a:noFill/>
+        </p:spPr>
+        <p:style>
+          <a:lnRef idx="1">
+            <a:schemeClr val="accent1"/>
+          </a:lnRef>
+          <a:fillRef idx="3">
+            <a:schemeClr val="accent1"/>
+          </a:fillRef>
+          <a:effectRef idx="2">
+            <a:schemeClr val="accent1"/>
+          </a:effectRef>
+          <a:fontRef idx="minor">
+            <a:schemeClr val="lt1"/>
+          </a:fontRef>
+        </p:style>
+        <p:txBody>
+          <a:bodyPr rtlCol="0" anchor="ctr"/>
+          <a:lstStyle/>
+          <a:p>
+            <a:pPr algn="ctr"/>
+            <a:r>
+              <a:rPr lang="en-US" altLang="ja-JP" dirty="0" smtClean="0">
+                <a:solidFill>
+                  <a:schemeClr val="tx1"/>
+                </a:solidFill>
+              </a:rPr>
+              <a:t>DDL(CREATE</a:t>
+            </a:r>
+            <a:r>
+              <a:rPr lang="ja-JP" altLang="en-US" dirty="0" smtClean="0">
+                <a:solidFill>
+                  <a:schemeClr val="tx1"/>
+                </a:solidFill>
+              </a:rPr>
+              <a:t>文</a:t>
+            </a:r>
+            <a:r>
+              <a:rPr lang="en-US" altLang="ja-JP" dirty="0" smtClean="0">
+                <a:solidFill>
+                  <a:schemeClr val="tx1"/>
+                </a:solidFill>
+              </a:rPr>
+              <a:t>)</a:t>
+            </a:r>
+            <a:endParaRPr kumimoji="1" lang="ja-JP" altLang="en-US" dirty="0">
+              <a:solidFill>
+                <a:schemeClr val="tx1"/>
+              </a:solidFill>
+            </a:endParaRPr>
+          </a:p>
+        </p:txBody>
+      </p:sp>
+      <p:sp>
+        <p:nvSpPr>
+          <p:cNvPr id="9" name="角丸四角形 8"/>
+          <p:cNvSpPr/>
+          <p:nvPr/>
+        </p:nvSpPr>
+        <p:spPr>
+          <a:xfrm>
+            <a:off x="4028703" y="4111753"/>
+            <a:ext cx="1752600" cy="914400"/>
+          </a:xfrm>
+          <a:prstGeom prst="roundRect">
+            <a:avLst/>
+          </a:prstGeom>
+        </p:spPr>
+        <p:style>
+          <a:lnRef idx="1">
+            <a:schemeClr val="accent1"/>
+          </a:lnRef>
+          <a:fillRef idx="3">
+            <a:schemeClr val="accent1"/>
+          </a:fillRef>
+          <a:effectRef idx="2">
+            <a:schemeClr val="accent1"/>
+          </a:effectRef>
+          <a:fontRef idx="minor">
+            <a:schemeClr val="lt1"/>
+          </a:fontRef>
+        </p:style>
+        <p:txBody>
+          <a:bodyPr rtlCol="0" anchor="ctr"/>
+          <a:lstStyle/>
+          <a:p>
+            <a:pPr algn="ctr"/>
+            <a:r>
+              <a:rPr kumimoji="1" lang="en-US" altLang="ja-JP" dirty="0" err="1" smtClean="0"/>
+              <a:t>DBFlute</a:t>
+            </a:r>
+            <a:endParaRPr kumimoji="1" lang="ja-JP" altLang="en-US" dirty="0"/>
+          </a:p>
+        </p:txBody>
+      </p:sp>
+      <p:cxnSp>
+        <p:nvCxnSpPr>
+          <p:cNvPr id="11" name="直線矢印コネクタ 10"/>
+          <p:cNvCxnSpPr>
+            <a:stCxn id="9" idx="0"/>
+            <a:endCxn id="8" idx="2"/>
+          </p:cNvCxnSpPr>
+          <p:nvPr/>
+        </p:nvCxnSpPr>
+        <p:spPr>
+          <a:xfrm rot="5400000" flipH="1" flipV="1">
+            <a:off x="4411227" y="3617977"/>
+            <a:ext cx="987553" cy="1588"/>
+          </a:xfrm>
+          <a:prstGeom prst="straightConnector1">
+            <a:avLst/>
+          </a:prstGeom>
+          <a:ln>
+            <a:tailEnd type="arrow"/>
+          </a:ln>
+        </p:spPr>
+        <p:style>
+          <a:lnRef idx="2">
+            <a:schemeClr val="accent1"/>
+          </a:lnRef>
+          <a:fillRef idx="0">
+            <a:schemeClr val="accent1"/>
+          </a:fillRef>
+          <a:effectRef idx="1">
+            <a:schemeClr val="accent1"/>
+          </a:effectRef>
+          <a:fontRef idx="minor">
+            <a:schemeClr val="tx1"/>
+          </a:fontRef>
+        </p:style>
+      </p:cxnSp>
+      <p:cxnSp>
+        <p:nvCxnSpPr>
+          <p:cNvPr id="12" name="直線矢印コネクタ 11"/>
+          <p:cNvCxnSpPr>
+            <a:stCxn id="9" idx="3"/>
+            <a:endCxn id="6" idx="2"/>
+          </p:cNvCxnSpPr>
+          <p:nvPr/>
+        </p:nvCxnSpPr>
+        <p:spPr>
+          <a:xfrm flipV="1">
+            <a:off x="5781303" y="2895600"/>
+            <a:ext cx="1582674" cy="1673353"/>
+          </a:xfrm>
+          <a:prstGeom prst="straightConnector1">
+            <a:avLst/>
+          </a:prstGeom>
+          <a:ln>
+            <a:tailEnd type="arrow"/>
+          </a:ln>
+        </p:spPr>
+        <p:style>
+          <a:lnRef idx="2">
+            <a:schemeClr val="accent1"/>
+          </a:lnRef>
+          <a:fillRef idx="0">
+            <a:schemeClr val="accent1"/>
+          </a:fillRef>
+          <a:effectRef idx="1">
+            <a:schemeClr val="accent1"/>
+          </a:effectRef>
+          <a:fontRef idx="minor">
+            <a:schemeClr val="tx1"/>
+          </a:fontRef>
+        </p:style>
+      </p:cxnSp>
+      <p:sp>
+        <p:nvSpPr>
+          <p:cNvPr id="16" name="スマイル 15"/>
+          <p:cNvSpPr/>
+          <p:nvPr/>
+        </p:nvSpPr>
+        <p:spPr>
+          <a:xfrm>
+            <a:off x="914400" y="3963662"/>
+            <a:ext cx="914400" cy="914400"/>
+          </a:xfrm>
+          <a:prstGeom prst="smileyFace">
+            <a:avLst/>
+          </a:prstGeom>
+          <a:solidFill>
+            <a:schemeClr val="bg2"/>
+          </a:solidFill>
+        </p:spPr>
+        <p:style>
+          <a:lnRef idx="1">
+            <a:schemeClr val="accent1"/>
+          </a:lnRef>
+          <a:fillRef idx="3">
+            <a:schemeClr val="accent1"/>
+          </a:fillRef>
+          <a:effectRef idx="2">
+            <a:schemeClr val="accent1"/>
+          </a:effectRef>
+          <a:fontRef idx="minor">
+            <a:schemeClr val="lt1"/>
+          </a:fontRef>
+        </p:style>
+        <p:txBody>
+          <a:bodyPr rtlCol="0" anchor="ctr"/>
+          <a:lstStyle/>
+          <a:p>
+            <a:pPr algn="ctr"/>
+            <a:endParaRPr kumimoji="1" lang="ja-JP" altLang="en-US"/>
+          </a:p>
+        </p:txBody>
+      </p:sp>
+      <p:cxnSp>
+        <p:nvCxnSpPr>
+          <p:cNvPr id="17" name="直線矢印コネクタ 16"/>
+          <p:cNvCxnSpPr/>
+          <p:nvPr/>
+        </p:nvCxnSpPr>
+        <p:spPr>
+          <a:xfrm flipV="1">
+            <a:off x="1828802" y="4332993"/>
+            <a:ext cx="2199901" cy="3"/>
+          </a:xfrm>
+          <a:prstGeom prst="straightConnector1">
+            <a:avLst/>
+          </a:prstGeom>
+          <a:ln>
+            <a:tailEnd type="arrow"/>
+          </a:ln>
+        </p:spPr>
+        <p:style>
+          <a:lnRef idx="2">
+            <a:schemeClr val="accent1"/>
+          </a:lnRef>
+          <a:fillRef idx="0">
+            <a:schemeClr val="accent1"/>
+          </a:fillRef>
+          <a:effectRef idx="1">
+            <a:schemeClr val="accent1"/>
+          </a:effectRef>
+          <a:fontRef idx="minor">
+            <a:schemeClr val="tx1"/>
+          </a:fontRef>
+        </p:style>
+      </p:cxnSp>
+      <p:sp>
+        <p:nvSpPr>
+          <p:cNvPr id="20" name="テキスト ボックス 19"/>
+          <p:cNvSpPr txBox="1"/>
+          <p:nvPr/>
+        </p:nvSpPr>
+        <p:spPr>
+          <a:xfrm>
+            <a:off x="1828800" y="3963662"/>
+            <a:ext cx="2216622" cy="369332"/>
+          </a:xfrm>
+          <a:prstGeom prst="rect">
+            <a:avLst/>
+          </a:prstGeom>
+          <a:noFill/>
+        </p:spPr>
+        <p:txBody>
+          <a:bodyPr wrap="none" rtlCol="0">
+            <a:spAutoFit/>
+          </a:bodyPr>
+          <a:lstStyle/>
+          <a:p>
+            <a:r>
+              <a:rPr lang="en-US" altLang="ja-JP" dirty="0" smtClean="0"/>
+              <a:t>1.</a:t>
+            </a:r>
+            <a:r>
+              <a:rPr lang="en-US" altLang="ja-JP" dirty="0" smtClean="0"/>
+              <a:t> </a:t>
+            </a:r>
+            <a:r>
+              <a:rPr lang="en-US" altLang="ja-JP" dirty="0" smtClean="0"/>
+              <a:t>replace-schema</a:t>
+            </a:r>
+            <a:r>
+              <a:rPr lang="ja-JP" altLang="en-US" dirty="0" smtClean="0"/>
+              <a:t>実行</a:t>
+            </a:r>
+            <a:endParaRPr kumimoji="1" lang="ja-JP" altLang="en-US" dirty="0"/>
+          </a:p>
+        </p:txBody>
+      </p:sp>
+      <p:sp>
+        <p:nvSpPr>
+          <p:cNvPr id="24" name="テキスト ボックス 23"/>
+          <p:cNvSpPr txBox="1"/>
+          <p:nvPr/>
+        </p:nvSpPr>
+        <p:spPr>
+          <a:xfrm>
+            <a:off x="3568661" y="3319010"/>
+            <a:ext cx="1337137" cy="369332"/>
+          </a:xfrm>
+          <a:prstGeom prst="rect">
+            <a:avLst/>
+          </a:prstGeom>
+          <a:noFill/>
+        </p:spPr>
+        <p:txBody>
+          <a:bodyPr wrap="none" rtlCol="0">
+            <a:spAutoFit/>
+          </a:bodyPr>
+          <a:lstStyle/>
+          <a:p>
+            <a:r>
+              <a:rPr lang="en-US" altLang="ja-JP" dirty="0" smtClean="0"/>
+              <a:t>3</a:t>
+            </a:r>
+            <a:r>
+              <a:rPr lang="en-US" altLang="ja-JP" dirty="0" smtClean="0"/>
+              <a:t>. </a:t>
+            </a:r>
+            <a:r>
+              <a:rPr lang="ja-JP" altLang="en-US" dirty="0" smtClean="0"/>
+              <a:t>読み込み</a:t>
+            </a:r>
+            <a:endParaRPr kumimoji="1" lang="ja-JP" altLang="en-US" dirty="0"/>
+          </a:p>
+        </p:txBody>
+      </p:sp>
+      <p:sp>
+        <p:nvSpPr>
+          <p:cNvPr id="25" name="テキスト ボックス 24"/>
+          <p:cNvSpPr txBox="1"/>
+          <p:nvPr/>
+        </p:nvSpPr>
+        <p:spPr>
+          <a:xfrm>
+            <a:off x="6477390" y="3743216"/>
+            <a:ext cx="1343787" cy="369332"/>
+          </a:xfrm>
+          <a:prstGeom prst="rect">
+            <a:avLst/>
+          </a:prstGeom>
+          <a:noFill/>
+        </p:spPr>
+        <p:txBody>
+          <a:bodyPr wrap="none" rtlCol="0">
+            <a:spAutoFit/>
+          </a:bodyPr>
+          <a:lstStyle/>
+          <a:p>
+            <a:r>
+              <a:rPr lang="en-US" altLang="ja-JP" dirty="0" smtClean="0"/>
+              <a:t>4</a:t>
+            </a:r>
+            <a:r>
+              <a:rPr lang="en-US" altLang="ja-JP" dirty="0" smtClean="0"/>
+              <a:t>. DDL</a:t>
+            </a:r>
+            <a:r>
+              <a:rPr lang="ja-JP" altLang="en-US" dirty="0" smtClean="0"/>
+              <a:t>実行</a:t>
+            </a:r>
+            <a:endParaRPr kumimoji="1" lang="ja-JP" altLang="en-US" dirty="0"/>
+          </a:p>
+        </p:txBody>
+      </p:sp>
+      <p:cxnSp>
+        <p:nvCxnSpPr>
+          <p:cNvPr id="30" name="直線矢印コネクタ 29"/>
+          <p:cNvCxnSpPr/>
+          <p:nvPr/>
+        </p:nvCxnSpPr>
+        <p:spPr>
+          <a:xfrm rot="10800000" flipV="1">
+            <a:off x="1828800" y="4568956"/>
+            <a:ext cx="2199904" cy="1"/>
+          </a:xfrm>
+          <a:prstGeom prst="straightConnector1">
+            <a:avLst/>
+          </a:prstGeom>
+          <a:ln>
+            <a:tailEnd type="arrow"/>
+          </a:ln>
+        </p:spPr>
+        <p:style>
+          <a:lnRef idx="2">
+            <a:schemeClr val="accent1"/>
+          </a:lnRef>
+          <a:fillRef idx="0">
+            <a:schemeClr val="accent1"/>
+          </a:fillRef>
+          <a:effectRef idx="1">
+            <a:schemeClr val="accent1"/>
+          </a:effectRef>
+          <a:fontRef idx="minor">
+            <a:schemeClr val="tx1"/>
+          </a:fontRef>
+        </p:style>
+      </p:cxnSp>
+      <p:sp>
+        <p:nvSpPr>
+          <p:cNvPr id="33" name="テキスト ボックス 32"/>
+          <p:cNvSpPr txBox="1"/>
+          <p:nvPr/>
+        </p:nvSpPr>
+        <p:spPr>
+          <a:xfrm>
+            <a:off x="1975402" y="4568958"/>
+            <a:ext cx="1338828" cy="369332"/>
+          </a:xfrm>
+          <a:prstGeom prst="rect">
+            <a:avLst/>
+          </a:prstGeom>
+          <a:noFill/>
+        </p:spPr>
+        <p:txBody>
+          <a:bodyPr wrap="none" rtlCol="0">
+            <a:spAutoFit/>
+          </a:bodyPr>
+          <a:lstStyle/>
+          <a:p>
+            <a:r>
+              <a:rPr lang="en-US" altLang="ja-JP" dirty="0" smtClean="0"/>
+              <a:t>9</a:t>
+            </a:r>
+            <a:r>
+              <a:rPr kumimoji="1" lang="en-US" altLang="ja-JP" dirty="0" smtClean="0"/>
+              <a:t>. </a:t>
+            </a:r>
+            <a:r>
+              <a:rPr kumimoji="1" lang="ja-JP" altLang="en-US" dirty="0" smtClean="0"/>
+              <a:t>結果</a:t>
+            </a:r>
+            <a:r>
+              <a:rPr kumimoji="1" lang="ja-JP" altLang="en-US" dirty="0" smtClean="0"/>
+              <a:t>閲覧</a:t>
+            </a:r>
+            <a:endParaRPr kumimoji="1" lang="ja-JP" altLang="en-US" dirty="0"/>
+          </a:p>
+        </p:txBody>
+      </p:sp>
+      <p:sp>
+        <p:nvSpPr>
+          <p:cNvPr id="34" name="テキスト ボックス 33"/>
+          <p:cNvSpPr txBox="1"/>
+          <p:nvPr/>
+        </p:nvSpPr>
+        <p:spPr>
+          <a:xfrm>
+            <a:off x="957936" y="2949678"/>
+            <a:ext cx="2034932" cy="369332"/>
+          </a:xfrm>
+          <a:prstGeom prst="rect">
+            <a:avLst/>
+          </a:prstGeom>
+          <a:noFill/>
+          <a:ln>
+            <a:gradFill flip="none" rotWithShape="1">
+              <a:gsLst>
+                <a:gs pos="0">
+                  <a:schemeClr val="bg2"/>
+                </a:gs>
+                <a:gs pos="100000">
+                  <a:srgbClr val="000000"/>
+                </a:gs>
+              </a:gsLst>
+              <a:path path="rect">
+                <a:fillToRect l="100000" t="100000"/>
+              </a:path>
+              <a:tileRect r="-100000" b="-100000"/>
+            </a:gradFill>
+            <a:prstDash val="dashDot"/>
+          </a:ln>
+        </p:spPr>
+        <p:txBody>
+          <a:bodyPr wrap="none" rtlCol="0">
+            <a:spAutoFit/>
+          </a:bodyPr>
+          <a:lstStyle/>
+          <a:p>
+            <a:r>
+              <a:rPr lang="en-US" altLang="ja-JP" dirty="0" err="1" smtClean="0"/>
+              <a:t>bat(sh</a:t>
+            </a:r>
+            <a:r>
+              <a:rPr lang="en-US" altLang="ja-JP" dirty="0" smtClean="0"/>
+              <a:t>)</a:t>
+            </a:r>
+            <a:r>
+              <a:rPr lang="ja-JP" altLang="en-US" dirty="0" smtClean="0"/>
+              <a:t>ファイル実行</a:t>
+            </a:r>
+            <a:endParaRPr kumimoji="1" lang="ja-JP" altLang="en-US" dirty="0"/>
+          </a:p>
+        </p:txBody>
+      </p:sp>
+      <p:cxnSp>
+        <p:nvCxnSpPr>
+          <p:cNvPr id="36" name="直線矢印コネクタ 35"/>
+          <p:cNvCxnSpPr>
+            <a:stCxn id="34" idx="2"/>
+            <a:endCxn id="20" idx="0"/>
+          </p:cNvCxnSpPr>
+          <p:nvPr/>
+        </p:nvCxnSpPr>
+        <p:spPr>
+          <a:xfrm rot="16200000" flipH="1">
+            <a:off x="2133930" y="3160481"/>
+            <a:ext cx="644652" cy="961709"/>
+          </a:xfrm>
+          <a:prstGeom prst="straightConnector1">
+            <a:avLst/>
+          </a:prstGeom>
+          <a:ln w="12700" cmpd="sng">
+            <a:solidFill>
+              <a:schemeClr val="tx1">
+                <a:lumMod val="65000"/>
+                <a:lumOff val="35000"/>
+              </a:schemeClr>
+            </a:solidFill>
+            <a:tailEnd type="arrow"/>
+          </a:ln>
+        </p:spPr>
+        <p:style>
+          <a:lnRef idx="2">
+            <a:schemeClr val="accent1"/>
+          </a:lnRef>
+          <a:fillRef idx="0">
+            <a:schemeClr val="accent1"/>
+          </a:fillRef>
+          <a:effectRef idx="1">
+            <a:schemeClr val="accent1"/>
+          </a:effectRef>
+          <a:fontRef idx="minor">
+            <a:schemeClr val="tx1"/>
+          </a:fontRef>
+        </p:style>
+      </p:cxnSp>
+      <p:pic>
+        <p:nvPicPr>
+          <p:cNvPr id="37" name="Picture 4" descr="MCBD07159_0000[1]"/>
+          <p:cNvPicPr>
+            <a:picLocks noChangeAspect="1" noChangeArrowheads="1"/>
+          </p:cNvPicPr>
+          <p:nvPr/>
+        </p:nvPicPr>
+        <p:blipFill>
+          <a:blip r:embed="rId2"/>
+          <a:srcRect/>
+          <a:stretch>
+            <a:fillRect/>
+          </a:stretch>
+        </p:blipFill>
+        <p:spPr bwMode="auto">
+          <a:xfrm>
+            <a:off x="914400" y="5630038"/>
+            <a:ext cx="915988" cy="935037"/>
+          </a:xfrm>
+          <a:prstGeom prst="rect">
+            <a:avLst/>
+          </a:prstGeom>
+          <a:noFill/>
+        </p:spPr>
+      </p:pic>
+      <p:sp>
+        <p:nvSpPr>
+          <p:cNvPr id="19" name="テキスト ボックス 18"/>
+          <p:cNvSpPr txBox="1"/>
+          <p:nvPr/>
+        </p:nvSpPr>
+        <p:spPr>
+          <a:xfrm>
+            <a:off x="5581507" y="3503676"/>
+            <a:ext cx="1028985" cy="369332"/>
+          </a:xfrm>
+          <a:prstGeom prst="rect">
+            <a:avLst/>
+          </a:prstGeom>
+          <a:noFill/>
+        </p:spPr>
+        <p:txBody>
+          <a:bodyPr wrap="none" rtlCol="0">
+            <a:spAutoFit/>
+          </a:bodyPr>
+          <a:lstStyle/>
+          <a:p>
+            <a:r>
+              <a:rPr lang="en-US" altLang="ja-JP" dirty="0" smtClean="0"/>
+              <a:t>2</a:t>
+            </a:r>
+            <a:r>
+              <a:rPr lang="en-US" altLang="ja-JP" dirty="0" smtClean="0"/>
+              <a:t>. DROP</a:t>
+            </a:r>
+            <a:endParaRPr kumimoji="1" lang="ja-JP" altLang="en-US" dirty="0"/>
+          </a:p>
+        </p:txBody>
+      </p:sp>
+      <p:sp>
+        <p:nvSpPr>
+          <p:cNvPr id="21" name="正方形/長方形 20"/>
+          <p:cNvSpPr/>
+          <p:nvPr/>
+        </p:nvSpPr>
+        <p:spPr>
+          <a:xfrm>
+            <a:off x="6477390" y="5307620"/>
+            <a:ext cx="1924793" cy="468869"/>
+          </a:xfrm>
+          <a:prstGeom prst="rect">
+            <a:avLst/>
+          </a:prstGeom>
+          <a:noFill/>
+        </p:spPr>
+        <p:style>
+          <a:lnRef idx="1">
+            <a:schemeClr val="accent1"/>
+          </a:lnRef>
+          <a:fillRef idx="3">
+            <a:schemeClr val="accent1"/>
+          </a:fillRef>
+          <a:effectRef idx="2">
+            <a:schemeClr val="accent1"/>
+          </a:effectRef>
+          <a:fontRef idx="minor">
+            <a:schemeClr val="lt1"/>
+          </a:fontRef>
+        </p:style>
+        <p:txBody>
+          <a:bodyPr rtlCol="0" anchor="ctr"/>
+          <a:lstStyle/>
+          <a:p>
+            <a:pPr algn="ctr"/>
+            <a:r>
+              <a:rPr kumimoji="1" lang="ja-JP" altLang="en-US" dirty="0" smtClean="0">
+                <a:solidFill>
+                  <a:schemeClr val="tx1"/>
+                </a:solidFill>
+              </a:rPr>
+              <a:t>データ</a:t>
+            </a:r>
+            <a:r>
+              <a:rPr kumimoji="1" lang="en-US" altLang="ja-JP" dirty="0" smtClean="0">
+                <a:solidFill>
+                  <a:schemeClr val="tx1"/>
+                </a:solidFill>
+              </a:rPr>
+              <a:t>(Excel)</a:t>
+            </a:r>
+            <a:endParaRPr kumimoji="1" lang="ja-JP" altLang="en-US" dirty="0">
+              <a:solidFill>
+                <a:schemeClr val="tx1"/>
+              </a:solidFill>
+            </a:endParaRPr>
+          </a:p>
+        </p:txBody>
+      </p:sp>
+      <p:sp>
+        <p:nvSpPr>
+          <p:cNvPr id="23" name="テキスト ボックス 22"/>
+          <p:cNvSpPr txBox="1"/>
+          <p:nvPr/>
+        </p:nvSpPr>
+        <p:spPr>
+          <a:xfrm>
+            <a:off x="6302800" y="4111753"/>
+            <a:ext cx="1518377" cy="369332"/>
+          </a:xfrm>
+          <a:prstGeom prst="rect">
+            <a:avLst/>
+          </a:prstGeom>
+          <a:noFill/>
+        </p:spPr>
+        <p:txBody>
+          <a:bodyPr wrap="none" rtlCol="0">
+            <a:spAutoFit/>
+          </a:bodyPr>
+          <a:lstStyle/>
+          <a:p>
+            <a:r>
+              <a:rPr lang="en-US" altLang="ja-JP" dirty="0" smtClean="0"/>
+              <a:t>6</a:t>
+            </a:r>
+            <a:r>
+              <a:rPr lang="en-US" altLang="ja-JP" dirty="0" smtClean="0"/>
+              <a:t>. </a:t>
+            </a:r>
+            <a:r>
+              <a:rPr lang="ja-JP" altLang="en-US" dirty="0" smtClean="0"/>
+              <a:t>データ登録</a:t>
+            </a:r>
+            <a:endParaRPr kumimoji="1" lang="ja-JP" altLang="en-US" dirty="0"/>
+          </a:p>
+        </p:txBody>
+      </p:sp>
+      <p:cxnSp>
+        <p:nvCxnSpPr>
+          <p:cNvPr id="27" name="直線矢印コネクタ 26"/>
+          <p:cNvCxnSpPr>
+            <a:stCxn id="9" idx="2"/>
+            <a:endCxn id="21" idx="1"/>
+          </p:cNvCxnSpPr>
+          <p:nvPr/>
+        </p:nvCxnSpPr>
+        <p:spPr>
+          <a:xfrm rot="16200000" flipH="1">
+            <a:off x="5433245" y="4497910"/>
+            <a:ext cx="515902" cy="1572387"/>
+          </a:xfrm>
+          <a:prstGeom prst="straightConnector1">
+            <a:avLst/>
+          </a:prstGeom>
+          <a:ln>
+            <a:tailEnd type="arrow"/>
+          </a:ln>
+        </p:spPr>
+        <p:style>
+          <a:lnRef idx="2">
+            <a:schemeClr val="accent1"/>
+          </a:lnRef>
+          <a:fillRef idx="0">
+            <a:schemeClr val="accent1"/>
+          </a:fillRef>
+          <a:effectRef idx="1">
+            <a:schemeClr val="accent1"/>
+          </a:effectRef>
+          <a:fontRef idx="minor">
+            <a:schemeClr val="tx1"/>
+          </a:fontRef>
+        </p:style>
+      </p:cxnSp>
+      <p:sp>
+        <p:nvSpPr>
+          <p:cNvPr id="31" name="テキスト ボックス 30"/>
+          <p:cNvSpPr txBox="1"/>
+          <p:nvPr/>
+        </p:nvSpPr>
+        <p:spPr>
+          <a:xfrm>
+            <a:off x="4912938" y="5260706"/>
+            <a:ext cx="1337137" cy="369332"/>
+          </a:xfrm>
+          <a:prstGeom prst="rect">
+            <a:avLst/>
+          </a:prstGeom>
+          <a:noFill/>
+        </p:spPr>
+        <p:txBody>
+          <a:bodyPr wrap="none" rtlCol="0">
+            <a:spAutoFit/>
+          </a:bodyPr>
+          <a:lstStyle/>
+          <a:p>
+            <a:r>
+              <a:rPr lang="en-US" altLang="ja-JP" dirty="0" smtClean="0"/>
+              <a:t>5</a:t>
+            </a:r>
+            <a:r>
+              <a:rPr lang="en-US" altLang="ja-JP" dirty="0" smtClean="0"/>
+              <a:t>. </a:t>
+            </a:r>
+            <a:r>
+              <a:rPr lang="ja-JP" altLang="en-US" dirty="0" smtClean="0"/>
+              <a:t>読み込み</a:t>
+            </a:r>
+            <a:endParaRPr kumimoji="1" lang="ja-JP" altLang="en-US" dirty="0"/>
+          </a:p>
+        </p:txBody>
+      </p:sp>
+      <p:sp>
+        <p:nvSpPr>
+          <p:cNvPr id="32" name="正方形/長方形 31"/>
+          <p:cNvSpPr/>
+          <p:nvPr/>
+        </p:nvSpPr>
+        <p:spPr>
+          <a:xfrm>
+            <a:off x="2362200" y="5424838"/>
+            <a:ext cx="1924793" cy="603766"/>
+          </a:xfrm>
+          <a:prstGeom prst="rect">
+            <a:avLst/>
+          </a:prstGeom>
+          <a:noFill/>
+        </p:spPr>
+        <p:style>
+          <a:lnRef idx="1">
+            <a:schemeClr val="accent1"/>
+          </a:lnRef>
+          <a:fillRef idx="3">
+            <a:schemeClr val="accent1"/>
+          </a:fillRef>
+          <a:effectRef idx="2">
+            <a:schemeClr val="accent1"/>
+          </a:effectRef>
+          <a:fontRef idx="minor">
+            <a:schemeClr val="lt1"/>
+          </a:fontRef>
+        </p:style>
+        <p:txBody>
+          <a:bodyPr rtlCol="0" anchor="ctr"/>
+          <a:lstStyle/>
+          <a:p>
+            <a:pPr algn="ctr"/>
+            <a:r>
+              <a:rPr kumimoji="1" lang="ja-JP" altLang="en-US" dirty="0" smtClean="0">
+                <a:solidFill>
+                  <a:schemeClr val="tx1"/>
+                </a:solidFill>
+              </a:rPr>
+              <a:t>チェック</a:t>
+            </a:r>
+            <a:r>
+              <a:rPr kumimoji="1" lang="en-US" altLang="ja-JP" dirty="0" smtClean="0">
+                <a:solidFill>
+                  <a:schemeClr val="tx1"/>
+                </a:solidFill>
+              </a:rPr>
+              <a:t>&amp;</a:t>
+            </a:r>
+            <a:r>
+              <a:rPr kumimoji="1" lang="ja-JP" altLang="en-US" dirty="0" smtClean="0">
+                <a:solidFill>
+                  <a:schemeClr val="tx1"/>
+                </a:solidFill>
+              </a:rPr>
+              <a:t>調整</a:t>
+            </a:r>
+            <a:r>
+              <a:rPr kumimoji="1" lang="en-US" altLang="ja-JP" dirty="0" smtClean="0">
+                <a:solidFill>
+                  <a:schemeClr val="tx1"/>
+                </a:solidFill>
+              </a:rPr>
+              <a:t>SQL</a:t>
+            </a:r>
+            <a:endParaRPr kumimoji="1" lang="ja-JP" altLang="en-US" dirty="0">
+              <a:solidFill>
+                <a:schemeClr val="tx1"/>
+              </a:solidFill>
+            </a:endParaRPr>
+          </a:p>
+        </p:txBody>
+      </p:sp>
+      <p:cxnSp>
+        <p:nvCxnSpPr>
+          <p:cNvPr id="35" name="直線矢印コネクタ 34"/>
+          <p:cNvCxnSpPr>
+            <a:stCxn id="9" idx="2"/>
+          </p:cNvCxnSpPr>
+          <p:nvPr/>
+        </p:nvCxnSpPr>
+        <p:spPr>
+          <a:xfrm rot="5400000">
+            <a:off x="4245715" y="5067433"/>
+            <a:ext cx="700568" cy="618009"/>
+          </a:xfrm>
+          <a:prstGeom prst="straightConnector1">
+            <a:avLst/>
+          </a:prstGeom>
+          <a:ln>
+            <a:tailEnd type="arrow"/>
+          </a:ln>
+        </p:spPr>
+        <p:style>
+          <a:lnRef idx="2">
+            <a:schemeClr val="accent1"/>
+          </a:lnRef>
+          <a:fillRef idx="0">
+            <a:schemeClr val="accent1"/>
+          </a:fillRef>
+          <a:effectRef idx="1">
+            <a:schemeClr val="accent1"/>
+          </a:effectRef>
+          <a:fontRef idx="minor">
+            <a:schemeClr val="tx1"/>
+          </a:fontRef>
+        </p:style>
+      </p:cxnSp>
+      <p:sp>
+        <p:nvSpPr>
+          <p:cNvPr id="39" name="テキスト ボックス 38"/>
+          <p:cNvSpPr txBox="1"/>
+          <p:nvPr/>
+        </p:nvSpPr>
+        <p:spPr>
+          <a:xfrm>
+            <a:off x="4286994" y="5776489"/>
+            <a:ext cx="1321921" cy="369332"/>
+          </a:xfrm>
+          <a:prstGeom prst="rect">
+            <a:avLst/>
+          </a:prstGeom>
+          <a:noFill/>
+        </p:spPr>
+        <p:txBody>
+          <a:bodyPr wrap="none" rtlCol="0">
+            <a:spAutoFit/>
+          </a:bodyPr>
+          <a:lstStyle/>
+          <a:p>
+            <a:r>
+              <a:rPr lang="en-US" altLang="ja-JP" dirty="0" smtClean="0"/>
+              <a:t>7</a:t>
+            </a:r>
+            <a:r>
+              <a:rPr lang="en-US" altLang="ja-JP" dirty="0" smtClean="0"/>
+              <a:t>. </a:t>
+            </a:r>
+            <a:r>
+              <a:rPr lang="ja-JP" altLang="en-US" dirty="0" smtClean="0"/>
+              <a:t>読み込み</a:t>
+            </a:r>
+            <a:endParaRPr kumimoji="1" lang="ja-JP" altLang="en-US" dirty="0"/>
+          </a:p>
+        </p:txBody>
+      </p:sp>
+      <p:sp>
+        <p:nvSpPr>
+          <p:cNvPr id="42" name="テキスト ボックス 41"/>
+          <p:cNvSpPr txBox="1"/>
+          <p:nvPr/>
+        </p:nvSpPr>
+        <p:spPr>
+          <a:xfrm>
+            <a:off x="6012829" y="4481880"/>
+            <a:ext cx="2702295" cy="369332"/>
+          </a:xfrm>
+          <a:prstGeom prst="rect">
+            <a:avLst/>
+          </a:prstGeom>
+          <a:noFill/>
+        </p:spPr>
+        <p:txBody>
+          <a:bodyPr wrap="none" rtlCol="0">
+            <a:spAutoFit/>
+          </a:bodyPr>
+          <a:lstStyle/>
+          <a:p>
+            <a:r>
+              <a:rPr lang="en-US" altLang="ja-JP" dirty="0" smtClean="0"/>
+              <a:t>8</a:t>
+            </a:r>
+            <a:r>
+              <a:rPr lang="en-US" altLang="ja-JP" dirty="0" smtClean="0"/>
+              <a:t>. </a:t>
+            </a:r>
+            <a:r>
+              <a:rPr lang="ja-JP" altLang="en-US" dirty="0" smtClean="0"/>
+              <a:t>チェック</a:t>
+            </a:r>
+            <a:r>
+              <a:rPr lang="en-US" altLang="ja-JP" dirty="0" smtClean="0"/>
+              <a:t>&amp;</a:t>
+            </a:r>
+            <a:r>
+              <a:rPr lang="ja-JP" altLang="en-US" dirty="0" smtClean="0"/>
+              <a:t>調整</a:t>
+            </a:r>
+            <a:r>
+              <a:rPr lang="en-US" altLang="ja-JP" dirty="0" smtClean="0"/>
+              <a:t>SQL</a:t>
+            </a:r>
+            <a:r>
+              <a:rPr lang="ja-JP" altLang="en-US" dirty="0" smtClean="0"/>
+              <a:t>実行</a:t>
+            </a:r>
+            <a:endParaRPr kumimoji="1" lang="ja-JP" altLang="en-US" dirty="0"/>
+          </a:p>
+        </p:txBody>
+      </p:sp>
+    </p:spTree>
+  </p:cSld>
+  <p:clrMapOvr>
+    <a:masterClrMapping/>
+  </p:clrMapOvr>
+</p:sld>
+</file>
+
+<file path=ppt/slides/slide22.xml><?xml version="1.0" encoding="utf-8"?>
+<p:sld xmlns:a="http://schemas.openxmlformats.org/drawingml/2006/main" xmlns:r="http://schemas.openxmlformats.org/officeDocument/2006/relationships" xmlns:mc="http://schemas.openxmlformats.org/markup-compatibility/2006" xmlns:mv="urn:schemas-microsoft-com:mac:vml" xmlns:p="http://schemas.openxmlformats.org/presentationml/2006/main" mc:Ignorable="mv" mc:PreserveAttributes="mv:*">
+  <p:cSld>
+    <p:spTree>
+      <p:nvGrpSpPr>
+        <p:cNvPr id="1" name=""/>
+        <p:cNvGrpSpPr/>
+        <p:nvPr/>
+      </p:nvGrpSpPr>
+      <p:grpSpPr>
+        <a:xfrm>
+          <a:off x="0" y="0"/>
+          <a:ext cx="0" cy="0"/>
+          <a:chOff x="0" y="0"/>
+          <a:chExt cx="0" cy="0"/>
+        </a:xfrm>
+      </p:grpSpPr>
+      <p:sp>
+        <p:nvSpPr>
+          <p:cNvPr id="2" name="タイトル 1"/>
+          <p:cNvSpPr>
+            <a:spLocks noGrp="1"/>
+          </p:cNvSpPr>
+          <p:nvPr>
+            <p:ph type="title"/>
+          </p:nvPr>
+        </p:nvSpPr>
+        <p:spPr>
+          <a:xfrm>
+            <a:off x="609600" y="503238"/>
+            <a:ext cx="8153400" cy="868362"/>
+          </a:xfrm>
+        </p:spPr>
+        <p:txBody>
+          <a:bodyPr/>
+          <a:lstStyle/>
+          <a:p>
+            <a:r>
+              <a:rPr lang="en-US" altLang="ja-JP" dirty="0" smtClean="0"/>
+              <a:t>[2]DDL</a:t>
+            </a:r>
+            <a:r>
+              <a:rPr lang="ja-JP" altLang="en-US" dirty="0" smtClean="0"/>
+              <a:t>＆データ</a:t>
+            </a:r>
+            <a:r>
+              <a:rPr lang="en-US" altLang="ja-JP" dirty="0" smtClean="0"/>
+              <a:t>:</a:t>
+            </a:r>
+            <a:br>
+              <a:rPr lang="en-US" altLang="ja-JP" dirty="0" smtClean="0"/>
+            </a:br>
+            <a:r>
+              <a:rPr lang="ja-JP" altLang="en-US" sz="4800" dirty="0" smtClean="0"/>
+              <a:t>スキーマ初期化</a:t>
+            </a:r>
+            <a:r>
+              <a:rPr lang="en-US" altLang="ja-JP" sz="4800" dirty="0" smtClean="0"/>
+              <a:t>&amp;</a:t>
+            </a:r>
+            <a:r>
+              <a:rPr lang="ja-JP" altLang="en-US" sz="4800" dirty="0" smtClean="0"/>
+              <a:t>作成</a:t>
+            </a:r>
+            <a:r>
+              <a:rPr lang="ja-JP" altLang="en-US" sz="4800" dirty="0" smtClean="0"/>
+              <a:t>のフロー</a:t>
+            </a:r>
+            <a:endParaRPr lang="ja-JP" altLang="en-US" dirty="0"/>
+          </a:p>
+        </p:txBody>
+      </p:sp>
+      <p:sp>
+        <p:nvSpPr>
+          <p:cNvPr id="3" name="コンテンツ プレースホルダ 2"/>
+          <p:cNvSpPr>
+            <a:spLocks noGrp="1"/>
+          </p:cNvSpPr>
+          <p:nvPr>
+            <p:ph idx="1"/>
+          </p:nvPr>
+        </p:nvSpPr>
+        <p:spPr>
+          <a:xfrm>
+            <a:off x="914400" y="1735138"/>
+            <a:ext cx="7313613" cy="4232106"/>
+          </a:xfrm>
+        </p:spPr>
+        <p:txBody>
+          <a:bodyPr>
+            <a:normAutofit fontScale="77500" lnSpcReduction="20000"/>
+          </a:bodyPr>
+          <a:lstStyle/>
+          <a:p>
+            <a:pPr>
+              <a:buAutoNum type="arabicPeriod"/>
+            </a:pPr>
+            <a:endParaRPr lang="en-US" altLang="ja-JP" dirty="0" smtClean="0"/>
+          </a:p>
+          <a:p>
+            <a:pPr>
+              <a:buAutoNum type="arabicPeriod"/>
+            </a:pPr>
+            <a:r>
+              <a:rPr lang="ja-JP" altLang="en-US" dirty="0" smtClean="0"/>
+              <a:t>既存テーブルを</a:t>
+            </a:r>
+            <a:r>
+              <a:rPr lang="en-US" altLang="ja-JP" dirty="0" smtClean="0"/>
+              <a:t>truncate (</a:t>
+            </a:r>
+            <a:r>
+              <a:rPr lang="ja-JP" altLang="en-US" dirty="0" smtClean="0"/>
+              <a:t>できるものだけ</a:t>
+            </a:r>
+            <a:r>
+              <a:rPr lang="en-US" altLang="ja-JP" dirty="0" smtClean="0"/>
+              <a:t>)</a:t>
+            </a:r>
+          </a:p>
+          <a:p>
+            <a:pPr>
+              <a:buAutoNum type="arabicPeriod"/>
+            </a:pPr>
+            <a:r>
+              <a:rPr lang="ja-JP" altLang="en-US" dirty="0" smtClean="0"/>
+              <a:t>既存テーブルの</a:t>
+            </a:r>
+            <a:r>
+              <a:rPr lang="en-US" altLang="ja-JP" dirty="0" smtClean="0"/>
+              <a:t>FK</a:t>
+            </a:r>
+            <a:r>
+              <a:rPr lang="ja-JP" altLang="en-US" dirty="0" smtClean="0"/>
+              <a:t>を全て</a:t>
+            </a:r>
+            <a:r>
+              <a:rPr lang="en-US" altLang="ja-JP" dirty="0" smtClean="0"/>
+              <a:t>Drop</a:t>
+            </a:r>
+          </a:p>
+          <a:p>
+            <a:pPr>
+              <a:buAutoNum type="arabicPeriod"/>
+            </a:pPr>
+            <a:r>
+              <a:rPr lang="ja-JP" altLang="en-US" dirty="0" smtClean="0"/>
+              <a:t>既存テーブルを全て</a:t>
+            </a:r>
+            <a:r>
+              <a:rPr lang="en-US" altLang="ja-JP" dirty="0" smtClean="0"/>
+              <a:t>Drop</a:t>
+            </a:r>
+          </a:p>
+          <a:p>
+            <a:pPr>
+              <a:buAutoNum type="arabicPeriod"/>
+            </a:pPr>
+            <a:r>
+              <a:rPr lang="en-US" altLang="ja-JP" dirty="0" err="1" smtClean="0"/>
+              <a:t>DBFlute</a:t>
+            </a:r>
+            <a:r>
+              <a:rPr lang="ja-JP" altLang="en-US" dirty="0" smtClean="0"/>
+              <a:t>クライアント</a:t>
+            </a:r>
+            <a:r>
+              <a:rPr lang="en-US" altLang="ja-JP" dirty="0" smtClean="0"/>
+              <a:t>/</a:t>
+            </a:r>
+            <a:r>
+              <a:rPr lang="en-US" altLang="ja-JP" dirty="0" err="1" smtClean="0"/>
+              <a:t>playsql</a:t>
+            </a:r>
+            <a:r>
+              <a:rPr lang="en-US" altLang="ja-JP" dirty="0" smtClean="0"/>
+              <a:t>/replace-schema*.</a:t>
+            </a:r>
+            <a:r>
+              <a:rPr lang="en-US" altLang="ja-JP" dirty="0" err="1" smtClean="0"/>
+              <a:t>sql</a:t>
+            </a:r>
+            <a:r>
+              <a:rPr lang="ja-JP" altLang="en-US" dirty="0" smtClean="0"/>
+              <a:t>の</a:t>
+            </a:r>
+            <a:r>
+              <a:rPr lang="en-US" altLang="ja-JP" dirty="0" smtClean="0"/>
+              <a:t>SQL</a:t>
+            </a:r>
+            <a:r>
+              <a:rPr lang="ja-JP" altLang="en-US" dirty="0" smtClean="0"/>
+              <a:t>を実行</a:t>
+            </a:r>
+            <a:endParaRPr lang="en-US" altLang="ja-JP" dirty="0" smtClean="0"/>
+          </a:p>
+          <a:p>
+            <a:pPr lvl="1">
+              <a:buFontTx/>
+              <a:buChar char="•"/>
+            </a:pPr>
+            <a:r>
+              <a:rPr lang="ja-JP" altLang="en-US" dirty="0" smtClean="0"/>
+              <a:t>「</a:t>
+            </a:r>
+            <a:r>
+              <a:rPr lang="en-US" altLang="ja-JP" dirty="0" smtClean="0"/>
+              <a:t>replace-schema</a:t>
+            </a:r>
+            <a:r>
+              <a:rPr lang="ja-JP" altLang="en-US" dirty="0" smtClean="0"/>
+              <a:t>」で</a:t>
+            </a:r>
+            <a:r>
+              <a:rPr lang="ja-JP" altLang="en-US" dirty="0" smtClean="0"/>
+              <a:t>始ま</a:t>
+            </a:r>
+            <a:r>
+              <a:rPr lang="ja-JP" altLang="en-US" dirty="0" smtClean="0"/>
+              <a:t>る</a:t>
+            </a:r>
+            <a:r>
+              <a:rPr lang="ja-JP" altLang="en-US" dirty="0" smtClean="0"/>
+              <a:t>「</a:t>
+            </a:r>
+            <a:r>
+              <a:rPr lang="en-US" altLang="ja-JP" dirty="0" smtClean="0"/>
+              <a:t>.</a:t>
+            </a:r>
+            <a:r>
+              <a:rPr lang="en-US" altLang="ja-JP" dirty="0" err="1" smtClean="0"/>
+              <a:t>sql</a:t>
+            </a:r>
+            <a:r>
+              <a:rPr lang="ja-JP" altLang="en-US" dirty="0" smtClean="0"/>
+              <a:t>」ファイル</a:t>
+            </a:r>
+            <a:r>
+              <a:rPr lang="ja-JP" altLang="en-US" dirty="0" smtClean="0"/>
+              <a:t>をアスキー順</a:t>
+            </a:r>
+            <a:r>
+              <a:rPr lang="ja-JP" altLang="en-US" dirty="0" smtClean="0"/>
+              <a:t>で</a:t>
+            </a:r>
+            <a:r>
+              <a:rPr lang="ja-JP" altLang="en-US" dirty="0" smtClean="0"/>
+              <a:t>読み込む</a:t>
+            </a:r>
+            <a:endParaRPr lang="en-US" altLang="ja-JP" dirty="0" smtClean="0"/>
+          </a:p>
+          <a:p>
+            <a:pPr lvl="1">
+              <a:buFontTx/>
+              <a:buChar char="•"/>
+            </a:pPr>
+            <a:r>
+              <a:rPr lang="ja-JP" altLang="en-US" dirty="0" smtClean="0"/>
+              <a:t>セミコロン「</a:t>
+            </a:r>
+            <a:r>
+              <a:rPr lang="en-US" altLang="ja-JP" dirty="0" smtClean="0"/>
+              <a:t>;</a:t>
+            </a:r>
+            <a:r>
+              <a:rPr lang="ja-JP" altLang="en-US" dirty="0" smtClean="0"/>
+              <a:t>」区切りで順番に</a:t>
+            </a:r>
+            <a:r>
+              <a:rPr lang="en-US" altLang="ja-JP" dirty="0" smtClean="0"/>
+              <a:t>SQL</a:t>
+            </a:r>
+            <a:r>
+              <a:rPr lang="ja-JP" altLang="en-US" dirty="0" smtClean="0"/>
+              <a:t>を実行</a:t>
+            </a:r>
+            <a:endParaRPr lang="en-US" altLang="ja-JP" dirty="0" smtClean="0"/>
+          </a:p>
+          <a:p>
+            <a:pPr lvl="1">
+              <a:buFontTx/>
+              <a:buChar char="•"/>
+            </a:pPr>
+            <a:r>
+              <a:rPr lang="ja-JP" altLang="en-US" dirty="0" smtClean="0"/>
+              <a:t>「</a:t>
+            </a:r>
+            <a:r>
+              <a:rPr lang="en-US" altLang="ja-JP" dirty="0" smtClean="0"/>
+              <a:t>-- #</a:t>
+            </a:r>
+            <a:r>
+              <a:rPr lang="en-US" altLang="ja-JP" dirty="0" err="1" smtClean="0"/>
+              <a:t>df:begin</a:t>
+            </a:r>
+            <a:r>
+              <a:rPr lang="en-US" altLang="ja-JP" dirty="0" smtClean="0"/>
+              <a:t>#</a:t>
+            </a:r>
+            <a:r>
+              <a:rPr lang="ja-JP" altLang="en-US" dirty="0" smtClean="0"/>
+              <a:t>」</a:t>
+            </a:r>
+            <a:r>
+              <a:rPr lang="en-US" altLang="ja-JP" dirty="0" smtClean="0"/>
+              <a:t>&amp;</a:t>
+            </a:r>
+            <a:r>
+              <a:rPr lang="ja-JP" altLang="en-US" dirty="0" smtClean="0"/>
+              <a:t>「</a:t>
+            </a:r>
+            <a:r>
+              <a:rPr lang="en-US" altLang="ja-JP" dirty="0" smtClean="0"/>
+              <a:t>-- #</a:t>
+            </a:r>
+            <a:r>
+              <a:rPr lang="en-US" altLang="ja-JP" dirty="0" err="1" smtClean="0"/>
+              <a:t>df:end</a:t>
+            </a:r>
+            <a:r>
+              <a:rPr lang="ja-JP" altLang="en-US" dirty="0" smtClean="0"/>
+              <a:t>」で囲うことにより、セミコロン「</a:t>
+            </a:r>
+            <a:r>
+              <a:rPr lang="en-US" altLang="ja-JP" dirty="0" smtClean="0"/>
+              <a:t>;</a:t>
+            </a:r>
+            <a:r>
+              <a:rPr lang="ja-JP" altLang="en-US" dirty="0" smtClean="0"/>
+              <a:t>」を区切りとせず、ひとまとまりの</a:t>
+            </a:r>
+            <a:r>
+              <a:rPr lang="en-US" altLang="ja-JP" dirty="0" smtClean="0"/>
+              <a:t>SQL</a:t>
+            </a:r>
+            <a:r>
+              <a:rPr lang="ja-JP" altLang="en-US" dirty="0" smtClean="0"/>
+              <a:t>とすることができる</a:t>
+            </a:r>
+            <a:r>
+              <a:rPr lang="ja-JP" altLang="en-US" dirty="0" smtClean="0"/>
+              <a:t>。</a:t>
+            </a:r>
+            <a:endParaRPr lang="en-US" altLang="ja-JP" dirty="0" smtClean="0"/>
+          </a:p>
+          <a:p>
+            <a:pPr lvl="1">
+              <a:buFontTx/>
+              <a:buChar char="•"/>
+            </a:pPr>
+            <a:r>
+              <a:rPr lang="ja-JP" altLang="en-US" dirty="0" smtClean="0"/>
+              <a:t>途中で</a:t>
+            </a:r>
+            <a:r>
+              <a:rPr lang="en-US" altLang="ja-JP" dirty="0" smtClean="0"/>
+              <a:t>SQL</a:t>
+            </a:r>
+            <a:r>
+              <a:rPr lang="ja-JP" altLang="en-US" dirty="0" smtClean="0"/>
+              <a:t>が例外になったら</a:t>
+            </a:r>
+            <a:r>
+              <a:rPr lang="en-US" altLang="ja-JP" dirty="0" smtClean="0"/>
+              <a:t>Warning</a:t>
+            </a:r>
+            <a:r>
+              <a:rPr lang="ja-JP" altLang="en-US" dirty="0" smtClean="0"/>
+              <a:t>ログが出力されて続行</a:t>
+            </a:r>
+            <a:endParaRPr lang="en-US" altLang="ja-JP" dirty="0" smtClean="0"/>
+          </a:p>
+          <a:p>
+            <a:pPr lvl="1">
+              <a:buFontTx/>
+              <a:buChar char="•"/>
+            </a:pPr>
+            <a:r>
+              <a:rPr lang="en-US" altLang="ja-JP" dirty="0" smtClean="0"/>
+              <a:t>SQL</a:t>
+            </a:r>
+            <a:r>
+              <a:rPr lang="ja-JP" altLang="en-US" dirty="0" smtClean="0"/>
+              <a:t>の最後の「</a:t>
+            </a:r>
+            <a:r>
+              <a:rPr lang="en-US" altLang="ja-JP" dirty="0" smtClean="0"/>
+              <a:t>/</a:t>
+            </a:r>
+            <a:r>
+              <a:rPr lang="ja-JP" altLang="en-US" dirty="0" smtClean="0"/>
+              <a:t>」は除去される</a:t>
+            </a:r>
+            <a:r>
+              <a:rPr lang="en-US" altLang="ja-JP" dirty="0" smtClean="0"/>
+              <a:t>(SQL*Plus</a:t>
+            </a:r>
+            <a:r>
+              <a:rPr lang="ja-JP" altLang="en-US" dirty="0" smtClean="0"/>
+              <a:t>などとの相性</a:t>
+            </a:r>
+            <a:r>
+              <a:rPr lang="en-US" altLang="ja-JP" dirty="0" smtClean="0"/>
+              <a:t>)</a:t>
+            </a:r>
+          </a:p>
+          <a:p>
+            <a:pPr lvl="1">
+              <a:buFontTx/>
+              <a:buChar char="•"/>
+            </a:pPr>
+            <a:r>
+              <a:rPr lang="ja-JP" altLang="en-US" dirty="0" smtClean="0"/>
+              <a:t>ファイルエンコーディングは</a:t>
+            </a:r>
+            <a:r>
+              <a:rPr lang="en-US" altLang="ja-JP" dirty="0" smtClean="0"/>
+              <a:t>UTF-8</a:t>
+            </a:r>
+          </a:p>
+          <a:p>
+            <a:pPr>
+              <a:buFontTx/>
+              <a:buChar char="•"/>
+            </a:pPr>
+            <a:endParaRPr lang="en-US" altLang="ja-JP" dirty="0" smtClean="0"/>
+          </a:p>
+          <a:p>
+            <a:pPr>
+              <a:buNone/>
+            </a:pPr>
+            <a:endParaRPr lang="en-US" altLang="ja-JP" dirty="0" smtClean="0"/>
+          </a:p>
+        </p:txBody>
+      </p:sp>
+      <p:sp>
+        <p:nvSpPr>
+          <p:cNvPr id="5" name="フッター プレースホルダ 4"/>
+          <p:cNvSpPr>
+            <a:spLocks noGrp="1"/>
+          </p:cNvSpPr>
+          <p:nvPr>
+            <p:ph type="ftr" sz="quarter" idx="11"/>
+          </p:nvPr>
+        </p:nvSpPr>
+        <p:spPr/>
+        <p:txBody>
+          <a:bodyPr/>
+          <a:lstStyle/>
+          <a:p>
+            <a:r>
+              <a:rPr lang="en-US" altLang="ja-JP" dirty="0" err="1" smtClean="0"/>
+              <a:t>Seasar</a:t>
+            </a:r>
+            <a:r>
+              <a:rPr lang="en-US" altLang="ja-JP" dirty="0" smtClean="0"/>
+              <a:t> Conference 2008 Autumn</a:t>
+            </a:r>
+            <a:endParaRPr lang="ja-JP" altLang="en-US" dirty="0"/>
+          </a:p>
+        </p:txBody>
+      </p:sp>
+      <p:sp>
+        <p:nvSpPr>
+          <p:cNvPr id="6" name="テキスト ボックス 5"/>
+          <p:cNvSpPr txBox="1"/>
+          <p:nvPr/>
+        </p:nvSpPr>
+        <p:spPr>
+          <a:xfrm>
+            <a:off x="6096000" y="1905000"/>
+            <a:ext cx="1952853" cy="307777"/>
+          </a:xfrm>
+          <a:prstGeom prst="rect">
+            <a:avLst/>
+          </a:prstGeom>
+          <a:noFill/>
+          <a:ln>
+            <a:gradFill flip="none" rotWithShape="1">
+              <a:gsLst>
+                <a:gs pos="0">
+                  <a:schemeClr val="bg2"/>
+                </a:gs>
+                <a:gs pos="100000">
+                  <a:srgbClr val="000000"/>
+                </a:gs>
+              </a:gsLst>
+              <a:path path="rect">
+                <a:fillToRect l="100000" t="100000"/>
+              </a:path>
+              <a:tileRect r="-100000" b="-100000"/>
+            </a:gradFill>
+            <a:prstDash val="dashDot"/>
+          </a:ln>
+        </p:spPr>
+        <p:txBody>
+          <a:bodyPr wrap="none" rtlCol="0">
+            <a:spAutoFit/>
+          </a:bodyPr>
+          <a:lstStyle/>
+          <a:p>
+            <a:r>
+              <a:rPr lang="en-US" altLang="ja-JP" sz="1400" dirty="0" smtClean="0"/>
+              <a:t>Drop</a:t>
+            </a:r>
+            <a:r>
+              <a:rPr lang="ja-JP" altLang="en-US" sz="1400" dirty="0" smtClean="0"/>
+              <a:t>の時間短縮のため</a:t>
+            </a:r>
+            <a:endParaRPr kumimoji="1" lang="ja-JP" altLang="en-US" sz="1400" dirty="0"/>
+          </a:p>
+        </p:txBody>
+      </p:sp>
+      <p:cxnSp>
+        <p:nvCxnSpPr>
+          <p:cNvPr id="7" name="直線矢印コネクタ 6"/>
+          <p:cNvCxnSpPr>
+            <a:stCxn id="6" idx="1"/>
+          </p:cNvCxnSpPr>
+          <p:nvPr/>
+        </p:nvCxnSpPr>
+        <p:spPr>
+          <a:xfrm rot="10800000" flipV="1">
+            <a:off x="5562602" y="2058889"/>
+            <a:ext cx="533398" cy="379512"/>
+          </a:xfrm>
+          <a:prstGeom prst="straightConnector1">
+            <a:avLst/>
+          </a:prstGeom>
+          <a:ln w="12700" cmpd="sng">
+            <a:solidFill>
+              <a:schemeClr val="tx1">
+                <a:lumMod val="65000"/>
+                <a:lumOff val="35000"/>
+              </a:schemeClr>
+            </a:solidFill>
+            <a:tailEnd type="arrow"/>
+          </a:ln>
+        </p:spPr>
+        <p:style>
+          <a:lnRef idx="2">
+            <a:schemeClr val="accent1"/>
+          </a:lnRef>
+          <a:fillRef idx="0">
+            <a:schemeClr val="accent1"/>
+          </a:fillRef>
+          <a:effectRef idx="1">
+            <a:schemeClr val="accent1"/>
+          </a:effectRef>
+          <a:fontRef idx="minor">
+            <a:schemeClr val="tx1"/>
+          </a:fontRef>
+        </p:style>
+      </p:cxnSp>
+      <p:sp>
+        <p:nvSpPr>
+          <p:cNvPr id="10" name="テキスト ボックス 9"/>
+          <p:cNvSpPr txBox="1"/>
+          <p:nvPr/>
+        </p:nvSpPr>
+        <p:spPr>
+          <a:xfrm>
+            <a:off x="5257800" y="2819400"/>
+            <a:ext cx="2505814" cy="307777"/>
+          </a:xfrm>
+          <a:prstGeom prst="rect">
+            <a:avLst/>
+          </a:prstGeom>
+          <a:noFill/>
+          <a:ln>
+            <a:gradFill flip="none" rotWithShape="1">
+              <a:gsLst>
+                <a:gs pos="0">
+                  <a:schemeClr val="bg2"/>
+                </a:gs>
+                <a:gs pos="100000">
+                  <a:srgbClr val="000000"/>
+                </a:gs>
+              </a:gsLst>
+              <a:path path="rect">
+                <a:fillToRect l="100000" t="100000"/>
+              </a:path>
+              <a:tileRect r="-100000" b="-100000"/>
+            </a:gradFill>
+            <a:prstDash val="dashDot"/>
+          </a:ln>
+        </p:spPr>
+        <p:txBody>
+          <a:bodyPr wrap="none" rtlCol="0">
+            <a:spAutoFit/>
+          </a:bodyPr>
+          <a:lstStyle/>
+          <a:p>
+            <a:r>
+              <a:rPr kumimoji="1" lang="en-US" altLang="ja-JP" sz="1400" dirty="0" smtClean="0"/>
+              <a:t>DB</a:t>
+            </a:r>
+            <a:r>
+              <a:rPr kumimoji="1" lang="ja-JP" altLang="en-US" sz="1400" dirty="0" smtClean="0"/>
+              <a:t>のメタデータより自動で発行</a:t>
+            </a:r>
+            <a:endParaRPr kumimoji="1" lang="ja-JP" altLang="en-US" sz="1400" dirty="0"/>
+          </a:p>
+        </p:txBody>
+      </p:sp>
+      <p:cxnSp>
+        <p:nvCxnSpPr>
+          <p:cNvPr id="11" name="直線矢印コネクタ 10"/>
+          <p:cNvCxnSpPr>
+            <a:stCxn id="10" idx="1"/>
+          </p:cNvCxnSpPr>
+          <p:nvPr/>
+        </p:nvCxnSpPr>
+        <p:spPr>
+          <a:xfrm rot="10800000">
+            <a:off x="4724400" y="2819401"/>
+            <a:ext cx="533400" cy="153889"/>
+          </a:xfrm>
+          <a:prstGeom prst="straightConnector1">
+            <a:avLst/>
+          </a:prstGeom>
+          <a:ln w="12700" cmpd="sng">
+            <a:solidFill>
+              <a:schemeClr val="tx1">
+                <a:lumMod val="65000"/>
+                <a:lumOff val="35000"/>
+              </a:schemeClr>
+            </a:solidFill>
+            <a:tailEnd type="arrow"/>
+          </a:ln>
+        </p:spPr>
+        <p:style>
+          <a:lnRef idx="2">
+            <a:schemeClr val="accent1"/>
+          </a:lnRef>
+          <a:fillRef idx="0">
+            <a:schemeClr val="accent1"/>
+          </a:fillRef>
+          <a:effectRef idx="1">
+            <a:schemeClr val="accent1"/>
+          </a:effectRef>
+          <a:fontRef idx="minor">
+            <a:schemeClr val="tx1"/>
+          </a:fontRef>
+        </p:style>
+      </p:cxnSp>
+      <p:cxnSp>
+        <p:nvCxnSpPr>
+          <p:cNvPr id="13" name="直線矢印コネクタ 12"/>
+          <p:cNvCxnSpPr>
+            <a:stCxn id="10" idx="1"/>
+          </p:cNvCxnSpPr>
+          <p:nvPr/>
+        </p:nvCxnSpPr>
+        <p:spPr>
+          <a:xfrm rot="10800000" flipV="1">
+            <a:off x="4114800" y="2973289"/>
+            <a:ext cx="1143000" cy="410406"/>
+          </a:xfrm>
+          <a:prstGeom prst="straightConnector1">
+            <a:avLst/>
+          </a:prstGeom>
+          <a:ln w="12700" cmpd="sng">
+            <a:solidFill>
+              <a:schemeClr val="tx1">
+                <a:lumMod val="65000"/>
+                <a:lumOff val="35000"/>
+              </a:schemeClr>
+            </a:solidFill>
+            <a:tailEnd type="arrow"/>
+          </a:ln>
+        </p:spPr>
+        <p:style>
+          <a:lnRef idx="2">
+            <a:schemeClr val="accent1"/>
+          </a:lnRef>
+          <a:fillRef idx="0">
+            <a:schemeClr val="accent1"/>
+          </a:fillRef>
+          <a:effectRef idx="1">
+            <a:schemeClr val="accent1"/>
+          </a:effectRef>
+          <a:fontRef idx="minor">
+            <a:schemeClr val="tx1"/>
+          </a:fontRef>
+        </p:style>
+      </p:cxnSp>
+      <p:sp>
+        <p:nvSpPr>
+          <p:cNvPr id="18" name="テキスト ボックス 17"/>
+          <p:cNvSpPr txBox="1"/>
+          <p:nvPr/>
+        </p:nvSpPr>
+        <p:spPr>
+          <a:xfrm>
+            <a:off x="6114356" y="4777149"/>
+            <a:ext cx="2101094" cy="307777"/>
+          </a:xfrm>
+          <a:prstGeom prst="rect">
+            <a:avLst/>
+          </a:prstGeom>
+          <a:noFill/>
+          <a:ln>
+            <a:gradFill flip="none" rotWithShape="1">
+              <a:gsLst>
+                <a:gs pos="0">
+                  <a:schemeClr val="bg2"/>
+                </a:gs>
+                <a:gs pos="100000">
+                  <a:srgbClr val="000000"/>
+                </a:gs>
+              </a:gsLst>
+              <a:path path="rect">
+                <a:fillToRect l="100000" t="100000"/>
+              </a:path>
+              <a:tileRect r="-100000" b="-100000"/>
+            </a:gradFill>
+            <a:prstDash val="dashDot"/>
+          </a:ln>
+        </p:spPr>
+        <p:txBody>
+          <a:bodyPr wrap="none" rtlCol="0">
+            <a:spAutoFit/>
+          </a:bodyPr>
+          <a:lstStyle/>
+          <a:p>
+            <a:r>
+              <a:rPr kumimoji="1" lang="ja-JP" altLang="en-US" sz="1400" dirty="0" smtClean="0"/>
+              <a:t>主にストアドの</a:t>
+            </a:r>
+            <a:r>
+              <a:rPr kumimoji="1" lang="en-US" altLang="ja-JP" sz="1400" dirty="0" smtClean="0"/>
+              <a:t>CREATE</a:t>
+            </a:r>
+            <a:r>
+              <a:rPr kumimoji="1" lang="ja-JP" altLang="en-US" sz="1400" dirty="0" smtClean="0"/>
+              <a:t>文</a:t>
+            </a:r>
+            <a:endParaRPr kumimoji="1" lang="ja-JP" altLang="en-US" sz="1400" dirty="0"/>
+          </a:p>
+        </p:txBody>
+      </p:sp>
+      <p:cxnSp>
+        <p:nvCxnSpPr>
+          <p:cNvPr id="19" name="直線矢印コネクタ 18"/>
+          <p:cNvCxnSpPr>
+            <a:stCxn id="18" idx="1"/>
+          </p:cNvCxnSpPr>
+          <p:nvPr/>
+        </p:nvCxnSpPr>
+        <p:spPr>
+          <a:xfrm rot="10800000">
+            <a:off x="5562602" y="4920736"/>
+            <a:ext cx="551754" cy="10302"/>
+          </a:xfrm>
+          <a:prstGeom prst="straightConnector1">
+            <a:avLst/>
+          </a:prstGeom>
+          <a:ln w="12700" cmpd="sng">
+            <a:solidFill>
+              <a:schemeClr val="tx1">
+                <a:lumMod val="65000"/>
+                <a:lumOff val="35000"/>
+              </a:schemeClr>
+            </a:solidFill>
+            <a:tailEnd type="arrow"/>
+          </a:ln>
+        </p:spPr>
+        <p:style>
+          <a:lnRef idx="2">
+            <a:schemeClr val="accent1"/>
+          </a:lnRef>
+          <a:fillRef idx="0">
+            <a:schemeClr val="accent1"/>
+          </a:fillRef>
+          <a:effectRef idx="1">
+            <a:schemeClr val="accent1"/>
+          </a:effectRef>
+          <a:fontRef idx="minor">
+            <a:schemeClr val="tx1"/>
+          </a:fontRef>
+        </p:style>
+      </p:cxnSp>
+      <p:sp>
+        <p:nvSpPr>
+          <p:cNvPr id="21" name="テキスト ボックス 20"/>
+          <p:cNvSpPr txBox="1"/>
+          <p:nvPr/>
+        </p:nvSpPr>
+        <p:spPr>
+          <a:xfrm>
+            <a:off x="1192364" y="5967244"/>
+            <a:ext cx="4005323" cy="584776"/>
+          </a:xfrm>
+          <a:prstGeom prst="rect">
+            <a:avLst/>
+          </a:prstGeom>
+          <a:noFill/>
+          <a:ln>
+            <a:gradFill flip="none" rotWithShape="1">
+              <a:gsLst>
+                <a:gs pos="0">
+                  <a:schemeClr val="bg2"/>
+                </a:gs>
+                <a:gs pos="100000">
+                  <a:srgbClr val="000000"/>
+                </a:gs>
+              </a:gsLst>
+              <a:path path="rect">
+                <a:fillToRect l="100000" t="100000"/>
+              </a:path>
+              <a:tileRect r="-100000" b="-100000"/>
+            </a:gradFill>
+            <a:prstDash val="dashDot"/>
+          </a:ln>
+        </p:spPr>
+        <p:txBody>
+          <a:bodyPr wrap="none" rtlCol="0">
+            <a:spAutoFit/>
+          </a:bodyPr>
+          <a:lstStyle/>
+          <a:p>
+            <a:r>
+              <a:rPr kumimoji="1" lang="en-US" altLang="ja-JP" sz="1600" dirty="0" smtClean="0"/>
+              <a:t>DDL</a:t>
+            </a:r>
+            <a:r>
+              <a:rPr kumimoji="1" lang="ja-JP" altLang="en-US" sz="1600" dirty="0" smtClean="0"/>
+              <a:t>文は</a:t>
+            </a:r>
+            <a:r>
+              <a:rPr kumimoji="1" lang="en-US" altLang="ja-JP" sz="1600" dirty="0" smtClean="0"/>
+              <a:t>ERD</a:t>
+            </a:r>
+            <a:r>
+              <a:rPr kumimoji="1" lang="ja-JP" altLang="en-US" sz="1600" dirty="0" smtClean="0"/>
+              <a:t>ツールから生成するのがベスト</a:t>
+            </a:r>
+            <a:endParaRPr kumimoji="1" lang="en-US" altLang="ja-JP" sz="1600" dirty="0" smtClean="0"/>
+          </a:p>
+          <a:p>
+            <a:r>
+              <a:rPr lang="en-US" altLang="ja-JP" sz="1600" dirty="0" smtClean="0"/>
+              <a:t>(</a:t>
+            </a:r>
+            <a:r>
+              <a:rPr lang="ja-JP" altLang="en-US" sz="1600" dirty="0" smtClean="0"/>
+              <a:t>そのとき</a:t>
+            </a:r>
+            <a:r>
+              <a:rPr lang="en-US" altLang="ja-JP" sz="1600" dirty="0" smtClean="0"/>
+              <a:t>FK</a:t>
+            </a:r>
+            <a:r>
+              <a:rPr lang="ja-JP" altLang="en-US" sz="1600" dirty="0" smtClean="0"/>
+              <a:t>やテーブルの</a:t>
+            </a:r>
+            <a:r>
+              <a:rPr lang="en-US" altLang="ja-JP" sz="1600" dirty="0" smtClean="0"/>
+              <a:t>DROP</a:t>
+            </a:r>
+            <a:r>
+              <a:rPr lang="ja-JP" altLang="en-US" sz="1600" dirty="0" smtClean="0"/>
+              <a:t>文は不要</a:t>
+            </a:r>
+            <a:r>
+              <a:rPr lang="en-US" altLang="ja-JP" sz="1600" dirty="0" smtClean="0"/>
+              <a:t>)</a:t>
+            </a:r>
+            <a:endParaRPr kumimoji="1" lang="ja-JP" altLang="en-US" sz="1600" dirty="0"/>
+          </a:p>
+        </p:txBody>
+      </p:sp>
+    </p:spTree>
+  </p:cSld>
+  <p:clrMapOvr>
+    <a:masterClrMapping/>
+  </p:clrMapOvr>
+</p:sld>
+</file>
+
+<file path=ppt/slides/slide23.xml><?xml version="1.0" encoding="utf-8"?>
+<p:sld xmlns:a="http://schemas.openxmlformats.org/drawingml/2006/main" xmlns:r="http://schemas.openxmlformats.org/officeDocument/2006/relationships" xmlns:mc="http://schemas.openxmlformats.org/markup-compatibility/2006" xmlns:mv="urn:schemas-microsoft-com:mac:vml" xmlns:p="http://schemas.openxmlformats.org/presentationml/2006/main" mc:Ignorable="mv" mc:PreserveAttributes="mv:*">
+  <p:cSld>
+    <p:spTree>
+      <p:nvGrpSpPr>
+        <p:cNvPr id="1" name=""/>
+        <p:cNvGrpSpPr/>
+        <p:nvPr/>
+      </p:nvGrpSpPr>
+      <p:grpSpPr>
+        <a:xfrm>
+          <a:off x="0" y="0"/>
+          <a:ext cx="0" cy="0"/>
+          <a:chOff x="0" y="0"/>
+          <a:chExt cx="0" cy="0"/>
+        </a:xfrm>
+      </p:grpSpPr>
+      <p:sp>
+        <p:nvSpPr>
+          <p:cNvPr id="2" name="タイトル 1"/>
+          <p:cNvSpPr>
+            <a:spLocks noGrp="1"/>
+          </p:cNvSpPr>
+          <p:nvPr>
+            <p:ph type="title"/>
+          </p:nvPr>
+        </p:nvSpPr>
+        <p:spPr>
+          <a:xfrm>
+            <a:off x="457200" y="503238"/>
+            <a:ext cx="8305800" cy="868362"/>
+          </a:xfrm>
+        </p:spPr>
+        <p:txBody>
+          <a:bodyPr/>
+          <a:lstStyle/>
+          <a:p>
+            <a:r>
+              <a:rPr lang="en-US" altLang="ja-JP" dirty="0" smtClean="0"/>
+              <a:t>[2]DDL</a:t>
+            </a:r>
+            <a:r>
+              <a:rPr lang="ja-JP" altLang="en-US" dirty="0" smtClean="0"/>
+              <a:t>＆データ</a:t>
+            </a:r>
+            <a:r>
+              <a:rPr lang="en-US" altLang="ja-JP" dirty="0" smtClean="0"/>
+              <a:t>:</a:t>
+            </a:r>
+            <a:br>
+              <a:rPr lang="en-US" altLang="ja-JP" dirty="0" smtClean="0"/>
+            </a:br>
+            <a:r>
+              <a:rPr lang="ja-JP" altLang="en-US" sz="4400" dirty="0" smtClean="0"/>
+              <a:t>スキーマの初期化</a:t>
+            </a:r>
+            <a:r>
+              <a:rPr lang="en-US" altLang="ja-JP" sz="4400" dirty="0" smtClean="0"/>
+              <a:t>&amp;</a:t>
+            </a:r>
+            <a:r>
+              <a:rPr lang="ja-JP" altLang="en-US" sz="4400" dirty="0" smtClean="0"/>
+              <a:t>作成</a:t>
+            </a:r>
+            <a:r>
+              <a:rPr lang="ja-JP" altLang="en-US" sz="4400" dirty="0" smtClean="0"/>
+              <a:t>の特徴</a:t>
+            </a:r>
+            <a:endParaRPr lang="ja-JP" altLang="en-US" dirty="0"/>
+          </a:p>
+        </p:txBody>
+      </p:sp>
+      <p:sp>
+        <p:nvSpPr>
+          <p:cNvPr id="3" name="コンテンツ プレースホルダ 2"/>
+          <p:cNvSpPr>
+            <a:spLocks noGrp="1"/>
+          </p:cNvSpPr>
+          <p:nvPr>
+            <p:ph idx="1"/>
+          </p:nvPr>
+        </p:nvSpPr>
+        <p:spPr/>
+        <p:txBody>
+          <a:bodyPr>
+            <a:normAutofit/>
+          </a:bodyPr>
+          <a:lstStyle/>
+          <a:p>
+            <a:endParaRPr lang="en-US" altLang="ja-JP" dirty="0" smtClean="0"/>
+          </a:p>
+          <a:p>
+            <a:r>
+              <a:rPr lang="ja-JP" altLang="en-US" dirty="0" smtClean="0"/>
+              <a:t>古いテーブルが</a:t>
+            </a:r>
+            <a:r>
+              <a:rPr lang="ja-JP" altLang="en-US" dirty="0" smtClean="0"/>
+              <a:t>残らない</a:t>
+            </a:r>
+            <a:endParaRPr lang="en-US" altLang="ja-JP" dirty="0" smtClean="0"/>
+          </a:p>
+          <a:p>
+            <a:pPr lvl="1"/>
+            <a:r>
+              <a:rPr lang="ja-JP" altLang="en-US" dirty="0" smtClean="0"/>
+              <a:t>古いテーブル用の一時的な</a:t>
+            </a:r>
+            <a:r>
+              <a:rPr lang="en-US" altLang="ja-JP" dirty="0" smtClean="0"/>
+              <a:t>Drop</a:t>
+            </a:r>
+            <a:r>
+              <a:rPr lang="ja-JP" altLang="en-US" dirty="0" smtClean="0"/>
+              <a:t>文は不要</a:t>
+            </a:r>
+            <a:endParaRPr lang="en-US" altLang="ja-JP" dirty="0" smtClean="0"/>
+          </a:p>
+          <a:p>
+            <a:r>
+              <a:rPr lang="ja-JP" altLang="en-US" dirty="0" smtClean="0"/>
+              <a:t>実行ログが残る</a:t>
+            </a:r>
+            <a:endParaRPr lang="en-US" altLang="ja-JP" dirty="0" smtClean="0"/>
+          </a:p>
+          <a:p>
+            <a:pPr lvl="1"/>
+            <a:r>
+              <a:rPr lang="en-US" altLang="ja-JP" dirty="0" err="1" smtClean="0"/>
+              <a:t>DBFlute</a:t>
+            </a:r>
+            <a:r>
+              <a:rPr lang="ja-JP" altLang="en-US" dirty="0" smtClean="0"/>
+              <a:t>クライアント</a:t>
+            </a:r>
+            <a:r>
+              <a:rPr lang="en-US" altLang="ja-JP" dirty="0" smtClean="0"/>
+              <a:t>/logs/</a:t>
+            </a:r>
+            <a:r>
+              <a:rPr lang="en-US" altLang="ja-JP" dirty="0" err="1" smtClean="0"/>
+              <a:t>dbflute.log</a:t>
+            </a:r>
+            <a:endParaRPr lang="en-US" altLang="ja-JP" dirty="0" smtClean="0"/>
+          </a:p>
+          <a:p>
+            <a:r>
+              <a:rPr lang="en-US" altLang="ja-JP" dirty="0" smtClean="0"/>
+              <a:t>DB</a:t>
+            </a:r>
+            <a:r>
+              <a:rPr lang="ja-JP" altLang="en-US" dirty="0" smtClean="0"/>
+              <a:t>変更があっても各開発者の環境への反映が</a:t>
+            </a:r>
+            <a:r>
+              <a:rPr lang="ja-JP" altLang="en-US" dirty="0" smtClean="0"/>
+              <a:t>容易</a:t>
+            </a:r>
+          </a:p>
+          <a:p>
+            <a:endParaRPr lang="ja-JP" altLang="en-US" dirty="0"/>
+          </a:p>
+        </p:txBody>
+      </p:sp>
+      <p:sp>
+        <p:nvSpPr>
+          <p:cNvPr id="4" name="フッター プレースホルダ 3"/>
+          <p:cNvSpPr>
+            <a:spLocks noGrp="1"/>
+          </p:cNvSpPr>
+          <p:nvPr>
+            <p:ph type="ftr" sz="quarter" idx="11"/>
+          </p:nvPr>
+        </p:nvSpPr>
+        <p:spPr/>
+        <p:txBody>
+          <a:bodyPr/>
+          <a:lstStyle/>
+          <a:p>
+            <a:r>
+              <a:rPr lang="en-US" altLang="ja-JP" smtClean="0"/>
+              <a:t>Seasar Conference 2008 Autumn</a:t>
+            </a:r>
+            <a:endParaRPr lang="ja-JP" altLang="en-US"/>
+          </a:p>
+        </p:txBody>
+      </p:sp>
+      <p:sp>
+        <p:nvSpPr>
+          <p:cNvPr id="6" name="テキスト ボックス 5"/>
+          <p:cNvSpPr txBox="1"/>
+          <p:nvPr/>
+        </p:nvSpPr>
+        <p:spPr>
+          <a:xfrm>
+            <a:off x="1600200" y="4953000"/>
+            <a:ext cx="6627813" cy="646331"/>
+          </a:xfrm>
+          <a:prstGeom prst="rect">
+            <a:avLst/>
+          </a:prstGeom>
+          <a:noFill/>
+          <a:ln>
+            <a:gradFill flip="none" rotWithShape="1">
+              <a:gsLst>
+                <a:gs pos="0">
+                  <a:schemeClr val="bg2"/>
+                </a:gs>
+                <a:gs pos="100000">
+                  <a:srgbClr val="000000"/>
+                </a:gs>
+              </a:gsLst>
+              <a:path path="rect">
+                <a:fillToRect l="100000" t="100000"/>
+              </a:path>
+              <a:tileRect r="-100000" b="-100000"/>
+            </a:gradFill>
+            <a:prstDash val="dashDot"/>
+          </a:ln>
+        </p:spPr>
+        <p:txBody>
+          <a:bodyPr wrap="square" rtlCol="0">
+            <a:spAutoFit/>
+          </a:bodyPr>
+          <a:lstStyle/>
+          <a:p>
+            <a:r>
+              <a:rPr lang="en-US" altLang="ja-JP" dirty="0" smtClean="0"/>
+              <a:t>DDL</a:t>
+            </a:r>
+            <a:r>
+              <a:rPr lang="ja-JP" altLang="en-US" dirty="0" smtClean="0"/>
+              <a:t>や</a:t>
+            </a:r>
+            <a:r>
+              <a:rPr lang="en-US" altLang="ja-JP" dirty="0" err="1" smtClean="0"/>
+              <a:t>DBFlute</a:t>
+            </a:r>
+            <a:r>
+              <a:rPr lang="ja-JP" altLang="en-US" dirty="0" smtClean="0"/>
+              <a:t>自体をバージョン管理にし、</a:t>
+            </a:r>
+            <a:r>
+              <a:rPr lang="ja-JP" altLang="en-US" dirty="0" smtClean="0"/>
+              <a:t>各開発者</a:t>
+            </a:r>
+            <a:r>
+              <a:rPr lang="ja-JP" altLang="en-US" dirty="0" smtClean="0"/>
+              <a:t>はチェックアウト</a:t>
+            </a:r>
+            <a:r>
+              <a:rPr lang="en-US" altLang="ja-JP" dirty="0" smtClean="0"/>
+              <a:t>(</a:t>
+            </a:r>
+            <a:r>
+              <a:rPr lang="ja-JP" altLang="en-US" dirty="0" smtClean="0"/>
+              <a:t>もしくは</a:t>
+            </a:r>
+            <a:r>
+              <a:rPr lang="ja-JP" altLang="en-US" dirty="0" smtClean="0"/>
+              <a:t>更新</a:t>
+            </a:r>
+            <a:r>
+              <a:rPr lang="en-US" altLang="ja-JP" dirty="0" smtClean="0"/>
+              <a:t>)</a:t>
+            </a:r>
+            <a:r>
+              <a:rPr lang="ja-JP" altLang="en-US" dirty="0" smtClean="0"/>
+              <a:t>して実行するだけで</a:t>
+            </a:r>
+            <a:r>
+              <a:rPr lang="en-US" altLang="ja-JP" dirty="0" smtClean="0"/>
+              <a:t>DB</a:t>
+            </a:r>
+            <a:r>
+              <a:rPr lang="ja-JP" altLang="en-US" dirty="0" smtClean="0"/>
+              <a:t>環境が最新に！</a:t>
+            </a:r>
+            <a:endParaRPr kumimoji="1" lang="ja-JP" altLang="en-US" dirty="0"/>
+          </a:p>
+        </p:txBody>
+      </p:sp>
+    </p:spTree>
+  </p:cSld>
+  <p:clrMapOvr>
+    <a:masterClrMapping/>
+  </p:clrMapOvr>
+</p:sld>
+</file>
+
+<file path=ppt/slides/slide24.xml><?xml version="1.0" encoding="utf-8"?>
+<p:sld xmlns:a="http://schemas.openxmlformats.org/drawingml/2006/main" xmlns:r="http://schemas.openxmlformats.org/officeDocument/2006/relationships" xmlns:mc="http://schemas.openxmlformats.org/markup-compatibility/2006" xmlns:mv="urn:schemas-microsoft-com:mac:vml" xmlns:p="http://schemas.openxmlformats.org/presentationml/2006/main" mc:Ignorable="mv" mc:PreserveAttributes="mv:*">
+  <p:cSld>
+    <p:spTree>
+      <p:nvGrpSpPr>
+        <p:cNvPr id="1" name=""/>
+        <p:cNvGrpSpPr/>
+        <p:nvPr/>
+      </p:nvGrpSpPr>
+      <p:grpSpPr>
+        <a:xfrm>
+          <a:off x="0" y="0"/>
+          <a:ext cx="0" cy="0"/>
+          <a:chOff x="0" y="0"/>
+          <a:chExt cx="0" cy="0"/>
+        </a:xfrm>
+      </p:grpSpPr>
+      <p:sp>
+        <p:nvSpPr>
+          <p:cNvPr id="2" name="タイトル 1"/>
+          <p:cNvSpPr>
+            <a:spLocks noGrp="1"/>
+          </p:cNvSpPr>
+          <p:nvPr>
+            <p:ph type="title"/>
+          </p:nvPr>
+        </p:nvSpPr>
+        <p:spPr>
+          <a:xfrm>
+            <a:off x="609600" y="503238"/>
+            <a:ext cx="8153400" cy="868362"/>
+          </a:xfrm>
+        </p:spPr>
+        <p:txBody>
+          <a:bodyPr/>
+          <a:lstStyle/>
+          <a:p>
+            <a:r>
+              <a:rPr lang="en-US" altLang="ja-JP" dirty="0" smtClean="0"/>
+              <a:t>[2]DDL</a:t>
+            </a:r>
+            <a:r>
+              <a:rPr lang="ja-JP" altLang="en-US" dirty="0" smtClean="0"/>
+              <a:t>＆データ</a:t>
+            </a:r>
+            <a:r>
+              <a:rPr lang="en-US" altLang="ja-JP" dirty="0" smtClean="0"/>
+              <a:t>:</a:t>
+            </a:r>
+            <a:br>
+              <a:rPr lang="en-US" altLang="ja-JP" dirty="0" smtClean="0"/>
+            </a:br>
+            <a:r>
+              <a:rPr lang="ja-JP" altLang="en-US" dirty="0" smtClean="0"/>
+              <a:t>データ登録の</a:t>
+            </a:r>
+            <a:r>
+              <a:rPr lang="ja-JP" altLang="en-US" sz="4800" dirty="0" smtClean="0"/>
+              <a:t>フロー</a:t>
+            </a:r>
+            <a:endParaRPr lang="ja-JP" altLang="en-US" dirty="0"/>
+          </a:p>
+        </p:txBody>
+      </p:sp>
+      <p:sp>
+        <p:nvSpPr>
+          <p:cNvPr id="3" name="コンテンツ プレースホルダ 2"/>
+          <p:cNvSpPr>
+            <a:spLocks noGrp="1"/>
+          </p:cNvSpPr>
+          <p:nvPr>
+            <p:ph idx="1"/>
+          </p:nvPr>
+        </p:nvSpPr>
+        <p:spPr>
+          <a:xfrm>
+            <a:off x="914400" y="1735138"/>
+            <a:ext cx="7313613" cy="4232106"/>
+          </a:xfrm>
+        </p:spPr>
+        <p:txBody>
+          <a:bodyPr>
+            <a:normAutofit/>
+          </a:bodyPr>
+          <a:lstStyle/>
+          <a:p>
+            <a:pPr>
+              <a:buAutoNum type="arabicPeriod"/>
+            </a:pPr>
+            <a:endParaRPr lang="en-US" altLang="ja-JP" dirty="0" smtClean="0"/>
+          </a:p>
+          <a:p>
+            <a:pPr>
+              <a:buAutoNum type="arabicPeriod"/>
+            </a:pPr>
+            <a:r>
+              <a:rPr lang="en-US" altLang="ja-JP" dirty="0" smtClean="0"/>
+              <a:t>/</a:t>
+            </a:r>
+            <a:r>
+              <a:rPr lang="en-US" altLang="ja-JP" dirty="0" err="1" smtClean="0"/>
+              <a:t>playsql</a:t>
+            </a:r>
+            <a:r>
+              <a:rPr lang="en-US" altLang="ja-JP" dirty="0" smtClean="0"/>
+              <a:t>/data/common</a:t>
+            </a:r>
+            <a:r>
+              <a:rPr lang="ja-JP" altLang="en-US" dirty="0" smtClean="0"/>
+              <a:t>配下のデータを</a:t>
+            </a:r>
+            <a:r>
+              <a:rPr lang="en-US" altLang="ja-JP" dirty="0" smtClean="0"/>
+              <a:t>DB</a:t>
+            </a:r>
+            <a:r>
+              <a:rPr lang="ja-JP" altLang="en-US" dirty="0" smtClean="0"/>
+              <a:t>に登録</a:t>
+            </a:r>
+            <a:endParaRPr lang="en-US" altLang="ja-JP" dirty="0" smtClean="0"/>
+          </a:p>
+          <a:p>
+            <a:pPr lvl="1">
+              <a:buFontTx/>
+              <a:buChar char="•"/>
+            </a:pPr>
+            <a:r>
+              <a:rPr lang="en-US" altLang="ja-JP" dirty="0" err="1" smtClean="0"/>
+              <a:t>dataLoadingType</a:t>
+            </a:r>
+            <a:r>
+              <a:rPr lang="ja-JP" altLang="en-US" dirty="0" smtClean="0"/>
+              <a:t>に関わらず必ず最初に登録される。</a:t>
+            </a:r>
+            <a:endParaRPr lang="en-US" altLang="ja-JP" dirty="0" smtClean="0"/>
+          </a:p>
+          <a:p>
+            <a:pPr lvl="1">
+              <a:buNone/>
+            </a:pPr>
+            <a:endParaRPr lang="en-US" altLang="ja-JP" dirty="0" smtClean="0"/>
+          </a:p>
+          <a:p>
+            <a:pPr>
+              <a:buFontTx/>
+              <a:buAutoNum type="arabicPeriod"/>
+            </a:pPr>
+            <a:r>
+              <a:rPr lang="en-US" altLang="ja-JP" dirty="0" smtClean="0"/>
+              <a:t>/</a:t>
+            </a:r>
+            <a:r>
+              <a:rPr lang="en-US" altLang="ja-JP" dirty="0" err="1" smtClean="0"/>
+              <a:t>playsql</a:t>
+            </a:r>
+            <a:r>
+              <a:rPr lang="en-US" altLang="ja-JP" dirty="0" smtClean="0"/>
+              <a:t>/data</a:t>
+            </a:r>
+            <a:r>
+              <a:rPr lang="en-US" altLang="ja-JP" dirty="0" smtClean="0"/>
+              <a:t>/xxx</a:t>
+            </a:r>
+            <a:r>
+              <a:rPr lang="ja-JP" altLang="en-US" dirty="0" smtClean="0"/>
+              <a:t>配下</a:t>
+            </a:r>
+            <a:r>
+              <a:rPr lang="ja-JP" altLang="en-US" dirty="0" smtClean="0"/>
+              <a:t>のデータ</a:t>
+            </a:r>
+            <a:r>
+              <a:rPr lang="ja-JP" altLang="en-US" dirty="0" smtClean="0"/>
+              <a:t>を</a:t>
+            </a:r>
+            <a:r>
+              <a:rPr lang="en-US" altLang="ja-JP" dirty="0" smtClean="0"/>
+              <a:t>DB</a:t>
+            </a:r>
+            <a:r>
+              <a:rPr lang="ja-JP" altLang="en-US" dirty="0" smtClean="0"/>
+              <a:t>に登録</a:t>
+            </a:r>
+            <a:endParaRPr lang="en-US" altLang="ja-JP" dirty="0" smtClean="0"/>
+          </a:p>
+          <a:p>
+            <a:pPr lvl="1">
+              <a:buFontTx/>
+              <a:buChar char="•"/>
+            </a:pPr>
+            <a:r>
+              <a:rPr lang="ja-JP" altLang="en-US" dirty="0" smtClean="0"/>
+              <a:t>デフォルトは</a:t>
+            </a:r>
+            <a:r>
+              <a:rPr lang="en-US" altLang="ja-JP" dirty="0" smtClean="0"/>
+              <a:t>/</a:t>
+            </a:r>
+            <a:r>
+              <a:rPr lang="en-US" altLang="ja-JP" dirty="0" err="1" smtClean="0"/>
+              <a:t>playsql/data</a:t>
+            </a:r>
+            <a:r>
+              <a:rPr lang="en-US" altLang="ja-JP" dirty="0" err="1" smtClean="0"/>
+              <a:t>/ut</a:t>
+            </a:r>
+            <a:r>
+              <a:rPr lang="ja-JP" altLang="en-US" dirty="0" smtClean="0"/>
+              <a:t>配下</a:t>
+            </a:r>
+            <a:endParaRPr lang="en-US" altLang="ja-JP" dirty="0" smtClean="0"/>
+          </a:p>
+          <a:p>
+            <a:pPr lvl="1">
+              <a:buFontTx/>
+              <a:buChar char="•"/>
+            </a:pPr>
+            <a:r>
+              <a:rPr lang="en-US" altLang="ja-JP" dirty="0" smtClean="0"/>
+              <a:t>x</a:t>
+            </a:r>
+            <a:r>
+              <a:rPr lang="en-US" altLang="ja-JP" dirty="0" smtClean="0"/>
+              <a:t>xx</a:t>
+            </a:r>
+            <a:r>
+              <a:rPr lang="ja-JP" altLang="en-US" dirty="0" smtClean="0"/>
+              <a:t>部分は</a:t>
+            </a:r>
+            <a:r>
+              <a:rPr lang="en-US" altLang="ja-JP" dirty="0" err="1" smtClean="0"/>
+              <a:t>dataLoadingType</a:t>
+            </a:r>
+            <a:r>
+              <a:rPr lang="ja-JP" altLang="en-US" dirty="0" smtClean="0"/>
+              <a:t>で指定する</a:t>
+            </a:r>
+            <a:r>
+              <a:rPr lang="en-US" altLang="ja-JP" dirty="0" smtClean="0"/>
+              <a:t>(</a:t>
+            </a:r>
+            <a:r>
+              <a:rPr lang="ja-JP" altLang="en-US" dirty="0" smtClean="0"/>
+              <a:t>後述</a:t>
+            </a:r>
+            <a:r>
+              <a:rPr lang="en-US" altLang="ja-JP" dirty="0" smtClean="0"/>
+              <a:t>)</a:t>
+            </a:r>
+            <a:r>
+              <a:rPr lang="ja-JP" altLang="en-US" dirty="0" smtClean="0"/>
+              <a:t>。</a:t>
+            </a:r>
+            <a:endParaRPr lang="en-US" altLang="ja-JP" dirty="0" smtClean="0"/>
+          </a:p>
+          <a:p>
+            <a:pPr>
+              <a:buNone/>
+            </a:pPr>
+            <a:endParaRPr lang="en-US" altLang="ja-JP" dirty="0" smtClean="0"/>
+          </a:p>
+          <a:p>
+            <a:pPr>
+              <a:buFontTx/>
+              <a:buChar char="•"/>
+            </a:pPr>
+            <a:endParaRPr lang="en-US" altLang="ja-JP" dirty="0" smtClean="0"/>
+          </a:p>
+          <a:p>
+            <a:pPr>
+              <a:buNone/>
+            </a:pPr>
+            <a:endParaRPr lang="en-US" altLang="ja-JP" dirty="0" smtClean="0"/>
+          </a:p>
+        </p:txBody>
+      </p:sp>
+      <p:sp>
+        <p:nvSpPr>
+          <p:cNvPr id="5" name="フッター プレースホルダ 4"/>
+          <p:cNvSpPr>
+            <a:spLocks noGrp="1"/>
+          </p:cNvSpPr>
+          <p:nvPr>
+            <p:ph type="ftr" sz="quarter" idx="11"/>
+          </p:nvPr>
+        </p:nvSpPr>
+        <p:spPr/>
+        <p:txBody>
+          <a:bodyPr/>
+          <a:lstStyle/>
+          <a:p>
+            <a:r>
+              <a:rPr lang="en-US" altLang="ja-JP" dirty="0" err="1" smtClean="0"/>
+              <a:t>Seasar</a:t>
+            </a:r>
+            <a:r>
+              <a:rPr lang="en-US" altLang="ja-JP" dirty="0" smtClean="0"/>
+              <a:t> Conference 2008 Autumn</a:t>
+            </a:r>
+            <a:endParaRPr lang="ja-JP" altLang="en-US" dirty="0"/>
+          </a:p>
+        </p:txBody>
+      </p:sp>
+      <p:sp>
+        <p:nvSpPr>
+          <p:cNvPr id="10" name="テキスト ボックス 9"/>
+          <p:cNvSpPr txBox="1"/>
+          <p:nvPr/>
+        </p:nvSpPr>
+        <p:spPr>
+          <a:xfrm>
+            <a:off x="2730145" y="3323394"/>
+            <a:ext cx="5097369" cy="307777"/>
+          </a:xfrm>
+          <a:prstGeom prst="rect">
+            <a:avLst/>
+          </a:prstGeom>
+          <a:noFill/>
+          <a:ln>
+            <a:gradFill flip="none" rotWithShape="1">
+              <a:gsLst>
+                <a:gs pos="0">
+                  <a:schemeClr val="bg2"/>
+                </a:gs>
+                <a:gs pos="100000">
+                  <a:srgbClr val="000000"/>
+                </a:gs>
+              </a:gsLst>
+              <a:path path="rect">
+                <a:fillToRect l="100000" t="100000"/>
+              </a:path>
+              <a:tileRect r="-100000" b="-100000"/>
+            </a:gradFill>
+            <a:prstDash val="dashDot"/>
+          </a:ln>
+        </p:spPr>
+        <p:txBody>
+          <a:bodyPr wrap="none" rtlCol="0">
+            <a:spAutoFit/>
+          </a:bodyPr>
+          <a:lstStyle/>
+          <a:p>
+            <a:r>
+              <a:rPr kumimoji="1" lang="ja-JP" altLang="en-US" sz="1400" dirty="0" smtClean="0"/>
+              <a:t>単体テストでも結合テストでも本番でも変わらないマスタデータなど</a:t>
+            </a:r>
+            <a:endParaRPr kumimoji="1" lang="ja-JP" altLang="en-US" sz="1400" dirty="0"/>
+          </a:p>
+        </p:txBody>
+      </p:sp>
+      <p:sp>
+        <p:nvSpPr>
+          <p:cNvPr id="21" name="テキスト ボックス 20"/>
+          <p:cNvSpPr txBox="1"/>
+          <p:nvPr/>
+        </p:nvSpPr>
+        <p:spPr>
+          <a:xfrm>
+            <a:off x="1192364" y="5797967"/>
+            <a:ext cx="6088927" cy="338554"/>
+          </a:xfrm>
+          <a:prstGeom prst="rect">
+            <a:avLst/>
+          </a:prstGeom>
+          <a:noFill/>
+          <a:ln>
+            <a:gradFill flip="none" rotWithShape="1">
+              <a:gsLst>
+                <a:gs pos="0">
+                  <a:schemeClr val="bg2"/>
+                </a:gs>
+                <a:gs pos="100000">
+                  <a:srgbClr val="000000"/>
+                </a:gs>
+              </a:gsLst>
+              <a:path path="rect">
+                <a:fillToRect l="100000" t="100000"/>
+              </a:path>
+              <a:tileRect r="-100000" b="-100000"/>
+            </a:gradFill>
+            <a:prstDash val="dashDot"/>
+          </a:ln>
+        </p:spPr>
+        <p:txBody>
+          <a:bodyPr wrap="none" rtlCol="0">
+            <a:spAutoFit/>
+          </a:bodyPr>
+          <a:lstStyle/>
+          <a:p>
+            <a:r>
+              <a:rPr lang="en-US" altLang="ja-JP" sz="1600" dirty="0" err="1" smtClean="0"/>
+              <a:t>dataLoadingType</a:t>
+            </a:r>
+            <a:r>
+              <a:rPr lang="en-US" altLang="ja-JP" sz="1600" dirty="0" smtClean="0"/>
+              <a:t>: </a:t>
+            </a:r>
+            <a:r>
+              <a:rPr lang="ja-JP" altLang="en-US" sz="1600" dirty="0" smtClean="0"/>
+              <a:t>などデータが利用されるフェーズ</a:t>
+            </a:r>
+            <a:r>
+              <a:rPr lang="en-US" altLang="ja-JP" sz="1600" dirty="0" smtClean="0"/>
+              <a:t>(</a:t>
+            </a:r>
+            <a:r>
+              <a:rPr lang="ja-JP" altLang="en-US" sz="1600" dirty="0" smtClean="0"/>
+              <a:t>「</a:t>
+            </a:r>
+            <a:r>
+              <a:rPr lang="en-US" altLang="ja-JP" sz="1600" dirty="0" err="1" smtClean="0"/>
+              <a:t>ut</a:t>
+            </a:r>
+            <a:r>
+              <a:rPr lang="ja-JP" altLang="ja-JP" sz="1600" dirty="0" smtClean="0"/>
+              <a:t>」</a:t>
+            </a:r>
+            <a:r>
+              <a:rPr lang="ja-JP" altLang="en-US" sz="1600" dirty="0" smtClean="0"/>
+              <a:t>や</a:t>
+            </a:r>
+            <a:r>
+              <a:rPr lang="ja-JP" altLang="ja-JP" sz="1600" dirty="0" smtClean="0"/>
+              <a:t>「</a:t>
+            </a:r>
+            <a:r>
+              <a:rPr lang="en-US" altLang="ja-JP" sz="1600" dirty="0" smtClean="0"/>
+              <a:t>it</a:t>
+            </a:r>
+            <a:r>
+              <a:rPr lang="ja-JP" altLang="en-US" sz="1600" dirty="0" smtClean="0"/>
+              <a:t>」</a:t>
+            </a:r>
+            <a:r>
+              <a:rPr lang="en-US" altLang="ja-JP" sz="1600" dirty="0" smtClean="0"/>
+              <a:t>)</a:t>
+            </a:r>
+            <a:r>
+              <a:rPr lang="ja-JP" altLang="en-US" sz="1600" dirty="0" smtClean="0"/>
+              <a:t>の種別</a:t>
+            </a:r>
+            <a:endParaRPr kumimoji="1" lang="ja-JP" altLang="en-US" sz="1600" dirty="0"/>
+          </a:p>
+        </p:txBody>
+      </p:sp>
+      <p:sp>
+        <p:nvSpPr>
+          <p:cNvPr id="14" name="テキスト ボックス 13"/>
+          <p:cNvSpPr txBox="1"/>
+          <p:nvPr/>
+        </p:nvSpPr>
+        <p:spPr>
+          <a:xfrm>
+            <a:off x="2730145" y="5182413"/>
+            <a:ext cx="3172663" cy="307777"/>
+          </a:xfrm>
+          <a:prstGeom prst="rect">
+            <a:avLst/>
+          </a:prstGeom>
+          <a:noFill/>
+          <a:ln>
+            <a:gradFill flip="none" rotWithShape="1">
+              <a:gsLst>
+                <a:gs pos="0">
+                  <a:schemeClr val="bg2"/>
+                </a:gs>
+                <a:gs pos="100000">
+                  <a:srgbClr val="000000"/>
+                </a:gs>
+              </a:gsLst>
+              <a:path path="rect">
+                <a:fillToRect l="100000" t="100000"/>
+              </a:path>
+              <a:tileRect r="-100000" b="-100000"/>
+            </a:gradFill>
+            <a:prstDash val="dashDot"/>
+          </a:ln>
+        </p:spPr>
+        <p:txBody>
+          <a:bodyPr wrap="none" rtlCol="0">
+            <a:spAutoFit/>
+          </a:bodyPr>
+          <a:lstStyle/>
+          <a:p>
+            <a:r>
+              <a:rPr lang="ja-JP" altLang="en-US" sz="1400" dirty="0" smtClean="0"/>
+              <a:t>テストの</a:t>
+            </a:r>
+            <a:r>
+              <a:rPr kumimoji="1" lang="ja-JP" altLang="en-US" sz="1400" dirty="0" smtClean="0"/>
+              <a:t>フェーズごとに変わるデータなど</a:t>
+            </a:r>
+            <a:endParaRPr kumimoji="1" lang="ja-JP" altLang="en-US" sz="1400" dirty="0"/>
+          </a:p>
+        </p:txBody>
+      </p:sp>
+    </p:spTree>
+  </p:cSld>
+  <p:clrMapOvr>
+    <a:masterClrMapping/>
+  </p:clrMapOvr>
+</p:sld>
+</file>
+
+<file path=ppt/slides/slide25.xml><?xml version="1.0" encoding="utf-8"?>
+<p:sld xmlns:a="http://schemas.openxmlformats.org/drawingml/2006/main" xmlns:r="http://schemas.openxmlformats.org/officeDocument/2006/relationships" xmlns:mc="http://schemas.openxmlformats.org/markup-compatibility/2006" xmlns:mv="urn:schemas-microsoft-com:mac:vml" xmlns:p="http://schemas.openxmlformats.org/presentationml/2006/main" mc:Ignorable="mv" mc:PreserveAttributes="mv:*">
+  <p:cSld>
+    <p:spTree>
+      <p:nvGrpSpPr>
+        <p:cNvPr id="1" name=""/>
+        <p:cNvGrpSpPr/>
+        <p:nvPr/>
+      </p:nvGrpSpPr>
+      <p:grpSpPr>
+        <a:xfrm>
+          <a:off x="0" y="0"/>
+          <a:ext cx="0" cy="0"/>
+          <a:chOff x="0" y="0"/>
+          <a:chExt cx="0" cy="0"/>
+        </a:xfrm>
+      </p:grpSpPr>
+      <p:sp>
+        <p:nvSpPr>
+          <p:cNvPr id="2" name="タイトル 1"/>
+          <p:cNvSpPr>
+            <a:spLocks noGrp="1"/>
+          </p:cNvSpPr>
+          <p:nvPr>
+            <p:ph type="title"/>
+          </p:nvPr>
+        </p:nvSpPr>
+        <p:spPr/>
+        <p:txBody>
+          <a:bodyPr/>
+          <a:lstStyle/>
+          <a:p>
+            <a:r>
+              <a:rPr lang="en-US" altLang="ja-JP" dirty="0" smtClean="0"/>
+              <a:t>[2]DDL</a:t>
+            </a:r>
+            <a:r>
+              <a:rPr lang="ja-JP" altLang="en-US" dirty="0" smtClean="0"/>
+              <a:t>＆データ</a:t>
+            </a:r>
+            <a:r>
+              <a:rPr lang="en-US" altLang="ja-JP" dirty="0" smtClean="0"/>
+              <a:t>:</a:t>
+            </a:r>
+            <a:br>
+              <a:rPr lang="en-US" altLang="ja-JP" dirty="0" smtClean="0"/>
+            </a:br>
+            <a:r>
+              <a:rPr lang="ja-JP" altLang="en-US" dirty="0" smtClean="0"/>
+              <a:t>データ登録</a:t>
+            </a:r>
+            <a:r>
+              <a:rPr lang="ja-JP" altLang="en-US" dirty="0" smtClean="0"/>
+              <a:t>の</a:t>
+            </a:r>
+            <a:r>
+              <a:rPr lang="ja-JP" altLang="en-US" dirty="0" smtClean="0"/>
+              <a:t>エクセルデータ</a:t>
+            </a:r>
+            <a:endParaRPr lang="ja-JP" altLang="en-US" dirty="0"/>
+          </a:p>
+        </p:txBody>
+      </p:sp>
+      <p:sp>
+        <p:nvSpPr>
+          <p:cNvPr id="3" name="コンテンツ プレースホルダ 2"/>
+          <p:cNvSpPr>
+            <a:spLocks noGrp="1"/>
+          </p:cNvSpPr>
+          <p:nvPr>
+            <p:ph idx="1"/>
+          </p:nvPr>
+        </p:nvSpPr>
+        <p:spPr>
+          <a:xfrm>
+            <a:off x="914400" y="1735138"/>
+            <a:ext cx="7313613" cy="4437062"/>
+          </a:xfrm>
+        </p:spPr>
+        <p:txBody>
+          <a:bodyPr>
+            <a:normAutofit fontScale="62500" lnSpcReduction="20000"/>
+          </a:bodyPr>
+          <a:lstStyle/>
+          <a:p>
+            <a:r>
+              <a:rPr lang="en-US" altLang="ja-JP" dirty="0" smtClean="0"/>
+              <a:t>/</a:t>
+            </a:r>
+            <a:r>
+              <a:rPr lang="en-US" altLang="ja-JP" dirty="0" err="1" smtClean="0"/>
+              <a:t>playsql/data/ut/</a:t>
+            </a:r>
+            <a:r>
+              <a:rPr lang="en-US" altLang="ja-JP" dirty="0" err="1" smtClean="0"/>
+              <a:t>xls</a:t>
+            </a:r>
+            <a:r>
+              <a:rPr lang="ja-JP" altLang="en-US" dirty="0" smtClean="0"/>
+              <a:t>配下の「</a:t>
+            </a:r>
+            <a:r>
+              <a:rPr lang="en-US" altLang="ja-JP" dirty="0" smtClean="0"/>
+              <a:t>.</a:t>
+            </a:r>
+            <a:r>
+              <a:rPr lang="en-US" altLang="ja-JP" dirty="0" err="1" smtClean="0"/>
+              <a:t>xls</a:t>
+            </a:r>
+            <a:r>
+              <a:rPr lang="ja-JP" altLang="en-US" dirty="0" smtClean="0"/>
+              <a:t>」ファイルが対象</a:t>
+            </a:r>
+            <a:endParaRPr lang="en-US" altLang="ja-JP" dirty="0" smtClean="0"/>
+          </a:p>
+          <a:p>
+            <a:r>
+              <a:rPr lang="ja-JP" altLang="en-US" dirty="0" smtClean="0"/>
+              <a:t>アスキー順に読み込んで実行</a:t>
+            </a:r>
+            <a:endParaRPr lang="en-US" altLang="ja-JP" dirty="0" smtClean="0"/>
+          </a:p>
+          <a:p>
+            <a:pPr lvl="1"/>
+            <a:r>
+              <a:rPr lang="en-US" altLang="ja-JP" dirty="0" smtClean="0"/>
+              <a:t>ex. </a:t>
+            </a:r>
+            <a:r>
+              <a:rPr lang="en-US" altLang="ja-JP" dirty="0" smtClean="0"/>
+              <a:t>10</a:t>
+            </a:r>
+            <a:r>
+              <a:rPr lang="en-US" altLang="ja-JP" dirty="0" smtClean="0"/>
+              <a:t>-abc.</a:t>
+            </a:r>
+            <a:r>
+              <a:rPr lang="en-US" altLang="ja-JP" dirty="0" smtClean="0"/>
+              <a:t>xls, 20-def.xls</a:t>
+            </a:r>
+          </a:p>
+          <a:p>
+            <a:pPr lvl="1"/>
+            <a:r>
+              <a:rPr lang="ja-JP" altLang="en-US" dirty="0" smtClean="0"/>
+              <a:t>データ登録失敗したらエラーログを出力してその時点で中断</a:t>
+            </a:r>
+            <a:endParaRPr lang="en-US" altLang="ja-JP" dirty="0" smtClean="0"/>
+          </a:p>
+          <a:p>
+            <a:r>
+              <a:rPr lang="ja-JP" altLang="en-US" dirty="0" smtClean="0"/>
+              <a:t>シート名はテーブル名</a:t>
+            </a:r>
+            <a:endParaRPr lang="en-US" altLang="ja-JP" dirty="0" smtClean="0"/>
+          </a:p>
+          <a:p>
+            <a:pPr lvl="1"/>
+            <a:r>
+              <a:rPr lang="ja-JP" altLang="en-US" dirty="0" smtClean="0"/>
+              <a:t>左から順番に読み込んで実行</a:t>
+            </a:r>
+            <a:endParaRPr lang="en-US" altLang="ja-JP" dirty="0" smtClean="0"/>
+          </a:p>
+          <a:p>
+            <a:pPr lvl="1"/>
+            <a:r>
+              <a:rPr lang="ja-JP" altLang="en-US" dirty="0" smtClean="0"/>
+              <a:t>「</a:t>
+            </a:r>
+            <a:r>
+              <a:rPr lang="en-US" altLang="ja-JP" dirty="0" smtClean="0"/>
+              <a:t>#</a:t>
+            </a:r>
+            <a:r>
+              <a:rPr lang="ja-JP" altLang="en-US" dirty="0" smtClean="0"/>
+              <a:t>」で始まるシートは対象外</a:t>
+            </a:r>
+            <a:r>
+              <a:rPr lang="en-US" altLang="ja-JP" dirty="0" smtClean="0"/>
+              <a:t>(</a:t>
+            </a:r>
+            <a:r>
+              <a:rPr lang="ja-JP" altLang="en-US" dirty="0" smtClean="0"/>
+              <a:t>コメント用シートなど</a:t>
+            </a:r>
+            <a:r>
+              <a:rPr lang="en-US" altLang="ja-JP" dirty="0" smtClean="0"/>
+              <a:t>)</a:t>
+            </a:r>
+          </a:p>
+          <a:p>
+            <a:pPr lvl="1"/>
+            <a:r>
+              <a:rPr lang="ja-JP" altLang="en-US" dirty="0" smtClean="0"/>
+              <a:t>除外シートを別途正規表現で指定可能</a:t>
+            </a:r>
+            <a:r>
+              <a:rPr lang="en-US" altLang="ja-JP" dirty="0" smtClean="0"/>
+              <a:t>(</a:t>
+            </a:r>
+            <a:r>
+              <a:rPr lang="en-US" altLang="ja-JP" dirty="0" err="1" smtClean="0"/>
+              <a:t>skipSheet</a:t>
+            </a:r>
+            <a:r>
+              <a:rPr lang="en-US" altLang="ja-JP" dirty="0" smtClean="0"/>
+              <a:t>)</a:t>
+            </a:r>
+          </a:p>
+          <a:p>
+            <a:pPr lvl="1"/>
+            <a:r>
+              <a:rPr lang="ja-JP" altLang="en-US" dirty="0" smtClean="0"/>
+              <a:t>シート名</a:t>
+            </a:r>
+            <a:r>
+              <a:rPr lang="en-US" altLang="ja-JP" dirty="0" smtClean="0"/>
+              <a:t>30</a:t>
+            </a:r>
+            <a:r>
+              <a:rPr lang="ja-JP" altLang="en-US" dirty="0" smtClean="0"/>
+              <a:t>文字問題に対応</a:t>
+            </a:r>
+            <a:r>
+              <a:rPr lang="en-US" altLang="ja-JP" dirty="0" smtClean="0"/>
+              <a:t>(</a:t>
+            </a:r>
+            <a:r>
+              <a:rPr lang="ja-JP" altLang="en-US" dirty="0" smtClean="0"/>
+              <a:t>後述</a:t>
+            </a:r>
+            <a:r>
+              <a:rPr lang="en-US" altLang="ja-JP" dirty="0" smtClean="0"/>
+              <a:t>:table-</a:t>
+            </a:r>
+            <a:r>
+              <a:rPr lang="en-US" altLang="ja-JP" dirty="0" err="1" smtClean="0"/>
+              <a:t>name.txt</a:t>
+            </a:r>
+            <a:r>
+              <a:rPr lang="en-US" altLang="ja-JP" dirty="0" smtClean="0"/>
+              <a:t>)</a:t>
+            </a:r>
+          </a:p>
+          <a:p>
+            <a:r>
+              <a:rPr lang="ja-JP" altLang="en-US" dirty="0" smtClean="0"/>
+              <a:t>一行目はカラム定義</a:t>
+            </a:r>
+            <a:endParaRPr lang="en-US" altLang="ja-JP" dirty="0" smtClean="0"/>
+          </a:p>
+          <a:p>
+            <a:pPr lvl="1"/>
+            <a:r>
+              <a:rPr lang="ja-JP" altLang="en-US" dirty="0" smtClean="0"/>
+              <a:t>固定値で良い共通カラムは不要</a:t>
+            </a:r>
+            <a:r>
+              <a:rPr lang="en-US" altLang="ja-JP" dirty="0" smtClean="0"/>
+              <a:t>(</a:t>
+            </a:r>
+            <a:r>
+              <a:rPr lang="ja-JP" altLang="en-US" dirty="0" smtClean="0"/>
+              <a:t>後述</a:t>
+            </a:r>
+            <a:r>
+              <a:rPr lang="en-US" altLang="ja-JP" dirty="0" smtClean="0"/>
+              <a:t>:default-</a:t>
+            </a:r>
+            <a:r>
+              <a:rPr lang="en-US" altLang="ja-JP" dirty="0" err="1" smtClean="0"/>
+              <a:t>value.txt</a:t>
+            </a:r>
+            <a:r>
+              <a:rPr lang="en-US" altLang="ja-JP" dirty="0" smtClean="0"/>
+              <a:t>)</a:t>
+            </a:r>
+          </a:p>
+          <a:p>
+            <a:r>
+              <a:rPr lang="ja-JP" altLang="en-US" dirty="0" smtClean="0"/>
+              <a:t>二行目以降はデータ</a:t>
+            </a:r>
+            <a:endParaRPr lang="en-US" altLang="ja-JP" dirty="0" smtClean="0"/>
+          </a:p>
+          <a:p>
+            <a:pPr lvl="1"/>
+            <a:r>
+              <a:rPr lang="ja-JP" altLang="en-US" dirty="0" smtClean="0"/>
+              <a:t>それぞれのデータはトリムされる</a:t>
+            </a:r>
+            <a:endParaRPr lang="en-US" altLang="ja-JP" dirty="0" smtClean="0"/>
+          </a:p>
+          <a:p>
+            <a:pPr lvl="1"/>
+            <a:r>
+              <a:rPr lang="ja-JP" altLang="en-US" dirty="0" smtClean="0"/>
+              <a:t>トリムしないカラムを指定可能</a:t>
+            </a:r>
+            <a:r>
+              <a:rPr lang="en-US" altLang="ja-JP" dirty="0" smtClean="0"/>
+              <a:t>(not-trim-</a:t>
+            </a:r>
+            <a:r>
+              <a:rPr lang="en-US" altLang="ja-JP" dirty="0" err="1" smtClean="0"/>
+              <a:t>column.txt</a:t>
+            </a:r>
+            <a:r>
+              <a:rPr lang="en-US" altLang="ja-JP" dirty="0" smtClean="0"/>
+              <a:t>)</a:t>
+            </a:r>
+          </a:p>
+          <a:p>
+            <a:pPr lvl="2"/>
+            <a:endParaRPr lang="en-US" altLang="ja-JP" dirty="0" smtClean="0"/>
+          </a:p>
+          <a:p>
+            <a:pPr>
+              <a:buNone/>
+            </a:pPr>
+            <a:endParaRPr lang="ja-JP" altLang="en-US" dirty="0"/>
+          </a:p>
+        </p:txBody>
+      </p:sp>
+      <p:sp>
+        <p:nvSpPr>
+          <p:cNvPr id="4" name="フッター プレースホルダ 3"/>
+          <p:cNvSpPr>
+            <a:spLocks noGrp="1"/>
+          </p:cNvSpPr>
+          <p:nvPr>
+            <p:ph type="ftr" sz="quarter" idx="11"/>
+          </p:nvPr>
+        </p:nvSpPr>
+        <p:spPr/>
+        <p:txBody>
+          <a:bodyPr/>
+          <a:lstStyle/>
+          <a:p>
+            <a:r>
+              <a:rPr lang="en-US" altLang="ja-JP" smtClean="0"/>
+              <a:t>Seasar Conference 2008 Autumn</a:t>
+            </a:r>
+            <a:endParaRPr lang="ja-JP" altLang="en-US"/>
+          </a:p>
+        </p:txBody>
+      </p:sp>
+      <p:sp>
+        <p:nvSpPr>
+          <p:cNvPr id="5" name="テキスト ボックス 4"/>
+          <p:cNvSpPr txBox="1"/>
+          <p:nvPr/>
+        </p:nvSpPr>
+        <p:spPr>
+          <a:xfrm>
+            <a:off x="4849141" y="2151929"/>
+            <a:ext cx="2450226" cy="523220"/>
+          </a:xfrm>
+          <a:prstGeom prst="rect">
+            <a:avLst/>
+          </a:prstGeom>
+          <a:noFill/>
+          <a:ln>
+            <a:gradFill flip="none" rotWithShape="1">
+              <a:gsLst>
+                <a:gs pos="0">
+                  <a:schemeClr val="bg2"/>
+                </a:gs>
+                <a:gs pos="100000">
+                  <a:srgbClr val="000000"/>
+                </a:gs>
+              </a:gsLst>
+              <a:path path="rect">
+                <a:fillToRect l="100000" t="100000"/>
+              </a:path>
+              <a:tileRect r="-100000" b="-100000"/>
+            </a:gradFill>
+            <a:prstDash val="dashDot"/>
+          </a:ln>
+        </p:spPr>
+        <p:txBody>
+          <a:bodyPr wrap="square" rtlCol="0">
+            <a:spAutoFit/>
+          </a:bodyPr>
+          <a:lstStyle/>
+          <a:p>
+            <a:r>
+              <a:rPr kumimoji="1" lang="ja-JP" altLang="en-US" sz="1400" dirty="0" smtClean="0"/>
+              <a:t>先頭に番号付けると順序が</a:t>
+            </a:r>
+            <a:endParaRPr kumimoji="1" lang="en-US" altLang="ja-JP" sz="1400" dirty="0" smtClean="0"/>
+          </a:p>
+          <a:p>
+            <a:r>
+              <a:rPr kumimoji="1" lang="ja-JP" altLang="en-US" sz="1400" dirty="0" smtClean="0"/>
+              <a:t>わかりやすいのでお奨め</a:t>
+            </a:r>
+            <a:endParaRPr kumimoji="1" lang="ja-JP" altLang="en-US" sz="1400" dirty="0"/>
+          </a:p>
+        </p:txBody>
+      </p:sp>
+      <p:cxnSp>
+        <p:nvCxnSpPr>
+          <p:cNvPr id="6" name="直線矢印コネクタ 5"/>
+          <p:cNvCxnSpPr>
+            <a:stCxn id="5" idx="1"/>
+          </p:cNvCxnSpPr>
+          <p:nvPr/>
+        </p:nvCxnSpPr>
+        <p:spPr>
+          <a:xfrm rot="10800000" flipV="1">
+            <a:off x="3581401" y="2413539"/>
+            <a:ext cx="1267740" cy="135276"/>
+          </a:xfrm>
+          <a:prstGeom prst="straightConnector1">
+            <a:avLst/>
+          </a:prstGeom>
+          <a:ln w="12700" cmpd="sng">
+            <a:solidFill>
+              <a:schemeClr val="tx1">
+                <a:lumMod val="65000"/>
+                <a:lumOff val="35000"/>
+              </a:schemeClr>
+            </a:solidFill>
+            <a:tailEnd type="arrow"/>
+          </a:ln>
+        </p:spPr>
+        <p:style>
+          <a:lnRef idx="2">
+            <a:schemeClr val="accent1"/>
+          </a:lnRef>
+          <a:fillRef idx="0">
+            <a:schemeClr val="accent1"/>
+          </a:fillRef>
+          <a:effectRef idx="1">
+            <a:schemeClr val="accent1"/>
+          </a:effectRef>
+          <a:fontRef idx="minor">
+            <a:schemeClr val="tx1"/>
+          </a:fontRef>
+        </p:style>
+      </p:cxnSp>
+      <p:sp>
+        <p:nvSpPr>
+          <p:cNvPr id="10" name="テキスト ボックス 9"/>
+          <p:cNvSpPr txBox="1"/>
+          <p:nvPr/>
+        </p:nvSpPr>
+        <p:spPr>
+          <a:xfrm>
+            <a:off x="5844862" y="5105401"/>
+            <a:ext cx="2909013" cy="738664"/>
+          </a:xfrm>
+          <a:prstGeom prst="rect">
+            <a:avLst/>
+          </a:prstGeom>
+          <a:noFill/>
+          <a:ln>
+            <a:gradFill flip="none" rotWithShape="1">
+              <a:gsLst>
+                <a:gs pos="0">
+                  <a:schemeClr val="bg2"/>
+                </a:gs>
+                <a:gs pos="100000">
+                  <a:srgbClr val="000000"/>
+                </a:gs>
+              </a:gsLst>
+              <a:path path="rect">
+                <a:fillToRect l="100000" t="100000"/>
+              </a:path>
+              <a:tileRect r="-100000" b="-100000"/>
+            </a:gradFill>
+            <a:prstDash val="dashDot"/>
+          </a:ln>
+        </p:spPr>
+        <p:txBody>
+          <a:bodyPr wrap="square" rtlCol="0">
+            <a:spAutoFit/>
+          </a:bodyPr>
+          <a:lstStyle/>
+          <a:p>
+            <a:r>
+              <a:rPr kumimoji="1" lang="ja-JP" altLang="en-US" sz="1400" dirty="0" smtClean="0"/>
+              <a:t>セルのタイプを全て文字列にしてからデータを記述するのがお奨め</a:t>
+            </a:r>
+            <a:endParaRPr kumimoji="1" lang="en-US" altLang="ja-JP" sz="1400" dirty="0" smtClean="0"/>
+          </a:p>
+          <a:p>
+            <a:r>
+              <a:rPr lang="en-US" altLang="ja-JP" sz="1400" dirty="0" smtClean="0"/>
+              <a:t>(</a:t>
+            </a:r>
+            <a:r>
+              <a:rPr lang="ja-JP" altLang="en-US" sz="1400" dirty="0" smtClean="0"/>
+              <a:t>エクセルのクセを回避</a:t>
+            </a:r>
+            <a:r>
+              <a:rPr lang="en-US" altLang="ja-JP" sz="1400" dirty="0" smtClean="0"/>
+              <a:t>)</a:t>
+            </a:r>
+            <a:endParaRPr kumimoji="1" lang="ja-JP" altLang="en-US" sz="1400" dirty="0"/>
+          </a:p>
+        </p:txBody>
+      </p:sp>
+      <p:cxnSp>
+        <p:nvCxnSpPr>
+          <p:cNvPr id="11" name="直線矢印コネクタ 10"/>
+          <p:cNvCxnSpPr>
+            <a:stCxn id="10" idx="1"/>
+          </p:cNvCxnSpPr>
+          <p:nvPr/>
+        </p:nvCxnSpPr>
+        <p:spPr>
+          <a:xfrm rot="10800000">
+            <a:off x="3267472" y="5334001"/>
+            <a:ext cx="2577391" cy="140732"/>
+          </a:xfrm>
+          <a:prstGeom prst="straightConnector1">
+            <a:avLst/>
+          </a:prstGeom>
+          <a:ln w="12700" cmpd="sng">
+            <a:solidFill>
+              <a:schemeClr val="tx1">
+                <a:lumMod val="65000"/>
+                <a:lumOff val="35000"/>
+              </a:schemeClr>
+            </a:solidFill>
+            <a:tailEnd type="arrow"/>
+          </a:ln>
+        </p:spPr>
+        <p:style>
+          <a:lnRef idx="2">
+            <a:schemeClr val="accent1"/>
+          </a:lnRef>
+          <a:fillRef idx="0">
+            <a:schemeClr val="accent1"/>
+          </a:fillRef>
+          <a:effectRef idx="1">
+            <a:schemeClr val="accent1"/>
+          </a:effectRef>
+          <a:fontRef idx="minor">
+            <a:schemeClr val="tx1"/>
+          </a:fontRef>
+        </p:style>
+      </p:cxnSp>
+      <p:sp>
+        <p:nvSpPr>
+          <p:cNvPr id="25" name="テキスト ボックス 24"/>
+          <p:cNvSpPr txBox="1"/>
+          <p:nvPr/>
+        </p:nvSpPr>
+        <p:spPr>
+          <a:xfrm>
+            <a:off x="5029200" y="3201888"/>
+            <a:ext cx="2917346" cy="307777"/>
+          </a:xfrm>
+          <a:prstGeom prst="rect">
+            <a:avLst/>
+          </a:prstGeom>
+          <a:noFill/>
+          <a:ln>
+            <a:gradFill flip="none" rotWithShape="1">
+              <a:gsLst>
+                <a:gs pos="0">
+                  <a:schemeClr val="bg2"/>
+                </a:gs>
+                <a:gs pos="100000">
+                  <a:srgbClr val="000000"/>
+                </a:gs>
+              </a:gsLst>
+              <a:path path="rect">
+                <a:fillToRect l="100000" t="100000"/>
+              </a:path>
+              <a:tileRect r="-100000" b="-100000"/>
+            </a:gradFill>
+            <a:prstDash val="dashDot"/>
+          </a:ln>
+        </p:spPr>
+        <p:txBody>
+          <a:bodyPr wrap="square" rtlCol="0">
+            <a:spAutoFit/>
+          </a:bodyPr>
+          <a:lstStyle/>
+          <a:p>
+            <a:r>
+              <a:rPr kumimoji="1" lang="ja-JP" altLang="en-US" sz="1400" dirty="0" smtClean="0"/>
+              <a:t>基本は</a:t>
+            </a:r>
+            <a:r>
+              <a:rPr kumimoji="1" lang="en-US" altLang="ja-JP" sz="1400" dirty="0" smtClean="0"/>
+              <a:t>S2Unit</a:t>
+            </a:r>
+            <a:r>
+              <a:rPr kumimoji="1" lang="ja-JP" altLang="en-US" sz="1400" dirty="0" smtClean="0"/>
+              <a:t>のエクセルと同じ仕様</a:t>
+            </a:r>
+            <a:endParaRPr kumimoji="1" lang="ja-JP" altLang="en-US" sz="1400" dirty="0"/>
+          </a:p>
+        </p:txBody>
+      </p:sp>
+    </p:spTree>
+  </p:cSld>
+  <p:clrMapOvr>
+    <a:masterClrMapping/>
+  </p:clrMapOvr>
+</p:sld>
+</file>
+
+<file path=ppt/slides/slide26.xml><?xml version="1.0" encoding="utf-8"?>
+<p:sld xmlns:a="http://schemas.openxmlformats.org/drawingml/2006/main" xmlns:r="http://schemas.openxmlformats.org/officeDocument/2006/relationships" xmlns:mc="http://schemas.openxmlformats.org/markup-compatibility/2006" xmlns:mv="urn:schemas-microsoft-com:mac:vml" xmlns:p="http://schemas.openxmlformats.org/presentationml/2006/main" mc:Ignorable="mv" mc:PreserveAttributes="mv:*">
+  <p:cSld>
+    <p:spTree>
+      <p:nvGrpSpPr>
+        <p:cNvPr id="1" name=""/>
+        <p:cNvGrpSpPr/>
+        <p:nvPr/>
+      </p:nvGrpSpPr>
+      <p:grpSpPr>
+        <a:xfrm>
+          <a:off x="0" y="0"/>
+          <a:ext cx="0" cy="0"/>
+          <a:chOff x="0" y="0"/>
+          <a:chExt cx="0" cy="0"/>
+        </a:xfrm>
+      </p:grpSpPr>
+      <p:sp>
+        <p:nvSpPr>
+          <p:cNvPr id="2" name="タイトル 1"/>
+          <p:cNvSpPr>
+            <a:spLocks noGrp="1"/>
+          </p:cNvSpPr>
+          <p:nvPr>
+            <p:ph type="title"/>
+          </p:nvPr>
+        </p:nvSpPr>
+        <p:spPr>
+          <a:xfrm>
+            <a:off x="457200" y="503238"/>
+            <a:ext cx="8305800" cy="868362"/>
+          </a:xfrm>
+        </p:spPr>
+        <p:txBody>
+          <a:bodyPr/>
+          <a:lstStyle/>
+          <a:p>
+            <a:r>
+              <a:rPr lang="en-US" altLang="ja-JP" dirty="0" smtClean="0"/>
+              <a:t>[2]DDL</a:t>
+            </a:r>
+            <a:r>
+              <a:rPr lang="ja-JP" altLang="en-US" dirty="0" smtClean="0"/>
+              <a:t>＆データ</a:t>
+            </a:r>
+            <a:r>
+              <a:rPr lang="en-US" altLang="ja-JP" dirty="0" smtClean="0"/>
+              <a:t>:</a:t>
+            </a:r>
+            <a:br>
+              <a:rPr lang="en-US" altLang="ja-JP" dirty="0" smtClean="0"/>
+            </a:br>
+            <a:r>
+              <a:rPr lang="ja-JP" altLang="en-US" dirty="0" smtClean="0"/>
+              <a:t>データ登録</a:t>
+            </a:r>
+            <a:r>
+              <a:rPr lang="ja-JP" altLang="en-US" dirty="0" smtClean="0"/>
+              <a:t>の</a:t>
+            </a:r>
+            <a:r>
+              <a:rPr lang="ja-JP" altLang="en-US" dirty="0" smtClean="0"/>
+              <a:t>共通カラム解決</a:t>
+            </a:r>
+            <a:endParaRPr lang="ja-JP" altLang="en-US" dirty="0"/>
+          </a:p>
+        </p:txBody>
+      </p:sp>
+      <p:sp>
+        <p:nvSpPr>
+          <p:cNvPr id="3" name="コンテンツ プレースホルダ 2"/>
+          <p:cNvSpPr>
+            <a:spLocks noGrp="1"/>
+          </p:cNvSpPr>
+          <p:nvPr>
+            <p:ph idx="1"/>
+          </p:nvPr>
+        </p:nvSpPr>
+        <p:spPr/>
+        <p:txBody>
+          <a:bodyPr>
+            <a:normAutofit fontScale="92500" lnSpcReduction="20000"/>
+          </a:bodyPr>
+          <a:lstStyle/>
+          <a:p>
+            <a:endParaRPr lang="en-US" altLang="ja-JP" dirty="0" smtClean="0"/>
+          </a:p>
+          <a:p>
+            <a:r>
+              <a:rPr lang="ja-JP" altLang="en-US" dirty="0" smtClean="0"/>
+              <a:t>固定値で良い共通</a:t>
+            </a:r>
+            <a:r>
+              <a:rPr lang="ja-JP" altLang="en-US" dirty="0" smtClean="0"/>
+              <a:t>カラム</a:t>
+            </a:r>
+            <a:r>
+              <a:rPr lang="ja-JP" altLang="en-US" dirty="0" smtClean="0"/>
+              <a:t>は一括設定</a:t>
+            </a:r>
+            <a:endParaRPr lang="en-US" altLang="ja-JP" dirty="0" smtClean="0"/>
+          </a:p>
+          <a:p>
+            <a:endParaRPr lang="en-US" altLang="ja-JP" dirty="0" smtClean="0"/>
+          </a:p>
+          <a:p>
+            <a:pPr lvl="1">
+              <a:buAutoNum type="arabicPeriod"/>
+            </a:pPr>
+            <a:r>
+              <a:rPr lang="ja-JP" altLang="en-US" dirty="0" smtClean="0"/>
+              <a:t>データファイルと同じディレクトリに「</a:t>
+            </a:r>
+            <a:r>
+              <a:rPr lang="en-US" altLang="ja-JP" dirty="0" smtClean="0"/>
+              <a:t>default-</a:t>
+            </a:r>
+            <a:r>
+              <a:rPr lang="en-US" altLang="ja-JP" dirty="0" err="1" smtClean="0"/>
+              <a:t>value.txt</a:t>
+            </a:r>
+            <a:r>
+              <a:rPr lang="ja-JP" altLang="en-US" dirty="0" smtClean="0"/>
+              <a:t>」を作成</a:t>
+            </a:r>
+            <a:endParaRPr lang="en-US" altLang="ja-JP" dirty="0" smtClean="0"/>
+          </a:p>
+          <a:p>
+            <a:pPr lvl="1">
+              <a:buAutoNum type="arabicPeriod"/>
+            </a:pPr>
+            <a:r>
+              <a:rPr lang="ja-JP" altLang="en-US" dirty="0" smtClean="0"/>
+              <a:t>「カラム</a:t>
+            </a:r>
+            <a:r>
+              <a:rPr lang="en-US" altLang="ja-JP" dirty="0" smtClean="0"/>
+              <a:t> = </a:t>
+            </a:r>
+            <a:r>
+              <a:rPr lang="ja-JP" altLang="en-US" dirty="0" smtClean="0"/>
+              <a:t>固定値」の形で設定</a:t>
+            </a:r>
+            <a:endParaRPr lang="en-US" altLang="ja-JP" dirty="0" smtClean="0"/>
+          </a:p>
+          <a:p>
+            <a:pPr lvl="2">
+              <a:buNone/>
+            </a:pPr>
+            <a:r>
+              <a:rPr lang="en-US" altLang="ja-JP" dirty="0" smtClean="0"/>
+              <a:t>map:{</a:t>
+            </a:r>
+          </a:p>
+          <a:p>
+            <a:pPr lvl="2">
+              <a:buNone/>
+            </a:pPr>
+            <a:r>
+              <a:rPr lang="en-US" altLang="ja-JP" dirty="0" smtClean="0"/>
+              <a:t>    ; REGISTER_DATETIME = </a:t>
+            </a:r>
+            <a:r>
+              <a:rPr lang="en-US" altLang="ja-JP" dirty="0" err="1" smtClean="0"/>
+              <a:t>sysdate</a:t>
+            </a:r>
+            <a:endParaRPr lang="en-US" altLang="ja-JP" dirty="0" smtClean="0"/>
+          </a:p>
+          <a:p>
+            <a:pPr lvl="2">
+              <a:buNone/>
+            </a:pPr>
+            <a:r>
+              <a:rPr lang="en-US" altLang="ja-JP" dirty="0" smtClean="0"/>
+              <a:t>    ; REGISTER_USER = replace-schema</a:t>
+            </a:r>
+          </a:p>
+          <a:p>
+            <a:pPr lvl="2">
+              <a:buNone/>
+            </a:pPr>
+            <a:r>
+              <a:rPr lang="en-US" altLang="ja-JP" dirty="0" smtClean="0"/>
+              <a:t>    ; …</a:t>
+            </a:r>
+          </a:p>
+          <a:p>
+            <a:pPr lvl="2">
+              <a:buNone/>
+            </a:pPr>
+            <a:r>
+              <a:rPr lang="en-US" altLang="ja-JP" dirty="0" smtClean="0"/>
+              <a:t>}</a:t>
+            </a:r>
+            <a:endParaRPr lang="en-US" altLang="ja-JP" dirty="0" smtClean="0"/>
+          </a:p>
+          <a:p>
+            <a:pPr lvl="1">
+              <a:buAutoNum type="arabicPeriod"/>
+            </a:pPr>
+            <a:r>
+              <a:rPr lang="ja-JP" altLang="en-US" dirty="0" smtClean="0"/>
+              <a:t>データにカラム定義がなくても設定の固定値が登録される</a:t>
+            </a:r>
+            <a:endParaRPr lang="en-US" altLang="ja-JP" dirty="0" smtClean="0"/>
+          </a:p>
+          <a:p>
+            <a:pPr lvl="2">
+              <a:buNone/>
+            </a:pPr>
+            <a:endParaRPr lang="en-US" altLang="ja-JP" dirty="0" smtClean="0"/>
+          </a:p>
+        </p:txBody>
+      </p:sp>
+      <p:sp>
+        <p:nvSpPr>
+          <p:cNvPr id="4" name="フッター プレースホルダ 3"/>
+          <p:cNvSpPr>
+            <a:spLocks noGrp="1"/>
+          </p:cNvSpPr>
+          <p:nvPr>
+            <p:ph type="ftr" sz="quarter" idx="11"/>
+          </p:nvPr>
+        </p:nvSpPr>
+        <p:spPr/>
+        <p:txBody>
+          <a:bodyPr/>
+          <a:lstStyle/>
+          <a:p>
+            <a:r>
+              <a:rPr lang="en-US" altLang="ja-JP" smtClean="0"/>
+              <a:t>Seasar Conference 2008 Autumn</a:t>
+            </a:r>
+            <a:endParaRPr lang="ja-JP" altLang="en-US"/>
+          </a:p>
+        </p:txBody>
+      </p:sp>
+      <p:sp>
+        <p:nvSpPr>
+          <p:cNvPr id="5" name="テキスト ボックス 4"/>
+          <p:cNvSpPr txBox="1"/>
+          <p:nvPr/>
+        </p:nvSpPr>
+        <p:spPr>
+          <a:xfrm>
+            <a:off x="5562599" y="3505200"/>
+            <a:ext cx="2665413" cy="307777"/>
+          </a:xfrm>
+          <a:prstGeom prst="rect">
+            <a:avLst/>
+          </a:prstGeom>
+          <a:noFill/>
+          <a:ln>
+            <a:gradFill flip="none" rotWithShape="1">
+              <a:gsLst>
+                <a:gs pos="0">
+                  <a:schemeClr val="bg2"/>
+                </a:gs>
+                <a:gs pos="100000">
+                  <a:srgbClr val="000000"/>
+                </a:gs>
+              </a:gsLst>
+              <a:path path="rect">
+                <a:fillToRect l="100000" t="100000"/>
+              </a:path>
+              <a:tileRect r="-100000" b="-100000"/>
+            </a:gradFill>
+            <a:prstDash val="dashDot"/>
+          </a:ln>
+        </p:spPr>
+        <p:txBody>
+          <a:bodyPr wrap="square" rtlCol="0">
+            <a:spAutoFit/>
+          </a:bodyPr>
+          <a:lstStyle/>
+          <a:p>
+            <a:r>
+              <a:rPr kumimoji="1" lang="ja-JP" altLang="en-US" sz="1400" dirty="0" smtClean="0"/>
+              <a:t>実行時の現在日時が登録される</a:t>
+            </a:r>
+            <a:endParaRPr kumimoji="1" lang="ja-JP" altLang="en-US" sz="1400" dirty="0"/>
+          </a:p>
+        </p:txBody>
+      </p:sp>
+      <p:sp>
+        <p:nvSpPr>
+          <p:cNvPr id="6" name="テキスト ボックス 5"/>
+          <p:cNvSpPr txBox="1"/>
+          <p:nvPr/>
+        </p:nvSpPr>
+        <p:spPr>
+          <a:xfrm>
+            <a:off x="5562600" y="4651177"/>
+            <a:ext cx="3200400" cy="307777"/>
+          </a:xfrm>
+          <a:prstGeom prst="rect">
+            <a:avLst/>
+          </a:prstGeom>
+          <a:noFill/>
+          <a:ln>
+            <a:gradFill flip="none" rotWithShape="1">
+              <a:gsLst>
+                <a:gs pos="0">
+                  <a:schemeClr val="bg2"/>
+                </a:gs>
+                <a:gs pos="100000">
+                  <a:srgbClr val="000000"/>
+                </a:gs>
+              </a:gsLst>
+              <a:path path="rect">
+                <a:fillToRect l="100000" t="100000"/>
+              </a:path>
+              <a:tileRect r="-100000" b="-100000"/>
+            </a:gradFill>
+            <a:prstDash val="dashDot"/>
+          </a:ln>
+        </p:spPr>
+        <p:txBody>
+          <a:bodyPr wrap="square" rtlCol="0">
+            <a:spAutoFit/>
+          </a:bodyPr>
+          <a:lstStyle/>
+          <a:p>
+            <a:r>
+              <a:rPr kumimoji="1" lang="ja-JP" altLang="en-US" sz="1400" dirty="0" smtClean="0"/>
+              <a:t>「</a:t>
+            </a:r>
+            <a:r>
+              <a:rPr kumimoji="1" lang="en-US" altLang="ja-JP" sz="1400" dirty="0" smtClean="0"/>
+              <a:t>replace-</a:t>
+            </a:r>
+            <a:r>
+              <a:rPr lang="en-US" altLang="ja-JP" sz="1400" dirty="0" smtClean="0"/>
+              <a:t>schema</a:t>
+            </a:r>
+            <a:r>
+              <a:rPr kumimoji="1" lang="ja-JP" altLang="en-US" sz="1400" dirty="0" smtClean="0"/>
+              <a:t>」という値が登録される</a:t>
+            </a:r>
+            <a:endParaRPr kumimoji="1" lang="ja-JP" altLang="en-US" sz="1400" dirty="0"/>
+          </a:p>
+        </p:txBody>
+      </p:sp>
+      <p:cxnSp>
+        <p:nvCxnSpPr>
+          <p:cNvPr id="7" name="直線矢印コネクタ 6"/>
+          <p:cNvCxnSpPr>
+            <a:stCxn id="5" idx="1"/>
+          </p:cNvCxnSpPr>
+          <p:nvPr/>
+        </p:nvCxnSpPr>
+        <p:spPr>
+          <a:xfrm rot="10800000" flipV="1">
+            <a:off x="4953003" y="3659089"/>
+            <a:ext cx="609597" cy="379510"/>
+          </a:xfrm>
+          <a:prstGeom prst="straightConnector1">
+            <a:avLst/>
+          </a:prstGeom>
+          <a:ln w="12700" cmpd="sng">
+            <a:solidFill>
+              <a:schemeClr val="tx1">
+                <a:lumMod val="65000"/>
+                <a:lumOff val="35000"/>
+              </a:schemeClr>
+            </a:solidFill>
+            <a:tailEnd type="arrow"/>
+          </a:ln>
+        </p:spPr>
+        <p:style>
+          <a:lnRef idx="2">
+            <a:schemeClr val="accent1"/>
+          </a:lnRef>
+          <a:fillRef idx="0">
+            <a:schemeClr val="accent1"/>
+          </a:fillRef>
+          <a:effectRef idx="1">
+            <a:schemeClr val="accent1"/>
+          </a:effectRef>
+          <a:fontRef idx="minor">
+            <a:schemeClr val="tx1"/>
+          </a:fontRef>
+        </p:style>
+      </p:cxnSp>
+      <p:cxnSp>
+        <p:nvCxnSpPr>
+          <p:cNvPr id="9" name="直線矢印コネクタ 8"/>
+          <p:cNvCxnSpPr>
+            <a:stCxn id="6" idx="1"/>
+          </p:cNvCxnSpPr>
+          <p:nvPr/>
+        </p:nvCxnSpPr>
+        <p:spPr>
+          <a:xfrm rot="10800000">
+            <a:off x="5181600" y="4495800"/>
+            <a:ext cx="381000" cy="309266"/>
+          </a:xfrm>
+          <a:prstGeom prst="straightConnector1">
+            <a:avLst/>
+          </a:prstGeom>
+          <a:ln w="12700" cmpd="sng">
+            <a:solidFill>
+              <a:schemeClr val="tx1">
+                <a:lumMod val="65000"/>
+                <a:lumOff val="35000"/>
+              </a:schemeClr>
+            </a:solidFill>
+            <a:tailEnd type="arrow"/>
+          </a:ln>
+        </p:spPr>
+        <p:style>
+          <a:lnRef idx="2">
+            <a:schemeClr val="accent1"/>
+          </a:lnRef>
+          <a:fillRef idx="0">
+            <a:schemeClr val="accent1"/>
+          </a:fillRef>
+          <a:effectRef idx="1">
+            <a:schemeClr val="accent1"/>
+          </a:effectRef>
+          <a:fontRef idx="minor">
+            <a:schemeClr val="tx1"/>
+          </a:fontRef>
+        </p:style>
+      </p:cxnSp>
+      <p:sp>
+        <p:nvSpPr>
+          <p:cNvPr id="13" name="テキスト ボックス 12"/>
+          <p:cNvSpPr txBox="1"/>
+          <p:nvPr/>
+        </p:nvSpPr>
+        <p:spPr>
+          <a:xfrm>
+            <a:off x="6097588" y="2516088"/>
+            <a:ext cx="2665413" cy="307777"/>
+          </a:xfrm>
+          <a:prstGeom prst="rect">
+            <a:avLst/>
+          </a:prstGeom>
+          <a:noFill/>
+          <a:ln>
+            <a:gradFill flip="none" rotWithShape="1">
+              <a:gsLst>
+                <a:gs pos="0">
+                  <a:schemeClr val="bg2"/>
+                </a:gs>
+                <a:gs pos="100000">
+                  <a:srgbClr val="000000"/>
+                </a:gs>
+              </a:gsLst>
+              <a:path path="rect">
+                <a:fillToRect l="100000" t="100000"/>
+              </a:path>
+              <a:tileRect r="-100000" b="-100000"/>
+            </a:gradFill>
+            <a:prstDash val="dashDot"/>
+          </a:ln>
+        </p:spPr>
+        <p:txBody>
+          <a:bodyPr wrap="square" rtlCol="0">
+            <a:spAutoFit/>
+          </a:bodyPr>
+          <a:lstStyle/>
+          <a:p>
+            <a:r>
+              <a:rPr kumimoji="1" lang="ja-JP" altLang="en-US" sz="1400" dirty="0" smtClean="0"/>
+              <a:t>ファイルエンコーディングは</a:t>
+            </a:r>
+            <a:r>
+              <a:rPr kumimoji="1" lang="en-US" altLang="ja-JP" sz="1400" dirty="0" smtClean="0"/>
+              <a:t>UTF-8</a:t>
+            </a:r>
+            <a:endParaRPr kumimoji="1" lang="ja-JP" altLang="en-US" sz="1400" dirty="0"/>
+          </a:p>
+        </p:txBody>
+      </p:sp>
+      <p:cxnSp>
+        <p:nvCxnSpPr>
+          <p:cNvPr id="14" name="直線矢印コネクタ 13"/>
+          <p:cNvCxnSpPr>
+            <a:stCxn id="13" idx="2"/>
+          </p:cNvCxnSpPr>
+          <p:nvPr/>
+        </p:nvCxnSpPr>
+        <p:spPr>
+          <a:xfrm rot="5400000">
+            <a:off x="6954393" y="2727475"/>
+            <a:ext cx="379513" cy="572293"/>
+          </a:xfrm>
+          <a:prstGeom prst="straightConnector1">
+            <a:avLst/>
+          </a:prstGeom>
+          <a:ln w="12700" cmpd="sng">
+            <a:solidFill>
+              <a:schemeClr val="tx1">
+                <a:lumMod val="65000"/>
+                <a:lumOff val="35000"/>
+              </a:schemeClr>
+            </a:solidFill>
+            <a:tailEnd type="arrow"/>
+          </a:ln>
+        </p:spPr>
+        <p:style>
+          <a:lnRef idx="2">
+            <a:schemeClr val="accent1"/>
+          </a:lnRef>
+          <a:fillRef idx="0">
+            <a:schemeClr val="accent1"/>
+          </a:fillRef>
+          <a:effectRef idx="1">
+            <a:schemeClr val="accent1"/>
+          </a:effectRef>
+          <a:fontRef idx="minor">
+            <a:schemeClr val="tx1"/>
+          </a:fontRef>
+        </p:style>
+      </p:cxnSp>
+    </p:spTree>
+  </p:cSld>
+  <p:clrMapOvr>
+    <a:masterClrMapping/>
+  </p:clrMapOvr>
+</p:sld>
+</file>
+
+<file path=ppt/slides/slide27.xml><?xml version="1.0" encoding="utf-8"?>
+<p:sld xmlns:a="http://schemas.openxmlformats.org/drawingml/2006/main" xmlns:r="http://schemas.openxmlformats.org/officeDocument/2006/relationships" xmlns:mc="http://schemas.openxmlformats.org/markup-compatibility/2006" xmlns:mv="urn:schemas-microsoft-com:mac:vml" xmlns:p="http://schemas.openxmlformats.org/presentationml/2006/main" mc:Ignorable="mv" mc:PreserveAttributes="mv:*">
+  <p:cSld>
+    <p:spTree>
+      <p:nvGrpSpPr>
+        <p:cNvPr id="1" name=""/>
+        <p:cNvGrpSpPr/>
+        <p:nvPr/>
+      </p:nvGrpSpPr>
+      <p:grpSpPr>
+        <a:xfrm>
+          <a:off x="0" y="0"/>
+          <a:ext cx="0" cy="0"/>
+          <a:chOff x="0" y="0"/>
+          <a:chExt cx="0" cy="0"/>
+        </a:xfrm>
+      </p:grpSpPr>
+      <p:sp>
+        <p:nvSpPr>
+          <p:cNvPr id="2" name="タイトル 1"/>
+          <p:cNvSpPr>
+            <a:spLocks noGrp="1"/>
+          </p:cNvSpPr>
+          <p:nvPr>
+            <p:ph type="title"/>
+          </p:nvPr>
+        </p:nvSpPr>
+        <p:spPr>
+          <a:xfrm>
+            <a:off x="457200" y="503238"/>
+            <a:ext cx="8305800" cy="868362"/>
+          </a:xfrm>
+        </p:spPr>
+        <p:txBody>
+          <a:bodyPr/>
+          <a:lstStyle/>
+          <a:p>
+            <a:r>
+              <a:rPr lang="en-US" altLang="ja-JP" dirty="0" smtClean="0"/>
+              <a:t>[2]DDL</a:t>
+            </a:r>
+            <a:r>
+              <a:rPr lang="ja-JP" altLang="en-US" dirty="0" smtClean="0"/>
+              <a:t>＆データ</a:t>
+            </a:r>
+            <a:r>
+              <a:rPr lang="en-US" altLang="ja-JP" dirty="0" smtClean="0"/>
+              <a:t>:</a:t>
+            </a:r>
+            <a:br>
+              <a:rPr lang="en-US" altLang="ja-JP" dirty="0" smtClean="0"/>
+            </a:br>
+            <a:r>
+              <a:rPr lang="ja-JP" altLang="en-US" dirty="0" smtClean="0"/>
+              <a:t>データ登録</a:t>
+            </a:r>
+            <a:r>
+              <a:rPr lang="ja-JP" altLang="en-US" dirty="0" smtClean="0"/>
+              <a:t>の</a:t>
+            </a:r>
+            <a:r>
+              <a:rPr lang="en-US" altLang="ja-JP" dirty="0" smtClean="0"/>
+              <a:t>30</a:t>
+            </a:r>
+            <a:r>
+              <a:rPr lang="ja-JP" altLang="en-US" dirty="0" smtClean="0"/>
+              <a:t>文字問題解決</a:t>
+            </a:r>
+            <a:endParaRPr lang="ja-JP" altLang="en-US" dirty="0"/>
+          </a:p>
+        </p:txBody>
+      </p:sp>
+      <p:sp>
+        <p:nvSpPr>
+          <p:cNvPr id="3" name="コンテンツ プレースホルダ 2"/>
+          <p:cNvSpPr>
+            <a:spLocks noGrp="1"/>
+          </p:cNvSpPr>
+          <p:nvPr>
+            <p:ph idx="1"/>
+          </p:nvPr>
+        </p:nvSpPr>
+        <p:spPr/>
+        <p:txBody>
+          <a:bodyPr>
+            <a:normAutofit fontScale="92500" lnSpcReduction="20000"/>
+          </a:bodyPr>
+          <a:lstStyle/>
+          <a:p>
+            <a:endParaRPr lang="en-US" altLang="ja-JP" dirty="0" smtClean="0"/>
+          </a:p>
+          <a:p>
+            <a:r>
+              <a:rPr lang="ja-JP" altLang="en-US" dirty="0" smtClean="0"/>
+              <a:t>シート名に入りきらないテーブル名を解決</a:t>
+            </a:r>
+            <a:endParaRPr lang="en-US" altLang="ja-JP" dirty="0" smtClean="0"/>
+          </a:p>
+          <a:p>
+            <a:endParaRPr lang="en-US" altLang="ja-JP" dirty="0" smtClean="0"/>
+          </a:p>
+          <a:p>
+            <a:pPr lvl="1">
+              <a:buAutoNum type="arabicPeriod"/>
+            </a:pPr>
+            <a:r>
+              <a:rPr lang="ja-JP" altLang="en-US" dirty="0" smtClean="0"/>
+              <a:t>データファイルと同じディレクトリに「</a:t>
+            </a:r>
+            <a:r>
+              <a:rPr lang="en-US" altLang="ja-JP" dirty="0" smtClean="0"/>
+              <a:t>table-</a:t>
+            </a:r>
+            <a:r>
+              <a:rPr lang="en-US" altLang="ja-JP" dirty="0" err="1" smtClean="0"/>
+              <a:t>name.txt</a:t>
+            </a:r>
+            <a:r>
+              <a:rPr lang="ja-JP" altLang="en-US" dirty="0" smtClean="0"/>
+              <a:t>」を作成</a:t>
+            </a:r>
+            <a:endParaRPr lang="en-US" altLang="ja-JP" dirty="0" smtClean="0"/>
+          </a:p>
+          <a:p>
+            <a:pPr lvl="1">
+              <a:buAutoNum type="arabicPeriod"/>
+            </a:pPr>
+            <a:r>
+              <a:rPr lang="ja-JP" altLang="en-US" dirty="0" smtClean="0"/>
+              <a:t>「カラム</a:t>
+            </a:r>
+            <a:r>
+              <a:rPr lang="en-US" altLang="ja-JP" dirty="0" smtClean="0"/>
+              <a:t> = </a:t>
+            </a:r>
+            <a:r>
+              <a:rPr lang="ja-JP" altLang="en-US" dirty="0" smtClean="0"/>
+              <a:t>固定値」の形で設定</a:t>
+            </a:r>
+            <a:endParaRPr lang="en-US" altLang="ja-JP" dirty="0" smtClean="0"/>
+          </a:p>
+          <a:p>
+            <a:pPr lvl="2">
+              <a:buNone/>
+            </a:pPr>
+            <a:r>
+              <a:rPr lang="en-US" altLang="ja-JP" dirty="0" smtClean="0"/>
+              <a:t>map:{</a:t>
+            </a:r>
+          </a:p>
+          <a:p>
+            <a:pPr lvl="2">
+              <a:buNone/>
+            </a:pPr>
+            <a:r>
+              <a:rPr lang="en-US" altLang="ja-JP" dirty="0" smtClean="0"/>
+              <a:t>    ; REGISTER_DATETIME = </a:t>
+            </a:r>
+            <a:r>
+              <a:rPr lang="en-US" altLang="ja-JP" dirty="0" err="1" smtClean="0"/>
+              <a:t>sysdate</a:t>
+            </a:r>
+            <a:endParaRPr lang="en-US" altLang="ja-JP" dirty="0" smtClean="0"/>
+          </a:p>
+          <a:p>
+            <a:pPr lvl="2">
+              <a:buNone/>
+            </a:pPr>
+            <a:r>
+              <a:rPr lang="en-US" altLang="ja-JP" dirty="0" smtClean="0"/>
+              <a:t>    ; REGISTER_USER = replace-schema</a:t>
+            </a:r>
+          </a:p>
+          <a:p>
+            <a:pPr lvl="2">
+              <a:buNone/>
+            </a:pPr>
+            <a:r>
+              <a:rPr lang="en-US" altLang="ja-JP" dirty="0" smtClean="0"/>
+              <a:t>    ; …</a:t>
+            </a:r>
+          </a:p>
+          <a:p>
+            <a:pPr lvl="2">
+              <a:buNone/>
+            </a:pPr>
+            <a:r>
+              <a:rPr lang="en-US" altLang="ja-JP" dirty="0" smtClean="0"/>
+              <a:t>}</a:t>
+            </a:r>
+            <a:endParaRPr lang="en-US" altLang="ja-JP" dirty="0" smtClean="0"/>
+          </a:p>
+          <a:p>
+            <a:pPr lvl="1">
+              <a:buAutoNum type="arabicPeriod"/>
+            </a:pPr>
+            <a:r>
+              <a:rPr lang="ja-JP" altLang="en-US" dirty="0" smtClean="0"/>
+              <a:t>データにカラム定義がなくても設定の固定値が登録される</a:t>
+            </a:r>
+            <a:endParaRPr lang="en-US" altLang="ja-JP" dirty="0" smtClean="0"/>
+          </a:p>
+          <a:p>
+            <a:pPr lvl="2">
+              <a:buNone/>
+            </a:pPr>
+            <a:endParaRPr lang="en-US" altLang="ja-JP" dirty="0" smtClean="0"/>
+          </a:p>
+        </p:txBody>
+      </p:sp>
+      <p:sp>
+        <p:nvSpPr>
+          <p:cNvPr id="4" name="フッター プレースホルダ 3"/>
+          <p:cNvSpPr>
+            <a:spLocks noGrp="1"/>
+          </p:cNvSpPr>
+          <p:nvPr>
+            <p:ph type="ftr" sz="quarter" idx="11"/>
+          </p:nvPr>
+        </p:nvSpPr>
+        <p:spPr/>
+        <p:txBody>
+          <a:bodyPr/>
+          <a:lstStyle/>
+          <a:p>
+            <a:r>
+              <a:rPr lang="en-US" altLang="ja-JP" smtClean="0"/>
+              <a:t>Seasar Conference 2008 Autumn</a:t>
+            </a:r>
+            <a:endParaRPr lang="ja-JP" altLang="en-US"/>
+          </a:p>
+        </p:txBody>
+      </p:sp>
+      <p:sp>
+        <p:nvSpPr>
+          <p:cNvPr id="5" name="テキスト ボックス 4"/>
+          <p:cNvSpPr txBox="1"/>
+          <p:nvPr/>
+        </p:nvSpPr>
+        <p:spPr>
+          <a:xfrm>
+            <a:off x="5562599" y="3505200"/>
+            <a:ext cx="2665413" cy="307777"/>
+          </a:xfrm>
+          <a:prstGeom prst="rect">
+            <a:avLst/>
+          </a:prstGeom>
+          <a:noFill/>
+          <a:ln>
+            <a:gradFill flip="none" rotWithShape="1">
+              <a:gsLst>
+                <a:gs pos="0">
+                  <a:schemeClr val="bg2"/>
+                </a:gs>
+                <a:gs pos="100000">
+                  <a:srgbClr val="000000"/>
+                </a:gs>
+              </a:gsLst>
+              <a:path path="rect">
+                <a:fillToRect l="100000" t="100000"/>
+              </a:path>
+              <a:tileRect r="-100000" b="-100000"/>
+            </a:gradFill>
+            <a:prstDash val="dashDot"/>
+          </a:ln>
+        </p:spPr>
+        <p:txBody>
+          <a:bodyPr wrap="square" rtlCol="0">
+            <a:spAutoFit/>
+          </a:bodyPr>
+          <a:lstStyle/>
+          <a:p>
+            <a:r>
+              <a:rPr kumimoji="1" lang="ja-JP" altLang="en-US" sz="1400" dirty="0" smtClean="0"/>
+              <a:t>実行時の現在日時が登録される</a:t>
+            </a:r>
+            <a:endParaRPr kumimoji="1" lang="ja-JP" altLang="en-US" sz="1400" dirty="0"/>
+          </a:p>
+        </p:txBody>
+      </p:sp>
+      <p:sp>
+        <p:nvSpPr>
+          <p:cNvPr id="6" name="テキスト ボックス 5"/>
+          <p:cNvSpPr txBox="1"/>
+          <p:nvPr/>
+        </p:nvSpPr>
+        <p:spPr>
+          <a:xfrm>
+            <a:off x="5562600" y="4651177"/>
+            <a:ext cx="3200400" cy="307777"/>
+          </a:xfrm>
+          <a:prstGeom prst="rect">
+            <a:avLst/>
+          </a:prstGeom>
+          <a:noFill/>
+          <a:ln>
+            <a:gradFill flip="none" rotWithShape="1">
+              <a:gsLst>
+                <a:gs pos="0">
+                  <a:schemeClr val="bg2"/>
+                </a:gs>
+                <a:gs pos="100000">
+                  <a:srgbClr val="000000"/>
+                </a:gs>
+              </a:gsLst>
+              <a:path path="rect">
+                <a:fillToRect l="100000" t="100000"/>
+              </a:path>
+              <a:tileRect r="-100000" b="-100000"/>
+            </a:gradFill>
+            <a:prstDash val="dashDot"/>
+          </a:ln>
+        </p:spPr>
+        <p:txBody>
+          <a:bodyPr wrap="square" rtlCol="0">
+            <a:spAutoFit/>
+          </a:bodyPr>
+          <a:lstStyle/>
+          <a:p>
+            <a:r>
+              <a:rPr kumimoji="1" lang="ja-JP" altLang="en-US" sz="1400" dirty="0" smtClean="0"/>
+              <a:t>「</a:t>
+            </a:r>
+            <a:r>
+              <a:rPr kumimoji="1" lang="en-US" altLang="ja-JP" sz="1400" dirty="0" smtClean="0"/>
+              <a:t>replace-</a:t>
+            </a:r>
+            <a:r>
+              <a:rPr lang="en-US" altLang="ja-JP" sz="1400" dirty="0" smtClean="0"/>
+              <a:t>schema</a:t>
+            </a:r>
+            <a:r>
+              <a:rPr kumimoji="1" lang="ja-JP" altLang="en-US" sz="1400" dirty="0" smtClean="0"/>
+              <a:t>」という値が登録される</a:t>
+            </a:r>
+            <a:endParaRPr kumimoji="1" lang="ja-JP" altLang="en-US" sz="1400" dirty="0"/>
+          </a:p>
+        </p:txBody>
+      </p:sp>
+      <p:cxnSp>
+        <p:nvCxnSpPr>
+          <p:cNvPr id="7" name="直線矢印コネクタ 6"/>
+          <p:cNvCxnSpPr>
+            <a:stCxn id="5" idx="1"/>
+          </p:cNvCxnSpPr>
+          <p:nvPr/>
+        </p:nvCxnSpPr>
+        <p:spPr>
+          <a:xfrm rot="10800000" flipV="1">
+            <a:off x="4953003" y="3659089"/>
+            <a:ext cx="609597" cy="379510"/>
+          </a:xfrm>
+          <a:prstGeom prst="straightConnector1">
+            <a:avLst/>
+          </a:prstGeom>
+          <a:ln w="12700" cmpd="sng">
+            <a:solidFill>
+              <a:schemeClr val="tx1">
+                <a:lumMod val="65000"/>
+                <a:lumOff val="35000"/>
+              </a:schemeClr>
+            </a:solidFill>
+            <a:tailEnd type="arrow"/>
+          </a:ln>
+        </p:spPr>
+        <p:style>
+          <a:lnRef idx="2">
+            <a:schemeClr val="accent1"/>
+          </a:lnRef>
+          <a:fillRef idx="0">
+            <a:schemeClr val="accent1"/>
+          </a:fillRef>
+          <a:effectRef idx="1">
+            <a:schemeClr val="accent1"/>
+          </a:effectRef>
+          <a:fontRef idx="minor">
+            <a:schemeClr val="tx1"/>
+          </a:fontRef>
+        </p:style>
+      </p:cxnSp>
+      <p:cxnSp>
+        <p:nvCxnSpPr>
+          <p:cNvPr id="9" name="直線矢印コネクタ 8"/>
+          <p:cNvCxnSpPr>
+            <a:stCxn id="6" idx="1"/>
+          </p:cNvCxnSpPr>
+          <p:nvPr/>
+        </p:nvCxnSpPr>
+        <p:spPr>
+          <a:xfrm rot="10800000">
+            <a:off x="5181600" y="4495800"/>
+            <a:ext cx="381000" cy="309266"/>
+          </a:xfrm>
+          <a:prstGeom prst="straightConnector1">
+            <a:avLst/>
+          </a:prstGeom>
+          <a:ln w="12700" cmpd="sng">
+            <a:solidFill>
+              <a:schemeClr val="tx1">
+                <a:lumMod val="65000"/>
+                <a:lumOff val="35000"/>
+              </a:schemeClr>
+            </a:solidFill>
+            <a:tailEnd type="arrow"/>
+          </a:ln>
+        </p:spPr>
+        <p:style>
+          <a:lnRef idx="2">
+            <a:schemeClr val="accent1"/>
+          </a:lnRef>
+          <a:fillRef idx="0">
+            <a:schemeClr val="accent1"/>
+          </a:fillRef>
+          <a:effectRef idx="1">
+            <a:schemeClr val="accent1"/>
+          </a:effectRef>
+          <a:fontRef idx="minor">
+            <a:schemeClr val="tx1"/>
+          </a:fontRef>
+        </p:style>
+      </p:cxnSp>
+      <p:sp>
+        <p:nvSpPr>
+          <p:cNvPr id="13" name="テキスト ボックス 12"/>
+          <p:cNvSpPr txBox="1"/>
+          <p:nvPr/>
+        </p:nvSpPr>
+        <p:spPr>
+          <a:xfrm>
+            <a:off x="6097587" y="2516088"/>
+            <a:ext cx="2665413" cy="307777"/>
+          </a:xfrm>
+          <a:prstGeom prst="rect">
+            <a:avLst/>
+          </a:prstGeom>
+          <a:noFill/>
+          <a:ln>
+            <a:gradFill flip="none" rotWithShape="1">
+              <a:gsLst>
+                <a:gs pos="0">
+                  <a:schemeClr val="bg2"/>
+                </a:gs>
+                <a:gs pos="100000">
+                  <a:srgbClr val="000000"/>
+                </a:gs>
+              </a:gsLst>
+              <a:path path="rect">
+                <a:fillToRect l="100000" t="100000"/>
+              </a:path>
+              <a:tileRect r="-100000" b="-100000"/>
+            </a:gradFill>
+            <a:prstDash val="dashDot"/>
+          </a:ln>
+        </p:spPr>
+        <p:txBody>
+          <a:bodyPr wrap="square" rtlCol="0">
+            <a:spAutoFit/>
+          </a:bodyPr>
+          <a:lstStyle/>
+          <a:p>
+            <a:r>
+              <a:rPr kumimoji="1" lang="ja-JP" altLang="en-US" sz="1400" dirty="0" smtClean="0"/>
+              <a:t>ファイルエンコーディングは</a:t>
+            </a:r>
+            <a:r>
+              <a:rPr kumimoji="1" lang="en-US" altLang="ja-JP" sz="1400" dirty="0" smtClean="0"/>
+              <a:t>UTF-8</a:t>
+            </a:r>
+            <a:endParaRPr kumimoji="1" lang="ja-JP" altLang="en-US" sz="1400" dirty="0"/>
+          </a:p>
+        </p:txBody>
+      </p:sp>
+      <p:cxnSp>
+        <p:nvCxnSpPr>
+          <p:cNvPr id="14" name="直線矢印コネクタ 13"/>
+          <p:cNvCxnSpPr>
+            <a:stCxn id="13" idx="2"/>
+          </p:cNvCxnSpPr>
+          <p:nvPr/>
+        </p:nvCxnSpPr>
+        <p:spPr>
+          <a:xfrm rot="5400000">
+            <a:off x="6954392" y="2727475"/>
+            <a:ext cx="379513" cy="572293"/>
+          </a:xfrm>
+          <a:prstGeom prst="straightConnector1">
+            <a:avLst/>
+          </a:prstGeom>
+          <a:ln w="12700" cmpd="sng">
+            <a:solidFill>
+              <a:schemeClr val="tx1">
+                <a:lumMod val="65000"/>
+                <a:lumOff val="35000"/>
+              </a:schemeClr>
+            </a:solidFill>
+            <a:tailEnd type="arrow"/>
+          </a:ln>
+        </p:spPr>
+        <p:style>
+          <a:lnRef idx="2">
+            <a:schemeClr val="accent1"/>
+          </a:lnRef>
+          <a:fillRef idx="0">
+            <a:schemeClr val="accent1"/>
+          </a:fillRef>
+          <a:effectRef idx="1">
+            <a:schemeClr val="accent1"/>
+          </a:effectRef>
+          <a:fontRef idx="minor">
+            <a:schemeClr val="tx1"/>
+          </a:fontRef>
+        </p:style>
+      </p:cxnSp>
+    </p:spTree>
+  </p:cSld>
+  <p:clrMapOvr>
+    <a:masterClrMapping/>
+  </p:clrMapOvr>
+</p:sld>
+</file>
+
+<file path=ppt/slides/slide28.xml><?xml version="1.0" encoding="utf-8"?>
+<p:sld xmlns:a="http://schemas.openxmlformats.org/drawingml/2006/main" xmlns:r="http://schemas.openxmlformats.org/officeDocument/2006/relationships" xmlns:mc="http://schemas.openxmlformats.org/markup-compatibility/2006" xmlns:mv="urn:schemas-microsoft-com:mac:vml" xmlns:p="http://schemas.openxmlformats.org/presentationml/2006/main" mc:Ignorable="mv" mc:PreserveAttributes="mv:*">
+  <p:cSld>
+    <p:spTree>
+      <p:nvGrpSpPr>
+        <p:cNvPr id="1" name=""/>
+        <p:cNvGrpSpPr/>
+        <p:nvPr/>
+      </p:nvGrpSpPr>
+      <p:grpSpPr>
+        <a:xfrm>
+          <a:off x="0" y="0"/>
+          <a:ext cx="0" cy="0"/>
+          <a:chOff x="0" y="0"/>
+          <a:chExt cx="0" cy="0"/>
+        </a:xfrm>
+      </p:grpSpPr>
+      <p:sp>
+        <p:nvSpPr>
+          <p:cNvPr id="2" name="タイトル 1"/>
+          <p:cNvSpPr>
+            <a:spLocks noGrp="1"/>
+          </p:cNvSpPr>
+          <p:nvPr>
+            <p:ph type="title"/>
+          </p:nvPr>
+        </p:nvSpPr>
+        <p:spPr>
+          <a:xfrm>
+            <a:off x="457200" y="503238"/>
+            <a:ext cx="8305800" cy="868362"/>
+          </a:xfrm>
+        </p:spPr>
+        <p:txBody>
+          <a:bodyPr/>
+          <a:lstStyle/>
+          <a:p>
+            <a:r>
+              <a:rPr lang="en-US" altLang="ja-JP" dirty="0" smtClean="0"/>
+              <a:t>[2]DDL</a:t>
+            </a:r>
+            <a:r>
+              <a:rPr lang="ja-JP" altLang="en-US" dirty="0" smtClean="0"/>
+              <a:t>＆データ</a:t>
+            </a:r>
+            <a:r>
+              <a:rPr lang="en-US" altLang="ja-JP" dirty="0" smtClean="0"/>
+              <a:t>:</a:t>
+            </a:r>
+            <a:br>
+              <a:rPr lang="en-US" altLang="ja-JP" dirty="0" smtClean="0"/>
+            </a:br>
+            <a:r>
+              <a:rPr lang="ja-JP" altLang="en-US" dirty="0" smtClean="0"/>
+              <a:t>データ登録</a:t>
+            </a:r>
+            <a:r>
+              <a:rPr lang="ja-JP" altLang="en-US" dirty="0" smtClean="0"/>
+              <a:t>の</a:t>
+            </a:r>
+            <a:r>
+              <a:rPr lang="ja-JP" altLang="en-US" dirty="0" smtClean="0"/>
+              <a:t>特徴</a:t>
+            </a:r>
+            <a:endParaRPr lang="ja-JP" altLang="en-US" dirty="0"/>
+          </a:p>
+        </p:txBody>
+      </p:sp>
+      <p:sp>
+        <p:nvSpPr>
+          <p:cNvPr id="3" name="コンテンツ プレースホルダ 2"/>
+          <p:cNvSpPr>
+            <a:spLocks noGrp="1"/>
+          </p:cNvSpPr>
+          <p:nvPr>
+            <p:ph idx="1"/>
+          </p:nvPr>
+        </p:nvSpPr>
+        <p:spPr/>
+        <p:txBody>
+          <a:bodyPr>
+            <a:normAutofit/>
+          </a:bodyPr>
+          <a:lstStyle/>
+          <a:p>
+            <a:endParaRPr lang="en-US" altLang="ja-JP" dirty="0" smtClean="0"/>
+          </a:p>
+          <a:p>
+            <a:r>
+              <a:rPr lang="ja-JP" altLang="en-US" dirty="0" smtClean="0"/>
+              <a:t>フェーズ毎のデータ管理</a:t>
+            </a:r>
+            <a:endParaRPr lang="en-US" altLang="ja-JP" dirty="0" smtClean="0"/>
+          </a:p>
+          <a:p>
+            <a:r>
+              <a:rPr lang="ja-JP" altLang="en-US" dirty="0" smtClean="0"/>
+              <a:t>データが編集しやすいエクセル管理</a:t>
+            </a:r>
+            <a:endParaRPr lang="en-US" altLang="ja-JP" dirty="0" smtClean="0"/>
+          </a:p>
+          <a:p>
+            <a:r>
+              <a:rPr lang="ja-JP" altLang="en-US" dirty="0" smtClean="0"/>
+              <a:t>実行ログが残る</a:t>
+            </a:r>
+            <a:endParaRPr lang="en-US" altLang="ja-JP" dirty="0" smtClean="0"/>
+          </a:p>
+          <a:p>
+            <a:pPr lvl="1"/>
+            <a:r>
+              <a:rPr lang="en-US" altLang="ja-JP" dirty="0" err="1" smtClean="0"/>
+              <a:t>DBFlute</a:t>
+            </a:r>
+            <a:r>
+              <a:rPr lang="ja-JP" altLang="en-US" dirty="0" smtClean="0"/>
+              <a:t>クライアント</a:t>
+            </a:r>
+            <a:r>
+              <a:rPr lang="en-US" altLang="ja-JP" dirty="0" smtClean="0"/>
+              <a:t>/logs/</a:t>
+            </a:r>
+            <a:r>
+              <a:rPr lang="en-US" altLang="ja-JP" dirty="0" err="1" smtClean="0"/>
+              <a:t>dbflute.log</a:t>
+            </a:r>
+            <a:endParaRPr lang="en-US" altLang="ja-JP" dirty="0" smtClean="0"/>
+          </a:p>
+        </p:txBody>
+      </p:sp>
+      <p:sp>
+        <p:nvSpPr>
+          <p:cNvPr id="4" name="フッター プレースホルダ 3"/>
+          <p:cNvSpPr>
+            <a:spLocks noGrp="1"/>
+          </p:cNvSpPr>
+          <p:nvPr>
+            <p:ph type="ftr" sz="quarter" idx="11"/>
+          </p:nvPr>
+        </p:nvSpPr>
+        <p:spPr/>
+        <p:txBody>
+          <a:bodyPr/>
+          <a:lstStyle/>
+          <a:p>
+            <a:r>
+              <a:rPr lang="en-US" altLang="ja-JP" smtClean="0"/>
+              <a:t>Seasar Conference 2008 Autumn</a:t>
+            </a:r>
+            <a:endParaRPr lang="ja-JP" altLang="en-US"/>
+          </a:p>
+        </p:txBody>
+      </p:sp>
+    </p:spTree>
+  </p:cSld>
+  <p:clrMapOvr>
+    <a:masterClrMapping/>
+  </p:clrMapOvr>
+</p:sld>
+</file>
+
+<file path=ppt/slides/slide29.xml><?xml version="1.0" encoding="utf-8"?>
 <p:sld xmlns:a="http://schemas.openxmlformats.org/drawingml/2006/main" xmlns:r="http://schemas.openxmlformats.org/officeDocument/2006/relationships" xmlns:mc="http://schemas.openxmlformats.org/markup-compatibility/2006" xmlns:mv="urn:schemas-microsoft-com:mac:vml" xmlns:p="http://schemas.openxmlformats.org/presentationml/2006/main" mc:Ignorable="mv" mc:PreserveAttributes="mv:*">
   <p:cSld>
     <p:spTree>
@@ -11835,766 +16622,6 @@
           <a:noFill/>
         </p:spPr>
       </p:pic>
-    </p:spTree>
-  </p:cSld>
-  <p:clrMapOvr>
-    <a:masterClrMapping/>
-  </p:clrMapOvr>
-</p:sld>
-</file>
-
-<file path=ppt/slides/slide21.xml><?xml version="1.0" encoding="utf-8"?>
-<p:sld xmlns:a="http://schemas.openxmlformats.org/drawingml/2006/main" xmlns:r="http://schemas.openxmlformats.org/officeDocument/2006/relationships" xmlns:mc="http://schemas.openxmlformats.org/markup-compatibility/2006" xmlns:mv="urn:schemas-microsoft-com:mac:vml" xmlns:p="http://schemas.openxmlformats.org/presentationml/2006/main" mc:Ignorable="mv" mc:PreserveAttributes="mv:*">
-  <p:cSld>
-    <p:spTree>
-      <p:nvGrpSpPr>
-        <p:cNvPr id="1" name=""/>
-        <p:cNvGrpSpPr/>
-        <p:nvPr/>
-      </p:nvGrpSpPr>
-      <p:grpSpPr>
-        <a:xfrm>
-          <a:off x="0" y="0"/>
-          <a:ext cx="0" cy="0"/>
-          <a:chOff x="0" y="0"/>
-          <a:chExt cx="0" cy="0"/>
-        </a:xfrm>
-      </p:grpSpPr>
-      <p:sp>
-        <p:nvSpPr>
-          <p:cNvPr id="2" name="タイトル 1"/>
-          <p:cNvSpPr>
-            <a:spLocks noGrp="1"/>
-          </p:cNvSpPr>
-          <p:nvPr>
-            <p:ph type="title"/>
-          </p:nvPr>
-        </p:nvSpPr>
-        <p:spPr/>
-        <p:txBody>
-          <a:bodyPr/>
-          <a:lstStyle/>
-          <a:p>
-            <a:r>
-              <a:rPr lang="en-US" altLang="ja-JP" dirty="0" smtClean="0"/>
-              <a:t>[3]</a:t>
-            </a:r>
-            <a:r>
-              <a:rPr lang="ja-JP" altLang="en-US" dirty="0" smtClean="0"/>
-              <a:t>別なんとか</a:t>
-            </a:r>
-            <a:r>
-              <a:rPr lang="en-US" altLang="ja-JP" dirty="0" smtClean="0"/>
-              <a:t>:</a:t>
-            </a:r>
-            <a:r>
-              <a:rPr lang="ja-JP" altLang="en-US" dirty="0" smtClean="0"/>
-              <a:t>悩み詳細</a:t>
-            </a:r>
-            <a:endParaRPr lang="ja-JP" altLang="en-US" dirty="0"/>
-          </a:p>
-        </p:txBody>
-      </p:sp>
-      <p:sp>
-        <p:nvSpPr>
-          <p:cNvPr id="3" name="コンテンツ プレースホルダ 2"/>
-          <p:cNvSpPr>
-            <a:spLocks noGrp="1"/>
-          </p:cNvSpPr>
-          <p:nvPr>
-            <p:ph idx="1"/>
-          </p:nvPr>
-        </p:nvSpPr>
-        <p:spPr/>
-        <p:txBody>
-          <a:bodyPr/>
-          <a:lstStyle/>
-          <a:p>
-            <a:endParaRPr lang="en-US" altLang="ja-JP" dirty="0" smtClean="0"/>
-          </a:p>
-          <a:p>
-            <a:r>
-              <a:rPr lang="en-US" altLang="ja-JP" dirty="0" smtClean="0"/>
-              <a:t>C#</a:t>
-            </a:r>
-            <a:r>
-              <a:rPr lang="ja-JP" altLang="en-US" dirty="0" smtClean="0"/>
-              <a:t>の仕事が増えてきた</a:t>
-            </a:r>
-            <a:endParaRPr lang="en-US" altLang="ja-JP" dirty="0" smtClean="0"/>
-          </a:p>
-          <a:p>
-            <a:pPr lvl="1"/>
-            <a:r>
-              <a:rPr lang="ja-JP" altLang="en-US" dirty="0" smtClean="0"/>
-              <a:t>言語が変わればフレームワークも変わる</a:t>
-            </a:r>
-            <a:endParaRPr lang="en-US" altLang="ja-JP" dirty="0" smtClean="0"/>
-          </a:p>
-          <a:p>
-            <a:r>
-              <a:rPr lang="en-US" altLang="ja-JP" dirty="0" smtClean="0"/>
-              <a:t>Spring Framework</a:t>
-            </a:r>
-            <a:r>
-              <a:rPr lang="ja-JP" altLang="en-US" dirty="0" smtClean="0"/>
-              <a:t>が前提の仕事もある</a:t>
-            </a:r>
-            <a:endParaRPr lang="en-US" altLang="ja-JP" dirty="0" smtClean="0"/>
-          </a:p>
-          <a:p>
-            <a:pPr lvl="1"/>
-            <a:r>
-              <a:rPr lang="en-US" altLang="ja-JP" dirty="0" smtClean="0"/>
-              <a:t>DI</a:t>
-            </a:r>
-            <a:r>
-              <a:rPr lang="ja-JP" altLang="en-US" dirty="0" smtClean="0"/>
-              <a:t>コンテナが変わればフレームワークも変わる</a:t>
-            </a:r>
-            <a:endParaRPr lang="en-US" altLang="ja-JP" dirty="0" smtClean="0"/>
-          </a:p>
-        </p:txBody>
-      </p:sp>
-      <p:sp>
-        <p:nvSpPr>
-          <p:cNvPr id="4" name="フッター プレースホルダ 3"/>
-          <p:cNvSpPr>
-            <a:spLocks noGrp="1"/>
-          </p:cNvSpPr>
-          <p:nvPr>
-            <p:ph type="ftr" sz="quarter" idx="11"/>
-          </p:nvPr>
-        </p:nvSpPr>
-        <p:spPr/>
-        <p:txBody>
-          <a:bodyPr/>
-          <a:lstStyle/>
-          <a:p>
-            <a:r>
-              <a:rPr lang="en-US" altLang="ja-JP" smtClean="0"/>
-              <a:t>Seasar Conference 2008 Autumn</a:t>
-            </a:r>
-            <a:endParaRPr lang="ja-JP" altLang="en-US"/>
-          </a:p>
-        </p:txBody>
-      </p:sp>
-      <p:sp useBgFill="1">
-        <p:nvSpPr>
-          <p:cNvPr id="6" name="円形吹き出し 5"/>
-          <p:cNvSpPr/>
-          <p:nvPr/>
-        </p:nvSpPr>
-        <p:spPr>
-          <a:xfrm>
-            <a:off x="914400" y="4572001"/>
-            <a:ext cx="5562600" cy="1165154"/>
-          </a:xfrm>
-          <a:prstGeom prst="wedgeEllipseCallout">
-            <a:avLst>
-              <a:gd name="adj1" fmla="val 54884"/>
-              <a:gd name="adj2" fmla="val 16841"/>
-            </a:avLst>
-          </a:prstGeom>
-          <a:ln>
-            <a:solidFill>
-              <a:schemeClr val="tx1">
-                <a:lumMod val="50000"/>
-                <a:lumOff val="50000"/>
-              </a:schemeClr>
-            </a:solidFill>
-          </a:ln>
-          <a:effectLst/>
-        </p:spPr>
-        <p:style>
-          <a:lnRef idx="1">
-            <a:schemeClr val="accent1"/>
-          </a:lnRef>
-          <a:fillRef idx="3">
-            <a:schemeClr val="accent1"/>
-          </a:fillRef>
-          <a:effectRef idx="2">
-            <a:schemeClr val="accent1"/>
-          </a:effectRef>
-          <a:fontRef idx="minor">
-            <a:schemeClr val="lt1"/>
-          </a:fontRef>
-        </p:style>
-        <p:txBody>
-          <a:bodyPr rtlCol="0" anchor="ctr"/>
-          <a:lstStyle/>
-          <a:p>
-            <a:r>
-              <a:rPr lang="ja-JP" altLang="en-US" dirty="0" smtClean="0">
-                <a:solidFill>
-                  <a:srgbClr val="000000"/>
-                </a:solidFill>
-              </a:rPr>
-              <a:t>別のプロジェクトに行きたくない。。。</a:t>
-            </a:r>
-            <a:endParaRPr lang="en-US" altLang="ja-JP" dirty="0" smtClean="0">
-              <a:solidFill>
-                <a:srgbClr val="000000"/>
-              </a:solidFill>
-            </a:endParaRPr>
-          </a:p>
-          <a:p>
-            <a:r>
-              <a:rPr lang="ja-JP" altLang="en-US" dirty="0" smtClean="0">
-                <a:solidFill>
-                  <a:srgbClr val="000000"/>
-                </a:solidFill>
-              </a:rPr>
-              <a:t>残して！今のプロジェクトに残してー！</a:t>
-            </a:r>
-            <a:endParaRPr lang="en-US" altLang="ja-JP" dirty="0">
-              <a:solidFill>
-                <a:srgbClr val="000000"/>
-              </a:solidFill>
-            </a:endParaRPr>
-          </a:p>
-        </p:txBody>
-      </p:sp>
-      <p:pic>
-        <p:nvPicPr>
-          <p:cNvPr id="7" name="Picture 5" descr="MPj04015610000[1]"/>
-          <p:cNvPicPr>
-            <a:picLocks noChangeAspect="1" noChangeArrowheads="1"/>
-          </p:cNvPicPr>
-          <p:nvPr/>
-        </p:nvPicPr>
-        <p:blipFill>
-          <a:blip r:embed="rId2"/>
-          <a:srcRect/>
-          <a:stretch>
-            <a:fillRect/>
-          </a:stretch>
-        </p:blipFill>
-        <p:spPr bwMode="auto">
-          <a:xfrm>
-            <a:off x="6781800" y="4784655"/>
-            <a:ext cx="1998662" cy="1331983"/>
-          </a:xfrm>
-          <a:prstGeom prst="rect">
-            <a:avLst/>
-          </a:prstGeom>
-          <a:noFill/>
-        </p:spPr>
-      </p:pic>
-    </p:spTree>
-  </p:cSld>
-  <p:clrMapOvr>
-    <a:masterClrMapping/>
-  </p:clrMapOvr>
-</p:sld>
-</file>
-
-<file path=ppt/slides/slide22.xml><?xml version="1.0" encoding="utf-8"?>
-<p:sld xmlns:a="http://schemas.openxmlformats.org/drawingml/2006/main" xmlns:r="http://schemas.openxmlformats.org/officeDocument/2006/relationships" xmlns:mc="http://schemas.openxmlformats.org/markup-compatibility/2006" xmlns:mv="urn:schemas-microsoft-com:mac:vml" xmlns:p="http://schemas.openxmlformats.org/presentationml/2006/main" mc:Ignorable="mv" mc:PreserveAttributes="mv:*">
-  <p:cSld>
-    <p:spTree>
-      <p:nvGrpSpPr>
-        <p:cNvPr id="1" name=""/>
-        <p:cNvGrpSpPr/>
-        <p:nvPr/>
-      </p:nvGrpSpPr>
-      <p:grpSpPr>
-        <a:xfrm>
-          <a:off x="0" y="0"/>
-          <a:ext cx="0" cy="0"/>
-          <a:chOff x="0" y="0"/>
-          <a:chExt cx="0" cy="0"/>
-        </a:xfrm>
-      </p:grpSpPr>
-      <p:sp>
-        <p:nvSpPr>
-          <p:cNvPr id="2" name="タイトル 1"/>
-          <p:cNvSpPr>
-            <a:spLocks noGrp="1"/>
-          </p:cNvSpPr>
-          <p:nvPr>
-            <p:ph type="title"/>
-          </p:nvPr>
-        </p:nvSpPr>
-        <p:spPr/>
-        <p:txBody>
-          <a:bodyPr/>
-          <a:lstStyle/>
-          <a:p>
-            <a:r>
-              <a:rPr lang="en-US" altLang="ja-JP" dirty="0" smtClean="0"/>
-              <a:t>[3]</a:t>
-            </a:r>
-            <a:r>
-              <a:rPr lang="ja-JP" altLang="en-US" dirty="0" smtClean="0"/>
-              <a:t>別なんとか</a:t>
-            </a:r>
-            <a:r>
-              <a:rPr lang="en-US" altLang="ja-JP" dirty="0" smtClean="0"/>
-              <a:t>:</a:t>
-            </a:r>
-            <a:r>
-              <a:rPr lang="en-US" altLang="ja-JP" dirty="0" err="1" smtClean="0"/>
-              <a:t>DBFlute</a:t>
-            </a:r>
-            <a:r>
-              <a:rPr lang="ja-JP" altLang="en-US" dirty="0" smtClean="0"/>
-              <a:t>なら</a:t>
-            </a:r>
-            <a:endParaRPr lang="ja-JP" altLang="en-US" dirty="0"/>
-          </a:p>
-        </p:txBody>
-      </p:sp>
-      <p:sp>
-        <p:nvSpPr>
-          <p:cNvPr id="3" name="コンテンツ プレースホルダ 2"/>
-          <p:cNvSpPr>
-            <a:spLocks noGrp="1"/>
-          </p:cNvSpPr>
-          <p:nvPr>
-            <p:ph idx="1"/>
-          </p:nvPr>
-        </p:nvSpPr>
-        <p:spPr/>
-        <p:txBody>
-          <a:bodyPr>
-            <a:normAutofit/>
-          </a:bodyPr>
-          <a:lstStyle/>
-          <a:p>
-            <a:pPr algn="ctr"/>
-            <a:endParaRPr lang="en-US" altLang="ja-JP" sz="4400" dirty="0" smtClean="0"/>
-          </a:p>
-          <a:p>
-            <a:pPr algn="ctr">
-              <a:buNone/>
-            </a:pPr>
-            <a:r>
-              <a:rPr lang="en-US" altLang="ja-JP" sz="4400" dirty="0" err="1" smtClean="0"/>
-              <a:t>DBFlute</a:t>
-            </a:r>
-            <a:r>
-              <a:rPr lang="ja-JP" altLang="en-US" sz="4400" dirty="0" smtClean="0"/>
-              <a:t>なら</a:t>
-            </a:r>
-            <a:r>
-              <a:rPr lang="en-US" altLang="ja-JP" sz="4400" dirty="0" smtClean="0"/>
-              <a:t>…</a:t>
-            </a:r>
-          </a:p>
-        </p:txBody>
-      </p:sp>
-      <p:sp>
-        <p:nvSpPr>
-          <p:cNvPr id="5" name="フッター プレースホルダ 4"/>
-          <p:cNvSpPr>
-            <a:spLocks noGrp="1"/>
-          </p:cNvSpPr>
-          <p:nvPr>
-            <p:ph type="ftr" sz="quarter" idx="11"/>
-          </p:nvPr>
-        </p:nvSpPr>
-        <p:spPr/>
-        <p:txBody>
-          <a:bodyPr/>
-          <a:lstStyle/>
-          <a:p>
-            <a:r>
-              <a:rPr lang="en-US" altLang="ja-JP" smtClean="0"/>
-              <a:t>Seasar Conference 2008 Autumn</a:t>
-            </a:r>
-            <a:endParaRPr lang="ja-JP" altLang="en-US"/>
-          </a:p>
-        </p:txBody>
-      </p:sp>
-    </p:spTree>
-  </p:cSld>
-  <p:clrMapOvr>
-    <a:masterClrMapping/>
-  </p:clrMapOvr>
-</p:sld>
-</file>
-
-<file path=ppt/slides/slide23.xml><?xml version="1.0" encoding="utf-8"?>
-<p:sld xmlns:a="http://schemas.openxmlformats.org/drawingml/2006/main" xmlns:r="http://schemas.openxmlformats.org/officeDocument/2006/relationships" xmlns:mc="http://schemas.openxmlformats.org/markup-compatibility/2006" xmlns:mv="urn:schemas-microsoft-com:mac:vml" xmlns:p="http://schemas.openxmlformats.org/presentationml/2006/main" mc:Ignorable="mv" mc:PreserveAttributes="mv:*">
-  <p:cSld>
-    <p:spTree>
-      <p:nvGrpSpPr>
-        <p:cNvPr id="1" name=""/>
-        <p:cNvGrpSpPr/>
-        <p:nvPr/>
-      </p:nvGrpSpPr>
-      <p:grpSpPr>
-        <a:xfrm>
-          <a:off x="0" y="0"/>
-          <a:ext cx="0" cy="0"/>
-          <a:chOff x="0" y="0"/>
-          <a:chExt cx="0" cy="0"/>
-        </a:xfrm>
-      </p:grpSpPr>
-      <p:sp>
-        <p:nvSpPr>
-          <p:cNvPr id="2" name="タイトル 1"/>
-          <p:cNvSpPr>
-            <a:spLocks noGrp="1"/>
-          </p:cNvSpPr>
-          <p:nvPr>
-            <p:ph type="title"/>
-          </p:nvPr>
-        </p:nvSpPr>
-        <p:spPr>
-          <a:xfrm>
-            <a:off x="457200" y="503238"/>
-            <a:ext cx="8382000" cy="868362"/>
-          </a:xfrm>
-        </p:spPr>
-        <p:txBody>
-          <a:bodyPr/>
-          <a:lstStyle/>
-          <a:p>
-            <a:r>
-              <a:rPr lang="en-US" altLang="ja-JP" dirty="0" smtClean="0"/>
-              <a:t>[3]</a:t>
-            </a:r>
-            <a:r>
-              <a:rPr lang="ja-JP" altLang="en-US" dirty="0" smtClean="0"/>
-              <a:t>別なんとか</a:t>
-            </a:r>
-            <a:r>
-              <a:rPr lang="en-US" altLang="ja-JP" dirty="0" smtClean="0"/>
-              <a:t>:</a:t>
-            </a:r>
-            <a:r>
-              <a:rPr lang="ja-JP" altLang="en-US" dirty="0" smtClean="0"/>
-              <a:t>別言語・別コンテナ</a:t>
-            </a:r>
-            <a:endParaRPr lang="ja-JP" altLang="en-US" dirty="0"/>
-          </a:p>
-        </p:txBody>
-      </p:sp>
-      <p:sp>
-        <p:nvSpPr>
-          <p:cNvPr id="3" name="コンテンツ プレースホルダ 2"/>
-          <p:cNvSpPr>
-            <a:spLocks noGrp="1"/>
-          </p:cNvSpPr>
-          <p:nvPr>
-            <p:ph idx="1"/>
-          </p:nvPr>
-        </p:nvSpPr>
-        <p:spPr/>
-        <p:txBody>
-          <a:bodyPr>
-            <a:normAutofit fontScale="92500" lnSpcReduction="10000"/>
-          </a:bodyPr>
-          <a:lstStyle/>
-          <a:p>
-            <a:pPr algn="ctr"/>
-            <a:endParaRPr lang="en-US" altLang="ja-JP" sz="4400" dirty="0" smtClean="0"/>
-          </a:p>
-          <a:p>
-            <a:pPr algn="ctr">
-              <a:buNone/>
-            </a:pPr>
-            <a:r>
-              <a:rPr lang="en-US" altLang="ja-JP" sz="4400" dirty="0" smtClean="0"/>
-              <a:t>C#</a:t>
-            </a:r>
-            <a:r>
-              <a:rPr lang="ja-JP" altLang="en-US" sz="4400" dirty="0" smtClean="0"/>
-              <a:t>版の</a:t>
-            </a:r>
-            <a:r>
-              <a:rPr lang="en-US" altLang="ja-JP" sz="4400" dirty="0" err="1" smtClean="0"/>
-              <a:t>DBFlute</a:t>
-            </a:r>
-            <a:r>
-              <a:rPr lang="en-US" altLang="ja-JP" sz="4400" dirty="0" smtClean="0"/>
-              <a:t>!</a:t>
-            </a:r>
-          </a:p>
-          <a:p>
-            <a:pPr algn="ctr">
-              <a:buNone/>
-            </a:pPr>
-            <a:r>
-              <a:rPr lang="en-US" altLang="ja-JP" sz="4400" dirty="0" smtClean="0"/>
-              <a:t>Spring</a:t>
-            </a:r>
-            <a:r>
-              <a:rPr lang="ja-JP" altLang="en-US" sz="4400" dirty="0" smtClean="0"/>
-              <a:t>版の</a:t>
-            </a:r>
-            <a:r>
-              <a:rPr lang="en-US" altLang="ja-JP" sz="4400" dirty="0" err="1" smtClean="0"/>
-              <a:t>DBFlute</a:t>
-            </a:r>
-            <a:r>
-              <a:rPr lang="en-US" altLang="ja-JP" sz="4400" dirty="0" smtClean="0"/>
-              <a:t>!</a:t>
-            </a:r>
-          </a:p>
-          <a:p>
-            <a:pPr algn="ctr">
-              <a:buNone/>
-            </a:pPr>
-            <a:endParaRPr lang="en-US" altLang="ja-JP" sz="4400" dirty="0" smtClean="0"/>
-          </a:p>
-          <a:p>
-            <a:pPr algn="ctr">
-              <a:buNone/>
-            </a:pPr>
-            <a:r>
-              <a:rPr lang="ja-JP" altLang="en-US" sz="4400" dirty="0" smtClean="0"/>
-              <a:t>詳細は本番当日にて！</a:t>
-            </a:r>
-            <a:endParaRPr lang="en-US" altLang="ja-JP" sz="4400" dirty="0" smtClean="0"/>
-          </a:p>
-        </p:txBody>
-      </p:sp>
-      <p:sp>
-        <p:nvSpPr>
-          <p:cNvPr id="5" name="フッター プレースホルダ 4"/>
-          <p:cNvSpPr>
-            <a:spLocks noGrp="1"/>
-          </p:cNvSpPr>
-          <p:nvPr>
-            <p:ph type="ftr" sz="quarter" idx="11"/>
-          </p:nvPr>
-        </p:nvSpPr>
-        <p:spPr/>
-        <p:txBody>
-          <a:bodyPr/>
-          <a:lstStyle/>
-          <a:p>
-            <a:r>
-              <a:rPr lang="en-US" altLang="ja-JP" smtClean="0"/>
-              <a:t>Seasar Conference 2008 Autumn</a:t>
-            </a:r>
-            <a:endParaRPr lang="ja-JP" altLang="en-US"/>
-          </a:p>
-        </p:txBody>
-      </p:sp>
-    </p:spTree>
-  </p:cSld>
-  <p:clrMapOvr>
-    <a:masterClrMapping/>
-  </p:clrMapOvr>
-</p:sld>
-</file>
-
-<file path=ppt/slides/slide24.xml><?xml version="1.0" encoding="utf-8"?>
-<p:sld xmlns:a="http://schemas.openxmlformats.org/drawingml/2006/main" xmlns:r="http://schemas.openxmlformats.org/officeDocument/2006/relationships" xmlns:mc="http://schemas.openxmlformats.org/markup-compatibility/2006" xmlns:mv="urn:schemas-microsoft-com:mac:vml" xmlns:p="http://schemas.openxmlformats.org/presentationml/2006/main" mc:Ignorable="mv" mc:PreserveAttributes="mv:*">
-  <p:cSld>
-    <p:spTree>
-      <p:nvGrpSpPr>
-        <p:cNvPr id="1" name=""/>
-        <p:cNvGrpSpPr/>
-        <p:nvPr/>
-      </p:nvGrpSpPr>
-      <p:grpSpPr>
-        <a:xfrm>
-          <a:off x="0" y="0"/>
-          <a:ext cx="0" cy="0"/>
-          <a:chOff x="0" y="0"/>
-          <a:chExt cx="0" cy="0"/>
-        </a:xfrm>
-      </p:grpSpPr>
-      <p:sp>
-        <p:nvSpPr>
-          <p:cNvPr id="2" name="タイトル 1"/>
-          <p:cNvSpPr>
-            <a:spLocks noGrp="1"/>
-          </p:cNvSpPr>
-          <p:nvPr>
-            <p:ph type="title"/>
-          </p:nvPr>
-        </p:nvSpPr>
-        <p:spPr/>
-        <p:txBody>
-          <a:bodyPr/>
-          <a:lstStyle/>
-          <a:p>
-            <a:r>
-              <a:rPr lang="en-US" altLang="ja-JP" dirty="0" err="1" smtClean="0"/>
-              <a:t>DBFlute</a:t>
-            </a:r>
-            <a:r>
-              <a:rPr lang="ja-JP" altLang="en-US" dirty="0" smtClean="0"/>
-              <a:t>今後の展望</a:t>
-            </a:r>
-            <a:endParaRPr lang="ja-JP" altLang="en-US" dirty="0"/>
-          </a:p>
-        </p:txBody>
-      </p:sp>
-      <p:sp>
-        <p:nvSpPr>
-          <p:cNvPr id="3" name="コンテンツ プレースホルダ 2"/>
-          <p:cNvSpPr>
-            <a:spLocks noGrp="1"/>
-          </p:cNvSpPr>
-          <p:nvPr>
-            <p:ph idx="1"/>
-          </p:nvPr>
-        </p:nvSpPr>
-        <p:spPr/>
-        <p:txBody>
-          <a:bodyPr>
-            <a:normAutofit/>
-          </a:bodyPr>
-          <a:lstStyle/>
-          <a:p>
-            <a:pPr algn="ctr">
-              <a:buNone/>
-            </a:pPr>
-            <a:endParaRPr lang="en-US" altLang="ja-JP" sz="4400" dirty="0" smtClean="0"/>
-          </a:p>
-          <a:p>
-            <a:pPr algn="ctr">
-              <a:buNone/>
-            </a:pPr>
-            <a:r>
-              <a:rPr lang="ja-JP" altLang="en-US" sz="4400" dirty="0" smtClean="0"/>
-              <a:t>詳細は本番当日にて！</a:t>
-            </a:r>
-            <a:endParaRPr lang="en-US" altLang="ja-JP" sz="4400" dirty="0" smtClean="0"/>
-          </a:p>
-          <a:p>
-            <a:pPr algn="ctr">
-              <a:buNone/>
-            </a:pPr>
-            <a:endParaRPr lang="ja-JP" altLang="en-US" sz="4400" dirty="0"/>
-          </a:p>
-        </p:txBody>
-      </p:sp>
-      <p:sp>
-        <p:nvSpPr>
-          <p:cNvPr id="4" name="フッター プレースホルダ 3"/>
-          <p:cNvSpPr>
-            <a:spLocks noGrp="1"/>
-          </p:cNvSpPr>
-          <p:nvPr>
-            <p:ph type="ftr" sz="quarter" idx="11"/>
-          </p:nvPr>
-        </p:nvSpPr>
-        <p:spPr/>
-        <p:txBody>
-          <a:bodyPr/>
-          <a:lstStyle/>
-          <a:p>
-            <a:r>
-              <a:rPr lang="en-US" altLang="ja-JP" smtClean="0"/>
-              <a:t>Seasar Conference 2008 Autumn</a:t>
-            </a:r>
-            <a:endParaRPr lang="ja-JP" altLang="en-US"/>
-          </a:p>
-        </p:txBody>
-      </p:sp>
-    </p:spTree>
-  </p:cSld>
-  <p:clrMapOvr>
-    <a:masterClrMapping/>
-  </p:clrMapOvr>
-</p:sld>
-</file>
-
-<file path=ppt/slides/slide25.xml><?xml version="1.0" encoding="utf-8"?>
-<p:sld xmlns:a="http://schemas.openxmlformats.org/drawingml/2006/main" xmlns:r="http://schemas.openxmlformats.org/officeDocument/2006/relationships" xmlns:mc="http://schemas.openxmlformats.org/markup-compatibility/2006" xmlns:mv="urn:schemas-microsoft-com:mac:vml" xmlns:p="http://schemas.openxmlformats.org/presentationml/2006/main" mc:Ignorable="mv" mc:PreserveAttributes="mv:*">
-  <p:cSld>
-    <p:spTree>
-      <p:nvGrpSpPr>
-        <p:cNvPr id="1" name=""/>
-        <p:cNvGrpSpPr/>
-        <p:nvPr/>
-      </p:nvGrpSpPr>
-      <p:grpSpPr>
-        <a:xfrm>
-          <a:off x="0" y="0"/>
-          <a:ext cx="0" cy="0"/>
-          <a:chOff x="0" y="0"/>
-          <a:chExt cx="0" cy="0"/>
-        </a:xfrm>
-      </p:grpSpPr>
-      <p:sp>
-        <p:nvSpPr>
-          <p:cNvPr id="2" name="タイトル 1"/>
-          <p:cNvSpPr>
-            <a:spLocks noGrp="1"/>
-          </p:cNvSpPr>
-          <p:nvPr>
-            <p:ph type="title"/>
-          </p:nvPr>
-        </p:nvSpPr>
-        <p:spPr/>
-        <p:txBody>
-          <a:bodyPr/>
-          <a:lstStyle/>
-          <a:p>
-            <a:r>
-              <a:rPr lang="ja-JP" altLang="en-US" dirty="0" smtClean="0"/>
-              <a:t>最後</a:t>
-            </a:r>
-            <a:endParaRPr lang="ja-JP" altLang="en-US" dirty="0"/>
-          </a:p>
-        </p:txBody>
-      </p:sp>
-      <p:sp>
-        <p:nvSpPr>
-          <p:cNvPr id="3" name="コンテンツ プレースホルダ 2"/>
-          <p:cNvSpPr>
-            <a:spLocks noGrp="1"/>
-          </p:cNvSpPr>
-          <p:nvPr>
-            <p:ph idx="1"/>
-          </p:nvPr>
-        </p:nvSpPr>
-        <p:spPr/>
-        <p:txBody>
-          <a:bodyPr>
-            <a:normAutofit/>
-          </a:bodyPr>
-          <a:lstStyle/>
-          <a:p>
-            <a:pPr algn="ctr">
-              <a:buNone/>
-            </a:pPr>
-            <a:endParaRPr lang="en-US" altLang="ja-JP" sz="4400" dirty="0" smtClean="0"/>
-          </a:p>
-          <a:p>
-            <a:pPr algn="ctr">
-              <a:buNone/>
-            </a:pPr>
-            <a:r>
-              <a:rPr lang="ja-JP" altLang="en-US" sz="4400" dirty="0" smtClean="0"/>
-              <a:t>ご清聴ありがとうございました</a:t>
-            </a:r>
-            <a:endParaRPr lang="ja-JP" altLang="en-US" sz="4400" dirty="0"/>
-          </a:p>
-        </p:txBody>
-      </p:sp>
-      <p:sp>
-        <p:nvSpPr>
-          <p:cNvPr id="4" name="フッター プレースホルダ 3"/>
-          <p:cNvSpPr>
-            <a:spLocks noGrp="1"/>
-          </p:cNvSpPr>
-          <p:nvPr>
-            <p:ph type="ftr" sz="quarter" idx="11"/>
-          </p:nvPr>
-        </p:nvSpPr>
-        <p:spPr/>
-        <p:txBody>
-          <a:bodyPr/>
-          <a:lstStyle/>
-          <a:p>
-            <a:r>
-              <a:rPr lang="en-US" altLang="ja-JP" smtClean="0"/>
-              <a:t>Seasar Conference 2008 Autumn</a:t>
-            </a:r>
-            <a:endParaRPr lang="ja-JP" altLang="en-US"/>
-          </a:p>
-        </p:txBody>
-      </p:sp>
     </p:spTree>
   </p:cSld>
   <p:clrMapOvr>
@@ -12729,6 +16756,766 @@
           <a:noFill/>
         </p:spPr>
       </p:pic>
+    </p:spTree>
+  </p:cSld>
+  <p:clrMapOvr>
+    <a:masterClrMapping/>
+  </p:clrMapOvr>
+</p:sld>
+</file>
+
+<file path=ppt/slides/slide30.xml><?xml version="1.0" encoding="utf-8"?>
+<p:sld xmlns:a="http://schemas.openxmlformats.org/drawingml/2006/main" xmlns:r="http://schemas.openxmlformats.org/officeDocument/2006/relationships" xmlns:mc="http://schemas.openxmlformats.org/markup-compatibility/2006" xmlns:mv="urn:schemas-microsoft-com:mac:vml" xmlns:p="http://schemas.openxmlformats.org/presentationml/2006/main" mc:Ignorable="mv" mc:PreserveAttributes="mv:*">
+  <p:cSld>
+    <p:spTree>
+      <p:nvGrpSpPr>
+        <p:cNvPr id="1" name=""/>
+        <p:cNvGrpSpPr/>
+        <p:nvPr/>
+      </p:nvGrpSpPr>
+      <p:grpSpPr>
+        <a:xfrm>
+          <a:off x="0" y="0"/>
+          <a:ext cx="0" cy="0"/>
+          <a:chOff x="0" y="0"/>
+          <a:chExt cx="0" cy="0"/>
+        </a:xfrm>
+      </p:grpSpPr>
+      <p:sp>
+        <p:nvSpPr>
+          <p:cNvPr id="2" name="タイトル 1"/>
+          <p:cNvSpPr>
+            <a:spLocks noGrp="1"/>
+          </p:cNvSpPr>
+          <p:nvPr>
+            <p:ph type="title"/>
+          </p:nvPr>
+        </p:nvSpPr>
+        <p:spPr/>
+        <p:txBody>
+          <a:bodyPr/>
+          <a:lstStyle/>
+          <a:p>
+            <a:r>
+              <a:rPr lang="en-US" altLang="ja-JP" dirty="0" smtClean="0"/>
+              <a:t>[3]</a:t>
+            </a:r>
+            <a:r>
+              <a:rPr lang="ja-JP" altLang="en-US" dirty="0" smtClean="0"/>
+              <a:t>別なんとか</a:t>
+            </a:r>
+            <a:r>
+              <a:rPr lang="en-US" altLang="ja-JP" dirty="0" smtClean="0"/>
+              <a:t>:</a:t>
+            </a:r>
+            <a:r>
+              <a:rPr lang="ja-JP" altLang="en-US" dirty="0" smtClean="0"/>
+              <a:t>悩み詳細</a:t>
+            </a:r>
+            <a:endParaRPr lang="ja-JP" altLang="en-US" dirty="0"/>
+          </a:p>
+        </p:txBody>
+      </p:sp>
+      <p:sp>
+        <p:nvSpPr>
+          <p:cNvPr id="3" name="コンテンツ プレースホルダ 2"/>
+          <p:cNvSpPr>
+            <a:spLocks noGrp="1"/>
+          </p:cNvSpPr>
+          <p:nvPr>
+            <p:ph idx="1"/>
+          </p:nvPr>
+        </p:nvSpPr>
+        <p:spPr/>
+        <p:txBody>
+          <a:bodyPr/>
+          <a:lstStyle/>
+          <a:p>
+            <a:endParaRPr lang="en-US" altLang="ja-JP" dirty="0" smtClean="0"/>
+          </a:p>
+          <a:p>
+            <a:r>
+              <a:rPr lang="en-US" altLang="ja-JP" dirty="0" smtClean="0"/>
+              <a:t>C#</a:t>
+            </a:r>
+            <a:r>
+              <a:rPr lang="ja-JP" altLang="en-US" dirty="0" smtClean="0"/>
+              <a:t>の仕事が増えてきた</a:t>
+            </a:r>
+            <a:endParaRPr lang="en-US" altLang="ja-JP" dirty="0" smtClean="0"/>
+          </a:p>
+          <a:p>
+            <a:pPr lvl="1"/>
+            <a:r>
+              <a:rPr lang="ja-JP" altLang="en-US" dirty="0" smtClean="0"/>
+              <a:t>言語が変わればフレームワークも変わる</a:t>
+            </a:r>
+            <a:endParaRPr lang="en-US" altLang="ja-JP" dirty="0" smtClean="0"/>
+          </a:p>
+          <a:p>
+            <a:r>
+              <a:rPr lang="en-US" altLang="ja-JP" dirty="0" smtClean="0"/>
+              <a:t>Spring Framework</a:t>
+            </a:r>
+            <a:r>
+              <a:rPr lang="ja-JP" altLang="en-US" dirty="0" smtClean="0"/>
+              <a:t>が前提の仕事もある</a:t>
+            </a:r>
+            <a:endParaRPr lang="en-US" altLang="ja-JP" dirty="0" smtClean="0"/>
+          </a:p>
+          <a:p>
+            <a:pPr lvl="1"/>
+            <a:r>
+              <a:rPr lang="en-US" altLang="ja-JP" dirty="0" smtClean="0"/>
+              <a:t>DI</a:t>
+            </a:r>
+            <a:r>
+              <a:rPr lang="ja-JP" altLang="en-US" dirty="0" smtClean="0"/>
+              <a:t>コンテナが変わればフレームワークも変わる</a:t>
+            </a:r>
+            <a:endParaRPr lang="en-US" altLang="ja-JP" dirty="0" smtClean="0"/>
+          </a:p>
+        </p:txBody>
+      </p:sp>
+      <p:sp>
+        <p:nvSpPr>
+          <p:cNvPr id="4" name="フッター プレースホルダ 3"/>
+          <p:cNvSpPr>
+            <a:spLocks noGrp="1"/>
+          </p:cNvSpPr>
+          <p:nvPr>
+            <p:ph type="ftr" sz="quarter" idx="11"/>
+          </p:nvPr>
+        </p:nvSpPr>
+        <p:spPr/>
+        <p:txBody>
+          <a:bodyPr/>
+          <a:lstStyle/>
+          <a:p>
+            <a:r>
+              <a:rPr lang="en-US" altLang="ja-JP" smtClean="0"/>
+              <a:t>Seasar Conference 2008 Autumn</a:t>
+            </a:r>
+            <a:endParaRPr lang="ja-JP" altLang="en-US"/>
+          </a:p>
+        </p:txBody>
+      </p:sp>
+      <p:sp useBgFill="1">
+        <p:nvSpPr>
+          <p:cNvPr id="6" name="円形吹き出し 5"/>
+          <p:cNvSpPr/>
+          <p:nvPr/>
+        </p:nvSpPr>
+        <p:spPr>
+          <a:xfrm>
+            <a:off x="914400" y="4572001"/>
+            <a:ext cx="5562600" cy="1165154"/>
+          </a:xfrm>
+          <a:prstGeom prst="wedgeEllipseCallout">
+            <a:avLst>
+              <a:gd name="adj1" fmla="val 54884"/>
+              <a:gd name="adj2" fmla="val 16841"/>
+            </a:avLst>
+          </a:prstGeom>
+          <a:ln>
+            <a:solidFill>
+              <a:schemeClr val="tx1">
+                <a:lumMod val="50000"/>
+                <a:lumOff val="50000"/>
+              </a:schemeClr>
+            </a:solidFill>
+          </a:ln>
+          <a:effectLst/>
+        </p:spPr>
+        <p:style>
+          <a:lnRef idx="1">
+            <a:schemeClr val="accent1"/>
+          </a:lnRef>
+          <a:fillRef idx="3">
+            <a:schemeClr val="accent1"/>
+          </a:fillRef>
+          <a:effectRef idx="2">
+            <a:schemeClr val="accent1"/>
+          </a:effectRef>
+          <a:fontRef idx="minor">
+            <a:schemeClr val="lt1"/>
+          </a:fontRef>
+        </p:style>
+        <p:txBody>
+          <a:bodyPr rtlCol="0" anchor="ctr"/>
+          <a:lstStyle/>
+          <a:p>
+            <a:r>
+              <a:rPr lang="ja-JP" altLang="en-US" dirty="0" smtClean="0">
+                <a:solidFill>
+                  <a:srgbClr val="000000"/>
+                </a:solidFill>
+              </a:rPr>
+              <a:t>別のプロジェクトに行きたくない。。。</a:t>
+            </a:r>
+            <a:endParaRPr lang="en-US" altLang="ja-JP" dirty="0" smtClean="0">
+              <a:solidFill>
+                <a:srgbClr val="000000"/>
+              </a:solidFill>
+            </a:endParaRPr>
+          </a:p>
+          <a:p>
+            <a:r>
+              <a:rPr lang="ja-JP" altLang="en-US" dirty="0" smtClean="0">
+                <a:solidFill>
+                  <a:srgbClr val="000000"/>
+                </a:solidFill>
+              </a:rPr>
+              <a:t>残して！今のプロジェクトに残してー！</a:t>
+            </a:r>
+            <a:endParaRPr lang="en-US" altLang="ja-JP" dirty="0">
+              <a:solidFill>
+                <a:srgbClr val="000000"/>
+              </a:solidFill>
+            </a:endParaRPr>
+          </a:p>
+        </p:txBody>
+      </p:sp>
+      <p:pic>
+        <p:nvPicPr>
+          <p:cNvPr id="7" name="Picture 5" descr="MPj04015610000[1]"/>
+          <p:cNvPicPr>
+            <a:picLocks noChangeAspect="1" noChangeArrowheads="1"/>
+          </p:cNvPicPr>
+          <p:nvPr/>
+        </p:nvPicPr>
+        <p:blipFill>
+          <a:blip r:embed="rId2"/>
+          <a:srcRect/>
+          <a:stretch>
+            <a:fillRect/>
+          </a:stretch>
+        </p:blipFill>
+        <p:spPr bwMode="auto">
+          <a:xfrm>
+            <a:off x="6781800" y="4784655"/>
+            <a:ext cx="1998662" cy="1331983"/>
+          </a:xfrm>
+          <a:prstGeom prst="rect">
+            <a:avLst/>
+          </a:prstGeom>
+          <a:noFill/>
+        </p:spPr>
+      </p:pic>
+    </p:spTree>
+  </p:cSld>
+  <p:clrMapOvr>
+    <a:masterClrMapping/>
+  </p:clrMapOvr>
+</p:sld>
+</file>
+
+<file path=ppt/slides/slide31.xml><?xml version="1.0" encoding="utf-8"?>
+<p:sld xmlns:a="http://schemas.openxmlformats.org/drawingml/2006/main" xmlns:r="http://schemas.openxmlformats.org/officeDocument/2006/relationships" xmlns:mc="http://schemas.openxmlformats.org/markup-compatibility/2006" xmlns:mv="urn:schemas-microsoft-com:mac:vml" xmlns:p="http://schemas.openxmlformats.org/presentationml/2006/main" mc:Ignorable="mv" mc:PreserveAttributes="mv:*">
+  <p:cSld>
+    <p:spTree>
+      <p:nvGrpSpPr>
+        <p:cNvPr id="1" name=""/>
+        <p:cNvGrpSpPr/>
+        <p:nvPr/>
+      </p:nvGrpSpPr>
+      <p:grpSpPr>
+        <a:xfrm>
+          <a:off x="0" y="0"/>
+          <a:ext cx="0" cy="0"/>
+          <a:chOff x="0" y="0"/>
+          <a:chExt cx="0" cy="0"/>
+        </a:xfrm>
+      </p:grpSpPr>
+      <p:sp>
+        <p:nvSpPr>
+          <p:cNvPr id="2" name="タイトル 1"/>
+          <p:cNvSpPr>
+            <a:spLocks noGrp="1"/>
+          </p:cNvSpPr>
+          <p:nvPr>
+            <p:ph type="title"/>
+          </p:nvPr>
+        </p:nvSpPr>
+        <p:spPr/>
+        <p:txBody>
+          <a:bodyPr/>
+          <a:lstStyle/>
+          <a:p>
+            <a:r>
+              <a:rPr lang="en-US" altLang="ja-JP" dirty="0" smtClean="0"/>
+              <a:t>[3]</a:t>
+            </a:r>
+            <a:r>
+              <a:rPr lang="ja-JP" altLang="en-US" dirty="0" smtClean="0"/>
+              <a:t>別なんとか</a:t>
+            </a:r>
+            <a:r>
+              <a:rPr lang="en-US" altLang="ja-JP" dirty="0" smtClean="0"/>
+              <a:t>:</a:t>
+            </a:r>
+            <a:r>
+              <a:rPr lang="en-US" altLang="ja-JP" dirty="0" err="1" smtClean="0"/>
+              <a:t>DBFlute</a:t>
+            </a:r>
+            <a:r>
+              <a:rPr lang="ja-JP" altLang="en-US" dirty="0" smtClean="0"/>
+              <a:t>なら</a:t>
+            </a:r>
+            <a:endParaRPr lang="ja-JP" altLang="en-US" dirty="0"/>
+          </a:p>
+        </p:txBody>
+      </p:sp>
+      <p:sp>
+        <p:nvSpPr>
+          <p:cNvPr id="3" name="コンテンツ プレースホルダ 2"/>
+          <p:cNvSpPr>
+            <a:spLocks noGrp="1"/>
+          </p:cNvSpPr>
+          <p:nvPr>
+            <p:ph idx="1"/>
+          </p:nvPr>
+        </p:nvSpPr>
+        <p:spPr/>
+        <p:txBody>
+          <a:bodyPr>
+            <a:normAutofit/>
+          </a:bodyPr>
+          <a:lstStyle/>
+          <a:p>
+            <a:pPr algn="ctr"/>
+            <a:endParaRPr lang="en-US" altLang="ja-JP" sz="4400" dirty="0" smtClean="0"/>
+          </a:p>
+          <a:p>
+            <a:pPr algn="ctr">
+              <a:buNone/>
+            </a:pPr>
+            <a:r>
+              <a:rPr lang="en-US" altLang="ja-JP" sz="4400" dirty="0" err="1" smtClean="0"/>
+              <a:t>DBFlute</a:t>
+            </a:r>
+            <a:r>
+              <a:rPr lang="ja-JP" altLang="en-US" sz="4400" dirty="0" smtClean="0"/>
+              <a:t>なら</a:t>
+            </a:r>
+            <a:r>
+              <a:rPr lang="en-US" altLang="ja-JP" sz="4400" dirty="0" smtClean="0"/>
+              <a:t>…</a:t>
+            </a:r>
+          </a:p>
+        </p:txBody>
+      </p:sp>
+      <p:sp>
+        <p:nvSpPr>
+          <p:cNvPr id="5" name="フッター プレースホルダ 4"/>
+          <p:cNvSpPr>
+            <a:spLocks noGrp="1"/>
+          </p:cNvSpPr>
+          <p:nvPr>
+            <p:ph type="ftr" sz="quarter" idx="11"/>
+          </p:nvPr>
+        </p:nvSpPr>
+        <p:spPr/>
+        <p:txBody>
+          <a:bodyPr/>
+          <a:lstStyle/>
+          <a:p>
+            <a:r>
+              <a:rPr lang="en-US" altLang="ja-JP" smtClean="0"/>
+              <a:t>Seasar Conference 2008 Autumn</a:t>
+            </a:r>
+            <a:endParaRPr lang="ja-JP" altLang="en-US"/>
+          </a:p>
+        </p:txBody>
+      </p:sp>
+    </p:spTree>
+  </p:cSld>
+  <p:clrMapOvr>
+    <a:masterClrMapping/>
+  </p:clrMapOvr>
+</p:sld>
+</file>
+
+<file path=ppt/slides/slide32.xml><?xml version="1.0" encoding="utf-8"?>
+<p:sld xmlns:a="http://schemas.openxmlformats.org/drawingml/2006/main" xmlns:r="http://schemas.openxmlformats.org/officeDocument/2006/relationships" xmlns:mc="http://schemas.openxmlformats.org/markup-compatibility/2006" xmlns:mv="urn:schemas-microsoft-com:mac:vml" xmlns:p="http://schemas.openxmlformats.org/presentationml/2006/main" mc:Ignorable="mv" mc:PreserveAttributes="mv:*">
+  <p:cSld>
+    <p:spTree>
+      <p:nvGrpSpPr>
+        <p:cNvPr id="1" name=""/>
+        <p:cNvGrpSpPr/>
+        <p:nvPr/>
+      </p:nvGrpSpPr>
+      <p:grpSpPr>
+        <a:xfrm>
+          <a:off x="0" y="0"/>
+          <a:ext cx="0" cy="0"/>
+          <a:chOff x="0" y="0"/>
+          <a:chExt cx="0" cy="0"/>
+        </a:xfrm>
+      </p:grpSpPr>
+      <p:sp>
+        <p:nvSpPr>
+          <p:cNvPr id="2" name="タイトル 1"/>
+          <p:cNvSpPr>
+            <a:spLocks noGrp="1"/>
+          </p:cNvSpPr>
+          <p:nvPr>
+            <p:ph type="title"/>
+          </p:nvPr>
+        </p:nvSpPr>
+        <p:spPr>
+          <a:xfrm>
+            <a:off x="457200" y="503238"/>
+            <a:ext cx="8382000" cy="868362"/>
+          </a:xfrm>
+        </p:spPr>
+        <p:txBody>
+          <a:bodyPr/>
+          <a:lstStyle/>
+          <a:p>
+            <a:r>
+              <a:rPr lang="en-US" altLang="ja-JP" dirty="0" smtClean="0"/>
+              <a:t>[3]</a:t>
+            </a:r>
+            <a:r>
+              <a:rPr lang="ja-JP" altLang="en-US" dirty="0" smtClean="0"/>
+              <a:t>別なんとか</a:t>
+            </a:r>
+            <a:r>
+              <a:rPr lang="en-US" altLang="ja-JP" dirty="0" smtClean="0"/>
+              <a:t>:</a:t>
+            </a:r>
+            <a:r>
+              <a:rPr lang="ja-JP" altLang="en-US" dirty="0" smtClean="0"/>
+              <a:t>別言語・別コンテナ</a:t>
+            </a:r>
+            <a:endParaRPr lang="ja-JP" altLang="en-US" dirty="0"/>
+          </a:p>
+        </p:txBody>
+      </p:sp>
+      <p:sp>
+        <p:nvSpPr>
+          <p:cNvPr id="3" name="コンテンツ プレースホルダ 2"/>
+          <p:cNvSpPr>
+            <a:spLocks noGrp="1"/>
+          </p:cNvSpPr>
+          <p:nvPr>
+            <p:ph idx="1"/>
+          </p:nvPr>
+        </p:nvSpPr>
+        <p:spPr/>
+        <p:txBody>
+          <a:bodyPr>
+            <a:normAutofit fontScale="92500" lnSpcReduction="10000"/>
+          </a:bodyPr>
+          <a:lstStyle/>
+          <a:p>
+            <a:pPr algn="ctr"/>
+            <a:endParaRPr lang="en-US" altLang="ja-JP" sz="4400" dirty="0" smtClean="0"/>
+          </a:p>
+          <a:p>
+            <a:pPr algn="ctr">
+              <a:buNone/>
+            </a:pPr>
+            <a:r>
+              <a:rPr lang="en-US" altLang="ja-JP" sz="4400" dirty="0" smtClean="0"/>
+              <a:t>C#</a:t>
+            </a:r>
+            <a:r>
+              <a:rPr lang="ja-JP" altLang="en-US" sz="4400" dirty="0" smtClean="0"/>
+              <a:t>版の</a:t>
+            </a:r>
+            <a:r>
+              <a:rPr lang="en-US" altLang="ja-JP" sz="4400" dirty="0" err="1" smtClean="0"/>
+              <a:t>DBFlute</a:t>
+            </a:r>
+            <a:r>
+              <a:rPr lang="en-US" altLang="ja-JP" sz="4400" dirty="0" smtClean="0"/>
+              <a:t>!</a:t>
+            </a:r>
+          </a:p>
+          <a:p>
+            <a:pPr algn="ctr">
+              <a:buNone/>
+            </a:pPr>
+            <a:r>
+              <a:rPr lang="en-US" altLang="ja-JP" sz="4400" dirty="0" smtClean="0"/>
+              <a:t>Spring</a:t>
+            </a:r>
+            <a:r>
+              <a:rPr lang="ja-JP" altLang="en-US" sz="4400" dirty="0" smtClean="0"/>
+              <a:t>版の</a:t>
+            </a:r>
+            <a:r>
+              <a:rPr lang="en-US" altLang="ja-JP" sz="4400" dirty="0" err="1" smtClean="0"/>
+              <a:t>DBFlute</a:t>
+            </a:r>
+            <a:r>
+              <a:rPr lang="en-US" altLang="ja-JP" sz="4400" dirty="0" smtClean="0"/>
+              <a:t>!</a:t>
+            </a:r>
+          </a:p>
+          <a:p>
+            <a:pPr algn="ctr">
+              <a:buNone/>
+            </a:pPr>
+            <a:endParaRPr lang="en-US" altLang="ja-JP" sz="4400" dirty="0" smtClean="0"/>
+          </a:p>
+          <a:p>
+            <a:pPr algn="ctr">
+              <a:buNone/>
+            </a:pPr>
+            <a:r>
+              <a:rPr lang="ja-JP" altLang="en-US" sz="4400" dirty="0" smtClean="0"/>
+              <a:t>詳細は本番当日にて！</a:t>
+            </a:r>
+            <a:endParaRPr lang="en-US" altLang="ja-JP" sz="4400" dirty="0" smtClean="0"/>
+          </a:p>
+        </p:txBody>
+      </p:sp>
+      <p:sp>
+        <p:nvSpPr>
+          <p:cNvPr id="5" name="フッター プレースホルダ 4"/>
+          <p:cNvSpPr>
+            <a:spLocks noGrp="1"/>
+          </p:cNvSpPr>
+          <p:nvPr>
+            <p:ph type="ftr" sz="quarter" idx="11"/>
+          </p:nvPr>
+        </p:nvSpPr>
+        <p:spPr/>
+        <p:txBody>
+          <a:bodyPr/>
+          <a:lstStyle/>
+          <a:p>
+            <a:r>
+              <a:rPr lang="en-US" altLang="ja-JP" smtClean="0"/>
+              <a:t>Seasar Conference 2008 Autumn</a:t>
+            </a:r>
+            <a:endParaRPr lang="ja-JP" altLang="en-US"/>
+          </a:p>
+        </p:txBody>
+      </p:sp>
+    </p:spTree>
+  </p:cSld>
+  <p:clrMapOvr>
+    <a:masterClrMapping/>
+  </p:clrMapOvr>
+</p:sld>
+</file>
+
+<file path=ppt/slides/slide33.xml><?xml version="1.0" encoding="utf-8"?>
+<p:sld xmlns:a="http://schemas.openxmlformats.org/drawingml/2006/main" xmlns:r="http://schemas.openxmlformats.org/officeDocument/2006/relationships" xmlns:mc="http://schemas.openxmlformats.org/markup-compatibility/2006" xmlns:mv="urn:schemas-microsoft-com:mac:vml" xmlns:p="http://schemas.openxmlformats.org/presentationml/2006/main" mc:Ignorable="mv" mc:PreserveAttributes="mv:*">
+  <p:cSld>
+    <p:spTree>
+      <p:nvGrpSpPr>
+        <p:cNvPr id="1" name=""/>
+        <p:cNvGrpSpPr/>
+        <p:nvPr/>
+      </p:nvGrpSpPr>
+      <p:grpSpPr>
+        <a:xfrm>
+          <a:off x="0" y="0"/>
+          <a:ext cx="0" cy="0"/>
+          <a:chOff x="0" y="0"/>
+          <a:chExt cx="0" cy="0"/>
+        </a:xfrm>
+      </p:grpSpPr>
+      <p:sp>
+        <p:nvSpPr>
+          <p:cNvPr id="2" name="タイトル 1"/>
+          <p:cNvSpPr>
+            <a:spLocks noGrp="1"/>
+          </p:cNvSpPr>
+          <p:nvPr>
+            <p:ph type="title"/>
+          </p:nvPr>
+        </p:nvSpPr>
+        <p:spPr/>
+        <p:txBody>
+          <a:bodyPr/>
+          <a:lstStyle/>
+          <a:p>
+            <a:r>
+              <a:rPr lang="en-US" altLang="ja-JP" dirty="0" err="1" smtClean="0"/>
+              <a:t>DBFlute</a:t>
+            </a:r>
+            <a:r>
+              <a:rPr lang="ja-JP" altLang="en-US" dirty="0" smtClean="0"/>
+              <a:t>今後の展望</a:t>
+            </a:r>
+            <a:endParaRPr lang="ja-JP" altLang="en-US" dirty="0"/>
+          </a:p>
+        </p:txBody>
+      </p:sp>
+      <p:sp>
+        <p:nvSpPr>
+          <p:cNvPr id="3" name="コンテンツ プレースホルダ 2"/>
+          <p:cNvSpPr>
+            <a:spLocks noGrp="1"/>
+          </p:cNvSpPr>
+          <p:nvPr>
+            <p:ph idx="1"/>
+          </p:nvPr>
+        </p:nvSpPr>
+        <p:spPr/>
+        <p:txBody>
+          <a:bodyPr>
+            <a:normAutofit/>
+          </a:bodyPr>
+          <a:lstStyle/>
+          <a:p>
+            <a:pPr algn="ctr">
+              <a:buNone/>
+            </a:pPr>
+            <a:endParaRPr lang="en-US" altLang="ja-JP" sz="4400" dirty="0" smtClean="0"/>
+          </a:p>
+          <a:p>
+            <a:pPr algn="ctr">
+              <a:buNone/>
+            </a:pPr>
+            <a:r>
+              <a:rPr lang="ja-JP" altLang="en-US" sz="4400" dirty="0" smtClean="0"/>
+              <a:t>詳細は本番当日にて！</a:t>
+            </a:r>
+            <a:endParaRPr lang="en-US" altLang="ja-JP" sz="4400" dirty="0" smtClean="0"/>
+          </a:p>
+          <a:p>
+            <a:pPr algn="ctr">
+              <a:buNone/>
+            </a:pPr>
+            <a:endParaRPr lang="ja-JP" altLang="en-US" sz="4400" dirty="0"/>
+          </a:p>
+        </p:txBody>
+      </p:sp>
+      <p:sp>
+        <p:nvSpPr>
+          <p:cNvPr id="4" name="フッター プレースホルダ 3"/>
+          <p:cNvSpPr>
+            <a:spLocks noGrp="1"/>
+          </p:cNvSpPr>
+          <p:nvPr>
+            <p:ph type="ftr" sz="quarter" idx="11"/>
+          </p:nvPr>
+        </p:nvSpPr>
+        <p:spPr/>
+        <p:txBody>
+          <a:bodyPr/>
+          <a:lstStyle/>
+          <a:p>
+            <a:r>
+              <a:rPr lang="en-US" altLang="ja-JP" smtClean="0"/>
+              <a:t>Seasar Conference 2008 Autumn</a:t>
+            </a:r>
+            <a:endParaRPr lang="ja-JP" altLang="en-US"/>
+          </a:p>
+        </p:txBody>
+      </p:sp>
+    </p:spTree>
+  </p:cSld>
+  <p:clrMapOvr>
+    <a:masterClrMapping/>
+  </p:clrMapOvr>
+</p:sld>
+</file>
+
+<file path=ppt/slides/slide34.xml><?xml version="1.0" encoding="utf-8"?>
+<p:sld xmlns:a="http://schemas.openxmlformats.org/drawingml/2006/main" xmlns:r="http://schemas.openxmlformats.org/officeDocument/2006/relationships" xmlns:mc="http://schemas.openxmlformats.org/markup-compatibility/2006" xmlns:mv="urn:schemas-microsoft-com:mac:vml" xmlns:p="http://schemas.openxmlformats.org/presentationml/2006/main" mc:Ignorable="mv" mc:PreserveAttributes="mv:*">
+  <p:cSld>
+    <p:spTree>
+      <p:nvGrpSpPr>
+        <p:cNvPr id="1" name=""/>
+        <p:cNvGrpSpPr/>
+        <p:nvPr/>
+      </p:nvGrpSpPr>
+      <p:grpSpPr>
+        <a:xfrm>
+          <a:off x="0" y="0"/>
+          <a:ext cx="0" cy="0"/>
+          <a:chOff x="0" y="0"/>
+          <a:chExt cx="0" cy="0"/>
+        </a:xfrm>
+      </p:grpSpPr>
+      <p:sp>
+        <p:nvSpPr>
+          <p:cNvPr id="2" name="タイトル 1"/>
+          <p:cNvSpPr>
+            <a:spLocks noGrp="1"/>
+          </p:cNvSpPr>
+          <p:nvPr>
+            <p:ph type="title"/>
+          </p:nvPr>
+        </p:nvSpPr>
+        <p:spPr/>
+        <p:txBody>
+          <a:bodyPr/>
+          <a:lstStyle/>
+          <a:p>
+            <a:r>
+              <a:rPr lang="ja-JP" altLang="en-US" dirty="0" smtClean="0"/>
+              <a:t>最後</a:t>
+            </a:r>
+            <a:endParaRPr lang="ja-JP" altLang="en-US" dirty="0"/>
+          </a:p>
+        </p:txBody>
+      </p:sp>
+      <p:sp>
+        <p:nvSpPr>
+          <p:cNvPr id="3" name="コンテンツ プレースホルダ 2"/>
+          <p:cNvSpPr>
+            <a:spLocks noGrp="1"/>
+          </p:cNvSpPr>
+          <p:nvPr>
+            <p:ph idx="1"/>
+          </p:nvPr>
+        </p:nvSpPr>
+        <p:spPr/>
+        <p:txBody>
+          <a:bodyPr>
+            <a:normAutofit/>
+          </a:bodyPr>
+          <a:lstStyle/>
+          <a:p>
+            <a:pPr algn="ctr">
+              <a:buNone/>
+            </a:pPr>
+            <a:endParaRPr lang="en-US" altLang="ja-JP" sz="4400" dirty="0" smtClean="0"/>
+          </a:p>
+          <a:p>
+            <a:pPr algn="ctr">
+              <a:buNone/>
+            </a:pPr>
+            <a:r>
+              <a:rPr lang="ja-JP" altLang="en-US" sz="4400" dirty="0" smtClean="0"/>
+              <a:t>ご清聴ありがとうございました</a:t>
+            </a:r>
+            <a:endParaRPr lang="ja-JP" altLang="en-US" sz="4400" dirty="0"/>
+          </a:p>
+        </p:txBody>
+      </p:sp>
+      <p:sp>
+        <p:nvSpPr>
+          <p:cNvPr id="4" name="フッター プレースホルダ 3"/>
+          <p:cNvSpPr>
+            <a:spLocks noGrp="1"/>
+          </p:cNvSpPr>
+          <p:nvPr>
+            <p:ph type="ftr" sz="quarter" idx="11"/>
+          </p:nvPr>
+        </p:nvSpPr>
+        <p:spPr/>
+        <p:txBody>
+          <a:bodyPr/>
+          <a:lstStyle/>
+          <a:p>
+            <a:r>
+              <a:rPr lang="en-US" altLang="ja-JP" smtClean="0"/>
+              <a:t>Seasar Conference 2008 Autumn</a:t>
+            </a:r>
+            <a:endParaRPr lang="ja-JP" altLang="en-US"/>
+          </a:p>
+        </p:txBody>
+      </p:sp>
     </p:spTree>
   </p:cSld>
   <p:clrMapOvr>

--- a/dbflute/etc/doc/ref/session/resource/GenbaSolution2-sc2008autumn-dbflute.pptx
+++ b/dbflute/etc/doc/ref/session/resource/GenbaSolution2-sc2008autumn-dbflute.pptx
@@ -15511,7 +15511,7 @@
         </p:nvSpPr>
         <p:spPr>
           <a:xfrm>
-            <a:off x="5562600" y="4651177"/>
+            <a:off x="5562601" y="4805065"/>
             <a:ext cx="3200400" cy="307777"/>
           </a:xfrm>
           <a:prstGeom prst="rect">
@@ -15613,7 +15613,7 @@
         </p:nvCxnSpPr>
         <p:spPr>
           <a:xfrm rot="10800000">
-            <a:off x="5181600" y="4495800"/>
+            <a:off x="5181601" y="4649688"/>
             <a:ext cx="381000" cy="309266"/>
           </a:xfrm>
           <a:prstGeom prst="straightConnector1">
@@ -15736,6 +15736,53 @@
           </a:fontRef>
         </p:style>
       </p:cxnSp>
+      <p:sp>
+        <p:nvSpPr>
+          <p:cNvPr id="17" name="テキスト ボックス 16"/>
+          <p:cNvSpPr txBox="1"/>
+          <p:nvPr/>
+        </p:nvSpPr>
+        <p:spPr>
+          <a:xfrm>
+            <a:off x="3581400" y="5637311"/>
+            <a:ext cx="4079174" cy="307777"/>
+          </a:xfrm>
+          <a:prstGeom prst="rect">
+            <a:avLst/>
+          </a:prstGeom>
+          <a:noFill/>
+          <a:ln>
+            <a:gradFill flip="none" rotWithShape="1">
+              <a:gsLst>
+                <a:gs pos="0">
+                  <a:schemeClr val="bg2"/>
+                </a:gs>
+                <a:gs pos="100000">
+                  <a:srgbClr val="000000"/>
+                </a:gs>
+              </a:gsLst>
+              <a:path path="rect">
+                <a:fillToRect l="100000" t="100000"/>
+              </a:path>
+              <a:tileRect r="-100000" b="-100000"/>
+            </a:gradFill>
+            <a:prstDash val="dashDot"/>
+          </a:ln>
+        </p:spPr>
+        <p:txBody>
+          <a:bodyPr wrap="square" rtlCol="0">
+            <a:spAutoFit/>
+          </a:bodyPr>
+          <a:lstStyle/>
+          <a:p>
+            <a:r>
+              <a:rPr kumimoji="1" lang="ja-JP" altLang="en-US" sz="1400" dirty="0" smtClean="0"/>
+              <a:t>データにていぎされて入れ歯そちらが優先される</a:t>
+            </a:r>
+            <a:endParaRPr kumimoji="1" lang="ja-JP" altLang="en-US" sz="1400" dirty="0"/>
+          </a:p>
+        </p:txBody>
+      </p:sp>
     </p:spTree>
   </p:cSld>
   <p:clrMapOvr>
@@ -15829,7 +15876,7 @@
         <p:spPr/>
         <p:txBody>
           <a:bodyPr>
-            <a:normAutofit fontScale="92500" lnSpcReduction="20000"/>
+            <a:normAutofit fontScale="85000" lnSpcReduction="20000"/>
           </a:bodyPr>
           <a:lstStyle/>
           <a:p>
@@ -15873,15 +15920,31 @@
             </a:pPr>
             <a:r>
               <a:rPr lang="ja-JP" altLang="en-US" dirty="0" smtClean="0"/>
-              <a:t>「カラム</a:t>
-            </a:r>
-            <a:r>
-              <a:rPr lang="en-US" altLang="ja-JP" dirty="0" smtClean="0"/>
-              <a:t> = </a:t>
-            </a:r>
-            <a:r>
-              <a:rPr lang="ja-JP" altLang="en-US" dirty="0" smtClean="0"/>
-              <a:t>固定値」の形で設定</a:t>
+              <a:t>「</a:t>
+            </a:r>
+            <a:r>
+              <a:rPr lang="en-US" altLang="ja-JP" dirty="0" smtClean="0"/>
+              <a:t>(</a:t>
+            </a:r>
+            <a:r>
+              <a:rPr lang="ja-JP" altLang="en-US" dirty="0" smtClean="0"/>
+              <a:t>任意の</a:t>
+            </a:r>
+            <a:r>
+              <a:rPr lang="en-US" altLang="ja-JP" dirty="0" smtClean="0"/>
+              <a:t>)</a:t>
+            </a:r>
+            <a:r>
+              <a:rPr lang="ja-JP" altLang="en-US" dirty="0" smtClean="0"/>
+              <a:t>省略テーブル名</a:t>
+            </a:r>
+            <a:r>
+              <a:rPr lang="en-US" altLang="ja-JP" dirty="0" smtClean="0"/>
+              <a:t>= </a:t>
+            </a:r>
+            <a:r>
+              <a:rPr lang="ja-JP" altLang="en-US" dirty="0" smtClean="0"/>
+              <a:t>テーブル名」の形で設定</a:t>
             </a:r>
             <a:endParaRPr lang="en-US" altLang="ja-JP" dirty="0" smtClean="0"/>
           </a:p>
@@ -15900,13 +15963,20 @@
             </a:pPr>
             <a:r>
               <a:rPr lang="en-US" altLang="ja-JP" dirty="0" smtClean="0"/>
-              <a:t>    ; REGISTER_DATETIME = </a:t>
-            </a:r>
-            <a:r>
-              <a:rPr lang="en-US" altLang="ja-JP" dirty="0" err="1" smtClean="0"/>
-              <a:t>sysdate</a:t>
-            </a:r>
-            <a:endParaRPr lang="en-US" altLang="ja-JP" dirty="0" smtClean="0"/>
+              <a:t>    ;</a:t>
+            </a:r>
+            <a:r>
+              <a:rPr lang="en-US" altLang="ja-JP" dirty="0" smtClean="0"/>
+              <a:t> PRO_SERV_DTL </a:t>
+            </a:r>
+            <a:r>
+              <a:rPr lang="en-US" altLang="ja-JP" dirty="0" smtClean="0"/>
+              <a:t>=</a:t>
+            </a:r>
+            <a:r>
+              <a:rPr lang="en-US" altLang="ja-JP" dirty="0" smtClean="0"/>
+              <a:t> PRODUCT_SERVICE_DETAIL</a:t>
+            </a:r>
           </a:p>
           <a:p>
             <a:pPr lvl="2">
@@ -15914,7 +15984,7 @@
             </a:pPr>
             <a:r>
               <a:rPr lang="en-US" altLang="ja-JP" dirty="0" smtClean="0"/>
-              <a:t>    ; REGISTER_USER = replace-schema</a:t>
+              <a:t>    ; …</a:t>
             </a:r>
           </a:p>
           <a:p>
@@ -15923,16 +15993,43 @@
             </a:pPr>
             <a:r>
               <a:rPr lang="en-US" altLang="ja-JP" dirty="0" smtClean="0"/>
-              <a:t>    ; …</a:t>
-            </a:r>
+              <a:t>}</a:t>
+            </a:r>
+            <a:endParaRPr lang="en-US" altLang="ja-JP" dirty="0" smtClean="0"/>
+          </a:p>
+          <a:p>
+            <a:pPr lvl="1">
+              <a:buAutoNum type="arabicPeriod"/>
+            </a:pPr>
+            <a:r>
+              <a:rPr lang="ja-JP" altLang="en-US" dirty="0" smtClean="0"/>
+              <a:t>シート名の先頭に「</a:t>
+            </a:r>
+            <a:r>
+              <a:rPr lang="en-US" altLang="ja-JP" dirty="0" smtClean="0"/>
+              <a:t>$</a:t>
+            </a:r>
+            <a:r>
+              <a:rPr lang="ja-JP" altLang="en-US" dirty="0" smtClean="0"/>
+              <a:t>」を付けて省略テーブル名を指定</a:t>
+            </a:r>
+            <a:endParaRPr lang="en-US" altLang="ja-JP" dirty="0" smtClean="0"/>
           </a:p>
           <a:p>
             <a:pPr lvl="2">
               <a:buNone/>
             </a:pPr>
             <a:r>
-              <a:rPr lang="en-US" altLang="ja-JP" dirty="0" smtClean="0"/>
-              <a:t>}</a:t>
+              <a:rPr lang="ja-JP" altLang="en-US" dirty="0" smtClean="0"/>
+              <a:t>シート名</a:t>
+            </a:r>
+            <a:r>
+              <a:rPr lang="en-US" altLang="ja-JP" dirty="0" smtClean="0"/>
+              <a:t> = </a:t>
+            </a:r>
+            <a:r>
+              <a:rPr lang="en-US" altLang="ja-JP" dirty="0" smtClean="0"/>
+              <a:t>$PRO_SERV_DTL</a:t>
             </a:r>
             <a:endParaRPr lang="en-US" altLang="ja-JP" dirty="0" smtClean="0"/>
           </a:p>
@@ -15942,7 +16039,7 @@
             </a:pPr>
             <a:r>
               <a:rPr lang="ja-JP" altLang="en-US" dirty="0" smtClean="0"/>
-              <a:t>データにカラム定義がなくても設定の固定値が登録される</a:t>
+              <a:t>省略テーブル名を解決して実行されるようになる</a:t>
             </a:r>
             <a:endParaRPr lang="en-US" altLang="ja-JP" dirty="0" smtClean="0"/>
           </a:p>
@@ -15952,6 +16049,12 @@
             </a:pPr>
             <a:endParaRPr lang="en-US" altLang="ja-JP" dirty="0" smtClean="0"/>
           </a:p>
+          <a:p>
+            <a:pPr lvl="2">
+              <a:buNone/>
+            </a:pPr>
+            <a:endParaRPr lang="en-US" altLang="ja-JP" dirty="0" smtClean="0"/>
+          </a:p>
         </p:txBody>
       </p:sp>
       <p:sp>
@@ -15977,194 +16080,6 @@
           </a:p>
         </p:txBody>
       </p:sp>
-      <p:sp>
-        <p:nvSpPr>
-          <p:cNvPr id="5" name="テキスト ボックス 4"/>
-          <p:cNvSpPr txBox="1"/>
-          <p:nvPr/>
-        </p:nvSpPr>
-        <p:spPr>
-          <a:xfrm>
-            <a:off x="5562599" y="3505200"/>
-            <a:ext cx="2665413" cy="307777"/>
-          </a:xfrm>
-          <a:prstGeom prst="rect">
-            <a:avLst/>
-          </a:prstGeom>
-          <a:noFill/>
-          <a:ln>
-            <a:gradFill flip="none" rotWithShape="1">
-              <a:gsLst>
-                <a:gs pos="0">
-                  <a:schemeClr val="bg2"/>
-                </a:gs>
-                <a:gs pos="100000">
-                  <a:srgbClr val="000000"/>
-                </a:gs>
-              </a:gsLst>
-              <a:path path="rect">
-                <a:fillToRect l="100000" t="100000"/>
-              </a:path>
-              <a:tileRect r="-100000" b="-100000"/>
-            </a:gradFill>
-            <a:prstDash val="dashDot"/>
-          </a:ln>
-        </p:spPr>
-        <p:txBody>
-          <a:bodyPr wrap="square" rtlCol="0">
-            <a:spAutoFit/>
-          </a:bodyPr>
-          <a:lstStyle/>
-          <a:p>
-            <a:r>
-              <a:rPr kumimoji="1" lang="ja-JP" altLang="en-US" sz="1400" dirty="0" smtClean="0"/>
-              <a:t>実行時の現在日時が登録される</a:t>
-            </a:r>
-            <a:endParaRPr kumimoji="1" lang="ja-JP" altLang="en-US" sz="1400" dirty="0"/>
-          </a:p>
-        </p:txBody>
-      </p:sp>
-      <p:sp>
-        <p:nvSpPr>
-          <p:cNvPr id="6" name="テキスト ボックス 5"/>
-          <p:cNvSpPr txBox="1"/>
-          <p:nvPr/>
-        </p:nvSpPr>
-        <p:spPr>
-          <a:xfrm>
-            <a:off x="5562600" y="4651177"/>
-            <a:ext cx="3200400" cy="307777"/>
-          </a:xfrm>
-          <a:prstGeom prst="rect">
-            <a:avLst/>
-          </a:prstGeom>
-          <a:noFill/>
-          <a:ln>
-            <a:gradFill flip="none" rotWithShape="1">
-              <a:gsLst>
-                <a:gs pos="0">
-                  <a:schemeClr val="bg2"/>
-                </a:gs>
-                <a:gs pos="100000">
-                  <a:srgbClr val="000000"/>
-                </a:gs>
-              </a:gsLst>
-              <a:path path="rect">
-                <a:fillToRect l="100000" t="100000"/>
-              </a:path>
-              <a:tileRect r="-100000" b="-100000"/>
-            </a:gradFill>
-            <a:prstDash val="dashDot"/>
-          </a:ln>
-        </p:spPr>
-        <p:txBody>
-          <a:bodyPr wrap="square" rtlCol="0">
-            <a:spAutoFit/>
-          </a:bodyPr>
-          <a:lstStyle/>
-          <a:p>
-            <a:r>
-              <a:rPr kumimoji="1" lang="ja-JP" altLang="en-US" sz="1400" dirty="0" smtClean="0"/>
-              <a:t>「</a:t>
-            </a:r>
-            <a:r>
-              <a:rPr kumimoji="1" lang="en-US" altLang="ja-JP" sz="1400" dirty="0" smtClean="0"/>
-              <a:t>replace-</a:t>
-            </a:r>
-            <a:r>
-              <a:rPr lang="en-US" altLang="ja-JP" sz="1400" dirty="0" smtClean="0"/>
-              <a:t>schema</a:t>
-            </a:r>
-            <a:r>
-              <a:rPr kumimoji="1" lang="ja-JP" altLang="en-US" sz="1400" dirty="0" smtClean="0"/>
-              <a:t>」という値が登録される</a:t>
-            </a:r>
-            <a:endParaRPr kumimoji="1" lang="ja-JP" altLang="en-US" sz="1400" dirty="0"/>
-          </a:p>
-        </p:txBody>
-      </p:sp>
-      <p:cxnSp>
-        <p:nvCxnSpPr>
-          <p:cNvPr id="7" name="直線矢印コネクタ 6"/>
-          <p:cNvCxnSpPr>
-            <a:stCxn id="5" idx="1"/>
-          </p:cNvCxnSpPr>
-          <p:nvPr/>
-        </p:nvCxnSpPr>
-        <p:spPr>
-          <a:xfrm rot="10800000" flipV="1">
-            <a:off x="4953003" y="3659089"/>
-            <a:ext cx="609597" cy="379510"/>
-          </a:xfrm>
-          <a:prstGeom prst="straightConnector1">
-            <a:avLst/>
-          </a:prstGeom>
-          <a:ln w="12700" cmpd="sng">
-            <a:solidFill>
-              <a:schemeClr val="tx1">
-                <a:lumMod val="65000"/>
-                <a:lumOff val="35000"/>
-              </a:schemeClr>
-            </a:solidFill>
-            <a:tailEnd type="arrow"/>
-          </a:ln>
-        </p:spPr>
-        <p:style>
-          <a:lnRef idx="2">
-            <a:schemeClr val="accent1"/>
-          </a:lnRef>
-          <a:fillRef idx="0">
-            <a:schemeClr val="accent1"/>
-          </a:fillRef>
-          <a:effectRef idx="1">
-            <a:schemeClr val="accent1"/>
-          </a:effectRef>
-          <a:fontRef idx="minor">
-            <a:schemeClr val="tx1"/>
-          </a:fontRef>
-        </p:style>
-      </p:cxnSp>
-      <p:cxnSp>
-        <p:nvCxnSpPr>
-          <p:cNvPr id="9" name="直線矢印コネクタ 8"/>
-          <p:cNvCxnSpPr>
-            <a:stCxn id="6" idx="1"/>
-          </p:cNvCxnSpPr>
-          <p:nvPr/>
-        </p:nvCxnSpPr>
-        <p:spPr>
-          <a:xfrm rot="10800000">
-            <a:off x="5181600" y="4495800"/>
-            <a:ext cx="381000" cy="309266"/>
-          </a:xfrm>
-          <a:prstGeom prst="straightConnector1">
-            <a:avLst/>
-          </a:prstGeom>
-          <a:ln w="12700" cmpd="sng">
-            <a:solidFill>
-              <a:schemeClr val="tx1">
-                <a:lumMod val="65000"/>
-                <a:lumOff val="35000"/>
-              </a:schemeClr>
-            </a:solidFill>
-            <a:tailEnd type="arrow"/>
-          </a:ln>
-        </p:spPr>
-        <p:style>
-          <a:lnRef idx="2">
-            <a:schemeClr val="accent1"/>
-          </a:lnRef>
-          <a:fillRef idx="0">
-            <a:schemeClr val="accent1"/>
-          </a:fillRef>
-          <a:effectRef idx="1">
-            <a:schemeClr val="accent1"/>
-          </a:effectRef>
-          <a:fontRef idx="minor">
-            <a:schemeClr val="tx1"/>
-          </a:fontRef>
-        </p:style>
-      </p:cxnSp>
       <p:sp>
         <p:nvSpPr>
           <p:cNvPr id="13" name="テキスト ボックス 12"/>
@@ -16226,8 +16141,8 @@
         </p:nvCxnSpPr>
         <p:spPr>
           <a:xfrm rot="5400000">
-            <a:off x="6954392" y="2727475"/>
-            <a:ext cx="379513" cy="572293"/>
+            <a:off x="6840091" y="2613174"/>
+            <a:ext cx="379513" cy="800894"/>
           </a:xfrm>
           <a:prstGeom prst="straightConnector1">
             <a:avLst/>
@@ -16390,6 +16305,20 @@
             <a:r>
               <a:rPr lang="en-US" altLang="ja-JP" dirty="0" err="1" smtClean="0"/>
               <a:t>dbflute.log</a:t>
+            </a:r>
+            <a:endParaRPr lang="en-US" altLang="ja-JP" dirty="0" smtClean="0"/>
+          </a:p>
+          <a:p>
+            <a:r>
+              <a:rPr lang="ja-JP" altLang="en-US" dirty="0" smtClean="0"/>
+              <a:t>共通カラムは一括設定</a:t>
+            </a:r>
+            <a:endParaRPr lang="en-US" altLang="ja-JP" dirty="0" smtClean="0"/>
+          </a:p>
+          <a:p>
+            <a:r>
+              <a:rPr lang="ja-JP" altLang="en-US" dirty="0" smtClean="0"/>
+              <a:t>シート名に入らないテーブルに対応</a:t>
             </a:r>
             <a:endParaRPr lang="en-US" altLang="ja-JP" dirty="0" smtClean="0"/>
           </a:p>

--- a/dbflute/etc/doc/ref/session/resource/GenbaSolution2-sc2008autumn-dbflute.pptx
+++ b/dbflute/etc/doc/ref/session/resource/GenbaSolution2-sc2008autumn-dbflute.pptx
@@ -5,10 +5,10 @@
     <p:sldMasterId id="2147483660" r:id="rId1"/>
   </p:sldMasterIdLst>
   <p:notesMasterIdLst>
-    <p:notesMasterId r:id="rId36"/>
+    <p:notesMasterId r:id="rId37"/>
   </p:notesMasterIdLst>
   <p:handoutMasterIdLst>
-    <p:handoutMasterId r:id="rId37"/>
+    <p:handoutMasterId r:id="rId38"/>
   </p:handoutMasterIdLst>
   <p:sldIdLst>
     <p:sldId id="261" r:id="rId2"/>
@@ -39,12 +39,13 @@
     <p:sldId id="291" r:id="rId27"/>
     <p:sldId id="292" r:id="rId28"/>
     <p:sldId id="290" r:id="rId29"/>
-    <p:sldId id="273" r:id="rId30"/>
-    <p:sldId id="274" r:id="rId31"/>
-    <p:sldId id="275" r:id="rId32"/>
-    <p:sldId id="276" r:id="rId33"/>
-    <p:sldId id="259" r:id="rId34"/>
-    <p:sldId id="277" r:id="rId35"/>
+    <p:sldId id="293" r:id="rId30"/>
+    <p:sldId id="273" r:id="rId31"/>
+    <p:sldId id="274" r:id="rId32"/>
+    <p:sldId id="275" r:id="rId33"/>
+    <p:sldId id="276" r:id="rId34"/>
+    <p:sldId id="259" r:id="rId35"/>
+    <p:sldId id="277" r:id="rId36"/>
   </p:sldIdLst>
   <p:sldSz cx="9144000" cy="6858000" type="screen4x3"/>
   <p:notesSz cx="6858000" cy="9144000"/>
@@ -13001,7 +13002,7 @@
             </a:r>
             <a:r>
               <a:rPr lang="ja-JP" altLang="en-US" sz="4800" dirty="0" smtClean="0"/>
-              <a:t>のフロー</a:t>
+              <a:t>の概要</a:t>
             </a:r>
             <a:endParaRPr lang="ja-JP" altLang="en-US" dirty="0"/>
           </a:p>
@@ -14160,11 +14161,7 @@
             </a:br>
             <a:r>
               <a:rPr lang="ja-JP" altLang="en-US" dirty="0" smtClean="0"/>
-              <a:t>データ登録の</a:t>
-            </a:r>
-            <a:r>
-              <a:rPr lang="ja-JP" altLang="en-US" sz="4800" dirty="0" smtClean="0"/>
-              <a:t>フロー</a:t>
+              <a:t>データ登録の概要</a:t>
             </a:r>
             <a:endParaRPr lang="ja-JP" altLang="en-US" dirty="0"/>
           </a:p>
@@ -16382,175 +16379,467 @@
             <p:ph type="title"/>
           </p:nvPr>
         </p:nvSpPr>
-        <p:spPr/>
-        <p:txBody>
-          <a:bodyPr/>
-          <a:lstStyle/>
-          <a:p>
-            <a:r>
-              <a:rPr lang="en-US" altLang="ja-JP" dirty="0" smtClean="0"/>
-              <a:t>[3]</a:t>
-            </a:r>
-            <a:r>
-              <a:rPr lang="ja-JP" altLang="en-US" dirty="0" smtClean="0"/>
-              <a:t>別なんとか</a:t>
-            </a:r>
-            <a:r>
-              <a:rPr lang="en-US" altLang="ja-JP" dirty="0" smtClean="0"/>
-              <a:t>:</a:t>
-            </a:r>
-            <a:r>
-              <a:rPr lang="ja-JP" altLang="en-US" dirty="0" smtClean="0"/>
-              <a:t>悩み</a:t>
-            </a:r>
-            <a:endParaRPr lang="ja-JP" altLang="en-US" dirty="0"/>
-          </a:p>
-        </p:txBody>
-      </p:sp>
-      <p:sp>
-        <p:nvSpPr>
-          <p:cNvPr id="3" name="コンテンツ プレースホルダ 2"/>
-          <p:cNvSpPr>
-            <a:spLocks noGrp="1"/>
-          </p:cNvSpPr>
-          <p:nvPr>
-            <p:ph idx="1"/>
-          </p:nvPr>
-        </p:nvSpPr>
-        <p:spPr/>
-        <p:txBody>
-          <a:bodyPr/>
-          <a:lstStyle/>
-          <a:p>
-            <a:endParaRPr lang="en-US" altLang="ja-JP" dirty="0" smtClean="0"/>
-          </a:p>
-          <a:p>
-            <a:r>
-              <a:rPr lang="ja-JP" altLang="en-US" dirty="0" smtClean="0"/>
-              <a:t>別プロジェクトにいくと別言語・別</a:t>
-            </a:r>
-            <a:r>
-              <a:rPr lang="en-US" altLang="ja-JP" dirty="0" smtClean="0"/>
-              <a:t>DI</a:t>
-            </a:r>
-            <a:r>
-              <a:rPr lang="ja-JP" altLang="en-US" dirty="0" smtClean="0"/>
-              <a:t>コンテナだったりして、プロジェクト間の開発者の行き来がしづらい</a:t>
-            </a:r>
-            <a:endParaRPr lang="ja-JP" altLang="en-US" dirty="0"/>
-          </a:p>
-        </p:txBody>
-      </p:sp>
-      <p:sp>
-        <p:nvSpPr>
-          <p:cNvPr id="4" name="フッター プレースホルダ 3"/>
-          <p:cNvSpPr>
-            <a:spLocks noGrp="1"/>
-          </p:cNvSpPr>
-          <p:nvPr>
-            <p:ph type="ftr" sz="quarter" idx="11"/>
-          </p:nvPr>
-        </p:nvSpPr>
-        <p:spPr/>
-        <p:txBody>
-          <a:bodyPr/>
-          <a:lstStyle/>
-          <a:p>
-            <a:r>
-              <a:rPr lang="en-US" altLang="ja-JP" smtClean="0"/>
-              <a:t>Seasar Conference 2008 Autumn</a:t>
-            </a:r>
-            <a:endParaRPr lang="ja-JP" altLang="en-US"/>
-          </a:p>
-        </p:txBody>
-      </p:sp>
-      <p:sp useBgFill="1">
-        <p:nvSpPr>
-          <p:cNvPr id="6" name="円形吹き出し 5"/>
-          <p:cNvSpPr/>
-          <p:nvPr/>
-        </p:nvSpPr>
         <p:spPr>
           <a:xfrm>
-            <a:off x="2438400" y="4419600"/>
-            <a:ext cx="3505200" cy="1317554"/>
+            <a:off x="609600" y="503238"/>
+            <a:ext cx="8153400" cy="868362"/>
           </a:xfrm>
-          <a:prstGeom prst="wedgeEllipseCallout">
-            <a:avLst>
-              <a:gd name="adj1" fmla="val 73088"/>
-              <a:gd name="adj2" fmla="val 20775"/>
-            </a:avLst>
-          </a:prstGeom>
-          <a:ln>
-            <a:solidFill>
-              <a:schemeClr val="tx1">
-                <a:lumMod val="50000"/>
-                <a:lumOff val="50000"/>
-              </a:schemeClr>
-            </a:solidFill>
-          </a:ln>
-          <a:effectLst/>
         </p:spPr>
-        <p:style>
-          <a:lnRef idx="1">
-            <a:schemeClr val="accent1"/>
-          </a:lnRef>
-          <a:fillRef idx="3">
-            <a:schemeClr val="accent1"/>
-          </a:fillRef>
-          <a:effectRef idx="2">
-            <a:schemeClr val="accent1"/>
-          </a:effectRef>
-          <a:fontRef idx="minor">
-            <a:schemeClr val="lt1"/>
-          </a:fontRef>
-        </p:style>
-        <p:txBody>
-          <a:bodyPr rtlCol="0" anchor="ctr"/>
-          <a:lstStyle/>
-          <a:p>
-            <a:r>
-              <a:rPr lang="ja-JP" altLang="en-US" dirty="0" smtClean="0">
-                <a:solidFill>
-                  <a:srgbClr val="000000"/>
-                </a:solidFill>
-              </a:rPr>
-              <a:t>私がマネージャだったら、効率の良い人事に悩むわね、きっと</a:t>
-            </a:r>
-            <a:endParaRPr lang="en-US" altLang="ja-JP" dirty="0">
-              <a:solidFill>
-                <a:srgbClr val="000000"/>
-              </a:solidFill>
-            </a:endParaRPr>
-          </a:p>
-        </p:txBody>
-      </p:sp>
-      <p:pic>
-        <p:nvPicPr>
-          <p:cNvPr id="7" name="Picture 5" descr="MPj04015610000[1]"/>
-          <p:cNvPicPr>
-            <a:picLocks noChangeAspect="1" noChangeArrowheads="1"/>
-          </p:cNvPicPr>
+        <p:txBody>
+          <a:bodyPr/>
+          <a:lstStyle/>
+          <a:p>
+            <a:r>
+              <a:rPr lang="en-US" altLang="ja-JP" dirty="0" smtClean="0"/>
+              <a:t>[2]DDL</a:t>
+            </a:r>
+            <a:r>
+              <a:rPr lang="ja-JP" altLang="en-US" dirty="0" smtClean="0"/>
+              <a:t>＆データ</a:t>
+            </a:r>
+            <a:r>
+              <a:rPr lang="en-US" altLang="ja-JP" dirty="0" smtClean="0"/>
+              <a:t>:</a:t>
+            </a:r>
+            <a:br>
+              <a:rPr lang="en-US" altLang="ja-JP" dirty="0" smtClean="0"/>
+            </a:br>
+            <a:r>
+              <a:rPr lang="ja-JP" altLang="en-US" dirty="0" smtClean="0"/>
+              <a:t>チェック</a:t>
+            </a:r>
+            <a:r>
+              <a:rPr lang="en-US" altLang="ja-JP" dirty="0" smtClean="0"/>
+              <a:t>&amp;</a:t>
+            </a:r>
+            <a:r>
+              <a:rPr lang="ja-JP" altLang="en-US" dirty="0" smtClean="0"/>
+              <a:t>調整の概要</a:t>
+            </a:r>
+            <a:endParaRPr lang="ja-JP" altLang="en-US" dirty="0"/>
+          </a:p>
+        </p:txBody>
+      </p:sp>
+      <p:sp>
+        <p:nvSpPr>
+          <p:cNvPr id="3" name="コンテンツ プレースホルダ 2"/>
+          <p:cNvSpPr>
+            <a:spLocks noGrp="1"/>
+          </p:cNvSpPr>
+          <p:nvPr>
+            <p:ph idx="1"/>
+          </p:nvPr>
+        </p:nvSpPr>
+        <p:spPr>
+          <a:xfrm>
+            <a:off x="914400" y="1735138"/>
+            <a:ext cx="7313613" cy="4232106"/>
+          </a:xfrm>
+        </p:spPr>
+        <p:txBody>
+          <a:bodyPr>
+            <a:normAutofit/>
+          </a:bodyPr>
+          <a:lstStyle/>
+          <a:p>
+            <a:pPr>
+              <a:buAutoNum type="arabicPeriod"/>
+            </a:pPr>
+            <a:endParaRPr lang="en-US" altLang="ja-JP" dirty="0" smtClean="0"/>
+          </a:p>
+          <a:p>
+            <a:pPr>
+              <a:buNone/>
+            </a:pPr>
+            <a:r>
+              <a:rPr lang="en-US" altLang="ja-JP" dirty="0" smtClean="0"/>
+              <a:t>/</a:t>
+            </a:r>
+            <a:r>
+              <a:rPr lang="en-US" altLang="ja-JP" dirty="0" err="1" smtClean="0"/>
+              <a:t>playsql</a:t>
+            </a:r>
+            <a:r>
+              <a:rPr lang="en-US" altLang="ja-JP" dirty="0" smtClean="0"/>
+              <a:t>/take-finally*.</a:t>
+            </a:r>
+            <a:r>
+              <a:rPr lang="en-US" altLang="ja-JP" dirty="0" err="1" smtClean="0"/>
+              <a:t>sql</a:t>
+            </a:r>
+            <a:r>
+              <a:rPr lang="ja-JP" altLang="en-US" dirty="0" smtClean="0"/>
+              <a:t>の</a:t>
+            </a:r>
+            <a:r>
+              <a:rPr lang="en-US" altLang="ja-JP" dirty="0" smtClean="0"/>
+              <a:t>SQL</a:t>
+            </a:r>
+            <a:r>
+              <a:rPr lang="ja-JP" altLang="en-US" dirty="0" smtClean="0"/>
+              <a:t>を実行</a:t>
+            </a:r>
+            <a:endParaRPr lang="en-US" altLang="ja-JP" dirty="0" smtClean="0"/>
+          </a:p>
+          <a:p>
+            <a:pPr lvl="1">
+              <a:buFontTx/>
+              <a:buChar char="•"/>
+            </a:pPr>
+            <a:r>
+              <a:rPr lang="ja-JP" altLang="en-US" dirty="0" smtClean="0"/>
+              <a:t>基本仕様は</a:t>
+            </a:r>
+            <a:r>
+              <a:rPr lang="en-US" altLang="ja-JP" dirty="0" smtClean="0"/>
+              <a:t>replace-schema*.</a:t>
+            </a:r>
+            <a:r>
+              <a:rPr lang="en-US" altLang="ja-JP" dirty="0" err="1" smtClean="0"/>
+              <a:t>sql</a:t>
+            </a:r>
+            <a:r>
+              <a:rPr lang="ja-JP" altLang="en-US" dirty="0" smtClean="0"/>
+              <a:t>と同じ</a:t>
+            </a:r>
+            <a:endParaRPr lang="en-US" altLang="ja-JP" dirty="0" smtClean="0"/>
+          </a:p>
+          <a:p>
+            <a:pPr lvl="1">
+              <a:buFontTx/>
+              <a:buChar char="•"/>
+            </a:pPr>
+            <a:r>
+              <a:rPr lang="ja-JP" altLang="en-US" dirty="0" smtClean="0"/>
+              <a:t>データが登録された後に実行される</a:t>
+            </a:r>
+            <a:endParaRPr lang="en-US" altLang="ja-JP" dirty="0" smtClean="0"/>
+          </a:p>
+          <a:p>
+            <a:pPr lvl="2">
+              <a:buFontTx/>
+              <a:buChar char="-"/>
+            </a:pPr>
+            <a:r>
+              <a:rPr lang="ja-JP" altLang="en-US" dirty="0" smtClean="0"/>
+              <a:t>暗号化やアナライズなどデータの微調整が可能</a:t>
+            </a:r>
+            <a:endParaRPr lang="en-US" altLang="ja-JP" dirty="0" smtClean="0"/>
+          </a:p>
+          <a:p>
+            <a:pPr lvl="2">
+              <a:buFontTx/>
+              <a:buChar char="-"/>
+            </a:pPr>
+            <a:r>
+              <a:rPr lang="ja-JP" altLang="en-US" dirty="0" smtClean="0"/>
+              <a:t>データの整合性チェックが可能</a:t>
+            </a:r>
+            <a:r>
+              <a:rPr lang="en-US" altLang="ja-JP" dirty="0" smtClean="0"/>
+              <a:t>(</a:t>
+            </a:r>
+            <a:r>
+              <a:rPr lang="ja-JP" altLang="en-US" dirty="0" smtClean="0"/>
+              <a:t>業務的な制約など</a:t>
+            </a:r>
+            <a:r>
+              <a:rPr lang="en-US" altLang="ja-JP" dirty="0" smtClean="0"/>
+              <a:t>)</a:t>
+            </a:r>
+          </a:p>
+          <a:p>
+            <a:pPr lvl="1">
+              <a:buNone/>
+            </a:pPr>
+            <a:endParaRPr lang="en-US" altLang="ja-JP" dirty="0" smtClean="0"/>
+          </a:p>
+          <a:p>
+            <a:pPr>
+              <a:buNone/>
+            </a:pPr>
+            <a:endParaRPr lang="en-US" altLang="ja-JP" dirty="0" smtClean="0"/>
+          </a:p>
+          <a:p>
+            <a:pPr>
+              <a:buFontTx/>
+              <a:buChar char="•"/>
+            </a:pPr>
+            <a:endParaRPr lang="en-US" altLang="ja-JP" dirty="0" smtClean="0"/>
+          </a:p>
+          <a:p>
+            <a:pPr>
+              <a:buNone/>
+            </a:pPr>
+            <a:endParaRPr lang="en-US" altLang="ja-JP" dirty="0" smtClean="0"/>
+          </a:p>
+        </p:txBody>
+      </p:sp>
+      <p:sp>
+        <p:nvSpPr>
+          <p:cNvPr id="5" name="フッター プレースホルダ 4"/>
+          <p:cNvSpPr>
+            <a:spLocks noGrp="1"/>
+          </p:cNvSpPr>
+          <p:nvPr>
+            <p:ph type="ftr" sz="quarter" idx="11"/>
+          </p:nvPr>
+        </p:nvSpPr>
+        <p:spPr/>
+        <p:txBody>
+          <a:bodyPr/>
+          <a:lstStyle/>
+          <a:p>
+            <a:r>
+              <a:rPr lang="en-US" altLang="ja-JP" dirty="0" err="1" smtClean="0"/>
+              <a:t>Seasar</a:t>
+            </a:r>
+            <a:r>
+              <a:rPr lang="en-US" altLang="ja-JP" dirty="0" smtClean="0"/>
+              <a:t> Conference 2008 Autumn</a:t>
+            </a:r>
+            <a:endParaRPr lang="ja-JP" altLang="en-US" dirty="0"/>
+          </a:p>
+        </p:txBody>
+      </p:sp>
+      <p:sp>
+        <p:nvSpPr>
+          <p:cNvPr id="10" name="テキスト ボックス 9"/>
+          <p:cNvSpPr txBox="1"/>
           <p:nvPr/>
-        </p:nvPicPr>
-        <p:blipFill>
-          <a:blip r:embed="rId2"/>
-          <a:srcRect/>
-          <a:stretch>
-            <a:fillRect/>
-          </a:stretch>
-        </p:blipFill>
-        <p:spPr bwMode="auto">
+        </p:nvSpPr>
+        <p:spPr>
           <a:xfrm>
-            <a:off x="6781800" y="4784655"/>
-            <a:ext cx="1998662" cy="1331983"/>
+            <a:off x="2286000" y="4582249"/>
+            <a:ext cx="3029495" cy="1754327"/>
           </a:xfrm>
           <a:prstGeom prst="rect">
             <a:avLst/>
           </a:prstGeom>
           <a:noFill/>
+          <a:ln>
+            <a:gradFill flip="none" rotWithShape="1">
+              <a:gsLst>
+                <a:gs pos="0">
+                  <a:schemeClr val="bg2"/>
+                </a:gs>
+                <a:gs pos="100000">
+                  <a:srgbClr val="000000"/>
+                </a:gs>
+              </a:gsLst>
+              <a:path path="rect">
+                <a:fillToRect l="100000" t="100000"/>
+              </a:path>
+              <a:tileRect r="-100000" b="-100000"/>
+            </a:gradFill>
+            <a:prstDash val="dashDot"/>
+          </a:ln>
         </p:spPr>
-      </p:pic>
+        <p:txBody>
+          <a:bodyPr wrap="none" rtlCol="0">
+            <a:spAutoFit/>
+          </a:bodyPr>
+          <a:lstStyle/>
+          <a:p>
+            <a:r>
+              <a:rPr kumimoji="1" lang="en-US" altLang="ja-JP" dirty="0" err="1" smtClean="0"/>
+              <a:t>【</a:t>
+            </a:r>
+            <a:r>
+              <a:rPr lang="ja-JP" altLang="en-US" dirty="0" smtClean="0"/>
+              <a:t>カウント</a:t>
+            </a:r>
+            <a:r>
+              <a:rPr kumimoji="1" lang="ja-JP" altLang="en-US" dirty="0" smtClean="0"/>
+              <a:t>が</a:t>
+            </a:r>
+            <a:r>
+              <a:rPr kumimoji="1" lang="en-US" altLang="ja-JP" dirty="0" smtClean="0"/>
+              <a:t>0</a:t>
+            </a:r>
+            <a:r>
+              <a:rPr kumimoji="1" lang="ja-JP" altLang="en-US" dirty="0" smtClean="0"/>
+              <a:t>でなければ例外</a:t>
+            </a:r>
+            <a:r>
+              <a:rPr kumimoji="1" lang="en-US" altLang="ja-JP" dirty="0" err="1" smtClean="0"/>
+              <a:t>】</a:t>
+            </a:r>
+            <a:endParaRPr kumimoji="1" lang="en-US" altLang="ja-JP" dirty="0" smtClean="0"/>
+          </a:p>
+          <a:p>
+            <a:r>
+              <a:rPr kumimoji="1" lang="en-US" altLang="ja-JP" dirty="0" smtClean="0">
+                <a:solidFill>
+                  <a:srgbClr val="008000"/>
+                </a:solidFill>
+              </a:rPr>
+              <a:t>-- #</a:t>
+            </a:r>
+            <a:r>
+              <a:rPr kumimoji="1" lang="en-US" altLang="ja-JP" dirty="0" err="1" smtClean="0">
+                <a:solidFill>
+                  <a:srgbClr val="008000"/>
+                </a:solidFill>
+              </a:rPr>
+              <a:t>df:assertCountZero</a:t>
+            </a:r>
+            <a:r>
+              <a:rPr kumimoji="1" lang="en-US" altLang="ja-JP" dirty="0" smtClean="0">
+                <a:solidFill>
+                  <a:srgbClr val="008000"/>
+                </a:solidFill>
+              </a:rPr>
+              <a:t>#</a:t>
+            </a:r>
+          </a:p>
+          <a:p>
+            <a:r>
+              <a:rPr lang="en-US" altLang="ja-JP" dirty="0" smtClean="0"/>
+              <a:t>s</a:t>
+            </a:r>
+            <a:r>
+              <a:rPr lang="en-US" altLang="ja-JP" dirty="0" smtClean="0"/>
+              <a:t>elect count(*)</a:t>
+            </a:r>
+          </a:p>
+          <a:p>
+            <a:r>
+              <a:rPr kumimoji="1" lang="en-US" altLang="ja-JP" dirty="0" smtClean="0"/>
+              <a:t>  from ABC</a:t>
+            </a:r>
+          </a:p>
+          <a:p>
+            <a:r>
+              <a:rPr lang="en-US" altLang="ja-JP" dirty="0" smtClean="0"/>
+              <a:t> where …</a:t>
+            </a:r>
+          </a:p>
+          <a:p>
+            <a:r>
+              <a:rPr lang="en-US" altLang="ja-JP" dirty="0" smtClean="0"/>
+              <a:t>;</a:t>
+            </a:r>
+          </a:p>
+        </p:txBody>
+      </p:sp>
+      <p:sp>
+        <p:nvSpPr>
+          <p:cNvPr id="8" name="テキスト ボックス 7"/>
+          <p:cNvSpPr txBox="1"/>
+          <p:nvPr/>
+        </p:nvSpPr>
+        <p:spPr>
+          <a:xfrm>
+            <a:off x="5460008" y="4582249"/>
+            <a:ext cx="2768005" cy="1754327"/>
+          </a:xfrm>
+          <a:prstGeom prst="rect">
+            <a:avLst/>
+          </a:prstGeom>
+          <a:noFill/>
+          <a:ln>
+            <a:gradFill flip="none" rotWithShape="1">
+              <a:gsLst>
+                <a:gs pos="0">
+                  <a:schemeClr val="bg2"/>
+                </a:gs>
+                <a:gs pos="100000">
+                  <a:srgbClr val="000000"/>
+                </a:gs>
+              </a:gsLst>
+              <a:path path="rect">
+                <a:fillToRect l="100000" t="100000"/>
+              </a:path>
+              <a:tileRect r="-100000" b="-100000"/>
+            </a:gradFill>
+            <a:prstDash val="dashDot"/>
+          </a:ln>
+        </p:spPr>
+        <p:txBody>
+          <a:bodyPr wrap="none" rtlCol="0">
+            <a:spAutoFit/>
+          </a:bodyPr>
+          <a:lstStyle/>
+          <a:p>
+            <a:r>
+              <a:rPr kumimoji="1" lang="en-US" altLang="ja-JP" dirty="0" err="1" smtClean="0"/>
+              <a:t>【</a:t>
+            </a:r>
+            <a:r>
+              <a:rPr kumimoji="1" lang="ja-JP" altLang="en-US" dirty="0" smtClean="0"/>
+              <a:t>件数が</a:t>
+            </a:r>
+            <a:r>
+              <a:rPr kumimoji="1" lang="en-US" altLang="ja-JP" dirty="0" smtClean="0"/>
+              <a:t>0</a:t>
+            </a:r>
+            <a:r>
+              <a:rPr kumimoji="1" lang="ja-JP" altLang="en-US" dirty="0" smtClean="0"/>
+              <a:t>でなければ例外</a:t>
+            </a:r>
+            <a:r>
+              <a:rPr kumimoji="1" lang="en-US" altLang="ja-JP" dirty="0" err="1" smtClean="0"/>
+              <a:t>】</a:t>
+            </a:r>
+            <a:endParaRPr kumimoji="1" lang="en-US" altLang="ja-JP" dirty="0" smtClean="0"/>
+          </a:p>
+          <a:p>
+            <a:r>
+              <a:rPr kumimoji="1" lang="en-US" altLang="ja-JP" dirty="0" smtClean="0">
+                <a:solidFill>
+                  <a:srgbClr val="008000"/>
+                </a:solidFill>
+              </a:rPr>
+              <a:t>-- #</a:t>
+            </a:r>
+            <a:r>
+              <a:rPr kumimoji="1" lang="en-US" altLang="ja-JP" dirty="0" err="1" smtClean="0">
+                <a:solidFill>
+                  <a:srgbClr val="008000"/>
+                </a:solidFill>
+              </a:rPr>
+              <a:t>df:assertListZero</a:t>
+            </a:r>
+            <a:r>
+              <a:rPr kumimoji="1" lang="en-US" altLang="ja-JP" dirty="0" smtClean="0">
+                <a:solidFill>
+                  <a:srgbClr val="008000"/>
+                </a:solidFill>
+              </a:rPr>
+              <a:t>#</a:t>
+            </a:r>
+          </a:p>
+          <a:p>
+            <a:r>
+              <a:rPr lang="en-US" altLang="ja-JP" dirty="0" smtClean="0"/>
+              <a:t>s</a:t>
+            </a:r>
+            <a:r>
+              <a:rPr lang="en-US" altLang="ja-JP" dirty="0" smtClean="0"/>
+              <a:t>elect ABC,_ID DEF</a:t>
+            </a:r>
+          </a:p>
+          <a:p>
+            <a:r>
+              <a:rPr kumimoji="1" lang="en-US" altLang="ja-JP" dirty="0" smtClean="0"/>
+              <a:t>  from ABC</a:t>
+            </a:r>
+          </a:p>
+          <a:p>
+            <a:r>
+              <a:rPr lang="en-US" altLang="ja-JP" dirty="0" smtClean="0"/>
+              <a:t> where …</a:t>
+            </a:r>
+          </a:p>
+          <a:p>
+            <a:r>
+              <a:rPr lang="en-US" altLang="ja-JP" dirty="0" smtClean="0"/>
+              <a:t>;</a:t>
+            </a:r>
+          </a:p>
+        </p:txBody>
+      </p:sp>
     </p:spTree>
   </p:cSld>
   <p:clrMapOvr>
@@ -16739,7 +17028,7 @@
             </a:r>
             <a:r>
               <a:rPr lang="ja-JP" altLang="en-US" dirty="0" smtClean="0"/>
-              <a:t>悩み詳細</a:t>
+              <a:t>悩み</a:t>
             </a:r>
             <a:endParaRPr lang="ja-JP" altLang="en-US" dirty="0"/>
           </a:p>
@@ -16764,45 +17053,18 @@
           </a:p>
           <a:p>
             <a:r>
-              <a:rPr lang="en-US" altLang="ja-JP" dirty="0" smtClean="0"/>
-              <a:t>C#</a:t>
-            </a:r>
-            <a:r>
-              <a:rPr lang="ja-JP" altLang="en-US" dirty="0" smtClean="0"/>
-              <a:t>の仕事が増えてきた</a:t>
-            </a:r>
-            <a:endParaRPr lang="en-US" altLang="ja-JP" dirty="0" smtClean="0"/>
-          </a:p>
-          <a:p>
-            <a:pPr lvl="1"/>
-            <a:r>
-              <a:rPr lang="ja-JP" altLang="en-US" dirty="0" smtClean="0"/>
-              <a:t>言語が変わればフレームワークも変わる</a:t>
-            </a:r>
-            <a:endParaRPr lang="en-US" altLang="ja-JP" dirty="0" smtClean="0"/>
-          </a:p>
-          <a:p>
-            <a:r>
-              <a:rPr lang="en-US" altLang="ja-JP" dirty="0" smtClean="0"/>
-              <a:t>Spring Framework</a:t>
-            </a:r>
-            <a:r>
-              <a:rPr lang="ja-JP" altLang="en-US" dirty="0" smtClean="0"/>
-              <a:t>が前提の仕事もある</a:t>
-            </a:r>
-            <a:endParaRPr lang="en-US" altLang="ja-JP" dirty="0" smtClean="0"/>
-          </a:p>
-          <a:p>
-            <a:pPr lvl="1"/>
+              <a:rPr lang="ja-JP" altLang="en-US" dirty="0" smtClean="0"/>
+              <a:t>別プロジェクトにいくと別言語・別</a:t>
+            </a:r>
             <a:r>
               <a:rPr lang="en-US" altLang="ja-JP" dirty="0" smtClean="0"/>
               <a:t>DI</a:t>
             </a:r>
             <a:r>
               <a:rPr lang="ja-JP" altLang="en-US" dirty="0" smtClean="0"/>
-              <a:t>コンテナが変わればフレームワークも変わる</a:t>
-            </a:r>
-            <a:endParaRPr lang="en-US" altLang="ja-JP" dirty="0" smtClean="0"/>
+              <a:t>コンテナだったりして、プロジェクト間の開発者の行き来がしづらい</a:t>
+            </a:r>
+            <a:endParaRPr lang="ja-JP" altLang="en-US" dirty="0"/>
           </a:p>
         </p:txBody>
       </p:sp>
@@ -16837,13 +17099,13 @@
         </p:nvSpPr>
         <p:spPr>
           <a:xfrm>
-            <a:off x="914400" y="4572001"/>
-            <a:ext cx="5562600" cy="1165154"/>
+            <a:off x="2438400" y="4419600"/>
+            <a:ext cx="3505200" cy="1317554"/>
           </a:xfrm>
           <a:prstGeom prst="wedgeEllipseCallout">
             <a:avLst>
-              <a:gd name="adj1" fmla="val 54884"/>
-              <a:gd name="adj2" fmla="val 16841"/>
+              <a:gd name="adj1" fmla="val 73088"/>
+              <a:gd name="adj2" fmla="val 20775"/>
             </a:avLst>
           </a:prstGeom>
           <a:ln>
@@ -16880,22 +17142,7 @@
                   <a:srgbClr val="000000"/>
                 </a:solidFill>
               </a:rPr>
-              <a:t>別のプロジェクトに行きたくない。。。</a:t>
-            </a:r>
-            <a:endParaRPr lang="en-US" altLang="ja-JP" dirty="0" smtClean="0">
-              <a:solidFill>
-                <a:srgbClr val="000000"/>
-              </a:solidFill>
-            </a:endParaRPr>
-          </a:p>
-          <a:p>
-            <a:r>
-              <a:rPr lang="ja-JP" altLang="en-US" dirty="0" smtClean="0">
-                <a:solidFill>
-                  <a:srgbClr val="000000"/>
-                </a:solidFill>
-              </a:rPr>
-              <a:t>残して！今のプロジェクトに残してー！</a:t>
+              <a:t>私がマネージャだったら、効率の良い人事に悩むわね、きっと</a:t>
             </a:r>
             <a:endParaRPr lang="en-US" altLang="ja-JP" dirty="0">
               <a:solidFill>
@@ -16984,12 +17231,8 @@
               <a:t>:</a:t>
             </a:r>
             <a:r>
-              <a:rPr lang="en-US" altLang="ja-JP" dirty="0" err="1" smtClean="0"/>
-              <a:t>DBFlute</a:t>
-            </a:r>
-            <a:r>
-              <a:rPr lang="ja-JP" altLang="en-US" dirty="0" smtClean="0"/>
-              <a:t>なら</a:t>
+              <a:rPr lang="ja-JP" altLang="en-US" dirty="0" smtClean="0"/>
+              <a:t>悩み詳細</a:t>
             </a:r>
             <a:endParaRPr lang="ja-JP" altLang="en-US" dirty="0"/>
           </a:p>
@@ -17007,36 +17250,58 @@
         </p:nvSpPr>
         <p:spPr/>
         <p:txBody>
-          <a:bodyPr>
-            <a:normAutofit/>
-          </a:bodyPr>
-          <a:lstStyle/>
-          <a:p>
-            <a:pPr algn="ctr"/>
-            <a:endParaRPr lang="en-US" altLang="ja-JP" sz="4400" dirty="0" smtClean="0"/>
-          </a:p>
-          <a:p>
-            <a:pPr algn="ctr">
-              <a:buNone/>
-            </a:pPr>
-            <a:r>
-              <a:rPr lang="en-US" altLang="ja-JP" sz="4400" dirty="0" err="1" smtClean="0"/>
-              <a:t>DBFlute</a:t>
-            </a:r>
-            <a:r>
-              <a:rPr lang="ja-JP" altLang="en-US" sz="4400" dirty="0" smtClean="0"/>
-              <a:t>なら</a:t>
-            </a:r>
-            <a:r>
-              <a:rPr lang="en-US" altLang="ja-JP" sz="4400" dirty="0" smtClean="0"/>
-              <a:t>…</a:t>
-            </a:r>
-          </a:p>
-        </p:txBody>
-      </p:sp>
-      <p:sp>
-        <p:nvSpPr>
-          <p:cNvPr id="5" name="フッター プレースホルダ 4"/>
+          <a:bodyPr/>
+          <a:lstStyle/>
+          <a:p>
+            <a:endParaRPr lang="en-US" altLang="ja-JP" dirty="0" smtClean="0"/>
+          </a:p>
+          <a:p>
+            <a:r>
+              <a:rPr lang="en-US" altLang="ja-JP" dirty="0" smtClean="0"/>
+              <a:t>C#</a:t>
+            </a:r>
+            <a:r>
+              <a:rPr lang="ja-JP" altLang="en-US" dirty="0" smtClean="0"/>
+              <a:t>の仕事が増えてきた</a:t>
+            </a:r>
+            <a:endParaRPr lang="en-US" altLang="ja-JP" dirty="0" smtClean="0"/>
+          </a:p>
+          <a:p>
+            <a:pPr lvl="1"/>
+            <a:r>
+              <a:rPr lang="ja-JP" altLang="en-US" dirty="0" smtClean="0"/>
+              <a:t>言語が変わればフレームワークも変わる</a:t>
+            </a:r>
+            <a:endParaRPr lang="en-US" altLang="ja-JP" dirty="0" smtClean="0"/>
+          </a:p>
+          <a:p>
+            <a:r>
+              <a:rPr lang="en-US" altLang="ja-JP" dirty="0" smtClean="0"/>
+              <a:t>Spring Framework</a:t>
+            </a:r>
+            <a:r>
+              <a:rPr lang="ja-JP" altLang="en-US" dirty="0" smtClean="0"/>
+              <a:t>が前提の仕事もある</a:t>
+            </a:r>
+            <a:endParaRPr lang="en-US" altLang="ja-JP" dirty="0" smtClean="0"/>
+          </a:p>
+          <a:p>
+            <a:pPr lvl="1"/>
+            <a:r>
+              <a:rPr lang="en-US" altLang="ja-JP" dirty="0" smtClean="0"/>
+              <a:t>DI</a:t>
+            </a:r>
+            <a:r>
+              <a:rPr lang="ja-JP" altLang="en-US" dirty="0" smtClean="0"/>
+              <a:t>コンテナが変わればフレームワークも変わる</a:t>
+            </a:r>
+            <a:endParaRPr lang="en-US" altLang="ja-JP" dirty="0" smtClean="0"/>
+          </a:p>
+        </p:txBody>
+      </p:sp>
+      <p:sp>
+        <p:nvSpPr>
+          <p:cNvPr id="4" name="フッター プレースホルダ 3"/>
           <p:cNvSpPr>
             <a:spLocks noGrp="1"/>
           </p:cNvSpPr>
@@ -17057,6 +17322,108 @@
           </a:p>
         </p:txBody>
       </p:sp>
+      <p:sp useBgFill="1">
+        <p:nvSpPr>
+          <p:cNvPr id="6" name="円形吹き出し 5"/>
+          <p:cNvSpPr/>
+          <p:nvPr/>
+        </p:nvSpPr>
+        <p:spPr>
+          <a:xfrm>
+            <a:off x="914400" y="4572001"/>
+            <a:ext cx="5562600" cy="1165154"/>
+          </a:xfrm>
+          <a:prstGeom prst="wedgeEllipseCallout">
+            <a:avLst>
+              <a:gd name="adj1" fmla="val 54884"/>
+              <a:gd name="adj2" fmla="val 16841"/>
+            </a:avLst>
+          </a:prstGeom>
+          <a:ln>
+            <a:solidFill>
+              <a:schemeClr val="tx1">
+                <a:lumMod val="50000"/>
+                <a:lumOff val="50000"/>
+              </a:schemeClr>
+            </a:solidFill>
+          </a:ln>
+          <a:effectLst/>
+        </p:spPr>
+        <p:style>
+          <a:lnRef idx="1">
+            <a:schemeClr val="accent1"/>
+          </a:lnRef>
+          <a:fillRef idx="3">
+            <a:schemeClr val="accent1"/>
+          </a:fillRef>
+          <a:effectRef idx="2">
+            <a:schemeClr val="accent1"/>
+          </a:effectRef>
+          <a:fontRef idx="minor">
+            <a:schemeClr val="lt1"/>
+          </a:fontRef>
+        </p:style>
+        <p:txBody>
+          <a:bodyPr rtlCol="0" anchor="ctr"/>
+          <a:lstStyle/>
+          <a:p>
+            <a:r>
+              <a:rPr lang="ja-JP" altLang="en-US" dirty="0" smtClean="0">
+                <a:solidFill>
+                  <a:srgbClr val="000000"/>
+                </a:solidFill>
+              </a:rPr>
+              <a:t>別のプロジェクトに行きたくない。。。</a:t>
+            </a:r>
+            <a:endParaRPr lang="en-US" altLang="ja-JP" dirty="0" smtClean="0">
+              <a:solidFill>
+                <a:srgbClr val="000000"/>
+              </a:solidFill>
+            </a:endParaRPr>
+          </a:p>
+          <a:p>
+            <a:r>
+              <a:rPr lang="ja-JP" altLang="en-US" dirty="0" smtClean="0">
+                <a:solidFill>
+                  <a:srgbClr val="000000"/>
+                </a:solidFill>
+              </a:rPr>
+              <a:t>残して！今のプロジェクトに残してー！</a:t>
+            </a:r>
+            <a:endParaRPr lang="en-US" altLang="ja-JP" dirty="0">
+              <a:solidFill>
+                <a:srgbClr val="000000"/>
+              </a:solidFill>
+            </a:endParaRPr>
+          </a:p>
+        </p:txBody>
+      </p:sp>
+      <p:pic>
+        <p:nvPicPr>
+          <p:cNvPr id="7" name="Picture 5" descr="MPj04015610000[1]"/>
+          <p:cNvPicPr>
+            <a:picLocks noChangeAspect="1" noChangeArrowheads="1"/>
+          </p:cNvPicPr>
+          <p:nvPr/>
+        </p:nvPicPr>
+        <p:blipFill>
+          <a:blip r:embed="rId2"/>
+          <a:srcRect/>
+          <a:stretch>
+            <a:fillRect/>
+          </a:stretch>
+        </p:blipFill>
+        <p:spPr bwMode="auto">
+          <a:xfrm>
+            <a:off x="6781800" y="4784655"/>
+            <a:ext cx="1998662" cy="1331983"/>
+          </a:xfrm>
+          <a:prstGeom prst="rect">
+            <a:avLst/>
+          </a:prstGeom>
+          <a:noFill/>
+        </p:spPr>
+      </p:pic>
     </p:spTree>
   </p:cSld>
   <p:clrMapOvr>
@@ -17092,12 +17459,7 @@
             <p:ph type="title"/>
           </p:nvPr>
         </p:nvSpPr>
-        <p:spPr>
-          <a:xfrm>
-            <a:off x="457200" y="503238"/>
-            <a:ext cx="8382000" cy="868362"/>
-          </a:xfrm>
-        </p:spPr>
+        <p:spPr/>
         <p:txBody>
           <a:bodyPr/>
           <a:lstStyle/>
@@ -17115,8 +17477,12 @@
               <a:t>:</a:t>
             </a:r>
             <a:r>
-              <a:rPr lang="ja-JP" altLang="en-US" dirty="0" smtClean="0"/>
-              <a:t>別言語・別コンテナ</a:t>
+              <a:rPr lang="en-US" altLang="ja-JP" dirty="0" err="1" smtClean="0"/>
+              <a:t>DBFlute</a:t>
+            </a:r>
+            <a:r>
+              <a:rPr lang="ja-JP" altLang="en-US" dirty="0" smtClean="0"/>
+              <a:t>なら</a:t>
             </a:r>
             <a:endParaRPr lang="ja-JP" altLang="en-US" dirty="0"/>
           </a:p>
@@ -17135,7 +17501,7 @@
         <p:spPr/>
         <p:txBody>
           <a:bodyPr>
-            <a:normAutofit fontScale="92500" lnSpcReduction="10000"/>
+            <a:normAutofit/>
           </a:bodyPr>
           <a:lstStyle/>
           <a:p>
@@ -17147,58 +17513,17 @@
               <a:buNone/>
             </a:pPr>
             <a:r>
-              <a:rPr lang="en-US" altLang="ja-JP" sz="4400" dirty="0" smtClean="0"/>
-              <a:t>C#</a:t>
-            </a:r>
-            <a:r>
-              <a:rPr lang="ja-JP" altLang="en-US" sz="4400" dirty="0" smtClean="0"/>
-              <a:t>版の</a:t>
-            </a:r>
-            <a:r>
               <a:rPr lang="en-US" altLang="ja-JP" sz="4400" dirty="0" err="1" smtClean="0"/>
               <a:t>DBFlute</a:t>
             </a:r>
             <a:r>
+              <a:rPr lang="ja-JP" altLang="en-US" sz="4400" dirty="0" smtClean="0"/>
+              <a:t>なら</a:t>
+            </a:r>
+            <a:r>
               <a:rPr lang="en-US" altLang="ja-JP" sz="4400" dirty="0" smtClean="0"/>
-              <a:t>!</a:t>
-            </a:r>
-          </a:p>
-          <a:p>
-            <a:pPr algn="ctr">
-              <a:buNone/>
-            </a:pPr>
-            <a:r>
-              <a:rPr lang="en-US" altLang="ja-JP" sz="4400" dirty="0" smtClean="0"/>
-              <a:t>Spring</a:t>
-            </a:r>
-            <a:r>
-              <a:rPr lang="ja-JP" altLang="en-US" sz="4400" dirty="0" smtClean="0"/>
-              <a:t>版の</a:t>
-            </a:r>
-            <a:r>
-              <a:rPr lang="en-US" altLang="ja-JP" sz="4400" dirty="0" err="1" smtClean="0"/>
-              <a:t>DBFlute</a:t>
-            </a:r>
-            <a:r>
-              <a:rPr lang="en-US" altLang="ja-JP" sz="4400" dirty="0" smtClean="0"/>
-              <a:t>!</a:t>
-            </a:r>
-          </a:p>
-          <a:p>
-            <a:pPr algn="ctr">
-              <a:buNone/>
-            </a:pPr>
-            <a:endParaRPr lang="en-US" altLang="ja-JP" sz="4400" dirty="0" smtClean="0"/>
-          </a:p>
-          <a:p>
-            <a:pPr algn="ctr">
-              <a:buNone/>
-            </a:pPr>
-            <a:r>
-              <a:rPr lang="ja-JP" altLang="en-US" sz="4400" dirty="0" smtClean="0"/>
-              <a:t>詳細は本番当日にて！</a:t>
-            </a:r>
-            <a:endParaRPr lang="en-US" altLang="ja-JP" sz="4400" dirty="0" smtClean="0"/>
+              <a:t>…</a:t>
+            </a:r>
           </a:p>
         </p:txBody>
       </p:sp>
@@ -17260,39 +17585,98 @@
             <p:ph type="title"/>
           </p:nvPr>
         </p:nvSpPr>
+        <p:spPr>
+          <a:xfrm>
+            <a:off x="457200" y="503238"/>
+            <a:ext cx="8382000" cy="868362"/>
+          </a:xfrm>
+        </p:spPr>
+        <p:txBody>
+          <a:bodyPr/>
+          <a:lstStyle/>
+          <a:p>
+            <a:r>
+              <a:rPr lang="en-US" altLang="ja-JP" dirty="0" smtClean="0"/>
+              <a:t>[3]</a:t>
+            </a:r>
+            <a:r>
+              <a:rPr lang="ja-JP" altLang="en-US" dirty="0" smtClean="0"/>
+              <a:t>別なんとか</a:t>
+            </a:r>
+            <a:r>
+              <a:rPr lang="en-US" altLang="ja-JP" dirty="0" smtClean="0"/>
+              <a:t>:</a:t>
+            </a:r>
+            <a:r>
+              <a:rPr lang="ja-JP" altLang="en-US" dirty="0" smtClean="0"/>
+              <a:t>別言語・別コンテナ</a:t>
+            </a:r>
+            <a:endParaRPr lang="ja-JP" altLang="en-US" dirty="0"/>
+          </a:p>
+        </p:txBody>
+      </p:sp>
+      <p:sp>
+        <p:nvSpPr>
+          <p:cNvPr id="3" name="コンテンツ プレースホルダ 2"/>
+          <p:cNvSpPr>
+            <a:spLocks noGrp="1"/>
+          </p:cNvSpPr>
+          <p:nvPr>
+            <p:ph idx="1"/>
+          </p:nvPr>
+        </p:nvSpPr>
         <p:spPr/>
         <p:txBody>
-          <a:bodyPr/>
-          <a:lstStyle/>
-          <a:p>
-            <a:r>
-              <a:rPr lang="en-US" altLang="ja-JP" dirty="0" err="1" smtClean="0"/>
+          <a:bodyPr>
+            <a:normAutofit fontScale="92500" lnSpcReduction="10000"/>
+          </a:bodyPr>
+          <a:lstStyle/>
+          <a:p>
+            <a:pPr algn="ctr"/>
+            <a:endParaRPr lang="en-US" altLang="ja-JP" sz="4400" dirty="0" smtClean="0"/>
+          </a:p>
+          <a:p>
+            <a:pPr algn="ctr">
+              <a:buNone/>
+            </a:pPr>
+            <a:r>
+              <a:rPr lang="en-US" altLang="ja-JP" sz="4400" dirty="0" smtClean="0"/>
+              <a:t>C#</a:t>
+            </a:r>
+            <a:r>
+              <a:rPr lang="ja-JP" altLang="en-US" sz="4400" dirty="0" smtClean="0"/>
+              <a:t>版の</a:t>
+            </a:r>
+            <a:r>
+              <a:rPr lang="en-US" altLang="ja-JP" sz="4400" dirty="0" err="1" smtClean="0"/>
               <a:t>DBFlute</a:t>
             </a:r>
             <a:r>
-              <a:rPr lang="ja-JP" altLang="en-US" dirty="0" smtClean="0"/>
-              <a:t>今後の展望</a:t>
-            </a:r>
-            <a:endParaRPr lang="ja-JP" altLang="en-US" dirty="0"/>
-          </a:p>
-        </p:txBody>
-      </p:sp>
-      <p:sp>
-        <p:nvSpPr>
-          <p:cNvPr id="3" name="コンテンツ プレースホルダ 2"/>
-          <p:cNvSpPr>
-            <a:spLocks noGrp="1"/>
-          </p:cNvSpPr>
-          <p:nvPr>
-            <p:ph idx="1"/>
-          </p:nvPr>
-        </p:nvSpPr>
-        <p:spPr/>
-        <p:txBody>
-          <a:bodyPr>
-            <a:normAutofit/>
-          </a:bodyPr>
-          <a:lstStyle/>
+              <a:rPr lang="en-US" altLang="ja-JP" sz="4400" dirty="0" smtClean="0"/>
+              <a:t>!</a:t>
+            </a:r>
+          </a:p>
+          <a:p>
+            <a:pPr algn="ctr">
+              <a:buNone/>
+            </a:pPr>
+            <a:r>
+              <a:rPr lang="en-US" altLang="ja-JP" sz="4400" dirty="0" smtClean="0"/>
+              <a:t>Spring</a:t>
+            </a:r>
+            <a:r>
+              <a:rPr lang="ja-JP" altLang="en-US" sz="4400" dirty="0" smtClean="0"/>
+              <a:t>版の</a:t>
+            </a:r>
+            <a:r>
+              <a:rPr lang="en-US" altLang="ja-JP" sz="4400" dirty="0" err="1" smtClean="0"/>
+              <a:t>DBFlute</a:t>
+            </a:r>
+            <a:r>
+              <a:rPr lang="en-US" altLang="ja-JP" sz="4400" dirty="0" smtClean="0"/>
+              <a:t>!</a:t>
+            </a:r>
+          </a:p>
           <a:p>
             <a:pPr algn="ctr">
               <a:buNone/>
@@ -17309,17 +17693,11 @@
             </a:r>
             <a:endParaRPr lang="en-US" altLang="ja-JP" sz="4400" dirty="0" smtClean="0"/>
           </a:p>
-          <a:p>
-            <a:pPr algn="ctr">
-              <a:buNone/>
-            </a:pPr>
-            <a:endParaRPr lang="ja-JP" altLang="en-US" sz="4400" dirty="0"/>
-          </a:p>
-        </p:txBody>
-      </p:sp>
-      <p:sp>
-        <p:nvSpPr>
-          <p:cNvPr id="4" name="フッター プレースホルダ 3"/>
+        </p:txBody>
+      </p:sp>
+      <p:sp>
+        <p:nvSpPr>
+          <p:cNvPr id="5" name="フッター プレースホルダ 4"/>
           <p:cNvSpPr>
             <a:spLocks noGrp="1"/>
           </p:cNvSpPr>
@@ -17349,6 +17727,121 @@
 </file>
 
 <file path=ppt/slides/slide34.xml><?xml version="1.0" encoding="utf-8"?>
+<p:sld xmlns:a="http://schemas.openxmlformats.org/drawingml/2006/main" xmlns:r="http://schemas.openxmlformats.org/officeDocument/2006/relationships" xmlns:mc="http://schemas.openxmlformats.org/markup-compatibility/2006" xmlns:mv="urn:schemas-microsoft-com:mac:vml" xmlns:p="http://schemas.openxmlformats.org/presentationml/2006/main" mc:Ignorable="mv" mc:PreserveAttributes="mv:*">
+  <p:cSld>
+    <p:spTree>
+      <p:nvGrpSpPr>
+        <p:cNvPr id="1" name=""/>
+        <p:cNvGrpSpPr/>
+        <p:nvPr/>
+      </p:nvGrpSpPr>
+      <p:grpSpPr>
+        <a:xfrm>
+          <a:off x="0" y="0"/>
+          <a:ext cx="0" cy="0"/>
+          <a:chOff x="0" y="0"/>
+          <a:chExt cx="0" cy="0"/>
+        </a:xfrm>
+      </p:grpSpPr>
+      <p:sp>
+        <p:nvSpPr>
+          <p:cNvPr id="2" name="タイトル 1"/>
+          <p:cNvSpPr>
+            <a:spLocks noGrp="1"/>
+          </p:cNvSpPr>
+          <p:nvPr>
+            <p:ph type="title"/>
+          </p:nvPr>
+        </p:nvSpPr>
+        <p:spPr/>
+        <p:txBody>
+          <a:bodyPr/>
+          <a:lstStyle/>
+          <a:p>
+            <a:r>
+              <a:rPr lang="en-US" altLang="ja-JP" dirty="0" err="1" smtClean="0"/>
+              <a:t>DBFlute</a:t>
+            </a:r>
+            <a:r>
+              <a:rPr lang="ja-JP" altLang="en-US" dirty="0" smtClean="0"/>
+              <a:t>今後の展望</a:t>
+            </a:r>
+            <a:endParaRPr lang="ja-JP" altLang="en-US" dirty="0"/>
+          </a:p>
+        </p:txBody>
+      </p:sp>
+      <p:sp>
+        <p:nvSpPr>
+          <p:cNvPr id="3" name="コンテンツ プレースホルダ 2"/>
+          <p:cNvSpPr>
+            <a:spLocks noGrp="1"/>
+          </p:cNvSpPr>
+          <p:nvPr>
+            <p:ph idx="1"/>
+          </p:nvPr>
+        </p:nvSpPr>
+        <p:spPr/>
+        <p:txBody>
+          <a:bodyPr>
+            <a:normAutofit/>
+          </a:bodyPr>
+          <a:lstStyle/>
+          <a:p>
+            <a:pPr algn="ctr">
+              <a:buNone/>
+            </a:pPr>
+            <a:endParaRPr lang="en-US" altLang="ja-JP" sz="4400" dirty="0" smtClean="0"/>
+          </a:p>
+          <a:p>
+            <a:pPr algn="ctr">
+              <a:buNone/>
+            </a:pPr>
+            <a:r>
+              <a:rPr lang="ja-JP" altLang="en-US" sz="4400" dirty="0" smtClean="0"/>
+              <a:t>詳細は本番当日にて！</a:t>
+            </a:r>
+            <a:endParaRPr lang="en-US" altLang="ja-JP" sz="4400" dirty="0" smtClean="0"/>
+          </a:p>
+          <a:p>
+            <a:pPr algn="ctr">
+              <a:buNone/>
+            </a:pPr>
+            <a:endParaRPr lang="ja-JP" altLang="en-US" sz="4400" dirty="0"/>
+          </a:p>
+        </p:txBody>
+      </p:sp>
+      <p:sp>
+        <p:nvSpPr>
+          <p:cNvPr id="4" name="フッター プレースホルダ 3"/>
+          <p:cNvSpPr>
+            <a:spLocks noGrp="1"/>
+          </p:cNvSpPr>
+          <p:nvPr>
+            <p:ph type="ftr" sz="quarter" idx="11"/>
+          </p:nvPr>
+        </p:nvSpPr>
+        <p:spPr/>
+        <p:txBody>
+          <a:bodyPr/>
+          <a:lstStyle/>
+          <a:p>
+            <a:r>
+              <a:rPr lang="en-US" altLang="ja-JP" smtClean="0"/>
+              <a:t>Seasar Conference 2008 Autumn</a:t>
+            </a:r>
+            <a:endParaRPr lang="ja-JP" altLang="en-US"/>
+          </a:p>
+        </p:txBody>
+      </p:sp>
+    </p:spTree>
+  </p:cSld>
+  <p:clrMapOvr>
+    <a:masterClrMapping/>
+  </p:clrMapOvr>
+</p:sld>
+</file>
+
+<file path=ppt/slides/slide35.xml><?xml version="1.0" encoding="utf-8"?>
 <p:sld xmlns:a="http://schemas.openxmlformats.org/drawingml/2006/main" xmlns:r="http://schemas.openxmlformats.org/officeDocument/2006/relationships" xmlns:mc="http://schemas.openxmlformats.org/markup-compatibility/2006" xmlns:mv="urn:schemas-microsoft-com:mac:vml" xmlns:p="http://schemas.openxmlformats.org/presentationml/2006/main" mc:Ignorable="mv" mc:PreserveAttributes="mv:*">
   <p:cSld>
     <p:spTree>

--- a/dbflute/etc/doc/ref/session/resource/GenbaSolution2-sc2008autumn-dbflute.pptx
+++ b/dbflute/etc/doc/ref/session/resource/GenbaSolution2-sc2008autumn-dbflute.pptx
@@ -5,10 +5,10 @@
     <p:sldMasterId id="2147483660" r:id="rId1"/>
   </p:sldMasterIdLst>
   <p:notesMasterIdLst>
-    <p:notesMasterId r:id="rId37"/>
+    <p:notesMasterId r:id="rId39"/>
   </p:notesMasterIdLst>
   <p:handoutMasterIdLst>
-    <p:handoutMasterId r:id="rId38"/>
+    <p:handoutMasterId r:id="rId40"/>
   </p:handoutMasterIdLst>
   <p:sldIdLst>
     <p:sldId id="261" r:id="rId2"/>
@@ -40,12 +40,14 @@
     <p:sldId id="292" r:id="rId28"/>
     <p:sldId id="290" r:id="rId29"/>
     <p:sldId id="293" r:id="rId30"/>
-    <p:sldId id="273" r:id="rId31"/>
-    <p:sldId id="274" r:id="rId32"/>
-    <p:sldId id="275" r:id="rId33"/>
-    <p:sldId id="276" r:id="rId34"/>
-    <p:sldId id="259" r:id="rId35"/>
-    <p:sldId id="277" r:id="rId36"/>
+    <p:sldId id="294" r:id="rId31"/>
+    <p:sldId id="295" r:id="rId32"/>
+    <p:sldId id="273" r:id="rId33"/>
+    <p:sldId id="274" r:id="rId34"/>
+    <p:sldId id="275" r:id="rId35"/>
+    <p:sldId id="276" r:id="rId36"/>
+    <p:sldId id="259" r:id="rId37"/>
+    <p:sldId id="277" r:id="rId38"/>
   </p:sldIdLst>
   <p:sldSz cx="9144000" cy="6858000" type="screen4x3"/>
   <p:notesSz cx="6858000" cy="9144000"/>
@@ -690,6 +692,88 @@
     </a:lvl9pPr>
   </p:notesStyle>
 </p:notesMaster>
+</file>
+
+<file path=ppt/notesSlides/notesSlide1.xml><?xml version="1.0" encoding="utf-8"?>
+<p:notes xmlns:a="http://schemas.openxmlformats.org/drawingml/2006/main" xmlns:r="http://schemas.openxmlformats.org/officeDocument/2006/relationships" xmlns:mc="http://schemas.openxmlformats.org/markup-compatibility/2006" xmlns:mv="urn:schemas-microsoft-com:mac:vml" xmlns:p="http://schemas.openxmlformats.org/presentationml/2006/main" mc:Ignorable="mv" mc:PreserveAttributes="mv:*">
+  <p:cSld>
+    <p:spTree>
+      <p:nvGrpSpPr>
+        <p:cNvPr id="1" name=""/>
+        <p:cNvGrpSpPr/>
+        <p:nvPr/>
+      </p:nvGrpSpPr>
+      <p:grpSpPr>
+        <a:xfrm>
+          <a:off x="0" y="0"/>
+          <a:ext cx="0" cy="0"/>
+          <a:chOff x="0" y="0"/>
+          <a:chExt cx="0" cy="0"/>
+        </a:xfrm>
+      </p:grpSpPr>
+      <p:sp>
+        <p:nvSpPr>
+          <p:cNvPr id="2" name="スライド イメージ プレースホルダ 1"/>
+          <p:cNvSpPr>
+            <a:spLocks noGrp="1" noRot="1" noChangeAspect="1"/>
+          </p:cNvSpPr>
+          <p:nvPr>
+            <p:ph type="sldImg"/>
+          </p:nvPr>
+        </p:nvSpPr>
+        <p:spPr/>
+      </p:sp>
+      <p:sp>
+        <p:nvSpPr>
+          <p:cNvPr id="3" name="ノート プレースホルダ 2"/>
+          <p:cNvSpPr>
+            <a:spLocks noGrp="1"/>
+          </p:cNvSpPr>
+          <p:nvPr>
+            <p:ph type="body" idx="1"/>
+          </p:nvPr>
+        </p:nvSpPr>
+        <p:spPr/>
+        <p:txBody>
+          <a:bodyPr>
+            <a:normAutofit/>
+          </a:bodyPr>
+          <a:lstStyle/>
+          <a:p>
+            <a:endParaRPr lang="ja-JP" altLang="en-US" dirty="0"/>
+          </a:p>
+        </p:txBody>
+      </p:sp>
+      <p:sp>
+        <p:nvSpPr>
+          <p:cNvPr id="4" name="スライド番号プレースホルダ 3"/>
+          <p:cNvSpPr>
+            <a:spLocks noGrp="1"/>
+          </p:cNvSpPr>
+          <p:nvPr>
+            <p:ph type="sldNum" sz="quarter" idx="10"/>
+          </p:nvPr>
+        </p:nvSpPr>
+        <p:spPr/>
+        <p:txBody>
+          <a:bodyPr/>
+          <a:lstStyle/>
+          <a:p>
+            <a:fld id="{9847F7D4-47DA-9C47-AA03-572F3D147FCD}" type="slidenum">
+              <a:rPr lang="ja-JP" altLang="en-US" smtClean="0"/>
+              <a:pPr/>
+              <a:t>25</a:t>
+            </a:fld>
+            <a:endParaRPr lang="ja-JP" altLang="en-US"/>
+          </a:p>
+        </p:txBody>
+      </p:sp>
+    </p:spTree>
+  </p:cSld>
+  <p:clrMapOvr>
+    <a:masterClrMapping/>
+  </p:clrMapOvr>
+</p:notes>
 </file>
 
 <file path=ppt/slideLayouts/slideLayout1.xml><?xml version="1.0" encoding="utf-8"?>
@@ -14902,10 +14986,10 @@
             <a:endParaRPr lang="en-US" altLang="ja-JP" dirty="0" smtClean="0"/>
           </a:p>
           <a:p>
-            <a:pPr lvl="1"/>
-            <a:r>
-              <a:rPr lang="ja-JP" altLang="en-US" dirty="0" smtClean="0"/>
-              <a:t>トリムしないカラムを指定可能</a:t>
+            <a:pPr lvl="2"/>
+            <a:r>
+              <a:rPr lang="ja-JP" altLang="en-US" dirty="0" smtClean="0"/>
+              <a:t>トリムしないカラムは指定可能</a:t>
             </a:r>
             <a:r>
               <a:rPr lang="en-US" altLang="ja-JP" dirty="0" smtClean="0"/>
@@ -16258,7 +16342,7 @@
         <p:spPr/>
         <p:txBody>
           <a:bodyPr>
-            <a:normAutofit/>
+            <a:normAutofit fontScale="92500" lnSpcReduction="20000"/>
           </a:bodyPr>
           <a:lstStyle/>
           <a:p>
@@ -16275,6 +16359,25 @@
             <a:r>
               <a:rPr lang="ja-JP" altLang="en-US" dirty="0" smtClean="0"/>
               <a:t>データが編集しやすいエクセル管理</a:t>
+            </a:r>
+            <a:endParaRPr lang="en-US" altLang="ja-JP" dirty="0" smtClean="0"/>
+          </a:p>
+          <a:p>
+            <a:r>
+              <a:rPr lang="ja-JP" altLang="en-US" dirty="0" smtClean="0"/>
+              <a:t>テストデータの一元管理</a:t>
+            </a:r>
+            <a:r>
+              <a:rPr lang="en-US" altLang="ja-JP" dirty="0" smtClean="0"/>
+              <a:t>(</a:t>
+            </a:r>
+            <a:r>
+              <a:rPr lang="ja-JP" altLang="en-US" dirty="0" smtClean="0"/>
+              <a:t>単体テストのスピード向上</a:t>
+            </a:r>
+            <a:r>
+              <a:rPr lang="en-US" altLang="ja-JP" dirty="0" smtClean="0"/>
+              <a:t>)</a:t>
             </a:r>
             <a:endParaRPr lang="en-US" altLang="ja-JP" dirty="0" smtClean="0"/>
           </a:p>
@@ -16406,7 +16509,7 @@
             </a:br>
             <a:r>
               <a:rPr lang="ja-JP" altLang="en-US" dirty="0" smtClean="0"/>
-              <a:t>チェック</a:t>
+              <a:t>データチェック</a:t>
             </a:r>
             <a:r>
               <a:rPr lang="en-US" altLang="ja-JP" dirty="0" smtClean="0"/>
@@ -17009,6 +17112,497 @@
             <p:ph type="title"/>
           </p:nvPr>
         </p:nvSpPr>
+        <p:spPr>
+          <a:xfrm>
+            <a:off x="457200" y="503238"/>
+            <a:ext cx="8305800" cy="868362"/>
+          </a:xfrm>
+        </p:spPr>
+        <p:txBody>
+          <a:bodyPr/>
+          <a:lstStyle/>
+          <a:p>
+            <a:r>
+              <a:rPr lang="en-US" altLang="ja-JP" dirty="0" smtClean="0"/>
+              <a:t>[2]DDL</a:t>
+            </a:r>
+            <a:r>
+              <a:rPr lang="ja-JP" altLang="en-US" dirty="0" smtClean="0"/>
+              <a:t>＆データ</a:t>
+            </a:r>
+            <a:r>
+              <a:rPr lang="en-US" altLang="ja-JP" dirty="0" smtClean="0"/>
+              <a:t>:</a:t>
+            </a:r>
+            <a:r>
+              <a:rPr lang="en-US" altLang="ja-JP" dirty="0" smtClean="0"/>
+              <a:t/>
+            </a:r>
+            <a:br>
+              <a:rPr lang="en-US" altLang="ja-JP" dirty="0" smtClean="0"/>
+            </a:br>
+            <a:r>
+              <a:rPr lang="ja-JP" altLang="en-US" dirty="0" smtClean="0"/>
+              <a:t>データ</a:t>
+            </a:r>
+            <a:r>
+              <a:rPr lang="ja-JP" altLang="en-US" dirty="0" smtClean="0"/>
+              <a:t>チェック</a:t>
+            </a:r>
+            <a:r>
+              <a:rPr lang="en-US" altLang="ja-JP" dirty="0" smtClean="0"/>
+              <a:t>&amp;</a:t>
+            </a:r>
+            <a:r>
+              <a:rPr lang="ja-JP" altLang="en-US" dirty="0" smtClean="0"/>
+              <a:t>調整</a:t>
+            </a:r>
+            <a:r>
+              <a:rPr lang="ja-JP" altLang="en-US" dirty="0" smtClean="0"/>
+              <a:t>の</a:t>
+            </a:r>
+            <a:r>
+              <a:rPr lang="ja-JP" altLang="en-US" dirty="0" smtClean="0"/>
+              <a:t>特徴</a:t>
+            </a:r>
+            <a:endParaRPr lang="ja-JP" altLang="en-US" dirty="0"/>
+          </a:p>
+        </p:txBody>
+      </p:sp>
+      <p:sp>
+        <p:nvSpPr>
+          <p:cNvPr id="3" name="コンテンツ プレースホルダ 2"/>
+          <p:cNvSpPr>
+            <a:spLocks noGrp="1"/>
+          </p:cNvSpPr>
+          <p:nvPr>
+            <p:ph idx="1"/>
+          </p:nvPr>
+        </p:nvSpPr>
+        <p:spPr/>
+        <p:txBody>
+          <a:bodyPr>
+            <a:normAutofit/>
+          </a:bodyPr>
+          <a:lstStyle/>
+          <a:p>
+            <a:endParaRPr lang="en-US" altLang="ja-JP" dirty="0" smtClean="0"/>
+          </a:p>
+          <a:p>
+            <a:r>
+              <a:rPr lang="ja-JP" altLang="en-US" dirty="0" smtClean="0"/>
+              <a:t>データ登録後の調整が可能</a:t>
+            </a:r>
+            <a:endParaRPr lang="en-US" altLang="ja-JP" dirty="0" smtClean="0"/>
+          </a:p>
+          <a:p>
+            <a:r>
+              <a:rPr lang="ja-JP" altLang="en-US" dirty="0" smtClean="0"/>
+              <a:t>データの不整合チェックが可能</a:t>
+            </a:r>
+            <a:endParaRPr lang="en-US" altLang="ja-JP" dirty="0" smtClean="0"/>
+          </a:p>
+          <a:p>
+            <a:pPr lvl="1"/>
+            <a:r>
+              <a:rPr lang="ja-JP" altLang="en-US" dirty="0" smtClean="0"/>
+              <a:t>不整合なテストデータでのテストを未然に防ぐ</a:t>
+            </a:r>
+            <a:endParaRPr lang="en-US" altLang="ja-JP" dirty="0" smtClean="0"/>
+          </a:p>
+          <a:p>
+            <a:pPr lvl="1"/>
+            <a:r>
+              <a:rPr lang="ja-JP" altLang="en-US" dirty="0" smtClean="0"/>
+              <a:t>「データが悪いのかプログラムが悪いのか？」の迷いが生じるデータバグを防ぐ</a:t>
+            </a:r>
+            <a:endParaRPr lang="en-US" altLang="ja-JP" dirty="0" smtClean="0"/>
+          </a:p>
+          <a:p>
+            <a:pPr lvl="1"/>
+            <a:endParaRPr lang="en-US" altLang="ja-JP" dirty="0" smtClean="0"/>
+          </a:p>
+        </p:txBody>
+      </p:sp>
+      <p:sp>
+        <p:nvSpPr>
+          <p:cNvPr id="4" name="フッター プレースホルダ 3"/>
+          <p:cNvSpPr>
+            <a:spLocks noGrp="1"/>
+          </p:cNvSpPr>
+          <p:nvPr>
+            <p:ph type="ftr" sz="quarter" idx="11"/>
+          </p:nvPr>
+        </p:nvSpPr>
+        <p:spPr/>
+        <p:txBody>
+          <a:bodyPr/>
+          <a:lstStyle/>
+          <a:p>
+            <a:r>
+              <a:rPr lang="en-US" altLang="ja-JP" smtClean="0"/>
+              <a:t>Seasar Conference 2008 Autumn</a:t>
+            </a:r>
+            <a:endParaRPr lang="ja-JP" altLang="en-US"/>
+          </a:p>
+        </p:txBody>
+      </p:sp>
+    </p:spTree>
+  </p:cSld>
+  <p:clrMapOvr>
+    <a:masterClrMapping/>
+  </p:clrMapOvr>
+</p:sld>
+</file>
+
+<file path=ppt/slides/slide31.xml><?xml version="1.0" encoding="utf-8"?>
+<p:sld xmlns:a="http://schemas.openxmlformats.org/drawingml/2006/main" xmlns:r="http://schemas.openxmlformats.org/officeDocument/2006/relationships" xmlns:mc="http://schemas.openxmlformats.org/markup-compatibility/2006" xmlns:mv="urn:schemas-microsoft-com:mac:vml" xmlns:p="http://schemas.openxmlformats.org/presentationml/2006/main" mc:Ignorable="mv" mc:PreserveAttributes="mv:*">
+  <p:cSld>
+    <p:spTree>
+      <p:nvGrpSpPr>
+        <p:cNvPr id="1" name=""/>
+        <p:cNvGrpSpPr/>
+        <p:nvPr/>
+      </p:nvGrpSpPr>
+      <p:grpSpPr>
+        <a:xfrm>
+          <a:off x="0" y="0"/>
+          <a:ext cx="0" cy="0"/>
+          <a:chOff x="0" y="0"/>
+          <a:chExt cx="0" cy="0"/>
+        </a:xfrm>
+      </p:grpSpPr>
+      <p:sp>
+        <p:nvSpPr>
+          <p:cNvPr id="2" name="タイトル 1"/>
+          <p:cNvSpPr>
+            <a:spLocks noGrp="1"/>
+          </p:cNvSpPr>
+          <p:nvPr>
+            <p:ph type="title"/>
+          </p:nvPr>
+        </p:nvSpPr>
+        <p:spPr>
+          <a:xfrm>
+            <a:off x="457200" y="503238"/>
+            <a:ext cx="8305800" cy="868362"/>
+          </a:xfrm>
+        </p:spPr>
+        <p:txBody>
+          <a:bodyPr/>
+          <a:lstStyle/>
+          <a:p>
+            <a:r>
+              <a:rPr lang="en-US" altLang="ja-JP" dirty="0" smtClean="0"/>
+              <a:t>[2]DDL</a:t>
+            </a:r>
+            <a:r>
+              <a:rPr lang="ja-JP" altLang="en-US" dirty="0" smtClean="0"/>
+              <a:t>＆データ</a:t>
+            </a:r>
+            <a:r>
+              <a:rPr lang="en-US" altLang="ja-JP" dirty="0" smtClean="0"/>
+              <a:t>:</a:t>
+            </a:r>
+            <a:r>
+              <a:rPr lang="en-US" altLang="ja-JP" dirty="0" smtClean="0"/>
+              <a:t/>
+            </a:r>
+            <a:br>
+              <a:rPr lang="en-US" altLang="ja-JP" dirty="0" smtClean="0"/>
+            </a:br>
+            <a:r>
+              <a:rPr lang="en-US" altLang="ja-JP" dirty="0" err="1" smtClean="0"/>
+              <a:t>ReplaceSchema</a:t>
+            </a:r>
+            <a:r>
+              <a:rPr lang="ja-JP" altLang="en-US" dirty="0" smtClean="0"/>
+              <a:t>の思想</a:t>
+            </a:r>
+            <a:endParaRPr lang="ja-JP" altLang="en-US" dirty="0"/>
+          </a:p>
+        </p:txBody>
+      </p:sp>
+      <p:sp>
+        <p:nvSpPr>
+          <p:cNvPr id="3" name="コンテンツ プレースホルダ 2"/>
+          <p:cNvSpPr>
+            <a:spLocks noGrp="1"/>
+          </p:cNvSpPr>
+          <p:nvPr>
+            <p:ph idx="1"/>
+          </p:nvPr>
+        </p:nvSpPr>
+        <p:spPr/>
+        <p:txBody>
+          <a:bodyPr>
+            <a:normAutofit/>
+          </a:bodyPr>
+          <a:lstStyle/>
+          <a:p>
+            <a:endParaRPr lang="en-US" altLang="ja-JP" dirty="0" smtClean="0"/>
+          </a:p>
+          <a:p>
+            <a:pPr algn="ctr">
+              <a:buNone/>
+            </a:pPr>
+            <a:r>
+              <a:rPr lang="ja-JP" altLang="en-US" sz="3200" dirty="0" smtClean="0">
+                <a:solidFill>
+                  <a:schemeClr val="accent1"/>
+                </a:solidFill>
+              </a:rPr>
+              <a:t>テストデータの管理・運用</a:t>
+            </a:r>
+            <a:r>
+              <a:rPr lang="ja-JP" altLang="en-US" sz="3200" dirty="0" smtClean="0">
+                <a:solidFill>
+                  <a:schemeClr val="accent1"/>
+                </a:solidFill>
+              </a:rPr>
+              <a:t>が</a:t>
+            </a:r>
+            <a:endParaRPr lang="en-US" altLang="ja-JP" sz="3200" dirty="0" smtClean="0">
+              <a:solidFill>
+                <a:schemeClr val="accent1"/>
+              </a:solidFill>
+            </a:endParaRPr>
+          </a:p>
+          <a:p>
+            <a:pPr algn="ctr">
+              <a:buNone/>
+            </a:pPr>
+            <a:r>
+              <a:rPr lang="ja-JP" altLang="en-US" sz="3200" dirty="0" smtClean="0">
+                <a:solidFill>
+                  <a:schemeClr val="accent1"/>
+                </a:solidFill>
+              </a:rPr>
+              <a:t>プロジェクト</a:t>
+            </a:r>
+            <a:r>
+              <a:rPr lang="ja-JP" altLang="en-US" sz="3200" dirty="0" smtClean="0">
+                <a:solidFill>
+                  <a:schemeClr val="accent1"/>
+                </a:solidFill>
+              </a:rPr>
+              <a:t>の成否に大きく</a:t>
+            </a:r>
+            <a:r>
+              <a:rPr lang="ja-JP" altLang="en-US" sz="3200" dirty="0" smtClean="0">
+                <a:solidFill>
+                  <a:schemeClr val="accent1"/>
+                </a:solidFill>
+              </a:rPr>
+              <a:t>関わる</a:t>
+            </a:r>
+            <a:endParaRPr lang="en-US" altLang="ja-JP" sz="3200" dirty="0" smtClean="0"/>
+          </a:p>
+        </p:txBody>
+      </p:sp>
+      <p:sp>
+        <p:nvSpPr>
+          <p:cNvPr id="4" name="フッター プレースホルダ 3"/>
+          <p:cNvSpPr>
+            <a:spLocks noGrp="1"/>
+          </p:cNvSpPr>
+          <p:nvPr>
+            <p:ph type="ftr" sz="quarter" idx="11"/>
+          </p:nvPr>
+        </p:nvSpPr>
+        <p:spPr/>
+        <p:txBody>
+          <a:bodyPr/>
+          <a:lstStyle/>
+          <a:p>
+            <a:r>
+              <a:rPr lang="en-US" altLang="ja-JP" smtClean="0"/>
+              <a:t>Seasar Conference 2008 Autumn</a:t>
+            </a:r>
+            <a:endParaRPr lang="ja-JP" altLang="en-US"/>
+          </a:p>
+        </p:txBody>
+      </p:sp>
+      <p:sp>
+        <p:nvSpPr>
+          <p:cNvPr id="5" name="テキスト ボックス 4"/>
+          <p:cNvSpPr txBox="1"/>
+          <p:nvPr/>
+        </p:nvSpPr>
+        <p:spPr>
+          <a:xfrm>
+            <a:off x="1524001" y="3852208"/>
+            <a:ext cx="6136574" cy="2246769"/>
+          </a:xfrm>
+          <a:prstGeom prst="rect">
+            <a:avLst/>
+          </a:prstGeom>
+          <a:noFill/>
+          <a:ln>
+            <a:gradFill flip="none" rotWithShape="1">
+              <a:gsLst>
+                <a:gs pos="0">
+                  <a:schemeClr val="bg2"/>
+                </a:gs>
+                <a:gs pos="100000">
+                  <a:srgbClr val="000000"/>
+                </a:gs>
+              </a:gsLst>
+              <a:path path="rect">
+                <a:fillToRect l="100000" t="100000"/>
+              </a:path>
+              <a:tileRect r="-100000" b="-100000"/>
+            </a:gradFill>
+            <a:prstDash val="dashDot"/>
+          </a:ln>
+        </p:spPr>
+        <p:txBody>
+          <a:bodyPr wrap="square" rtlCol="0">
+            <a:spAutoFit/>
+          </a:bodyPr>
+          <a:lstStyle/>
+          <a:p>
+            <a:r>
+              <a:rPr lang="ja-JP" altLang="en-US" sz="2000" dirty="0" smtClean="0"/>
+              <a:t>そのために</a:t>
+            </a:r>
+            <a:endParaRPr lang="en-US" altLang="ja-JP" sz="2000" dirty="0" smtClean="0"/>
+          </a:p>
+          <a:p>
+            <a:pPr>
+              <a:buFontTx/>
+              <a:buChar char="•"/>
+            </a:pPr>
+            <a:r>
+              <a:rPr lang="ja-JP" altLang="en-US" sz="2000" dirty="0" smtClean="0"/>
+              <a:t>スキーマ</a:t>
+            </a:r>
+            <a:r>
+              <a:rPr lang="ja-JP" altLang="en-US" sz="2000" dirty="0" smtClean="0"/>
+              <a:t>を「</a:t>
+            </a:r>
+            <a:r>
+              <a:rPr lang="en-US" altLang="ja-JP" sz="2000" dirty="0" smtClean="0"/>
+              <a:t>DDL</a:t>
+            </a:r>
+            <a:r>
+              <a:rPr lang="ja-JP" altLang="en-US" sz="2000" dirty="0" smtClean="0"/>
+              <a:t>・データ・チェック」をワンセット</a:t>
+            </a:r>
+            <a:r>
+              <a:rPr lang="ja-JP" altLang="en-US" sz="2000" dirty="0" smtClean="0"/>
+              <a:t>管理</a:t>
+            </a:r>
+            <a:endParaRPr lang="en-US" altLang="ja-JP" sz="2000" dirty="0" smtClean="0"/>
+          </a:p>
+          <a:p>
+            <a:pPr>
+              <a:buFontTx/>
+              <a:buChar char="•"/>
+            </a:pPr>
+            <a:r>
+              <a:rPr lang="en-US" altLang="ja-JP" sz="2000" dirty="0" smtClean="0"/>
+              <a:t>DB</a:t>
+            </a:r>
+            <a:r>
+              <a:rPr lang="ja-JP" altLang="en-US" sz="2000" dirty="0" smtClean="0"/>
+              <a:t>変更時のテストデータの修正し易さ・見通しの良さ</a:t>
+            </a:r>
+            <a:endParaRPr lang="en-US" altLang="ja-JP" sz="2000" dirty="0" smtClean="0"/>
+          </a:p>
+          <a:p>
+            <a:pPr>
+              <a:buFontTx/>
+              <a:buChar char="•"/>
+            </a:pPr>
+            <a:r>
+              <a:rPr lang="ja-JP" altLang="en-US" sz="2000" dirty="0" smtClean="0"/>
+              <a:t>テストデータ作成者の手間の削減</a:t>
+            </a:r>
+            <a:endParaRPr lang="en-US" altLang="ja-JP" sz="2000" dirty="0" smtClean="0"/>
+          </a:p>
+          <a:p>
+            <a:pPr>
+              <a:buFontTx/>
+              <a:buChar char="•"/>
+            </a:pPr>
+            <a:r>
+              <a:rPr lang="ja-JP" altLang="en-US" sz="2000" dirty="0" smtClean="0"/>
+              <a:t>確実な各開発者の環境への</a:t>
+            </a:r>
+            <a:r>
+              <a:rPr lang="en-US" altLang="ja-JP" sz="2000" dirty="0" smtClean="0"/>
+              <a:t>DB</a:t>
+            </a:r>
+            <a:r>
+              <a:rPr lang="ja-JP" altLang="en-US" sz="2000" dirty="0" smtClean="0"/>
+              <a:t>反映</a:t>
+            </a:r>
+            <a:endParaRPr lang="en-US" altLang="ja-JP" sz="2000" dirty="0" smtClean="0"/>
+          </a:p>
+          <a:p>
+            <a:pPr>
+              <a:buFontTx/>
+              <a:buChar char="•"/>
+            </a:pPr>
+            <a:r>
+              <a:rPr lang="ja-JP" altLang="en-US" sz="2000" dirty="0" smtClean="0"/>
+              <a:t>どの</a:t>
+            </a:r>
+            <a:r>
+              <a:rPr lang="ja-JP" altLang="en-US" sz="2000" dirty="0" smtClean="0"/>
+              <a:t>プロジェクトに行っても同じやり方で環境</a:t>
+            </a:r>
+            <a:r>
+              <a:rPr lang="ja-JP" altLang="en-US" sz="2000" dirty="0" smtClean="0"/>
+              <a:t>構築</a:t>
+            </a:r>
+            <a:endParaRPr lang="en-US" altLang="ja-JP" sz="2000" dirty="0" smtClean="0"/>
+          </a:p>
+          <a:p>
+            <a:r>
+              <a:rPr lang="ja-JP" altLang="en-US" sz="2000" dirty="0" smtClean="0"/>
+              <a:t>などなど</a:t>
+            </a:r>
+            <a:endParaRPr lang="en-US" altLang="ja-JP" sz="2000" dirty="0" smtClean="0"/>
+          </a:p>
+        </p:txBody>
+      </p:sp>
+    </p:spTree>
+  </p:cSld>
+  <p:clrMapOvr>
+    <a:masterClrMapping/>
+  </p:clrMapOvr>
+</p:sld>
+</file>
+
+<file path=ppt/slides/slide32.xml><?xml version="1.0" encoding="utf-8"?>
+<p:sld xmlns:a="http://schemas.openxmlformats.org/drawingml/2006/main" xmlns:r="http://schemas.openxmlformats.org/officeDocument/2006/relationships" xmlns:mc="http://schemas.openxmlformats.org/markup-compatibility/2006" xmlns:mv="urn:schemas-microsoft-com:mac:vml" xmlns:p="http://schemas.openxmlformats.org/presentationml/2006/main" mc:Ignorable="mv" mc:PreserveAttributes="mv:*">
+  <p:cSld>
+    <p:spTree>
+      <p:nvGrpSpPr>
+        <p:cNvPr id="1" name=""/>
+        <p:cNvGrpSpPr/>
+        <p:nvPr/>
+      </p:nvGrpSpPr>
+      <p:grpSpPr>
+        <a:xfrm>
+          <a:off x="0" y="0"/>
+          <a:ext cx="0" cy="0"/>
+          <a:chOff x="0" y="0"/>
+          <a:chExt cx="0" cy="0"/>
+        </a:xfrm>
+      </p:grpSpPr>
+      <p:sp>
+        <p:nvSpPr>
+          <p:cNvPr id="2" name="タイトル 1"/>
+          <p:cNvSpPr>
+            <a:spLocks noGrp="1"/>
+          </p:cNvSpPr>
+          <p:nvPr>
+            <p:ph type="title"/>
+          </p:nvPr>
+        </p:nvSpPr>
         <p:spPr/>
         <p:txBody>
           <a:bodyPr/>
@@ -17186,7 +17780,7 @@
 </p:sld>
 </file>
 
-<file path=ppt/slides/slide31.xml><?xml version="1.0" encoding="utf-8"?>
+<file path=ppt/slides/slide33.xml><?xml version="1.0" encoding="utf-8"?>
 <p:sld xmlns:a="http://schemas.openxmlformats.org/drawingml/2006/main" xmlns:r="http://schemas.openxmlformats.org/officeDocument/2006/relationships" xmlns:mc="http://schemas.openxmlformats.org/markup-compatibility/2006" xmlns:mv="urn:schemas-microsoft-com:mac:vml" xmlns:p="http://schemas.openxmlformats.org/presentationml/2006/main" mc:Ignorable="mv" mc:PreserveAttributes="mv:*">
   <p:cSld>
     <p:spTree>
@@ -17432,300 +18026,6 @@
 </p:sld>
 </file>
 
-<file path=ppt/slides/slide32.xml><?xml version="1.0" encoding="utf-8"?>
-<p:sld xmlns:a="http://schemas.openxmlformats.org/drawingml/2006/main" xmlns:r="http://schemas.openxmlformats.org/officeDocument/2006/relationships" xmlns:mc="http://schemas.openxmlformats.org/markup-compatibility/2006" xmlns:mv="urn:schemas-microsoft-com:mac:vml" xmlns:p="http://schemas.openxmlformats.org/presentationml/2006/main" mc:Ignorable="mv" mc:PreserveAttributes="mv:*">
-  <p:cSld>
-    <p:spTree>
-      <p:nvGrpSpPr>
-        <p:cNvPr id="1" name=""/>
-        <p:cNvGrpSpPr/>
-        <p:nvPr/>
-      </p:nvGrpSpPr>
-      <p:grpSpPr>
-        <a:xfrm>
-          <a:off x="0" y="0"/>
-          <a:ext cx="0" cy="0"/>
-          <a:chOff x="0" y="0"/>
-          <a:chExt cx="0" cy="0"/>
-        </a:xfrm>
-      </p:grpSpPr>
-      <p:sp>
-        <p:nvSpPr>
-          <p:cNvPr id="2" name="タイトル 1"/>
-          <p:cNvSpPr>
-            <a:spLocks noGrp="1"/>
-          </p:cNvSpPr>
-          <p:nvPr>
-            <p:ph type="title"/>
-          </p:nvPr>
-        </p:nvSpPr>
-        <p:spPr/>
-        <p:txBody>
-          <a:bodyPr/>
-          <a:lstStyle/>
-          <a:p>
-            <a:r>
-              <a:rPr lang="en-US" altLang="ja-JP" dirty="0" smtClean="0"/>
-              <a:t>[3]</a:t>
-            </a:r>
-            <a:r>
-              <a:rPr lang="ja-JP" altLang="en-US" dirty="0" smtClean="0"/>
-              <a:t>別なんとか</a:t>
-            </a:r>
-            <a:r>
-              <a:rPr lang="en-US" altLang="ja-JP" dirty="0" smtClean="0"/>
-              <a:t>:</a:t>
-            </a:r>
-            <a:r>
-              <a:rPr lang="en-US" altLang="ja-JP" dirty="0" err="1" smtClean="0"/>
-              <a:t>DBFlute</a:t>
-            </a:r>
-            <a:r>
-              <a:rPr lang="ja-JP" altLang="en-US" dirty="0" smtClean="0"/>
-              <a:t>なら</a:t>
-            </a:r>
-            <a:endParaRPr lang="ja-JP" altLang="en-US" dirty="0"/>
-          </a:p>
-        </p:txBody>
-      </p:sp>
-      <p:sp>
-        <p:nvSpPr>
-          <p:cNvPr id="3" name="コンテンツ プレースホルダ 2"/>
-          <p:cNvSpPr>
-            <a:spLocks noGrp="1"/>
-          </p:cNvSpPr>
-          <p:nvPr>
-            <p:ph idx="1"/>
-          </p:nvPr>
-        </p:nvSpPr>
-        <p:spPr/>
-        <p:txBody>
-          <a:bodyPr>
-            <a:normAutofit/>
-          </a:bodyPr>
-          <a:lstStyle/>
-          <a:p>
-            <a:pPr algn="ctr"/>
-            <a:endParaRPr lang="en-US" altLang="ja-JP" sz="4400" dirty="0" smtClean="0"/>
-          </a:p>
-          <a:p>
-            <a:pPr algn="ctr">
-              <a:buNone/>
-            </a:pPr>
-            <a:r>
-              <a:rPr lang="en-US" altLang="ja-JP" sz="4400" dirty="0" err="1" smtClean="0"/>
-              <a:t>DBFlute</a:t>
-            </a:r>
-            <a:r>
-              <a:rPr lang="ja-JP" altLang="en-US" sz="4400" dirty="0" smtClean="0"/>
-              <a:t>なら</a:t>
-            </a:r>
-            <a:r>
-              <a:rPr lang="en-US" altLang="ja-JP" sz="4400" dirty="0" smtClean="0"/>
-              <a:t>…</a:t>
-            </a:r>
-          </a:p>
-        </p:txBody>
-      </p:sp>
-      <p:sp>
-        <p:nvSpPr>
-          <p:cNvPr id="5" name="フッター プレースホルダ 4"/>
-          <p:cNvSpPr>
-            <a:spLocks noGrp="1"/>
-          </p:cNvSpPr>
-          <p:nvPr>
-            <p:ph type="ftr" sz="quarter" idx="11"/>
-          </p:nvPr>
-        </p:nvSpPr>
-        <p:spPr/>
-        <p:txBody>
-          <a:bodyPr/>
-          <a:lstStyle/>
-          <a:p>
-            <a:r>
-              <a:rPr lang="en-US" altLang="ja-JP" smtClean="0"/>
-              <a:t>Seasar Conference 2008 Autumn</a:t>
-            </a:r>
-            <a:endParaRPr lang="ja-JP" altLang="en-US"/>
-          </a:p>
-        </p:txBody>
-      </p:sp>
-    </p:spTree>
-  </p:cSld>
-  <p:clrMapOvr>
-    <a:masterClrMapping/>
-  </p:clrMapOvr>
-</p:sld>
-</file>
-
-<file path=ppt/slides/slide33.xml><?xml version="1.0" encoding="utf-8"?>
-<p:sld xmlns:a="http://schemas.openxmlformats.org/drawingml/2006/main" xmlns:r="http://schemas.openxmlformats.org/officeDocument/2006/relationships" xmlns:mc="http://schemas.openxmlformats.org/markup-compatibility/2006" xmlns:mv="urn:schemas-microsoft-com:mac:vml" xmlns:p="http://schemas.openxmlformats.org/presentationml/2006/main" mc:Ignorable="mv" mc:PreserveAttributes="mv:*">
-  <p:cSld>
-    <p:spTree>
-      <p:nvGrpSpPr>
-        <p:cNvPr id="1" name=""/>
-        <p:cNvGrpSpPr/>
-        <p:nvPr/>
-      </p:nvGrpSpPr>
-      <p:grpSpPr>
-        <a:xfrm>
-          <a:off x="0" y="0"/>
-          <a:ext cx="0" cy="0"/>
-          <a:chOff x="0" y="0"/>
-          <a:chExt cx="0" cy="0"/>
-        </a:xfrm>
-      </p:grpSpPr>
-      <p:sp>
-        <p:nvSpPr>
-          <p:cNvPr id="2" name="タイトル 1"/>
-          <p:cNvSpPr>
-            <a:spLocks noGrp="1"/>
-          </p:cNvSpPr>
-          <p:nvPr>
-            <p:ph type="title"/>
-          </p:nvPr>
-        </p:nvSpPr>
-        <p:spPr>
-          <a:xfrm>
-            <a:off x="457200" y="503238"/>
-            <a:ext cx="8382000" cy="868362"/>
-          </a:xfrm>
-        </p:spPr>
-        <p:txBody>
-          <a:bodyPr/>
-          <a:lstStyle/>
-          <a:p>
-            <a:r>
-              <a:rPr lang="en-US" altLang="ja-JP" dirty="0" smtClean="0"/>
-              <a:t>[3]</a:t>
-            </a:r>
-            <a:r>
-              <a:rPr lang="ja-JP" altLang="en-US" dirty="0" smtClean="0"/>
-              <a:t>別なんとか</a:t>
-            </a:r>
-            <a:r>
-              <a:rPr lang="en-US" altLang="ja-JP" dirty="0" smtClean="0"/>
-              <a:t>:</a:t>
-            </a:r>
-            <a:r>
-              <a:rPr lang="ja-JP" altLang="en-US" dirty="0" smtClean="0"/>
-              <a:t>別言語・別コンテナ</a:t>
-            </a:r>
-            <a:endParaRPr lang="ja-JP" altLang="en-US" dirty="0"/>
-          </a:p>
-        </p:txBody>
-      </p:sp>
-      <p:sp>
-        <p:nvSpPr>
-          <p:cNvPr id="3" name="コンテンツ プレースホルダ 2"/>
-          <p:cNvSpPr>
-            <a:spLocks noGrp="1"/>
-          </p:cNvSpPr>
-          <p:nvPr>
-            <p:ph idx="1"/>
-          </p:nvPr>
-        </p:nvSpPr>
-        <p:spPr/>
-        <p:txBody>
-          <a:bodyPr>
-            <a:normAutofit fontScale="92500" lnSpcReduction="10000"/>
-          </a:bodyPr>
-          <a:lstStyle/>
-          <a:p>
-            <a:pPr algn="ctr"/>
-            <a:endParaRPr lang="en-US" altLang="ja-JP" sz="4400" dirty="0" smtClean="0"/>
-          </a:p>
-          <a:p>
-            <a:pPr algn="ctr">
-              <a:buNone/>
-            </a:pPr>
-            <a:r>
-              <a:rPr lang="en-US" altLang="ja-JP" sz="4400" dirty="0" smtClean="0"/>
-              <a:t>C#</a:t>
-            </a:r>
-            <a:r>
-              <a:rPr lang="ja-JP" altLang="en-US" sz="4400" dirty="0" smtClean="0"/>
-              <a:t>版の</a:t>
-            </a:r>
-            <a:r>
-              <a:rPr lang="en-US" altLang="ja-JP" sz="4400" dirty="0" err="1" smtClean="0"/>
-              <a:t>DBFlute</a:t>
-            </a:r>
-            <a:r>
-              <a:rPr lang="en-US" altLang="ja-JP" sz="4400" dirty="0" smtClean="0"/>
-              <a:t>!</a:t>
-            </a:r>
-          </a:p>
-          <a:p>
-            <a:pPr algn="ctr">
-              <a:buNone/>
-            </a:pPr>
-            <a:r>
-              <a:rPr lang="en-US" altLang="ja-JP" sz="4400" dirty="0" smtClean="0"/>
-              <a:t>Spring</a:t>
-            </a:r>
-            <a:r>
-              <a:rPr lang="ja-JP" altLang="en-US" sz="4400" dirty="0" smtClean="0"/>
-              <a:t>版の</a:t>
-            </a:r>
-            <a:r>
-              <a:rPr lang="en-US" altLang="ja-JP" sz="4400" dirty="0" err="1" smtClean="0"/>
-              <a:t>DBFlute</a:t>
-            </a:r>
-            <a:r>
-              <a:rPr lang="en-US" altLang="ja-JP" sz="4400" dirty="0" smtClean="0"/>
-              <a:t>!</a:t>
-            </a:r>
-          </a:p>
-          <a:p>
-            <a:pPr algn="ctr">
-              <a:buNone/>
-            </a:pPr>
-            <a:endParaRPr lang="en-US" altLang="ja-JP" sz="4400" dirty="0" smtClean="0"/>
-          </a:p>
-          <a:p>
-            <a:pPr algn="ctr">
-              <a:buNone/>
-            </a:pPr>
-            <a:r>
-              <a:rPr lang="ja-JP" altLang="en-US" sz="4400" dirty="0" smtClean="0"/>
-              <a:t>詳細は本番当日にて！</a:t>
-            </a:r>
-            <a:endParaRPr lang="en-US" altLang="ja-JP" sz="4400" dirty="0" smtClean="0"/>
-          </a:p>
-        </p:txBody>
-      </p:sp>
-      <p:sp>
-        <p:nvSpPr>
-          <p:cNvPr id="5" name="フッター プレースホルダ 4"/>
-          <p:cNvSpPr>
-            <a:spLocks noGrp="1"/>
-          </p:cNvSpPr>
-          <p:nvPr>
-            <p:ph type="ftr" sz="quarter" idx="11"/>
-          </p:nvPr>
-        </p:nvSpPr>
-        <p:spPr/>
-        <p:txBody>
-          <a:bodyPr/>
-          <a:lstStyle/>
-          <a:p>
-            <a:r>
-              <a:rPr lang="en-US" altLang="ja-JP" smtClean="0"/>
-              <a:t>Seasar Conference 2008 Autumn</a:t>
-            </a:r>
-            <a:endParaRPr lang="ja-JP" altLang="en-US"/>
-          </a:p>
-        </p:txBody>
-      </p:sp>
-    </p:spTree>
-  </p:cSld>
-  <p:clrMapOvr>
-    <a:masterClrMapping/>
-  </p:clrMapOvr>
-</p:sld>
-</file>
-
 <file path=ppt/slides/slide34.xml><?xml version="1.0" encoding="utf-8"?>
 <p:sld xmlns:a="http://schemas.openxmlformats.org/drawingml/2006/main" xmlns:r="http://schemas.openxmlformats.org/officeDocument/2006/relationships" xmlns:mc="http://schemas.openxmlformats.org/markup-compatibility/2006" xmlns:mv="urn:schemas-microsoft-com:mac:vml" xmlns:p="http://schemas.openxmlformats.org/presentationml/2006/main" mc:Ignorable="mv" mc:PreserveAttributes="mv:*">
   <p:cSld>
@@ -17759,12 +18059,24 @@
           <a:lstStyle/>
           <a:p>
             <a:r>
+              <a:rPr lang="en-US" altLang="ja-JP" dirty="0" smtClean="0"/>
+              <a:t>[3]</a:t>
+            </a:r>
+            <a:r>
+              <a:rPr lang="ja-JP" altLang="en-US" dirty="0" smtClean="0"/>
+              <a:t>別なんとか</a:t>
+            </a:r>
+            <a:r>
+              <a:rPr lang="en-US" altLang="ja-JP" dirty="0" smtClean="0"/>
+              <a:t>:</a:t>
+            </a:r>
+            <a:r>
               <a:rPr lang="en-US" altLang="ja-JP" dirty="0" err="1" smtClean="0"/>
               <a:t>DBFlute</a:t>
             </a:r>
             <a:r>
               <a:rPr lang="ja-JP" altLang="en-US" dirty="0" smtClean="0"/>
-              <a:t>今後の展望</a:t>
+              <a:t>なら</a:t>
             </a:r>
             <a:endParaRPr lang="ja-JP" altLang="en-US" dirty="0"/>
           </a:p>
@@ -17787,32 +18099,31 @@
           </a:bodyPr>
           <a:lstStyle/>
           <a:p>
+            <a:pPr algn="ctr"/>
+            <a:endParaRPr lang="en-US" altLang="ja-JP" sz="4400" dirty="0" smtClean="0"/>
+          </a:p>
+          <a:p>
             <a:pPr algn="ctr">
               <a:buNone/>
             </a:pPr>
-            <a:endParaRPr lang="en-US" altLang="ja-JP" sz="4400" dirty="0" smtClean="0"/>
-          </a:p>
-          <a:p>
-            <a:pPr algn="ctr">
-              <a:buNone/>
-            </a:pPr>
+            <a:r>
+              <a:rPr lang="en-US" altLang="ja-JP" sz="4400" dirty="0" err="1" smtClean="0"/>
+              <a:t>DBFlute</a:t>
+            </a:r>
             <a:r>
               <a:rPr lang="ja-JP" altLang="en-US" sz="4400" dirty="0" smtClean="0"/>
-              <a:t>詳細は本番当日にて！</a:t>
-            </a:r>
-            <a:endParaRPr lang="en-US" altLang="ja-JP" sz="4400" dirty="0" smtClean="0"/>
-          </a:p>
-          <a:p>
-            <a:pPr algn="ctr">
-              <a:buNone/>
-            </a:pPr>
-            <a:endParaRPr lang="ja-JP" altLang="en-US" sz="4400" dirty="0"/>
-          </a:p>
-        </p:txBody>
-      </p:sp>
-      <p:sp>
-        <p:nvSpPr>
-          <p:cNvPr id="4" name="フッター プレースホルダ 3"/>
+              <a:t>なら</a:t>
+            </a:r>
+            <a:r>
+              <a:rPr lang="en-US" altLang="ja-JP" sz="4400" dirty="0" smtClean="0"/>
+              <a:t>…</a:t>
+            </a:r>
+          </a:p>
+        </p:txBody>
+      </p:sp>
+      <p:sp>
+        <p:nvSpPr>
+          <p:cNvPr id="5" name="フッター プレースホルダ 4"/>
           <p:cNvSpPr>
             <a:spLocks noGrp="1"/>
           </p:cNvSpPr>
@@ -17842,6 +18153,289 @@
 </file>
 
 <file path=ppt/slides/slide35.xml><?xml version="1.0" encoding="utf-8"?>
+<p:sld xmlns:a="http://schemas.openxmlformats.org/drawingml/2006/main" xmlns:r="http://schemas.openxmlformats.org/officeDocument/2006/relationships" xmlns:mc="http://schemas.openxmlformats.org/markup-compatibility/2006" xmlns:mv="urn:schemas-microsoft-com:mac:vml" xmlns:p="http://schemas.openxmlformats.org/presentationml/2006/main" mc:Ignorable="mv" mc:PreserveAttributes="mv:*">
+  <p:cSld>
+    <p:spTree>
+      <p:nvGrpSpPr>
+        <p:cNvPr id="1" name=""/>
+        <p:cNvGrpSpPr/>
+        <p:nvPr/>
+      </p:nvGrpSpPr>
+      <p:grpSpPr>
+        <a:xfrm>
+          <a:off x="0" y="0"/>
+          <a:ext cx="0" cy="0"/>
+          <a:chOff x="0" y="0"/>
+          <a:chExt cx="0" cy="0"/>
+        </a:xfrm>
+      </p:grpSpPr>
+      <p:sp>
+        <p:nvSpPr>
+          <p:cNvPr id="2" name="タイトル 1"/>
+          <p:cNvSpPr>
+            <a:spLocks noGrp="1"/>
+          </p:cNvSpPr>
+          <p:nvPr>
+            <p:ph type="title"/>
+          </p:nvPr>
+        </p:nvSpPr>
+        <p:spPr>
+          <a:xfrm>
+            <a:off x="457200" y="503238"/>
+            <a:ext cx="8382000" cy="868362"/>
+          </a:xfrm>
+        </p:spPr>
+        <p:txBody>
+          <a:bodyPr/>
+          <a:lstStyle/>
+          <a:p>
+            <a:r>
+              <a:rPr lang="en-US" altLang="ja-JP" dirty="0" smtClean="0"/>
+              <a:t>[3]</a:t>
+            </a:r>
+            <a:r>
+              <a:rPr lang="ja-JP" altLang="en-US" dirty="0" smtClean="0"/>
+              <a:t>別なんとか</a:t>
+            </a:r>
+            <a:r>
+              <a:rPr lang="en-US" altLang="ja-JP" dirty="0" smtClean="0"/>
+              <a:t>:</a:t>
+            </a:r>
+            <a:r>
+              <a:rPr lang="ja-JP" altLang="en-US" dirty="0" smtClean="0"/>
+              <a:t>別言語・別コンテナ</a:t>
+            </a:r>
+            <a:endParaRPr lang="ja-JP" altLang="en-US" dirty="0"/>
+          </a:p>
+        </p:txBody>
+      </p:sp>
+      <p:sp>
+        <p:nvSpPr>
+          <p:cNvPr id="3" name="コンテンツ プレースホルダ 2"/>
+          <p:cNvSpPr>
+            <a:spLocks noGrp="1"/>
+          </p:cNvSpPr>
+          <p:nvPr>
+            <p:ph idx="1"/>
+          </p:nvPr>
+        </p:nvSpPr>
+        <p:spPr/>
+        <p:txBody>
+          <a:bodyPr>
+            <a:normAutofit fontScale="92500" lnSpcReduction="10000"/>
+          </a:bodyPr>
+          <a:lstStyle/>
+          <a:p>
+            <a:pPr algn="ctr"/>
+            <a:endParaRPr lang="en-US" altLang="ja-JP" sz="4400" dirty="0" smtClean="0"/>
+          </a:p>
+          <a:p>
+            <a:pPr algn="ctr">
+              <a:buNone/>
+            </a:pPr>
+            <a:r>
+              <a:rPr lang="en-US" altLang="ja-JP" sz="4400" dirty="0" smtClean="0"/>
+              <a:t>C#</a:t>
+            </a:r>
+            <a:r>
+              <a:rPr lang="ja-JP" altLang="en-US" sz="4400" dirty="0" smtClean="0"/>
+              <a:t>版の</a:t>
+            </a:r>
+            <a:r>
+              <a:rPr lang="en-US" altLang="ja-JP" sz="4400" dirty="0" err="1" smtClean="0"/>
+              <a:t>DBFlute</a:t>
+            </a:r>
+            <a:r>
+              <a:rPr lang="en-US" altLang="ja-JP" sz="4400" dirty="0" smtClean="0"/>
+              <a:t>!</a:t>
+            </a:r>
+          </a:p>
+          <a:p>
+            <a:pPr algn="ctr">
+              <a:buNone/>
+            </a:pPr>
+            <a:r>
+              <a:rPr lang="en-US" altLang="ja-JP" sz="4400" dirty="0" smtClean="0"/>
+              <a:t>Spring</a:t>
+            </a:r>
+            <a:r>
+              <a:rPr lang="ja-JP" altLang="en-US" sz="4400" dirty="0" smtClean="0"/>
+              <a:t>版の</a:t>
+            </a:r>
+            <a:r>
+              <a:rPr lang="en-US" altLang="ja-JP" sz="4400" dirty="0" err="1" smtClean="0"/>
+              <a:t>DBFlute</a:t>
+            </a:r>
+            <a:r>
+              <a:rPr lang="en-US" altLang="ja-JP" sz="4400" dirty="0" smtClean="0"/>
+              <a:t>!</a:t>
+            </a:r>
+          </a:p>
+          <a:p>
+            <a:pPr algn="ctr">
+              <a:buNone/>
+            </a:pPr>
+            <a:endParaRPr lang="en-US" altLang="ja-JP" sz="4400" dirty="0" smtClean="0"/>
+          </a:p>
+          <a:p>
+            <a:pPr algn="ctr">
+              <a:buNone/>
+            </a:pPr>
+            <a:r>
+              <a:rPr lang="ja-JP" altLang="en-US" sz="4400" dirty="0" smtClean="0"/>
+              <a:t>詳細は本番当日にて！</a:t>
+            </a:r>
+            <a:endParaRPr lang="en-US" altLang="ja-JP" sz="4400" dirty="0" smtClean="0"/>
+          </a:p>
+        </p:txBody>
+      </p:sp>
+      <p:sp>
+        <p:nvSpPr>
+          <p:cNvPr id="5" name="フッター プレースホルダ 4"/>
+          <p:cNvSpPr>
+            <a:spLocks noGrp="1"/>
+          </p:cNvSpPr>
+          <p:nvPr>
+            <p:ph type="ftr" sz="quarter" idx="11"/>
+          </p:nvPr>
+        </p:nvSpPr>
+        <p:spPr/>
+        <p:txBody>
+          <a:bodyPr/>
+          <a:lstStyle/>
+          <a:p>
+            <a:r>
+              <a:rPr lang="en-US" altLang="ja-JP" smtClean="0"/>
+              <a:t>Seasar Conference 2008 Autumn</a:t>
+            </a:r>
+            <a:endParaRPr lang="ja-JP" altLang="en-US"/>
+          </a:p>
+        </p:txBody>
+      </p:sp>
+    </p:spTree>
+  </p:cSld>
+  <p:clrMapOvr>
+    <a:masterClrMapping/>
+  </p:clrMapOvr>
+</p:sld>
+</file>
+
+<file path=ppt/slides/slide36.xml><?xml version="1.0" encoding="utf-8"?>
+<p:sld xmlns:a="http://schemas.openxmlformats.org/drawingml/2006/main" xmlns:r="http://schemas.openxmlformats.org/officeDocument/2006/relationships" xmlns:mc="http://schemas.openxmlformats.org/markup-compatibility/2006" xmlns:mv="urn:schemas-microsoft-com:mac:vml" xmlns:p="http://schemas.openxmlformats.org/presentationml/2006/main" mc:Ignorable="mv" mc:PreserveAttributes="mv:*">
+  <p:cSld>
+    <p:spTree>
+      <p:nvGrpSpPr>
+        <p:cNvPr id="1" name=""/>
+        <p:cNvGrpSpPr/>
+        <p:nvPr/>
+      </p:nvGrpSpPr>
+      <p:grpSpPr>
+        <a:xfrm>
+          <a:off x="0" y="0"/>
+          <a:ext cx="0" cy="0"/>
+          <a:chOff x="0" y="0"/>
+          <a:chExt cx="0" cy="0"/>
+        </a:xfrm>
+      </p:grpSpPr>
+      <p:sp>
+        <p:nvSpPr>
+          <p:cNvPr id="2" name="タイトル 1"/>
+          <p:cNvSpPr>
+            <a:spLocks noGrp="1"/>
+          </p:cNvSpPr>
+          <p:nvPr>
+            <p:ph type="title"/>
+          </p:nvPr>
+        </p:nvSpPr>
+        <p:spPr/>
+        <p:txBody>
+          <a:bodyPr/>
+          <a:lstStyle/>
+          <a:p>
+            <a:r>
+              <a:rPr lang="en-US" altLang="ja-JP" dirty="0" err="1" smtClean="0"/>
+              <a:t>DBFlute</a:t>
+            </a:r>
+            <a:r>
+              <a:rPr lang="ja-JP" altLang="en-US" dirty="0" smtClean="0"/>
+              <a:t>今後の展望</a:t>
+            </a:r>
+            <a:endParaRPr lang="ja-JP" altLang="en-US" dirty="0"/>
+          </a:p>
+        </p:txBody>
+      </p:sp>
+      <p:sp>
+        <p:nvSpPr>
+          <p:cNvPr id="3" name="コンテンツ プレースホルダ 2"/>
+          <p:cNvSpPr>
+            <a:spLocks noGrp="1"/>
+          </p:cNvSpPr>
+          <p:nvPr>
+            <p:ph idx="1"/>
+          </p:nvPr>
+        </p:nvSpPr>
+        <p:spPr/>
+        <p:txBody>
+          <a:bodyPr>
+            <a:normAutofit/>
+          </a:bodyPr>
+          <a:lstStyle/>
+          <a:p>
+            <a:pPr algn="ctr">
+              <a:buNone/>
+            </a:pPr>
+            <a:endParaRPr lang="en-US" altLang="ja-JP" sz="4400" dirty="0" smtClean="0"/>
+          </a:p>
+          <a:p>
+            <a:pPr algn="ctr">
+              <a:buNone/>
+            </a:pPr>
+            <a:r>
+              <a:rPr lang="ja-JP" altLang="en-US" sz="4400" dirty="0" smtClean="0"/>
+              <a:t>詳細は本番当日にて！</a:t>
+            </a:r>
+            <a:endParaRPr lang="en-US" altLang="ja-JP" sz="4400" dirty="0" smtClean="0"/>
+          </a:p>
+          <a:p>
+            <a:pPr algn="ctr">
+              <a:buNone/>
+            </a:pPr>
+            <a:endParaRPr lang="ja-JP" altLang="en-US" sz="4400" dirty="0"/>
+          </a:p>
+        </p:txBody>
+      </p:sp>
+      <p:sp>
+        <p:nvSpPr>
+          <p:cNvPr id="4" name="フッター プレースホルダ 3"/>
+          <p:cNvSpPr>
+            <a:spLocks noGrp="1"/>
+          </p:cNvSpPr>
+          <p:nvPr>
+            <p:ph type="ftr" sz="quarter" idx="11"/>
+          </p:nvPr>
+        </p:nvSpPr>
+        <p:spPr/>
+        <p:txBody>
+          <a:bodyPr/>
+          <a:lstStyle/>
+          <a:p>
+            <a:r>
+              <a:rPr lang="en-US" altLang="ja-JP" smtClean="0"/>
+              <a:t>Seasar Conference 2008 Autumn</a:t>
+            </a:r>
+            <a:endParaRPr lang="ja-JP" altLang="en-US"/>
+          </a:p>
+        </p:txBody>
+      </p:sp>
+    </p:spTree>
+  </p:cSld>
+  <p:clrMapOvr>
+    <a:masterClrMapping/>
+  </p:clrMapOvr>
+</p:sld>
+</file>
+
+<file path=ppt/slides/slide37.xml><?xml version="1.0" encoding="utf-8"?>
 <p:sld xmlns:a="http://schemas.openxmlformats.org/drawingml/2006/main" xmlns:r="http://schemas.openxmlformats.org/officeDocument/2006/relationships" xmlns:mc="http://schemas.openxmlformats.org/markup-compatibility/2006" xmlns:mv="urn:schemas-microsoft-com:mac:vml" xmlns:p="http://schemas.openxmlformats.org/presentationml/2006/main" mc:Ignorable="mv" mc:PreserveAttributes="mv:*">
   <p:cSld>
     <p:spTree>

--- a/dbflute/etc/doc/ref/session/resource/GenbaSolution2-sc2008autumn-dbflute.pptx
+++ b/dbflute/etc/doc/ref/session/resource/GenbaSolution2-sc2008autumn-dbflute.pptx
@@ -46,7 +46,7 @@
     <p:sldId id="274" r:id="rId34"/>
     <p:sldId id="275" r:id="rId35"/>
     <p:sldId id="276" r:id="rId36"/>
-    <p:sldId id="259" r:id="rId37"/>
+    <p:sldId id="296" r:id="rId37"/>
     <p:sldId id="277" r:id="rId38"/>
   </p:sldIdLst>
   <p:sldSz cx="9144000" cy="6858000" type="screen4x3"/>
@@ -16556,7 +16556,7 @@
             </a:pPr>
             <a:r>
               <a:rPr lang="en-US" altLang="ja-JP" dirty="0" smtClean="0"/>
-              <a:t>/</a:t>
+              <a:t>1. /</a:t>
             </a:r>
             <a:r>
               <a:rPr lang="en-US" altLang="ja-JP" dirty="0" err="1" smtClean="0"/>
@@ -18222,7 +18222,7 @@
         <p:spPr/>
         <p:txBody>
           <a:bodyPr>
-            <a:normAutofit fontScale="92500" lnSpcReduction="10000"/>
+            <a:normAutofit/>
           </a:bodyPr>
           <a:lstStyle/>
           <a:p>
@@ -18271,22 +18271,6 @@
               <a:t>!</a:t>
             </a:r>
           </a:p>
-          <a:p>
-            <a:pPr algn="ctr">
-              <a:buNone/>
-            </a:pPr>
-            <a:endParaRPr lang="en-US" altLang="ja-JP" sz="4400" dirty="0" smtClean="0"/>
-          </a:p>
-          <a:p>
-            <a:pPr algn="ctr">
-              <a:buNone/>
-            </a:pPr>
-            <a:r>
-              <a:rPr lang="ja-JP" altLang="en-US" sz="4400" dirty="0" smtClean="0"/>
-              <a:t>詳細は本番当日にて！</a:t>
-            </a:r>
-            <a:endParaRPr lang="en-US" altLang="ja-JP" sz="4400" dirty="0" smtClean="0"/>
-          </a:p>
         </p:txBody>
       </p:sp>
       <p:sp>
@@ -18305,10 +18289,14 @@
           <a:lstStyle/>
           <a:p>
             <a:r>
-              <a:rPr lang="en-US" altLang="ja-JP" smtClean="0"/>
-              <a:t>Seasar Conference 2008 Autumn</a:t>
-            </a:r>
-            <a:endParaRPr lang="ja-JP" altLang="en-US"/>
+              <a:rPr lang="en-US" altLang="ja-JP" dirty="0" err="1" smtClean="0"/>
+              <a:t>Seasar</a:t>
+            </a:r>
+            <a:r>
+              <a:rPr lang="en-US" altLang="ja-JP" dirty="0" smtClean="0"/>
+              <a:t> Conference 2008 Autumn</a:t>
+            </a:r>
+            <a:endParaRPr lang="ja-JP" altLang="en-US" dirty="0"/>
           </a:p>
         </p:txBody>
       </p:sp>
@@ -18376,31 +18364,61 @@
         </p:nvSpPr>
         <p:spPr/>
         <p:txBody>
-          <a:bodyPr>
-            <a:normAutofit/>
-          </a:bodyPr>
-          <a:lstStyle/>
-          <a:p>
-            <a:pPr algn="ctr">
-              <a:buNone/>
-            </a:pPr>
-            <a:endParaRPr lang="en-US" altLang="ja-JP" sz="4400" dirty="0" smtClean="0"/>
-          </a:p>
-          <a:p>
-            <a:pPr algn="ctr">
-              <a:buNone/>
-            </a:pPr>
-            <a:r>
-              <a:rPr lang="ja-JP" altLang="en-US" sz="4400" dirty="0" smtClean="0"/>
-              <a:t>詳細は本番当日にて！</a:t>
-            </a:r>
-            <a:endParaRPr lang="en-US" altLang="ja-JP" sz="4400" dirty="0" smtClean="0"/>
-          </a:p>
-          <a:p>
-            <a:pPr algn="ctr">
-              <a:buNone/>
-            </a:pPr>
-            <a:endParaRPr lang="ja-JP" altLang="en-US" sz="4400" dirty="0"/>
+          <a:bodyPr/>
+          <a:lstStyle/>
+          <a:p>
+            <a:endParaRPr lang="en-US" altLang="ja-JP" dirty="0" smtClean="0"/>
+          </a:p>
+          <a:p>
+            <a:endParaRPr lang="en-US" altLang="ja-JP" dirty="0" smtClean="0"/>
+          </a:p>
+          <a:p>
+            <a:r>
+              <a:rPr lang="ja-JP" altLang="en-US" dirty="0" smtClean="0"/>
+              <a:t>ドキュメント整備</a:t>
+            </a:r>
+            <a:endParaRPr lang="en-US" altLang="ja-JP" dirty="0" smtClean="0"/>
+          </a:p>
+          <a:p>
+            <a:pPr lvl="1"/>
+            <a:r>
+              <a:rPr lang="ja-JP" altLang="en-US" dirty="0" smtClean="0"/>
+              <a:t>ドキュメント設計</a:t>
+            </a:r>
+            <a:r>
+              <a:rPr lang="en-US" altLang="ja-JP" dirty="0" smtClean="0"/>
+              <a:t>(0.5)</a:t>
+            </a:r>
+          </a:p>
+          <a:p>
+            <a:pPr lvl="1"/>
+            <a:r>
+              <a:rPr lang="ja-JP" altLang="en-US" dirty="0" smtClean="0"/>
+              <a:t>ドキュメント作成</a:t>
+            </a:r>
+            <a:r>
+              <a:rPr lang="en-US" altLang="ja-JP" dirty="0" smtClean="0"/>
+              <a:t>(2.5)</a:t>
+            </a:r>
+          </a:p>
+          <a:p>
+            <a:r>
+              <a:rPr lang="en-US" altLang="ja-JP" dirty="0" err="1" smtClean="0"/>
+              <a:t>Emecha</a:t>
+            </a:r>
+            <a:r>
+              <a:rPr lang="ja-JP" altLang="en-US" dirty="0" smtClean="0"/>
+              <a:t>の充実</a:t>
+            </a:r>
+            <a:endParaRPr lang="en-US" altLang="ja-JP" dirty="0" smtClean="0"/>
+          </a:p>
+          <a:p>
+            <a:pPr lvl="1"/>
+            <a:r>
+              <a:rPr lang="ja-JP" altLang="en-US" dirty="0" smtClean="0"/>
+              <a:t>最低限の機能</a:t>
+            </a:r>
+            <a:endParaRPr lang="ja-JP" altLang="en-US" dirty="0"/>
           </a:p>
         </p:txBody>
       </p:sp>

--- a/dbflute/etc/doc/ref/session/resource/GenbaSolution2-sc2008autumn-dbflute.pptx
+++ b/dbflute/etc/doc/ref/session/resource/GenbaSolution2-sc2008autumn-dbflute.pptx
@@ -5,10 +5,10 @@
     <p:sldMasterId id="2147483660" r:id="rId1"/>
   </p:sldMasterIdLst>
   <p:notesMasterIdLst>
-    <p:notesMasterId r:id="rId39"/>
+    <p:notesMasterId r:id="rId43"/>
   </p:notesMasterIdLst>
   <p:handoutMasterIdLst>
-    <p:handoutMasterId r:id="rId40"/>
+    <p:handoutMasterId r:id="rId44"/>
   </p:handoutMasterIdLst>
   <p:sldIdLst>
     <p:sldId id="261" r:id="rId2"/>
@@ -35,19 +35,23 @@
     <p:sldId id="285" r:id="rId23"/>
     <p:sldId id="287" r:id="rId24"/>
     <p:sldId id="288" r:id="rId25"/>
-    <p:sldId id="289" r:id="rId26"/>
-    <p:sldId id="291" r:id="rId27"/>
-    <p:sldId id="292" r:id="rId28"/>
-    <p:sldId id="290" r:id="rId29"/>
-    <p:sldId id="293" r:id="rId30"/>
-    <p:sldId id="294" r:id="rId31"/>
-    <p:sldId id="295" r:id="rId32"/>
-    <p:sldId id="273" r:id="rId33"/>
-    <p:sldId id="274" r:id="rId34"/>
-    <p:sldId id="275" r:id="rId35"/>
-    <p:sldId id="276" r:id="rId36"/>
-    <p:sldId id="296" r:id="rId37"/>
-    <p:sldId id="277" r:id="rId38"/>
+    <p:sldId id="297" r:id="rId26"/>
+    <p:sldId id="298" r:id="rId27"/>
+    <p:sldId id="289" r:id="rId28"/>
+    <p:sldId id="291" r:id="rId29"/>
+    <p:sldId id="292" r:id="rId30"/>
+    <p:sldId id="290" r:id="rId31"/>
+    <p:sldId id="293" r:id="rId32"/>
+    <p:sldId id="294" r:id="rId33"/>
+    <p:sldId id="295" r:id="rId34"/>
+    <p:sldId id="273" r:id="rId35"/>
+    <p:sldId id="274" r:id="rId36"/>
+    <p:sldId id="275" r:id="rId37"/>
+    <p:sldId id="276" r:id="rId38"/>
+    <p:sldId id="300" r:id="rId39"/>
+    <p:sldId id="301" r:id="rId40"/>
+    <p:sldId id="296" r:id="rId41"/>
+    <p:sldId id="277" r:id="rId42"/>
   </p:sldIdLst>
   <p:sldSz cx="9144000" cy="6858000" type="screen4x3"/>
   <p:notesSz cx="6858000" cy="9144000"/>
@@ -232,7 +236,7 @@
             <a:fld id="{697514F1-BF3A-8244-8E24-39501B91FCA9}" type="datetimeFigureOut">
               <a:rPr lang="ja-JP" altLang="en-US" smtClean="0"/>
               <a:pPr/>
-              <a:t>08.9.4</a:t>
+              <a:t>08.9.5</a:t>
             </a:fld>
             <a:endParaRPr lang="ja-JP" altLang="en-US"/>
           </a:p>
@@ -395,7 +399,7 @@
             <a:fld id="{BCC37BBF-A47B-C644-A0B3-2AF340262DC0}" type="datetimeFigureOut">
               <a:rPr lang="ja-JP" altLang="en-US" smtClean="0"/>
               <a:pPr/>
-              <a:t>08.9.4</a:t>
+              <a:t>08.9.5</a:t>
             </a:fld>
             <a:endParaRPr lang="ja-JP" altLang="en-US"/>
           </a:p>
@@ -762,7 +766,7 @@
             <a:fld id="{9847F7D4-47DA-9C47-AA03-572F3D147FCD}" type="slidenum">
               <a:rPr lang="ja-JP" altLang="en-US" smtClean="0"/>
               <a:pPr/>
-              <a:t>25</a:t>
+              <a:t>27</a:t>
             </a:fld>
             <a:endParaRPr lang="ja-JP" altLang="en-US"/>
           </a:p>
@@ -1010,7 +1014,7 @@
             <a:fld id="{F8B78B27-67EA-284E-B7DE-CA47CEF96BF3}" type="datetime1">
               <a:rPr lang="ja-JP" altLang="en-US" smtClean="0"/>
               <a:pPr/>
-              <a:t>08.9.4</a:t>
+              <a:t>08.9.5</a:t>
             </a:fld>
             <a:endParaRPr lang="ja-JP" altLang="en-US"/>
           </a:p>
@@ -1161,7 +1165,7 @@
             <a:fld id="{B07F40DE-A2F7-9040-AF94-3150A36DAF32}" type="datetime1">
               <a:rPr lang="ja-JP" altLang="en-US" smtClean="0"/>
               <a:pPr/>
-              <a:t>08.9.4</a:t>
+              <a:t>08.9.5</a:t>
             </a:fld>
             <a:endParaRPr lang="ja-JP" altLang="en-US"/>
           </a:p>
@@ -1748,7 +1752,7 @@
             <a:fld id="{7900A983-C81F-484C-AB24-3E409A9B0309}" type="datetime1">
               <a:rPr lang="ja-JP" altLang="en-US" smtClean="0"/>
               <a:pPr/>
-              <a:t>08.9.4</a:t>
+              <a:t>08.9.5</a:t>
             </a:fld>
             <a:endParaRPr lang="ja-JP" altLang="en-US"/>
           </a:p>
@@ -2218,7 +2222,7 @@
             <a:fld id="{49369E27-8AA6-8A4C-8F2F-BD9CFE65CFF9}" type="datetime1">
               <a:rPr lang="ja-JP" altLang="en-US" smtClean="0"/>
               <a:pPr/>
-              <a:t>08.9.4</a:t>
+              <a:t>08.9.5</a:t>
             </a:fld>
             <a:endParaRPr lang="ja-JP" altLang="en-US"/>
           </a:p>
@@ -2314,7 +2318,7 @@
             <a:fld id="{CA0B8717-2CE5-3D48-9724-6A74D3723472}" type="datetime1">
               <a:rPr lang="ja-JP" altLang="en-US" smtClean="0"/>
               <a:pPr/>
-              <a:t>08.9.4</a:t>
+              <a:t>08.9.5</a:t>
             </a:fld>
             <a:endParaRPr lang="ja-JP" altLang="en-US"/>
           </a:p>
@@ -2627,7 +2631,7 @@
             <a:fld id="{A7420916-367F-6347-9752-D3808E2C9DF8}" type="datetime1">
               <a:rPr lang="ja-JP" altLang="en-US" smtClean="0"/>
               <a:pPr/>
-              <a:t>08.9.4</a:t>
+              <a:t>08.9.5</a:t>
             </a:fld>
             <a:endParaRPr lang="ja-JP" altLang="en-US"/>
           </a:p>
@@ -2823,7 +2827,7 @@
             <a:fld id="{36F1D2E6-018C-0A41-B225-E525923353F9}" type="datetime1">
               <a:rPr lang="ja-JP" altLang="en-US" smtClean="0"/>
               <a:pPr/>
-              <a:t>08.9.4</a:t>
+              <a:t>08.9.5</a:t>
             </a:fld>
             <a:endParaRPr lang="ja-JP" altLang="en-US"/>
           </a:p>
@@ -3568,7 +3572,7 @@
             <a:fld id="{2F49DC6A-DB83-C64E-9E52-9AFA5AD018D7}" type="datetime1">
               <a:rPr lang="ja-JP" altLang="en-US" smtClean="0"/>
               <a:pPr/>
-              <a:t>08.9.4</a:t>
+              <a:t>08.9.5</a:t>
             </a:fld>
             <a:endParaRPr lang="ja-JP" altLang="en-US"/>
           </a:p>
@@ -3912,7 +3916,7 @@
             <a:fld id="{36ED8D3F-8256-3C42-8592-819D359B95D7}" type="datetime1">
               <a:rPr lang="ja-JP" altLang="en-US" smtClean="0"/>
               <a:pPr/>
-              <a:t>08.9.4</a:t>
+              <a:t>08.9.5</a:t>
             </a:fld>
             <a:endParaRPr lang="ja-JP" altLang="en-US"/>
           </a:p>
@@ -4515,7 +4519,7 @@
             <a:fld id="{490FEA9A-41F4-204E-A79D-1B36180FAAF8}" type="datetime1">
               <a:rPr lang="ja-JP" altLang="en-US" smtClean="0"/>
               <a:pPr/>
-              <a:t>08.9.4</a:t>
+              <a:t>08.9.5</a:t>
             </a:fld>
             <a:endParaRPr lang="ja-JP" altLang="en-US"/>
           </a:p>
@@ -4732,7 +4736,7 @@
             <a:fld id="{7F7C43F0-DFD5-354C-8FAE-68230B37B986}" type="datetime1">
               <a:rPr lang="ja-JP" altLang="en-US" smtClean="0"/>
               <a:pPr/>
-              <a:t>08.9.4</a:t>
+              <a:t>08.9.5</a:t>
             </a:fld>
             <a:endParaRPr lang="ja-JP" altLang="en-US"/>
           </a:p>
@@ -4935,7 +4939,7 @@
             <a:fld id="{913A2506-493B-D344-A783-4411DA3B51C6}" type="datetime1">
               <a:rPr lang="ja-JP" altLang="en-US" smtClean="0"/>
               <a:pPr/>
-              <a:t>08.9.4</a:t>
+              <a:t>08.9.5</a:t>
             </a:fld>
             <a:endParaRPr lang="ja-JP" altLang="en-US"/>
           </a:p>
@@ -5162,7 +5166,7 @@
             <a:fld id="{A8117D98-E012-1340-B59B-5CB4A353C1AC}" type="datetime1">
               <a:rPr lang="ja-JP" altLang="en-US" smtClean="0"/>
               <a:pPr/>
-              <a:t>08.9.4</a:t>
+              <a:t>08.9.5</a:t>
             </a:fld>
             <a:endParaRPr lang="ja-JP" altLang="en-US"/>
           </a:p>
@@ -5587,7 +5591,7 @@
             <a:fld id="{3A348B0A-8461-AC42-A115-63F264401103}" type="datetime1">
               <a:rPr lang="ja-JP" altLang="en-US" smtClean="0"/>
               <a:pPr/>
-              <a:t>08.9.4</a:t>
+              <a:t>08.9.5</a:t>
             </a:fld>
             <a:endParaRPr lang="ja-JP" altLang="en-US"/>
           </a:p>
@@ -5891,7 +5895,7 @@
             <a:fld id="{5E1B4DB0-F2B9-D04A-9DD7-6703AC7E7248}" type="datetime1">
               <a:rPr lang="ja-JP" altLang="en-US" smtClean="0"/>
               <a:pPr/>
-              <a:t>08.9.4</a:t>
+              <a:t>08.9.5</a:t>
             </a:fld>
             <a:endParaRPr lang="ja-JP" altLang="en-US"/>
           </a:p>
@@ -6298,7 +6302,7 @@
             <a:fld id="{D67B3AFA-E2BB-4B40-8DFD-5F43A75FECED}" type="datetime1">
               <a:rPr lang="ja-JP" altLang="en-US" smtClean="0"/>
               <a:pPr/>
-              <a:t>08.9.4</a:t>
+              <a:t>08.9.5</a:t>
             </a:fld>
             <a:endParaRPr lang="ja-JP" altLang="en-US"/>
           </a:p>
@@ -6694,7 +6698,7 @@
             <a:fld id="{C0E34838-0D8B-784A-8083-2BF0BCC81F31}" type="datetime1">
               <a:rPr lang="ja-JP" altLang="en-US" smtClean="0"/>
               <a:pPr/>
-              <a:t>08.9.4</a:t>
+              <a:t>08.9.5</a:t>
             </a:fld>
             <a:endParaRPr lang="ja-JP" altLang="en-US"/>
           </a:p>
@@ -7047,7 +7051,7 @@
             <a:fld id="{B214FFAD-D2AC-BA4E-94A6-AF1EF61CF5E3}" type="datetime1">
               <a:rPr lang="ja-JP" altLang="en-US" smtClean="0"/>
               <a:pPr/>
-              <a:t>08.9.4</a:t>
+              <a:t>08.9.5</a:t>
             </a:fld>
             <a:endParaRPr lang="ja-JP" altLang="en-US"/>
           </a:p>
@@ -7556,7 +7560,7 @@
             <a:fld id="{A505B7DA-7661-3B41-B158-5031F500DA1D}" type="datetime1">
               <a:rPr lang="ja-JP" altLang="en-US" smtClean="0"/>
               <a:pPr/>
-              <a:t>08.9.4</a:t>
+              <a:t>08.9.5</a:t>
             </a:fld>
             <a:endParaRPr lang="ja-JP" altLang="en-US"/>
           </a:p>
@@ -7888,7 +7892,7 @@
             <a:fld id="{D2DD3DBE-A7FC-A843-A5D2-64A57D5C6B0F}" type="datetime1">
               <a:rPr lang="ja-JP" altLang="en-US" smtClean="0"/>
               <a:pPr/>
-              <a:t>08.9.4</a:t>
+              <a:t>08.9.5</a:t>
             </a:fld>
             <a:endParaRPr lang="ja-JP" altLang="en-US"/>
           </a:p>
@@ -8250,7 +8254,7 @@
             <a:fld id="{19A5AFE0-9EBD-9B43-8D58-2BE7D375FB38}" type="datetime1">
               <a:rPr lang="ja-JP" altLang="en-US" smtClean="0"/>
               <a:pPr/>
-              <a:t>08.9.4</a:t>
+              <a:t>08.9.5</a:t>
             </a:fld>
             <a:endParaRPr lang="ja-JP" altLang="en-US"/>
           </a:p>
@@ -10387,7 +10391,23 @@
                   <a:srgbClr val="000000"/>
                 </a:solidFill>
               </a:rPr>
-              <a:t>などなどもっとスマートに安全にやりてぇ</a:t>
+              <a:t>などなどもっとスマートに安全</a:t>
+            </a:r>
+            <a:r>
+              <a:rPr lang="ja-JP" altLang="en-US" dirty="0" smtClean="0">
+                <a:solidFill>
+                  <a:srgbClr val="000000"/>
+                </a:solidFill>
+              </a:rPr>
+              <a:t>に</a:t>
+            </a:r>
+            <a:r>
+              <a:rPr lang="ja-JP" altLang="en-US" dirty="0" smtClean="0">
+                <a:solidFill>
+                  <a:srgbClr val="000000"/>
+                </a:solidFill>
+              </a:rPr>
+              <a:t>したい</a:t>
             </a:r>
             <a:endParaRPr lang="en-US" altLang="ja-JP" dirty="0">
               <a:solidFill>
@@ -11211,7 +11231,23 @@
                   <a:srgbClr val="000000"/>
                 </a:solidFill>
               </a:rPr>
-              <a:t>朝まで終わらないナイトリーテストが実際あったの</a:t>
+              <a:t>朝まで終わらないナイトリーテストが実際</a:t>
+            </a:r>
+            <a:r>
+              <a:rPr lang="ja-JP" altLang="en-US" dirty="0" smtClean="0">
+                <a:solidFill>
+                  <a:srgbClr val="000000"/>
+                </a:solidFill>
+              </a:rPr>
+              <a:t>あ</a:t>
+            </a:r>
+            <a:r>
+              <a:rPr lang="en-US" altLang="ja-JP" dirty="0" smtClean="0">
+                <a:solidFill>
+                  <a:srgbClr val="000000"/>
+                </a:solidFill>
+              </a:rPr>
+              <a:t>…</a:t>
             </a:r>
             <a:endParaRPr lang="en-US" altLang="ja-JP" dirty="0">
               <a:solidFill>
@@ -11953,10 +11989,6 @@
             <a:r>
               <a:rPr lang="en-US" altLang="ja-JP" dirty="0" smtClean="0"/>
               <a:t>:</a:t>
-            </a:r>
-            <a:r>
-              <a:rPr lang="en-US" altLang="ja-JP" dirty="0" smtClean="0"/>
-              <a:t/>
             </a:r>
             <a:br>
               <a:rPr lang="en-US" altLang="ja-JP" dirty="0" smtClean="0"/>
@@ -12313,15 +12345,7 @@
           <a:p>
             <a:r>
               <a:rPr lang="en-US" altLang="ja-JP" dirty="0" smtClean="0"/>
-              <a:t>1.</a:t>
-            </a:r>
-            <a:r>
-              <a:rPr lang="en-US" altLang="ja-JP" dirty="0" smtClean="0"/>
-              <a:t> </a:t>
-            </a:r>
-            <a:r>
-              <a:rPr lang="en-US" altLang="ja-JP" dirty="0" smtClean="0"/>
-              <a:t>replace-schema</a:t>
+              <a:t>1. replace-schema</a:t>
             </a:r>
             <a:r>
               <a:rPr lang="ja-JP" altLang="en-US" dirty="0" smtClean="0"/>
@@ -12355,11 +12379,7 @@
           <a:p>
             <a:r>
               <a:rPr lang="en-US" altLang="ja-JP" dirty="0" smtClean="0"/>
-              <a:t>3</a:t>
-            </a:r>
-            <a:r>
-              <a:rPr lang="en-US" altLang="ja-JP" dirty="0" smtClean="0"/>
-              <a:t>. </a:t>
+              <a:t>3. </a:t>
             </a:r>
             <a:r>
               <a:rPr lang="ja-JP" altLang="en-US" dirty="0" smtClean="0"/>
@@ -12393,11 +12413,7 @@
           <a:p>
             <a:r>
               <a:rPr lang="en-US" altLang="ja-JP" dirty="0" smtClean="0"/>
-              <a:t>4</a:t>
-            </a:r>
-            <a:r>
-              <a:rPr lang="en-US" altLang="ja-JP" dirty="0" smtClean="0"/>
-              <a:t>. DDL</a:t>
+              <a:t>4. DDL</a:t>
             </a:r>
             <a:r>
               <a:rPr lang="ja-JP" altLang="en-US" dirty="0" smtClean="0"/>
@@ -12472,11 +12488,7 @@
             </a:r>
             <a:r>
               <a:rPr kumimoji="1" lang="ja-JP" altLang="en-US" dirty="0" smtClean="0"/>
-              <a:t>結果</a:t>
-            </a:r>
-            <a:r>
-              <a:rPr kumimoji="1" lang="ja-JP" altLang="en-US" dirty="0" smtClean="0"/>
-              <a:t>閲覧</a:t>
+              <a:t>結果閲覧</a:t>
             </a:r>
             <a:endParaRPr kumimoji="1" lang="ja-JP" altLang="en-US" dirty="0"/>
           </a:p>
@@ -12629,11 +12641,7 @@
           <a:p>
             <a:r>
               <a:rPr lang="en-US" altLang="ja-JP" dirty="0" smtClean="0"/>
-              <a:t>2</a:t>
-            </a:r>
-            <a:r>
-              <a:rPr lang="en-US" altLang="ja-JP" dirty="0" smtClean="0"/>
-              <a:t>. DROP</a:t>
+              <a:t>2. DROP</a:t>
             </a:r>
             <a:endParaRPr kumimoji="1" lang="ja-JP" altLang="en-US" dirty="0"/>
           </a:p>
@@ -12722,11 +12730,7 @@
           <a:p>
             <a:r>
               <a:rPr lang="en-US" altLang="ja-JP" dirty="0" smtClean="0"/>
-              <a:t>6</a:t>
-            </a:r>
-            <a:r>
-              <a:rPr lang="en-US" altLang="ja-JP" dirty="0" smtClean="0"/>
-              <a:t>. </a:t>
+              <a:t>6. </a:t>
             </a:r>
             <a:r>
               <a:rPr lang="ja-JP" altLang="en-US" dirty="0" smtClean="0"/>
@@ -12796,11 +12800,7 @@
           <a:p>
             <a:r>
               <a:rPr lang="en-US" altLang="ja-JP" dirty="0" smtClean="0"/>
-              <a:t>5</a:t>
-            </a:r>
-            <a:r>
-              <a:rPr lang="en-US" altLang="ja-JP" dirty="0" smtClean="0"/>
-              <a:t>. </a:t>
+              <a:t>5. </a:t>
             </a:r>
             <a:r>
               <a:rPr lang="ja-JP" altLang="en-US" dirty="0" smtClean="0"/>
@@ -12944,11 +12944,7 @@
           <a:p>
             <a:r>
               <a:rPr lang="en-US" altLang="ja-JP" dirty="0" smtClean="0"/>
-              <a:t>7</a:t>
-            </a:r>
-            <a:r>
-              <a:rPr lang="en-US" altLang="ja-JP" dirty="0" smtClean="0"/>
-              <a:t>. </a:t>
+              <a:t>7. </a:t>
             </a:r>
             <a:r>
               <a:rPr lang="ja-JP" altLang="en-US" dirty="0" smtClean="0"/>
@@ -12982,11 +12978,7 @@
           <a:p>
             <a:r>
               <a:rPr lang="en-US" altLang="ja-JP" dirty="0" smtClean="0"/>
-              <a:t>8</a:t>
-            </a:r>
-            <a:r>
-              <a:rPr lang="en-US" altLang="ja-JP" dirty="0" smtClean="0"/>
-              <a:t>. </a:t>
+              <a:t>8. </a:t>
             </a:r>
             <a:r>
               <a:rPr lang="ja-JP" altLang="en-US" dirty="0" smtClean="0"/>
@@ -13073,15 +13065,27 @@
               <a:rPr lang="en-US" altLang="ja-JP" dirty="0" smtClean="0"/>
             </a:br>
             <a:r>
-              <a:rPr lang="ja-JP" altLang="en-US" sz="4800" dirty="0" smtClean="0"/>
+              <a:rPr lang="ja-JP" altLang="en-US" sz="4800" dirty="0" smtClean="0">
+                <a:solidFill>
+                  <a:schemeClr val="accent3"/>
+                </a:solidFill>
+              </a:rPr>
               <a:t>スキーマ初期化</a:t>
             </a:r>
             <a:r>
-              <a:rPr lang="en-US" altLang="ja-JP" sz="4800" dirty="0" smtClean="0"/>
+              <a:rPr lang="en-US" altLang="ja-JP" sz="4800" dirty="0" smtClean="0">
+                <a:solidFill>
+                  <a:schemeClr val="accent3"/>
+                </a:solidFill>
+              </a:rPr>
               <a:t>&amp;</a:t>
             </a:r>
             <a:r>
-              <a:rPr lang="ja-JP" altLang="en-US" sz="4800" dirty="0" smtClean="0"/>
+              <a:rPr lang="ja-JP" altLang="en-US" sz="4800" dirty="0" smtClean="0">
+                <a:solidFill>
+                  <a:schemeClr val="accent3"/>
+                </a:solidFill>
+              </a:rPr>
               <a:t>作成</a:t>
             </a:r>
             <a:r>
@@ -13231,19 +13235,7 @@
             </a:r>
             <a:r>
               <a:rPr lang="ja-JP" altLang="en-US" dirty="0" smtClean="0"/>
-              <a:t>」で</a:t>
-            </a:r>
-            <a:r>
-              <a:rPr lang="ja-JP" altLang="en-US" dirty="0" smtClean="0"/>
-              <a:t>始ま</a:t>
-            </a:r>
-            <a:r>
-              <a:rPr lang="ja-JP" altLang="en-US" dirty="0" smtClean="0"/>
-              <a:t>る</a:t>
-            </a:r>
-            <a:r>
-              <a:rPr lang="ja-JP" altLang="en-US" dirty="0" smtClean="0"/>
-              <a:t>「</a:t>
+              <a:t>」で始まる「</a:t>
             </a:r>
             <a:r>
               <a:rPr lang="en-US" altLang="ja-JP" dirty="0" smtClean="0"/>
@@ -13255,19 +13247,7 @@
             </a:r>
             <a:r>
               <a:rPr lang="ja-JP" altLang="en-US" dirty="0" smtClean="0"/>
-              <a:t>」ファイル</a:t>
-            </a:r>
-            <a:r>
-              <a:rPr lang="ja-JP" altLang="en-US" dirty="0" smtClean="0"/>
-              <a:t>をアスキー順</a:t>
-            </a:r>
-            <a:r>
-              <a:rPr lang="ja-JP" altLang="en-US" dirty="0" smtClean="0"/>
-              <a:t>で</a:t>
-            </a:r>
-            <a:r>
-              <a:rPr lang="ja-JP" altLang="en-US" dirty="0" smtClean="0"/>
-              <a:t>読み込む</a:t>
+              <a:t>」ファイルをアスキー順で読み込む</a:t>
             </a:r>
             <a:endParaRPr lang="en-US" altLang="ja-JP" dirty="0" smtClean="0"/>
           </a:p>
@@ -13357,11 +13337,7 @@
             </a:r>
             <a:r>
               <a:rPr lang="ja-JP" altLang="en-US" dirty="0" smtClean="0"/>
-              <a:t>とすることができる</a:t>
-            </a:r>
-            <a:r>
-              <a:rPr lang="ja-JP" altLang="en-US" dirty="0" smtClean="0"/>
-              <a:t>。</a:t>
+              <a:t>とすることができる。</a:t>
             </a:r>
             <a:endParaRPr lang="en-US" altLang="ja-JP" dirty="0" smtClean="0"/>
           </a:p>
@@ -13954,15 +13930,27 @@
               <a:rPr lang="en-US" altLang="ja-JP" dirty="0" smtClean="0"/>
             </a:br>
             <a:r>
-              <a:rPr lang="ja-JP" altLang="en-US" sz="4400" dirty="0" smtClean="0"/>
+              <a:rPr lang="ja-JP" altLang="en-US" sz="4400" dirty="0" smtClean="0">
+                <a:solidFill>
+                  <a:schemeClr val="accent3"/>
+                </a:solidFill>
+              </a:rPr>
               <a:t>スキーマの初期化</a:t>
             </a:r>
             <a:r>
-              <a:rPr lang="en-US" altLang="ja-JP" sz="4400" dirty="0" smtClean="0"/>
+              <a:rPr lang="en-US" altLang="ja-JP" sz="4400" dirty="0" smtClean="0">
+                <a:solidFill>
+                  <a:schemeClr val="accent3"/>
+                </a:solidFill>
+              </a:rPr>
               <a:t>&amp;</a:t>
             </a:r>
             <a:r>
-              <a:rPr lang="ja-JP" altLang="en-US" sz="4400" dirty="0" smtClean="0"/>
+              <a:rPr lang="ja-JP" altLang="en-US" sz="4400" dirty="0" smtClean="0">
+                <a:solidFill>
+                  <a:schemeClr val="accent3"/>
+                </a:solidFill>
+              </a:rPr>
               <a:t>作成</a:t>
             </a:r>
             <a:r>
@@ -13995,11 +13983,7 @@
           <a:p>
             <a:r>
               <a:rPr lang="ja-JP" altLang="en-US" dirty="0" smtClean="0"/>
-              <a:t>古いテーブルが</a:t>
-            </a:r>
-            <a:r>
-              <a:rPr lang="ja-JP" altLang="en-US" dirty="0" smtClean="0"/>
-              <a:t>残らない</a:t>
+              <a:t>古いテーブルが残らない</a:t>
             </a:r>
             <a:endParaRPr lang="en-US" altLang="ja-JP" dirty="0" smtClean="0"/>
           </a:p>
@@ -14053,11 +14037,7 @@
             </a:r>
             <a:r>
               <a:rPr lang="ja-JP" altLang="en-US" dirty="0" smtClean="0"/>
-              <a:t>変更があっても各開発者の環境への反映が</a:t>
-            </a:r>
-            <a:r>
-              <a:rPr lang="ja-JP" altLang="en-US" dirty="0" smtClean="0"/>
-              <a:t>容易</a:t>
+              <a:t>変更があっても各開発者の環境への反映が容易</a:t>
             </a:r>
           </a:p>
           <a:p>
@@ -14141,15 +14121,7 @@
             </a:r>
             <a:r>
               <a:rPr lang="ja-JP" altLang="en-US" dirty="0" smtClean="0"/>
-              <a:t>自体をバージョン管理にし、</a:t>
-            </a:r>
-            <a:r>
-              <a:rPr lang="ja-JP" altLang="en-US" dirty="0" smtClean="0"/>
-              <a:t>各開発者</a:t>
-            </a:r>
-            <a:r>
-              <a:rPr lang="ja-JP" altLang="en-US" dirty="0" smtClean="0"/>
-              <a:t>はチェックアウト</a:t>
+              <a:t>自体をバージョン管理にし、各開発者はチェックアウト</a:t>
             </a:r>
             <a:r>
               <a:rPr lang="en-US" altLang="ja-JP" dirty="0" smtClean="0"/>
@@ -14157,11 +14129,7 @@
             </a:r>
             <a:r>
               <a:rPr lang="ja-JP" altLang="en-US" dirty="0" smtClean="0"/>
-              <a:t>もしくは</a:t>
-            </a:r>
-            <a:r>
-              <a:rPr lang="ja-JP" altLang="en-US" dirty="0" smtClean="0"/>
-              <a:t>更新</a:t>
+              <a:t>もしくは更新</a:t>
             </a:r>
             <a:r>
               <a:rPr lang="en-US" altLang="ja-JP" dirty="0" smtClean="0"/>
@@ -14244,8 +14212,16 @@
               <a:rPr lang="en-US" altLang="ja-JP" dirty="0" smtClean="0"/>
             </a:br>
             <a:r>
-              <a:rPr lang="ja-JP" altLang="en-US" dirty="0" smtClean="0"/>
-              <a:t>データ登録の概要</a:t>
+              <a:rPr lang="ja-JP" altLang="en-US" dirty="0" smtClean="0">
+                <a:solidFill>
+                  <a:schemeClr val="accent3"/>
+                </a:solidFill>
+              </a:rPr>
+              <a:t>データ登録</a:t>
+            </a:r>
+            <a:r>
+              <a:rPr lang="ja-JP" altLang="en-US" dirty="0" smtClean="0"/>
+              <a:t>の概要</a:t>
             </a:r>
             <a:endParaRPr lang="ja-JP" altLang="en-US" dirty="0"/>
           </a:p>
@@ -14319,7 +14295,11 @@
             </a:r>
             <a:r>
               <a:rPr lang="ja-JP" altLang="en-US" dirty="0" smtClean="0"/>
-              <a:t>に関わらず必ず最初に登録される。</a:t>
+              <a:t>に</a:t>
+            </a:r>
+            <a:r>
+              <a:rPr lang="ja-JP" altLang="en-US" dirty="0" smtClean="0"/>
+              <a:t>関わらず必ず最初に登録される。</a:t>
             </a:r>
             <a:endParaRPr lang="en-US" altLang="ja-JP" dirty="0" smtClean="0"/>
           </a:p>
@@ -14344,23 +14324,11 @@
             </a:r>
             <a:r>
               <a:rPr lang="en-US" altLang="ja-JP" dirty="0" smtClean="0"/>
-              <a:t>/data</a:t>
-            </a:r>
-            <a:r>
-              <a:rPr lang="en-US" altLang="ja-JP" dirty="0" smtClean="0"/>
-              <a:t>/xxx</a:t>
-            </a:r>
-            <a:r>
-              <a:rPr lang="ja-JP" altLang="en-US" dirty="0" smtClean="0"/>
-              <a:t>配下</a:t>
-            </a:r>
-            <a:r>
-              <a:rPr lang="ja-JP" altLang="en-US" dirty="0" smtClean="0"/>
-              <a:t>のデータ</a:t>
-            </a:r>
-            <a:r>
-              <a:rPr lang="ja-JP" altLang="en-US" dirty="0" smtClean="0"/>
-              <a:t>を</a:t>
+              <a:t>/data/xxx</a:t>
+            </a:r>
+            <a:r>
+              <a:rPr lang="ja-JP" altLang="en-US" dirty="0" smtClean="0"/>
+              <a:t>配下のデータを</a:t>
             </a:r>
             <a:r>
               <a:rPr lang="en-US" altLang="ja-JP" dirty="0" smtClean="0"/>
@@ -14387,11 +14355,7 @@
             </a:r>
             <a:r>
               <a:rPr lang="en-US" altLang="ja-JP" dirty="0" err="1" smtClean="0"/>
-              <a:t>playsql/data</a:t>
-            </a:r>
-            <a:r>
-              <a:rPr lang="en-US" altLang="ja-JP" dirty="0" err="1" smtClean="0"/>
-              <a:t>/ut</a:t>
+              <a:t>playsql/data/ut</a:t>
             </a:r>
             <a:r>
               <a:rPr lang="ja-JP" altLang="en-US" dirty="0" smtClean="0"/>
@@ -14406,11 +14370,7 @@
             </a:pPr>
             <a:r>
               <a:rPr lang="en-US" altLang="ja-JP" dirty="0" smtClean="0"/>
-              <a:t>x</a:t>
-            </a:r>
-            <a:r>
-              <a:rPr lang="en-US" altLang="ja-JP" dirty="0" smtClean="0"/>
-              <a:t>xx</a:t>
+              <a:t>xxx</a:t>
             </a:r>
             <a:r>
               <a:rPr lang="ja-JP" altLang="en-US" dirty="0" smtClean="0"/>
@@ -14422,14 +14382,26 @@
             </a:r>
             <a:r>
               <a:rPr lang="ja-JP" altLang="en-US" dirty="0" smtClean="0"/>
-              <a:t>で指定する</a:t>
+              <a:t>で</a:t>
+            </a:r>
+            <a:r>
+              <a:rPr lang="ja-JP" altLang="en-US" dirty="0" smtClean="0"/>
+              <a:t>指定</a:t>
+            </a:r>
+            <a:r>
+              <a:rPr lang="ja-JP" altLang="en-US" dirty="0" smtClean="0"/>
+              <a:t>する</a:t>
             </a:r>
             <a:r>
               <a:rPr lang="en-US" altLang="ja-JP" dirty="0" smtClean="0"/>
               <a:t>(</a:t>
             </a:r>
             <a:r>
-              <a:rPr lang="ja-JP" altLang="en-US" dirty="0" smtClean="0"/>
+              <a:rPr lang="ja-JP" altLang="en-US" dirty="0" smtClean="0">
+                <a:solidFill>
+                  <a:schemeClr val="accent1"/>
+                </a:solidFill>
+              </a:rPr>
               <a:t>後述</a:t>
             </a:r>
             <a:r>
@@ -14718,12 +14690,358 @@
             <p:ph type="title"/>
           </p:nvPr>
         </p:nvSpPr>
+        <p:spPr>
+          <a:xfrm>
+            <a:off x="457200" y="503238"/>
+            <a:ext cx="8305800" cy="868362"/>
+          </a:xfrm>
+        </p:spPr>
+        <p:txBody>
+          <a:bodyPr/>
+          <a:lstStyle/>
+          <a:p>
+            <a:r>
+              <a:rPr lang="en-US" altLang="ja-JP" dirty="0" smtClean="0"/>
+              <a:t>[2]DDL</a:t>
+            </a:r>
+            <a:r>
+              <a:rPr lang="ja-JP" altLang="en-US" dirty="0" smtClean="0"/>
+              <a:t>＆データ</a:t>
+            </a:r>
+            <a:r>
+              <a:rPr lang="en-US" altLang="ja-JP" dirty="0" smtClean="0"/>
+              <a:t>:</a:t>
+            </a:r>
+            <a:br>
+              <a:rPr lang="en-US" altLang="ja-JP" dirty="0" smtClean="0"/>
+            </a:br>
+            <a:r>
+              <a:rPr lang="ja-JP" altLang="en-US" dirty="0" smtClean="0">
+                <a:solidFill>
+                  <a:schemeClr val="accent3"/>
+                </a:solidFill>
+              </a:rPr>
+              <a:t>データ登録</a:t>
+            </a:r>
+            <a:r>
+              <a:rPr lang="ja-JP" altLang="en-US" dirty="0" smtClean="0"/>
+              <a:t>の</a:t>
+            </a:r>
+            <a:r>
+              <a:rPr lang="ja-JP" altLang="en-US" dirty="0" smtClean="0"/>
+              <a:t>データ切り替え</a:t>
+            </a:r>
+            <a:endParaRPr lang="ja-JP" altLang="en-US" dirty="0"/>
+          </a:p>
+        </p:txBody>
+      </p:sp>
+      <p:sp>
+        <p:nvSpPr>
+          <p:cNvPr id="3" name="コンテンツ プレースホルダ 2"/>
+          <p:cNvSpPr>
+            <a:spLocks noGrp="1"/>
+          </p:cNvSpPr>
+          <p:nvPr>
+            <p:ph idx="1"/>
+          </p:nvPr>
+        </p:nvSpPr>
         <p:spPr/>
         <p:txBody>
+          <a:bodyPr>
+            <a:normAutofit fontScale="92500"/>
+          </a:bodyPr>
+          <a:lstStyle/>
+          <a:p>
+            <a:endParaRPr lang="en-US" altLang="ja-JP" dirty="0" smtClean="0"/>
+          </a:p>
+          <a:p>
+            <a:r>
+              <a:rPr lang="en-US" altLang="ja-JP" dirty="0" err="1" smtClean="0"/>
+              <a:t>dataLoadingType</a:t>
+            </a:r>
+            <a:r>
+              <a:rPr lang="ja-JP" altLang="en-US" dirty="0" smtClean="0"/>
+              <a:t>を指定することで登録データを切り替える</a:t>
+            </a:r>
+            <a:endParaRPr lang="en-US" altLang="ja-JP" dirty="0" smtClean="0"/>
+          </a:p>
+          <a:p>
+            <a:pPr lvl="1">
+              <a:buNone/>
+            </a:pPr>
+            <a:r>
+              <a:rPr lang="en-US" altLang="ja-JP" dirty="0" smtClean="0"/>
+              <a:t>/</a:t>
+            </a:r>
+            <a:r>
+              <a:rPr lang="en-US" altLang="ja-JP" dirty="0" err="1" smtClean="0"/>
+              <a:t>playsql/data/[dataLoadingType</a:t>
+            </a:r>
+            <a:r>
+              <a:rPr lang="en-US" altLang="ja-JP" dirty="0" smtClean="0"/>
+              <a:t>]/…</a:t>
+            </a:r>
+          </a:p>
+          <a:p>
+            <a:pPr lvl="1">
+              <a:buNone/>
+            </a:pPr>
+            <a:endParaRPr lang="en-US" altLang="ja-JP" dirty="0" smtClean="0"/>
+          </a:p>
+          <a:p>
+            <a:pPr lvl="1">
+              <a:buAutoNum type="arabicPeriod"/>
+            </a:pPr>
+            <a:r>
+              <a:rPr lang="en-US" altLang="ja-JP" dirty="0" err="1" smtClean="0"/>
+              <a:t>d</a:t>
+            </a:r>
+            <a:r>
+              <a:rPr lang="en-US" altLang="ja-JP" dirty="0" err="1" smtClean="0"/>
+              <a:t>fprop/replaceSchemaDefinitionMap.dfprop</a:t>
+            </a:r>
+            <a:r>
+              <a:rPr lang="ja-JP" altLang="en-US" dirty="0" smtClean="0"/>
+              <a:t>を</a:t>
+            </a:r>
+            <a:r>
+              <a:rPr lang="ja-JP" altLang="en-US" dirty="0" smtClean="0"/>
+              <a:t>作成</a:t>
+            </a:r>
+            <a:endParaRPr lang="en-US" altLang="ja-JP" dirty="0" smtClean="0"/>
+          </a:p>
+          <a:p>
+            <a:pPr lvl="1">
+              <a:buAutoNum type="arabicPeriod"/>
+            </a:pPr>
+            <a:r>
+              <a:rPr lang="en-US" altLang="ja-JP" dirty="0" err="1" smtClean="0"/>
+              <a:t>dataLoadingType</a:t>
+            </a:r>
+            <a:r>
+              <a:rPr lang="ja-JP" altLang="en-US" dirty="0" smtClean="0"/>
+              <a:t>を指定</a:t>
+            </a:r>
+            <a:endParaRPr lang="en-US" altLang="ja-JP" dirty="0" smtClean="0"/>
+          </a:p>
+          <a:p>
+            <a:pPr lvl="2">
+              <a:buNone/>
+            </a:pPr>
+            <a:r>
+              <a:rPr lang="en-US" altLang="ja-JP" dirty="0" smtClean="0"/>
+              <a:t>map:{</a:t>
+            </a:r>
+          </a:p>
+          <a:p>
+            <a:pPr lvl="2">
+              <a:buNone/>
+            </a:pPr>
+            <a:r>
+              <a:rPr lang="en-US" altLang="ja-JP" dirty="0" smtClean="0"/>
+              <a:t>    ;</a:t>
+            </a:r>
+            <a:r>
+              <a:rPr lang="en-US" altLang="ja-JP" dirty="0" smtClean="0"/>
+              <a:t> </a:t>
+            </a:r>
+            <a:r>
+              <a:rPr lang="en-US" altLang="ja-JP" dirty="0" err="1" smtClean="0"/>
+              <a:t>dataLoadingType</a:t>
+            </a:r>
+            <a:r>
+              <a:rPr lang="en-US" altLang="ja-JP" dirty="0" smtClean="0"/>
+              <a:t> = it</a:t>
+            </a:r>
+          </a:p>
+          <a:p>
+            <a:pPr lvl="2">
+              <a:buNone/>
+            </a:pPr>
+            <a:r>
+              <a:rPr lang="en-US" altLang="ja-JP" dirty="0" smtClean="0"/>
+              <a:t>    ; </a:t>
+            </a:r>
+            <a:r>
+              <a:rPr lang="en-US" altLang="ja-JP" dirty="0" smtClean="0"/>
+              <a:t>…</a:t>
+            </a:r>
+          </a:p>
+          <a:p>
+            <a:pPr lvl="2">
+              <a:buNone/>
+            </a:pPr>
+            <a:r>
+              <a:rPr lang="en-US" altLang="ja-JP" dirty="0" smtClean="0"/>
+              <a:t>}</a:t>
+            </a:r>
+            <a:endParaRPr lang="en-US" altLang="ja-JP" dirty="0" smtClean="0"/>
+          </a:p>
+          <a:p>
+            <a:pPr lvl="2">
+              <a:buNone/>
+            </a:pPr>
+            <a:endParaRPr lang="en-US" altLang="ja-JP" dirty="0" smtClean="0"/>
+          </a:p>
+        </p:txBody>
+      </p:sp>
+      <p:sp>
+        <p:nvSpPr>
+          <p:cNvPr id="4" name="フッター プレースホルダ 3"/>
+          <p:cNvSpPr>
+            <a:spLocks noGrp="1"/>
+          </p:cNvSpPr>
+          <p:nvPr>
+            <p:ph type="ftr" sz="quarter" idx="11"/>
+          </p:nvPr>
+        </p:nvSpPr>
+        <p:spPr/>
+        <p:txBody>
           <a:bodyPr/>
           <a:lstStyle/>
           <a:p>
             <a:r>
+              <a:rPr lang="en-US" altLang="ja-JP" smtClean="0"/>
+              <a:t>Seasar Conference 2008 Autumn</a:t>
+            </a:r>
+            <a:endParaRPr lang="ja-JP" altLang="en-US"/>
+          </a:p>
+        </p:txBody>
+      </p:sp>
+      <p:sp>
+        <p:nvSpPr>
+          <p:cNvPr id="5" name="テキスト ボックス 4"/>
+          <p:cNvSpPr txBox="1"/>
+          <p:nvPr/>
+        </p:nvSpPr>
+        <p:spPr>
+          <a:xfrm>
+            <a:off x="4995161" y="4228355"/>
+            <a:ext cx="2665413" cy="523220"/>
+          </a:xfrm>
+          <a:prstGeom prst="rect">
+            <a:avLst/>
+          </a:prstGeom>
+          <a:noFill/>
+          <a:ln>
+            <a:gradFill flip="none" rotWithShape="1">
+              <a:gsLst>
+                <a:gs pos="0">
+                  <a:schemeClr val="bg2"/>
+                </a:gs>
+                <a:gs pos="100000">
+                  <a:srgbClr val="000000"/>
+                </a:gs>
+              </a:gsLst>
+              <a:path path="rect">
+                <a:fillToRect l="100000" t="100000"/>
+              </a:path>
+              <a:tileRect r="-100000" b="-100000"/>
+            </a:gradFill>
+            <a:prstDash val="dashDot"/>
+          </a:ln>
+        </p:spPr>
+        <p:txBody>
+          <a:bodyPr wrap="square" rtlCol="0">
+            <a:spAutoFit/>
+          </a:bodyPr>
+          <a:lstStyle/>
+          <a:p>
+            <a:r>
+              <a:rPr kumimoji="1" lang="ja-JP" altLang="en-US" sz="1400" dirty="0" smtClean="0"/>
+              <a:t>この文字列がそのままディレクトリ名に対応する</a:t>
+            </a:r>
+            <a:endParaRPr kumimoji="1" lang="ja-JP" altLang="en-US" sz="1400" dirty="0"/>
+          </a:p>
+        </p:txBody>
+      </p:sp>
+      <p:cxnSp>
+        <p:nvCxnSpPr>
+          <p:cNvPr id="7" name="直線矢印コネクタ 6"/>
+          <p:cNvCxnSpPr>
+            <a:stCxn id="5" idx="1"/>
+          </p:cNvCxnSpPr>
+          <p:nvPr/>
+        </p:nvCxnSpPr>
+        <p:spPr>
+          <a:xfrm rot="10800000" flipV="1">
+            <a:off x="4385565" y="4489965"/>
+            <a:ext cx="609596" cy="261610"/>
+          </a:xfrm>
+          <a:prstGeom prst="straightConnector1">
+            <a:avLst/>
+          </a:prstGeom>
+          <a:ln w="12700" cmpd="sng">
+            <a:solidFill>
+              <a:schemeClr val="tx1">
+                <a:lumMod val="65000"/>
+                <a:lumOff val="35000"/>
+              </a:schemeClr>
+            </a:solidFill>
+            <a:tailEnd type="arrow"/>
+          </a:ln>
+        </p:spPr>
+        <p:style>
+          <a:lnRef idx="2">
+            <a:schemeClr val="accent1"/>
+          </a:lnRef>
+          <a:fillRef idx="0">
+            <a:schemeClr val="accent1"/>
+          </a:fillRef>
+          <a:effectRef idx="1">
+            <a:schemeClr val="accent1"/>
+          </a:effectRef>
+          <a:fontRef idx="minor">
+            <a:schemeClr val="tx1"/>
+          </a:fontRef>
+        </p:style>
+      </p:cxnSp>
+    </p:spTree>
+  </p:cSld>
+  <p:clrMapOvr>
+    <a:masterClrMapping/>
+  </p:clrMapOvr>
+</p:sld>
+</file>
+
+<file path=ppt/slides/slide26.xml><?xml version="1.0" encoding="utf-8"?>
+<p:sld xmlns:a="http://schemas.openxmlformats.org/drawingml/2006/main" xmlns:r="http://schemas.openxmlformats.org/officeDocument/2006/relationships" xmlns:mc="http://schemas.openxmlformats.org/markup-compatibility/2006" xmlns:mv="urn:schemas-microsoft-com:mac:vml" xmlns:p="http://schemas.openxmlformats.org/presentationml/2006/main" mc:Ignorable="mv" mc:PreserveAttributes="mv:*">
+  <p:cSld>
+    <p:spTree>
+      <p:nvGrpSpPr>
+        <p:cNvPr id="1" name=""/>
+        <p:cNvGrpSpPr/>
+        <p:nvPr/>
+      </p:nvGrpSpPr>
+      <p:grpSpPr>
+        <a:xfrm>
+          <a:off x="0" y="0"/>
+          <a:ext cx="0" cy="0"/>
+          <a:chOff x="0" y="0"/>
+          <a:chExt cx="0" cy="0"/>
+        </a:xfrm>
+      </p:grpSpPr>
+      <p:sp>
+        <p:nvSpPr>
+          <p:cNvPr id="2" name="タイトル 1"/>
+          <p:cNvSpPr>
+            <a:spLocks noGrp="1"/>
+          </p:cNvSpPr>
+          <p:nvPr>
+            <p:ph type="title"/>
+          </p:nvPr>
+        </p:nvSpPr>
+        <p:spPr>
+          <a:xfrm>
+            <a:off x="457200" y="503238"/>
+            <a:ext cx="8305800" cy="868362"/>
+          </a:xfrm>
+        </p:spPr>
+        <p:txBody>
+          <a:bodyPr/>
+          <a:lstStyle/>
+          <a:p>
+            <a:r>
               <a:rPr lang="en-US" altLang="ja-JP" dirty="0" smtClean="0"/>
               <a:t>[2]DDL</a:t>
             </a:r>
@@ -14735,20 +15053,421 @@
               <a:rPr lang="en-US" altLang="ja-JP" dirty="0" smtClean="0"/>
               <a:t>:</a:t>
             </a:r>
+            <a:r>
+              <a:rPr lang="en-US" altLang="ja-JP" dirty="0" smtClean="0"/>
+              <a:t/>
+            </a:r>
             <a:br>
               <a:rPr lang="en-US" altLang="ja-JP" dirty="0" smtClean="0"/>
             </a:br>
             <a:r>
-              <a:rPr lang="ja-JP" altLang="en-US" dirty="0" smtClean="0"/>
+              <a:rPr lang="en-US" altLang="ja-JP" dirty="0" smtClean="0"/>
+              <a:t>tips:</a:t>
+            </a:r>
+            <a:r>
+              <a:rPr lang="ja-JP" altLang="en-US" dirty="0" smtClean="0"/>
+              <a:t>環境</a:t>
+            </a:r>
+            <a:r>
+              <a:rPr lang="ja-JP" altLang="en-US" dirty="0" smtClean="0"/>
+              <a:t>ごとの設定の切り替え</a:t>
+            </a:r>
+            <a:endParaRPr lang="ja-JP" altLang="en-US" dirty="0"/>
+          </a:p>
+        </p:txBody>
+      </p:sp>
+      <p:sp>
+        <p:nvSpPr>
+          <p:cNvPr id="3" name="コンテンツ プレースホルダ 2"/>
+          <p:cNvSpPr>
+            <a:spLocks noGrp="1"/>
+          </p:cNvSpPr>
+          <p:nvPr>
+            <p:ph idx="1"/>
+          </p:nvPr>
+        </p:nvSpPr>
+        <p:spPr>
+          <a:xfrm>
+            <a:off x="457200" y="1735137"/>
+            <a:ext cx="8153400" cy="4570659"/>
+          </a:xfrm>
+        </p:spPr>
+        <p:txBody>
+          <a:bodyPr>
+            <a:normAutofit/>
+          </a:bodyPr>
+          <a:lstStyle/>
+          <a:p>
+            <a:endParaRPr lang="en-US" altLang="ja-JP" dirty="0" smtClean="0"/>
+          </a:p>
+          <a:p>
+            <a:r>
+              <a:rPr lang="en-US" altLang="ja-JP" dirty="0" err="1" smtClean="0"/>
+              <a:t>dfprop</a:t>
+            </a:r>
+            <a:r>
+              <a:rPr lang="ja-JP" altLang="en-US" dirty="0" smtClean="0"/>
+              <a:t>ファイルを環境毎に切り替える</a:t>
+            </a:r>
+            <a:endParaRPr lang="en-US" altLang="ja-JP" dirty="0" smtClean="0"/>
+          </a:p>
+          <a:p>
+            <a:pPr lvl="1">
+              <a:buNone/>
+            </a:pPr>
+            <a:endParaRPr lang="en-US" altLang="ja-JP" dirty="0" smtClean="0"/>
+          </a:p>
+          <a:p>
+            <a:pPr lvl="1">
+              <a:buAutoNum type="arabicPeriod"/>
+            </a:pPr>
+            <a:r>
+              <a:rPr lang="ja-JP" altLang="en-US" dirty="0" smtClean="0"/>
+              <a:t>環境変数「</a:t>
+            </a:r>
+            <a:r>
+              <a:rPr lang="en-US" altLang="ja-JP" dirty="0" smtClean="0"/>
+              <a:t>DBFLUTE_ENVIRONMENT_TYPE </a:t>
+            </a:r>
+            <a:r>
+              <a:rPr lang="en-US" altLang="ja-JP" dirty="0" smtClean="0"/>
+              <a:t>= </a:t>
+            </a:r>
+            <a:r>
+              <a:rPr lang="en-US" altLang="ja-JP" dirty="0" err="1" smtClean="0"/>
+              <a:t>abc</a:t>
+            </a:r>
+            <a:r>
+              <a:rPr lang="ja-JP" altLang="en-US" dirty="0" smtClean="0"/>
+              <a:t>」を定義</a:t>
+            </a:r>
+            <a:endParaRPr lang="en-US" altLang="ja-JP" dirty="0" smtClean="0"/>
+          </a:p>
+          <a:p>
+            <a:pPr lvl="1">
+              <a:buAutoNum type="arabicPeriod"/>
+            </a:pPr>
+            <a:r>
+              <a:rPr lang="en-US" altLang="ja-JP" dirty="0" err="1" smtClean="0"/>
+              <a:t>d</a:t>
+            </a:r>
+            <a:r>
+              <a:rPr lang="en-US" altLang="ja-JP" dirty="0" err="1" smtClean="0"/>
+              <a:t>fprop/abc</a:t>
+            </a:r>
+            <a:r>
+              <a:rPr lang="ja-JP" altLang="en-US" dirty="0" smtClean="0"/>
+              <a:t>ディレクトリを作成</a:t>
+            </a:r>
+            <a:endParaRPr lang="en-US" altLang="ja-JP" dirty="0" smtClean="0"/>
+          </a:p>
+          <a:p>
+            <a:pPr lvl="1">
+              <a:buAutoNum type="arabicPeriod"/>
+            </a:pPr>
+            <a:r>
+              <a:rPr lang="en-US" altLang="ja-JP" dirty="0" err="1" smtClean="0"/>
+              <a:t>d</a:t>
+            </a:r>
+            <a:r>
+              <a:rPr lang="en-US" altLang="ja-JP" dirty="0" err="1" smtClean="0"/>
+              <a:t>fprop/abc</a:t>
+            </a:r>
+            <a:r>
+              <a:rPr lang="en-US" altLang="ja-JP" dirty="0" smtClean="0"/>
+              <a:t>/</a:t>
+            </a:r>
+            <a:r>
+              <a:rPr lang="ja-JP" altLang="en-US" dirty="0" smtClean="0"/>
+              <a:t>配下の</a:t>
+            </a:r>
+            <a:r>
+              <a:rPr lang="en-US" altLang="ja-JP" dirty="0" err="1" smtClean="0"/>
+              <a:t>dfprop</a:t>
+            </a:r>
+            <a:r>
+              <a:rPr lang="ja-JP" altLang="en-US" dirty="0" smtClean="0"/>
+              <a:t>ファイルが優先される</a:t>
+            </a:r>
+            <a:endParaRPr lang="en-US" altLang="ja-JP" dirty="0" smtClean="0"/>
+          </a:p>
+          <a:p>
+            <a:pPr lvl="2">
+              <a:buNone/>
+            </a:pPr>
+            <a:r>
+              <a:rPr lang="en-US" altLang="ja-JP" dirty="0" smtClean="0"/>
+              <a:t>(</a:t>
+            </a:r>
+            <a:r>
+              <a:rPr lang="ja-JP" altLang="en-US" dirty="0" smtClean="0"/>
+              <a:t>該当</a:t>
+            </a:r>
+            <a:r>
+              <a:rPr lang="en-US" altLang="ja-JP" dirty="0" err="1" smtClean="0"/>
+              <a:t>dfprop</a:t>
+            </a:r>
+            <a:r>
+              <a:rPr lang="ja-JP" altLang="en-US" dirty="0" smtClean="0"/>
+              <a:t>ファイルが</a:t>
+            </a:r>
+            <a:r>
+              <a:rPr lang="en-US" altLang="ja-JP" dirty="0" err="1" smtClean="0"/>
+              <a:t>abc</a:t>
+            </a:r>
+            <a:r>
+              <a:rPr lang="ja-JP" altLang="en-US" dirty="0" smtClean="0"/>
+              <a:t>配下になければ</a:t>
+            </a:r>
+            <a:r>
+              <a:rPr lang="en-US" altLang="ja-JP" dirty="0" err="1" smtClean="0"/>
+              <a:t>dfprop</a:t>
+            </a:r>
+            <a:r>
+              <a:rPr lang="ja-JP" altLang="en-US" dirty="0" smtClean="0"/>
+              <a:t>配下をみる</a:t>
+            </a:r>
+            <a:r>
+              <a:rPr lang="en-US" altLang="ja-JP" dirty="0" smtClean="0"/>
+              <a:t>)</a:t>
+            </a:r>
+          </a:p>
+        </p:txBody>
+      </p:sp>
+      <p:sp>
+        <p:nvSpPr>
+          <p:cNvPr id="4" name="フッター プレースホルダ 3"/>
+          <p:cNvSpPr>
+            <a:spLocks noGrp="1"/>
+          </p:cNvSpPr>
+          <p:nvPr>
+            <p:ph type="ftr" sz="quarter" idx="11"/>
+          </p:nvPr>
+        </p:nvSpPr>
+        <p:spPr/>
+        <p:txBody>
+          <a:bodyPr/>
+          <a:lstStyle/>
+          <a:p>
+            <a:r>
+              <a:rPr lang="en-US" altLang="ja-JP" smtClean="0"/>
+              <a:t>Seasar Conference 2008 Autumn</a:t>
+            </a:r>
+            <a:endParaRPr lang="ja-JP" altLang="en-US"/>
+          </a:p>
+        </p:txBody>
+      </p:sp>
+      <p:sp>
+        <p:nvSpPr>
+          <p:cNvPr id="5" name="テキスト ボックス 4"/>
+          <p:cNvSpPr txBox="1"/>
+          <p:nvPr/>
+        </p:nvSpPr>
+        <p:spPr>
+          <a:xfrm>
+            <a:off x="457200" y="4953000"/>
+            <a:ext cx="8305800" cy="1200329"/>
+          </a:xfrm>
+          <a:prstGeom prst="rect">
+            <a:avLst/>
+          </a:prstGeom>
+          <a:noFill/>
+          <a:ln>
+            <a:gradFill flip="none" rotWithShape="1">
+              <a:gsLst>
+                <a:gs pos="0">
+                  <a:schemeClr val="bg2"/>
+                </a:gs>
+                <a:gs pos="100000">
+                  <a:srgbClr val="000000"/>
+                </a:gs>
+              </a:gsLst>
+              <a:path path="rect">
+                <a:fillToRect l="100000" t="100000"/>
+              </a:path>
+              <a:tileRect r="-100000" b="-100000"/>
+            </a:gradFill>
+            <a:prstDash val="dashDot"/>
+          </a:ln>
+        </p:spPr>
+        <p:txBody>
+          <a:bodyPr wrap="square" rtlCol="0">
+            <a:spAutoFit/>
+          </a:bodyPr>
+          <a:lstStyle/>
+          <a:p>
+            <a:r>
+              <a:rPr kumimoji="1" lang="ja-JP" altLang="en-US" dirty="0" smtClean="0"/>
+              <a:t>この方法で</a:t>
+            </a:r>
+            <a:r>
+              <a:rPr kumimoji="1" lang="en-US" altLang="ja-JP" dirty="0" err="1" smtClean="0"/>
+              <a:t>databaseInfoMap.dfprop</a:t>
+            </a:r>
+            <a:r>
+              <a:rPr kumimoji="1" lang="ja-JP" altLang="en-US" dirty="0" smtClean="0"/>
+              <a:t>や</a:t>
+            </a:r>
+            <a:r>
+              <a:rPr kumimoji="1" lang="en-US" altLang="ja-JP" dirty="0" err="1" smtClean="0"/>
+              <a:t>replaceSchemaDefinitionMap.dfprop</a:t>
+            </a:r>
+            <a:r>
+              <a:rPr kumimoji="1" lang="ja-JP" altLang="en-US" dirty="0" smtClean="0"/>
+              <a:t>を切り替えて、</a:t>
+            </a:r>
+            <a:endParaRPr kumimoji="1" lang="en-US" altLang="ja-JP" dirty="0" smtClean="0"/>
+          </a:p>
+          <a:p>
+            <a:r>
+              <a:rPr kumimoji="1" lang="ja-JP" altLang="en-US" dirty="0" smtClean="0"/>
+              <a:t>「</a:t>
+            </a:r>
+            <a:r>
+              <a:rPr kumimoji="1" lang="en-US" altLang="ja-JP" dirty="0" err="1" smtClean="0"/>
+              <a:t>Abc</a:t>
+            </a:r>
+            <a:r>
+              <a:rPr kumimoji="1" lang="ja-JP" altLang="en-US" dirty="0" smtClean="0"/>
+              <a:t>サーバでは、どの</a:t>
+            </a:r>
+            <a:r>
+              <a:rPr kumimoji="1" lang="en-US" altLang="ja-JP" dirty="0" smtClean="0"/>
+              <a:t>DB</a:t>
+            </a:r>
+            <a:r>
+              <a:rPr kumimoji="1" lang="ja-JP" altLang="en-US" dirty="0" smtClean="0"/>
+              <a:t>にどの</a:t>
+            </a:r>
+            <a:r>
+              <a:rPr lang="en-US" altLang="ja-JP" dirty="0" err="1" smtClean="0"/>
+              <a:t>dataLoadingType</a:t>
+            </a:r>
+            <a:r>
+              <a:rPr lang="ja-JP" altLang="en-US" dirty="0" smtClean="0"/>
+              <a:t>で</a:t>
+            </a:r>
+            <a:r>
+              <a:rPr lang="en-US" altLang="ja-JP" dirty="0" err="1" smtClean="0"/>
+              <a:t>ReplaceSchema</a:t>
+            </a:r>
+            <a:r>
+              <a:rPr lang="ja-JP" altLang="en-US" dirty="0" smtClean="0"/>
+              <a:t>する」</a:t>
+            </a:r>
+            <a:r>
+              <a:rPr kumimoji="1" lang="ja-JP" altLang="en-US" dirty="0" smtClean="0"/>
+              <a:t>を実現する。</a:t>
+            </a:r>
+            <a:endParaRPr kumimoji="1" lang="en-US" altLang="ja-JP" dirty="0" smtClean="0"/>
+          </a:p>
+          <a:p>
+            <a:r>
+              <a:rPr lang="en-US" altLang="ja-JP" dirty="0" smtClean="0"/>
+              <a:t>PC</a:t>
+            </a:r>
+            <a:r>
+              <a:rPr lang="ja-JP" altLang="en-US" dirty="0" smtClean="0"/>
+              <a:t>の環境変数に定義してもいいし、「</a:t>
+            </a:r>
+            <a:r>
+              <a:rPr lang="en-US" altLang="ja-JP" dirty="0" smtClean="0"/>
+              <a:t>.</a:t>
+            </a:r>
+            <a:r>
+              <a:rPr lang="en-US" altLang="ja-JP" dirty="0" err="1" smtClean="0"/>
+              <a:t>bat(.sh</a:t>
+            </a:r>
+            <a:r>
+              <a:rPr lang="en-US" altLang="ja-JP" dirty="0" smtClean="0"/>
+              <a:t>)</a:t>
+            </a:r>
+            <a:r>
+              <a:rPr lang="ja-JP" altLang="en-US" dirty="0" smtClean="0"/>
+              <a:t>」で定義してコマンド毎に切り替えられるようにしても良い。</a:t>
+            </a:r>
+            <a:r>
+              <a:rPr lang="en-US" altLang="ja-JP" dirty="0" smtClean="0"/>
+              <a:t>(DBFlute-0.7.9</a:t>
+            </a:r>
+            <a:r>
+              <a:rPr lang="ja-JP" altLang="en-US" dirty="0" smtClean="0"/>
+              <a:t>より</a:t>
+            </a:r>
+            <a:r>
+              <a:rPr lang="en-US" altLang="ja-JP" dirty="0" smtClean="0"/>
+              <a:t>)</a:t>
+            </a:r>
+            <a:endParaRPr kumimoji="1" lang="ja-JP" altLang="en-US" dirty="0"/>
+          </a:p>
+        </p:txBody>
+      </p:sp>
+    </p:spTree>
+  </p:cSld>
+  <p:clrMapOvr>
+    <a:masterClrMapping/>
+  </p:clrMapOvr>
+</p:sld>
+</file>
+
+<file path=ppt/slides/slide27.xml><?xml version="1.0" encoding="utf-8"?>
+<p:sld xmlns:a="http://schemas.openxmlformats.org/drawingml/2006/main" xmlns:r="http://schemas.openxmlformats.org/officeDocument/2006/relationships" xmlns:mc="http://schemas.openxmlformats.org/markup-compatibility/2006" xmlns:mv="urn:schemas-microsoft-com:mac:vml" xmlns:p="http://schemas.openxmlformats.org/presentationml/2006/main" mc:Ignorable="mv" mc:PreserveAttributes="mv:*">
+  <p:cSld>
+    <p:spTree>
+      <p:nvGrpSpPr>
+        <p:cNvPr id="1" name=""/>
+        <p:cNvGrpSpPr/>
+        <p:nvPr/>
+      </p:nvGrpSpPr>
+      <p:grpSpPr>
+        <a:xfrm>
+          <a:off x="0" y="0"/>
+          <a:ext cx="0" cy="0"/>
+          <a:chOff x="0" y="0"/>
+          <a:chExt cx="0" cy="0"/>
+        </a:xfrm>
+      </p:grpSpPr>
+      <p:sp>
+        <p:nvSpPr>
+          <p:cNvPr id="2" name="タイトル 1"/>
+          <p:cNvSpPr>
+            <a:spLocks noGrp="1"/>
+          </p:cNvSpPr>
+          <p:nvPr>
+            <p:ph type="title"/>
+          </p:nvPr>
+        </p:nvSpPr>
+        <p:spPr/>
+        <p:txBody>
+          <a:bodyPr/>
+          <a:lstStyle/>
+          <a:p>
+            <a:r>
+              <a:rPr lang="en-US" altLang="ja-JP" dirty="0" smtClean="0"/>
+              <a:t>[2]DDL</a:t>
+            </a:r>
+            <a:r>
+              <a:rPr lang="ja-JP" altLang="en-US" dirty="0" smtClean="0"/>
+              <a:t>＆データ</a:t>
+            </a:r>
+            <a:r>
+              <a:rPr lang="en-US" altLang="ja-JP" dirty="0" smtClean="0"/>
+              <a:t>:</a:t>
+            </a:r>
+            <a:br>
+              <a:rPr lang="en-US" altLang="ja-JP" dirty="0" smtClean="0"/>
+            </a:br>
+            <a:r>
+              <a:rPr lang="ja-JP" altLang="en-US" dirty="0" smtClean="0">
+                <a:solidFill>
+                  <a:schemeClr val="accent3"/>
+                </a:solidFill>
+              </a:rPr>
               <a:t>データ登録</a:t>
             </a:r>
             <a:r>
               <a:rPr lang="ja-JP" altLang="en-US" dirty="0" smtClean="0"/>
-              <a:t>の</a:t>
-            </a:r>
-            <a:r>
-              <a:rPr lang="ja-JP" altLang="en-US" dirty="0" smtClean="0"/>
-              <a:t>エクセルデータ</a:t>
+              <a:t>のエクセルデータ</a:t>
             </a:r>
             <a:endParaRPr lang="ja-JP" altLang="en-US" dirty="0"/>
           </a:p>
@@ -14782,7 +15501,15 @@
             </a:r>
             <a:r>
               <a:rPr lang="en-US" altLang="ja-JP" dirty="0" err="1" smtClean="0"/>
-              <a:t>playsql/data/ut/</a:t>
+              <a:t>playsql/data/ut/xls</a:t>
+            </a:r>
+            <a:r>
+              <a:rPr lang="ja-JP" altLang="en-US" dirty="0" smtClean="0"/>
+              <a:t>配下の「</a:t>
+            </a:r>
+            <a:r>
+              <a:rPr lang="en-US" altLang="ja-JP" dirty="0" smtClean="0"/>
+              <a:t>.</a:t>
             </a:r>
             <a:r>
               <a:rPr lang="en-US" altLang="ja-JP" dirty="0" err="1" smtClean="0"/>
@@ -14790,18 +15517,6 @@
             </a:r>
             <a:r>
               <a:rPr lang="ja-JP" altLang="en-US" dirty="0" smtClean="0"/>
-              <a:t>配下の「</a:t>
-            </a:r>
-            <a:r>
-              <a:rPr lang="en-US" altLang="ja-JP" dirty="0" smtClean="0"/>
-              <a:t>.</a:t>
-            </a:r>
-            <a:r>
-              <a:rPr lang="en-US" altLang="ja-JP" dirty="0" err="1" smtClean="0"/>
-              <a:t>xls</a:t>
-            </a:r>
-            <a:r>
-              <a:rPr lang="ja-JP" altLang="en-US" dirty="0" smtClean="0"/>
               <a:t>」ファイルが対象</a:t>
             </a:r>
             <a:endParaRPr lang="en-US" altLang="ja-JP" dirty="0" smtClean="0"/>
@@ -14817,19 +15532,7 @@
             <a:pPr lvl="1"/>
             <a:r>
               <a:rPr lang="en-US" altLang="ja-JP" dirty="0" smtClean="0"/>
-              <a:t>ex. </a:t>
-            </a:r>
-            <a:r>
-              <a:rPr lang="en-US" altLang="ja-JP" dirty="0" smtClean="0"/>
-              <a:t>10</a:t>
-            </a:r>
-            <a:r>
-              <a:rPr lang="en-US" altLang="ja-JP" dirty="0" smtClean="0"/>
-              <a:t>-abc.</a:t>
-            </a:r>
-            <a:r>
-              <a:rPr lang="en-US" altLang="ja-JP" dirty="0" smtClean="0"/>
-              <a:t>xls, 20-def.xls</a:t>
+              <a:t>ex. 10-abc.xls, 20-def.xls</a:t>
             </a:r>
           </a:p>
           <a:p>
@@ -14920,7 +15623,11 @@
               <a:t>(</a:t>
             </a:r>
             <a:r>
-              <a:rPr lang="ja-JP" altLang="en-US" dirty="0" smtClean="0"/>
+              <a:rPr lang="ja-JP" altLang="en-US" dirty="0" smtClean="0">
+                <a:solidFill>
+                  <a:schemeClr val="accent1"/>
+                </a:solidFill>
+              </a:rPr>
               <a:t>後述</a:t>
             </a:r>
             <a:r>
@@ -14954,7 +15661,11 @@
               <a:t>(</a:t>
             </a:r>
             <a:r>
-              <a:rPr lang="ja-JP" altLang="en-US" dirty="0" smtClean="0"/>
+              <a:rPr lang="ja-JP" altLang="en-US" dirty="0" smtClean="0">
+                <a:solidFill>
+                  <a:schemeClr val="accent1"/>
+                </a:solidFill>
+              </a:rPr>
               <a:t>後述</a:t>
             </a:r>
             <a:r>
@@ -15300,7 +16011,7 @@
 </p:sld>
 </file>
 
-<file path=ppt/slides/slide26.xml><?xml version="1.0" encoding="utf-8"?>
+<file path=ppt/slides/slide28.xml><?xml version="1.0" encoding="utf-8"?>
 <p:sld xmlns:a="http://schemas.openxmlformats.org/drawingml/2006/main" xmlns:r="http://schemas.openxmlformats.org/officeDocument/2006/relationships" xmlns:mc="http://schemas.openxmlformats.org/markup-compatibility/2006" xmlns:mv="urn:schemas-microsoft-com:mac:vml" xmlns:p="http://schemas.openxmlformats.org/presentationml/2006/main" mc:Ignorable="mv" mc:PreserveAttributes="mv:*">
   <p:cSld>
     <p:spTree>
@@ -15353,16 +16064,16 @@
               <a:rPr lang="en-US" altLang="ja-JP" dirty="0" smtClean="0"/>
             </a:br>
             <a:r>
-              <a:rPr lang="ja-JP" altLang="en-US" dirty="0" smtClean="0"/>
+              <a:rPr lang="ja-JP" altLang="en-US" dirty="0" smtClean="0">
+                <a:solidFill>
+                  <a:schemeClr val="accent3"/>
+                </a:solidFill>
+              </a:rPr>
               <a:t>データ登録</a:t>
             </a:r>
             <a:r>
               <a:rPr lang="ja-JP" altLang="en-US" dirty="0" smtClean="0"/>
-              <a:t>の</a:t>
-            </a:r>
-            <a:r>
-              <a:rPr lang="ja-JP" altLang="en-US" dirty="0" smtClean="0"/>
-              <a:t>共通カラム解決</a:t>
+              <a:t>の共通カラム解決</a:t>
             </a:r>
             <a:endParaRPr lang="ja-JP" altLang="en-US" dirty="0"/>
           </a:p>
@@ -15390,15 +16101,7 @@
           <a:p>
             <a:r>
               <a:rPr lang="ja-JP" altLang="en-US" dirty="0" smtClean="0"/>
-              <a:t>固定値で良い共通</a:t>
-            </a:r>
-            <a:r>
-              <a:rPr lang="ja-JP" altLang="en-US" dirty="0" smtClean="0"/>
-              <a:t>カラム</a:t>
-            </a:r>
-            <a:r>
-              <a:rPr lang="ja-JP" altLang="en-US" dirty="0" smtClean="0"/>
-              <a:t>は一括設定</a:t>
+              <a:t>固定値で良い共通カラムは一括設定</a:t>
             </a:r>
             <a:endParaRPr lang="en-US" altLang="ja-JP" dirty="0" smtClean="0"/>
           </a:p>
@@ -15494,7 +16197,6 @@
               <a:rPr lang="en-US" altLang="ja-JP" dirty="0" smtClean="0"/>
               <a:t>}</a:t>
             </a:r>
-            <a:endParaRPr lang="en-US" altLang="ja-JP" dirty="0" smtClean="0"/>
           </a:p>
           <a:p>
             <a:pPr lvl="1">
@@ -15545,7 +16247,7 @@
         </p:nvSpPr>
         <p:spPr>
           <a:xfrm>
-            <a:off x="5562599" y="3505200"/>
+            <a:off x="5791196" y="3659088"/>
             <a:ext cx="2665413" cy="307777"/>
           </a:xfrm>
           <a:prstGeom prst="rect">
@@ -15653,7 +16355,7 @@
         </p:nvCxnSpPr>
         <p:spPr>
           <a:xfrm rot="10800000" flipV="1">
-            <a:off x="4953003" y="3659089"/>
+            <a:off x="5181600" y="3812977"/>
             <a:ext cx="609597" cy="379510"/>
           </a:xfrm>
           <a:prstGeom prst="straightConnector1">
@@ -15872,7 +16574,7 @@
 </p:sld>
 </file>
 
-<file path=ppt/slides/slide27.xml><?xml version="1.0" encoding="utf-8"?>
+<file path=ppt/slides/slide29.xml><?xml version="1.0" encoding="utf-8"?>
 <p:sld xmlns:a="http://schemas.openxmlformats.org/drawingml/2006/main" xmlns:r="http://schemas.openxmlformats.org/officeDocument/2006/relationships" xmlns:mc="http://schemas.openxmlformats.org/markup-compatibility/2006" xmlns:mv="urn:schemas-microsoft-com:mac:vml" xmlns:p="http://schemas.openxmlformats.org/presentationml/2006/main" mc:Ignorable="mv" mc:PreserveAttributes="mv:*">
   <p:cSld>
     <p:spTree>
@@ -15925,7 +16627,11 @@
               <a:rPr lang="en-US" altLang="ja-JP" dirty="0" smtClean="0"/>
             </a:br>
             <a:r>
-              <a:rPr lang="ja-JP" altLang="en-US" dirty="0" smtClean="0"/>
+              <a:rPr lang="ja-JP" altLang="en-US" dirty="0" smtClean="0">
+                <a:solidFill>
+                  <a:schemeClr val="accent3"/>
+                </a:solidFill>
+              </a:rPr>
               <a:t>データ登録</a:t>
             </a:r>
             <a:r>
@@ -16044,19 +16750,7 @@
             </a:pPr>
             <a:r>
               <a:rPr lang="en-US" altLang="ja-JP" dirty="0" smtClean="0"/>
-              <a:t>    ;</a:t>
-            </a:r>
-            <a:r>
-              <a:rPr lang="en-US" altLang="ja-JP" dirty="0" smtClean="0"/>
-              <a:t> PRO_SERV_DTL </a:t>
-            </a:r>
-            <a:r>
-              <a:rPr lang="en-US" altLang="ja-JP" dirty="0" smtClean="0"/>
-              <a:t>=</a:t>
-            </a:r>
-            <a:r>
-              <a:rPr lang="en-US" altLang="ja-JP" dirty="0" smtClean="0"/>
-              <a:t> PRODUCT_SERVICE_DETAIL</a:t>
+              <a:t>    ; PRO_SERV_DTL = PRODUCT_SERVICE_DETAIL</a:t>
             </a:r>
           </a:p>
           <a:p>
@@ -16076,7 +16770,6 @@
               <a:rPr lang="en-US" altLang="ja-JP" dirty="0" smtClean="0"/>
               <a:t>}</a:t>
             </a:r>
-            <a:endParaRPr lang="en-US" altLang="ja-JP" dirty="0" smtClean="0"/>
           </a:p>
           <a:p>
             <a:pPr lvl="1">
@@ -16106,13 +16799,8 @@
             </a:r>
             <a:r>
               <a:rPr lang="en-US" altLang="ja-JP" dirty="0" smtClean="0"/>
-              <a:t> = </a:t>
-            </a:r>
-            <a:r>
-              <a:rPr lang="en-US" altLang="ja-JP" dirty="0" smtClean="0"/>
-              <a:t>$PRO_SERV_DTL</a:t>
-            </a:r>
-            <a:endParaRPr lang="en-US" altLang="ja-JP" dirty="0" smtClean="0"/>
+              <a:t> = $PRO_SERV_DTL</a:t>
+            </a:r>
           </a:p>
           <a:p>
             <a:pPr lvl="1">
@@ -16253,696 +16941,6 @@
           </a:fontRef>
         </p:style>
       </p:cxnSp>
-    </p:spTree>
-  </p:cSld>
-  <p:clrMapOvr>
-    <a:masterClrMapping/>
-  </p:clrMapOvr>
-</p:sld>
-</file>
-
-<file path=ppt/slides/slide28.xml><?xml version="1.0" encoding="utf-8"?>
-<p:sld xmlns:a="http://schemas.openxmlformats.org/drawingml/2006/main" xmlns:r="http://schemas.openxmlformats.org/officeDocument/2006/relationships" xmlns:mc="http://schemas.openxmlformats.org/markup-compatibility/2006" xmlns:mv="urn:schemas-microsoft-com:mac:vml" xmlns:p="http://schemas.openxmlformats.org/presentationml/2006/main" mc:Ignorable="mv" mc:PreserveAttributes="mv:*">
-  <p:cSld>
-    <p:spTree>
-      <p:nvGrpSpPr>
-        <p:cNvPr id="1" name=""/>
-        <p:cNvGrpSpPr/>
-        <p:nvPr/>
-      </p:nvGrpSpPr>
-      <p:grpSpPr>
-        <a:xfrm>
-          <a:off x="0" y="0"/>
-          <a:ext cx="0" cy="0"/>
-          <a:chOff x="0" y="0"/>
-          <a:chExt cx="0" cy="0"/>
-        </a:xfrm>
-      </p:grpSpPr>
-      <p:sp>
-        <p:nvSpPr>
-          <p:cNvPr id="2" name="タイトル 1"/>
-          <p:cNvSpPr>
-            <a:spLocks noGrp="1"/>
-          </p:cNvSpPr>
-          <p:nvPr>
-            <p:ph type="title"/>
-          </p:nvPr>
-        </p:nvSpPr>
-        <p:spPr>
-          <a:xfrm>
-            <a:off x="457200" y="503238"/>
-            <a:ext cx="8305800" cy="868362"/>
-          </a:xfrm>
-        </p:spPr>
-        <p:txBody>
-          <a:bodyPr/>
-          <a:lstStyle/>
-          <a:p>
-            <a:r>
-              <a:rPr lang="en-US" altLang="ja-JP" dirty="0" smtClean="0"/>
-              <a:t>[2]DDL</a:t>
-            </a:r>
-            <a:r>
-              <a:rPr lang="ja-JP" altLang="en-US" dirty="0" smtClean="0"/>
-              <a:t>＆データ</a:t>
-            </a:r>
-            <a:r>
-              <a:rPr lang="en-US" altLang="ja-JP" dirty="0" smtClean="0"/>
-              <a:t>:</a:t>
-            </a:r>
-            <a:br>
-              <a:rPr lang="en-US" altLang="ja-JP" dirty="0" smtClean="0"/>
-            </a:br>
-            <a:r>
-              <a:rPr lang="ja-JP" altLang="en-US" dirty="0" smtClean="0"/>
-              <a:t>データ登録</a:t>
-            </a:r>
-            <a:r>
-              <a:rPr lang="ja-JP" altLang="en-US" dirty="0" smtClean="0"/>
-              <a:t>の</a:t>
-            </a:r>
-            <a:r>
-              <a:rPr lang="ja-JP" altLang="en-US" dirty="0" smtClean="0"/>
-              <a:t>特徴</a:t>
-            </a:r>
-            <a:endParaRPr lang="ja-JP" altLang="en-US" dirty="0"/>
-          </a:p>
-        </p:txBody>
-      </p:sp>
-      <p:sp>
-        <p:nvSpPr>
-          <p:cNvPr id="3" name="コンテンツ プレースホルダ 2"/>
-          <p:cNvSpPr>
-            <a:spLocks noGrp="1"/>
-          </p:cNvSpPr>
-          <p:nvPr>
-            <p:ph idx="1"/>
-          </p:nvPr>
-        </p:nvSpPr>
-        <p:spPr/>
-        <p:txBody>
-          <a:bodyPr>
-            <a:normAutofit fontScale="92500" lnSpcReduction="20000"/>
-          </a:bodyPr>
-          <a:lstStyle/>
-          <a:p>
-            <a:endParaRPr lang="en-US" altLang="ja-JP" dirty="0" smtClean="0"/>
-          </a:p>
-          <a:p>
-            <a:r>
-              <a:rPr lang="ja-JP" altLang="en-US" dirty="0" smtClean="0"/>
-              <a:t>フェーズ毎のデータ管理</a:t>
-            </a:r>
-            <a:endParaRPr lang="en-US" altLang="ja-JP" dirty="0" smtClean="0"/>
-          </a:p>
-          <a:p>
-            <a:r>
-              <a:rPr lang="ja-JP" altLang="en-US" dirty="0" smtClean="0"/>
-              <a:t>データが編集しやすいエクセル管理</a:t>
-            </a:r>
-            <a:endParaRPr lang="en-US" altLang="ja-JP" dirty="0" smtClean="0"/>
-          </a:p>
-          <a:p>
-            <a:r>
-              <a:rPr lang="ja-JP" altLang="en-US" dirty="0" smtClean="0"/>
-              <a:t>テストデータの一元管理</a:t>
-            </a:r>
-            <a:r>
-              <a:rPr lang="en-US" altLang="ja-JP" dirty="0" smtClean="0"/>
-              <a:t>(</a:t>
-            </a:r>
-            <a:r>
-              <a:rPr lang="ja-JP" altLang="en-US" dirty="0" smtClean="0"/>
-              <a:t>単体テストのスピード向上</a:t>
-            </a:r>
-            <a:r>
-              <a:rPr lang="en-US" altLang="ja-JP" dirty="0" smtClean="0"/>
-              <a:t>)</a:t>
-            </a:r>
-            <a:endParaRPr lang="en-US" altLang="ja-JP" dirty="0" smtClean="0"/>
-          </a:p>
-          <a:p>
-            <a:r>
-              <a:rPr lang="ja-JP" altLang="en-US" dirty="0" smtClean="0"/>
-              <a:t>実行ログが残る</a:t>
-            </a:r>
-            <a:endParaRPr lang="en-US" altLang="ja-JP" dirty="0" smtClean="0"/>
-          </a:p>
-          <a:p>
-            <a:pPr lvl="1"/>
-            <a:r>
-              <a:rPr lang="en-US" altLang="ja-JP" dirty="0" err="1" smtClean="0"/>
-              <a:t>DBFlute</a:t>
-            </a:r>
-            <a:r>
-              <a:rPr lang="ja-JP" altLang="en-US" dirty="0" smtClean="0"/>
-              <a:t>クライアント</a:t>
-            </a:r>
-            <a:r>
-              <a:rPr lang="en-US" altLang="ja-JP" dirty="0" smtClean="0"/>
-              <a:t>/logs/</a:t>
-            </a:r>
-            <a:r>
-              <a:rPr lang="en-US" altLang="ja-JP" dirty="0" err="1" smtClean="0"/>
-              <a:t>dbflute.log</a:t>
-            </a:r>
-            <a:endParaRPr lang="en-US" altLang="ja-JP" dirty="0" smtClean="0"/>
-          </a:p>
-          <a:p>
-            <a:r>
-              <a:rPr lang="ja-JP" altLang="en-US" dirty="0" smtClean="0"/>
-              <a:t>共通カラムは一括設定</a:t>
-            </a:r>
-            <a:endParaRPr lang="en-US" altLang="ja-JP" dirty="0" smtClean="0"/>
-          </a:p>
-          <a:p>
-            <a:r>
-              <a:rPr lang="ja-JP" altLang="en-US" dirty="0" smtClean="0"/>
-              <a:t>シート名に入らないテーブルに対応</a:t>
-            </a:r>
-            <a:endParaRPr lang="en-US" altLang="ja-JP" dirty="0" smtClean="0"/>
-          </a:p>
-        </p:txBody>
-      </p:sp>
-      <p:sp>
-        <p:nvSpPr>
-          <p:cNvPr id="4" name="フッター プレースホルダ 3"/>
-          <p:cNvSpPr>
-            <a:spLocks noGrp="1"/>
-          </p:cNvSpPr>
-          <p:nvPr>
-            <p:ph type="ftr" sz="quarter" idx="11"/>
-          </p:nvPr>
-        </p:nvSpPr>
-        <p:spPr/>
-        <p:txBody>
-          <a:bodyPr/>
-          <a:lstStyle/>
-          <a:p>
-            <a:r>
-              <a:rPr lang="en-US" altLang="ja-JP" smtClean="0"/>
-              <a:t>Seasar Conference 2008 Autumn</a:t>
-            </a:r>
-            <a:endParaRPr lang="ja-JP" altLang="en-US"/>
-          </a:p>
-        </p:txBody>
-      </p:sp>
-    </p:spTree>
-  </p:cSld>
-  <p:clrMapOvr>
-    <a:masterClrMapping/>
-  </p:clrMapOvr>
-</p:sld>
-</file>
-
-<file path=ppt/slides/slide29.xml><?xml version="1.0" encoding="utf-8"?>
-<p:sld xmlns:a="http://schemas.openxmlformats.org/drawingml/2006/main" xmlns:r="http://schemas.openxmlformats.org/officeDocument/2006/relationships" xmlns:mc="http://schemas.openxmlformats.org/markup-compatibility/2006" xmlns:mv="urn:schemas-microsoft-com:mac:vml" xmlns:p="http://schemas.openxmlformats.org/presentationml/2006/main" mc:Ignorable="mv" mc:PreserveAttributes="mv:*">
-  <p:cSld>
-    <p:spTree>
-      <p:nvGrpSpPr>
-        <p:cNvPr id="1" name=""/>
-        <p:cNvGrpSpPr/>
-        <p:nvPr/>
-      </p:nvGrpSpPr>
-      <p:grpSpPr>
-        <a:xfrm>
-          <a:off x="0" y="0"/>
-          <a:ext cx="0" cy="0"/>
-          <a:chOff x="0" y="0"/>
-          <a:chExt cx="0" cy="0"/>
-        </a:xfrm>
-      </p:grpSpPr>
-      <p:sp>
-        <p:nvSpPr>
-          <p:cNvPr id="2" name="タイトル 1"/>
-          <p:cNvSpPr>
-            <a:spLocks noGrp="1"/>
-          </p:cNvSpPr>
-          <p:nvPr>
-            <p:ph type="title"/>
-          </p:nvPr>
-        </p:nvSpPr>
-        <p:spPr>
-          <a:xfrm>
-            <a:off x="609600" y="503238"/>
-            <a:ext cx="8153400" cy="868362"/>
-          </a:xfrm>
-        </p:spPr>
-        <p:txBody>
-          <a:bodyPr/>
-          <a:lstStyle/>
-          <a:p>
-            <a:r>
-              <a:rPr lang="en-US" altLang="ja-JP" dirty="0" smtClean="0"/>
-              <a:t>[2]DDL</a:t>
-            </a:r>
-            <a:r>
-              <a:rPr lang="ja-JP" altLang="en-US" dirty="0" smtClean="0"/>
-              <a:t>＆データ</a:t>
-            </a:r>
-            <a:r>
-              <a:rPr lang="en-US" altLang="ja-JP" dirty="0" smtClean="0"/>
-              <a:t>:</a:t>
-            </a:r>
-            <a:br>
-              <a:rPr lang="en-US" altLang="ja-JP" dirty="0" smtClean="0"/>
-            </a:br>
-            <a:r>
-              <a:rPr lang="ja-JP" altLang="en-US" dirty="0" smtClean="0"/>
-              <a:t>データチェック</a:t>
-            </a:r>
-            <a:r>
-              <a:rPr lang="en-US" altLang="ja-JP" dirty="0" smtClean="0"/>
-              <a:t>&amp;</a:t>
-            </a:r>
-            <a:r>
-              <a:rPr lang="ja-JP" altLang="en-US" dirty="0" smtClean="0"/>
-              <a:t>調整の概要</a:t>
-            </a:r>
-            <a:endParaRPr lang="ja-JP" altLang="en-US" dirty="0"/>
-          </a:p>
-        </p:txBody>
-      </p:sp>
-      <p:sp>
-        <p:nvSpPr>
-          <p:cNvPr id="3" name="コンテンツ プレースホルダ 2"/>
-          <p:cNvSpPr>
-            <a:spLocks noGrp="1"/>
-          </p:cNvSpPr>
-          <p:nvPr>
-            <p:ph idx="1"/>
-          </p:nvPr>
-        </p:nvSpPr>
-        <p:spPr>
-          <a:xfrm>
-            <a:off x="914400" y="1735138"/>
-            <a:ext cx="7313613" cy="4232106"/>
-          </a:xfrm>
-        </p:spPr>
-        <p:txBody>
-          <a:bodyPr>
-            <a:normAutofit/>
-          </a:bodyPr>
-          <a:lstStyle/>
-          <a:p>
-            <a:pPr>
-              <a:buAutoNum type="arabicPeriod"/>
-            </a:pPr>
-            <a:endParaRPr lang="en-US" altLang="ja-JP" dirty="0" smtClean="0"/>
-          </a:p>
-          <a:p>
-            <a:pPr>
-              <a:buNone/>
-            </a:pPr>
-            <a:r>
-              <a:rPr lang="en-US" altLang="ja-JP" dirty="0" smtClean="0"/>
-              <a:t>1. /</a:t>
-            </a:r>
-            <a:r>
-              <a:rPr lang="en-US" altLang="ja-JP" dirty="0" err="1" smtClean="0"/>
-              <a:t>playsql</a:t>
-            </a:r>
-            <a:r>
-              <a:rPr lang="en-US" altLang="ja-JP" dirty="0" smtClean="0"/>
-              <a:t>/take-finally*.</a:t>
-            </a:r>
-            <a:r>
-              <a:rPr lang="en-US" altLang="ja-JP" dirty="0" err="1" smtClean="0"/>
-              <a:t>sql</a:t>
-            </a:r>
-            <a:r>
-              <a:rPr lang="ja-JP" altLang="en-US" dirty="0" smtClean="0"/>
-              <a:t>の</a:t>
-            </a:r>
-            <a:r>
-              <a:rPr lang="en-US" altLang="ja-JP" dirty="0" smtClean="0"/>
-              <a:t>SQL</a:t>
-            </a:r>
-            <a:r>
-              <a:rPr lang="ja-JP" altLang="en-US" dirty="0" smtClean="0"/>
-              <a:t>を実行</a:t>
-            </a:r>
-            <a:endParaRPr lang="en-US" altLang="ja-JP" dirty="0" smtClean="0"/>
-          </a:p>
-          <a:p>
-            <a:pPr lvl="1">
-              <a:buFontTx/>
-              <a:buChar char="•"/>
-            </a:pPr>
-            <a:r>
-              <a:rPr lang="ja-JP" altLang="en-US" dirty="0" smtClean="0"/>
-              <a:t>基本仕様は</a:t>
-            </a:r>
-            <a:r>
-              <a:rPr lang="en-US" altLang="ja-JP" dirty="0" smtClean="0"/>
-              <a:t>replace-schema*.</a:t>
-            </a:r>
-            <a:r>
-              <a:rPr lang="en-US" altLang="ja-JP" dirty="0" err="1" smtClean="0"/>
-              <a:t>sql</a:t>
-            </a:r>
-            <a:r>
-              <a:rPr lang="ja-JP" altLang="en-US" dirty="0" smtClean="0"/>
-              <a:t>と同じ</a:t>
-            </a:r>
-            <a:endParaRPr lang="en-US" altLang="ja-JP" dirty="0" smtClean="0"/>
-          </a:p>
-          <a:p>
-            <a:pPr lvl="1">
-              <a:buFontTx/>
-              <a:buChar char="•"/>
-            </a:pPr>
-            <a:r>
-              <a:rPr lang="ja-JP" altLang="en-US" dirty="0" smtClean="0"/>
-              <a:t>データが登録された後に実行される</a:t>
-            </a:r>
-            <a:endParaRPr lang="en-US" altLang="ja-JP" dirty="0" smtClean="0"/>
-          </a:p>
-          <a:p>
-            <a:pPr lvl="2">
-              <a:buFontTx/>
-              <a:buChar char="-"/>
-            </a:pPr>
-            <a:r>
-              <a:rPr lang="ja-JP" altLang="en-US" dirty="0" smtClean="0"/>
-              <a:t>暗号化やアナライズなどデータの微調整が可能</a:t>
-            </a:r>
-            <a:endParaRPr lang="en-US" altLang="ja-JP" dirty="0" smtClean="0"/>
-          </a:p>
-          <a:p>
-            <a:pPr lvl="2">
-              <a:buFontTx/>
-              <a:buChar char="-"/>
-            </a:pPr>
-            <a:r>
-              <a:rPr lang="ja-JP" altLang="en-US" dirty="0" smtClean="0"/>
-              <a:t>データの整合性チェックが可能</a:t>
-            </a:r>
-            <a:r>
-              <a:rPr lang="en-US" altLang="ja-JP" dirty="0" smtClean="0"/>
-              <a:t>(</a:t>
-            </a:r>
-            <a:r>
-              <a:rPr lang="ja-JP" altLang="en-US" dirty="0" smtClean="0"/>
-              <a:t>業務的な制約など</a:t>
-            </a:r>
-            <a:r>
-              <a:rPr lang="en-US" altLang="ja-JP" dirty="0" smtClean="0"/>
-              <a:t>)</a:t>
-            </a:r>
-          </a:p>
-          <a:p>
-            <a:pPr lvl="1">
-              <a:buNone/>
-            </a:pPr>
-            <a:endParaRPr lang="en-US" altLang="ja-JP" dirty="0" smtClean="0"/>
-          </a:p>
-          <a:p>
-            <a:pPr>
-              <a:buNone/>
-            </a:pPr>
-            <a:endParaRPr lang="en-US" altLang="ja-JP" dirty="0" smtClean="0"/>
-          </a:p>
-          <a:p>
-            <a:pPr>
-              <a:buFontTx/>
-              <a:buChar char="•"/>
-            </a:pPr>
-            <a:endParaRPr lang="en-US" altLang="ja-JP" dirty="0" smtClean="0"/>
-          </a:p>
-          <a:p>
-            <a:pPr>
-              <a:buNone/>
-            </a:pPr>
-            <a:endParaRPr lang="en-US" altLang="ja-JP" dirty="0" smtClean="0"/>
-          </a:p>
-        </p:txBody>
-      </p:sp>
-      <p:sp>
-        <p:nvSpPr>
-          <p:cNvPr id="5" name="フッター プレースホルダ 4"/>
-          <p:cNvSpPr>
-            <a:spLocks noGrp="1"/>
-          </p:cNvSpPr>
-          <p:nvPr>
-            <p:ph type="ftr" sz="quarter" idx="11"/>
-          </p:nvPr>
-        </p:nvSpPr>
-        <p:spPr/>
-        <p:txBody>
-          <a:bodyPr/>
-          <a:lstStyle/>
-          <a:p>
-            <a:r>
-              <a:rPr lang="en-US" altLang="ja-JP" dirty="0" err="1" smtClean="0"/>
-              <a:t>Seasar</a:t>
-            </a:r>
-            <a:r>
-              <a:rPr lang="en-US" altLang="ja-JP" dirty="0" smtClean="0"/>
-              <a:t> Conference 2008 Autumn</a:t>
-            </a:r>
-            <a:endParaRPr lang="ja-JP" altLang="en-US" dirty="0"/>
-          </a:p>
-        </p:txBody>
-      </p:sp>
-      <p:sp>
-        <p:nvSpPr>
-          <p:cNvPr id="10" name="テキスト ボックス 9"/>
-          <p:cNvSpPr txBox="1"/>
-          <p:nvPr/>
-        </p:nvSpPr>
-        <p:spPr>
-          <a:xfrm>
-            <a:off x="2286000" y="4582249"/>
-            <a:ext cx="3029495" cy="1754327"/>
-          </a:xfrm>
-          <a:prstGeom prst="rect">
-            <a:avLst/>
-          </a:prstGeom>
-          <a:noFill/>
-          <a:ln>
-            <a:gradFill flip="none" rotWithShape="1">
-              <a:gsLst>
-                <a:gs pos="0">
-                  <a:schemeClr val="bg2"/>
-                </a:gs>
-                <a:gs pos="100000">
-                  <a:srgbClr val="000000"/>
-                </a:gs>
-              </a:gsLst>
-              <a:path path="rect">
-                <a:fillToRect l="100000" t="100000"/>
-              </a:path>
-              <a:tileRect r="-100000" b="-100000"/>
-            </a:gradFill>
-            <a:prstDash val="dashDot"/>
-          </a:ln>
-        </p:spPr>
-        <p:txBody>
-          <a:bodyPr wrap="none" rtlCol="0">
-            <a:spAutoFit/>
-          </a:bodyPr>
-          <a:lstStyle/>
-          <a:p>
-            <a:r>
-              <a:rPr kumimoji="1" lang="en-US" altLang="ja-JP" dirty="0" err="1" smtClean="0"/>
-              <a:t>【</a:t>
-            </a:r>
-            <a:r>
-              <a:rPr lang="ja-JP" altLang="en-US" dirty="0" smtClean="0"/>
-              <a:t>カウント</a:t>
-            </a:r>
-            <a:r>
-              <a:rPr kumimoji="1" lang="ja-JP" altLang="en-US" dirty="0" smtClean="0"/>
-              <a:t>が</a:t>
-            </a:r>
-            <a:r>
-              <a:rPr kumimoji="1" lang="en-US" altLang="ja-JP" dirty="0" smtClean="0"/>
-              <a:t>0</a:t>
-            </a:r>
-            <a:r>
-              <a:rPr kumimoji="1" lang="ja-JP" altLang="en-US" dirty="0" smtClean="0"/>
-              <a:t>でなければ例外</a:t>
-            </a:r>
-            <a:r>
-              <a:rPr kumimoji="1" lang="en-US" altLang="ja-JP" dirty="0" err="1" smtClean="0"/>
-              <a:t>】</a:t>
-            </a:r>
-            <a:endParaRPr kumimoji="1" lang="en-US" altLang="ja-JP" dirty="0" smtClean="0"/>
-          </a:p>
-          <a:p>
-            <a:r>
-              <a:rPr kumimoji="1" lang="en-US" altLang="ja-JP" dirty="0" smtClean="0">
-                <a:solidFill>
-                  <a:srgbClr val="008000"/>
-                </a:solidFill>
-              </a:rPr>
-              <a:t>-- #</a:t>
-            </a:r>
-            <a:r>
-              <a:rPr kumimoji="1" lang="en-US" altLang="ja-JP" dirty="0" err="1" smtClean="0">
-                <a:solidFill>
-                  <a:srgbClr val="008000"/>
-                </a:solidFill>
-              </a:rPr>
-              <a:t>df:assertCountZero</a:t>
-            </a:r>
-            <a:r>
-              <a:rPr kumimoji="1" lang="en-US" altLang="ja-JP" dirty="0" smtClean="0">
-                <a:solidFill>
-                  <a:srgbClr val="008000"/>
-                </a:solidFill>
-              </a:rPr>
-              <a:t>#</a:t>
-            </a:r>
-          </a:p>
-          <a:p>
-            <a:r>
-              <a:rPr lang="en-US" altLang="ja-JP" dirty="0" smtClean="0"/>
-              <a:t>s</a:t>
-            </a:r>
-            <a:r>
-              <a:rPr lang="en-US" altLang="ja-JP" dirty="0" smtClean="0"/>
-              <a:t>elect count(*)</a:t>
-            </a:r>
-          </a:p>
-          <a:p>
-            <a:r>
-              <a:rPr kumimoji="1" lang="en-US" altLang="ja-JP" dirty="0" smtClean="0"/>
-              <a:t>  from ABC</a:t>
-            </a:r>
-          </a:p>
-          <a:p>
-            <a:r>
-              <a:rPr lang="en-US" altLang="ja-JP" dirty="0" smtClean="0"/>
-              <a:t> where …</a:t>
-            </a:r>
-          </a:p>
-          <a:p>
-            <a:r>
-              <a:rPr lang="en-US" altLang="ja-JP" dirty="0" smtClean="0"/>
-              <a:t>;</a:t>
-            </a:r>
-          </a:p>
-        </p:txBody>
-      </p:sp>
-      <p:sp>
-        <p:nvSpPr>
-          <p:cNvPr id="8" name="テキスト ボックス 7"/>
-          <p:cNvSpPr txBox="1"/>
-          <p:nvPr/>
-        </p:nvSpPr>
-        <p:spPr>
-          <a:xfrm>
-            <a:off x="5460008" y="4582249"/>
-            <a:ext cx="2768005" cy="1754327"/>
-          </a:xfrm>
-          <a:prstGeom prst="rect">
-            <a:avLst/>
-          </a:prstGeom>
-          <a:noFill/>
-          <a:ln>
-            <a:gradFill flip="none" rotWithShape="1">
-              <a:gsLst>
-                <a:gs pos="0">
-                  <a:schemeClr val="bg2"/>
-                </a:gs>
-                <a:gs pos="100000">
-                  <a:srgbClr val="000000"/>
-                </a:gs>
-              </a:gsLst>
-              <a:path path="rect">
-                <a:fillToRect l="100000" t="100000"/>
-              </a:path>
-              <a:tileRect r="-100000" b="-100000"/>
-            </a:gradFill>
-            <a:prstDash val="dashDot"/>
-          </a:ln>
-        </p:spPr>
-        <p:txBody>
-          <a:bodyPr wrap="none" rtlCol="0">
-            <a:spAutoFit/>
-          </a:bodyPr>
-          <a:lstStyle/>
-          <a:p>
-            <a:r>
-              <a:rPr kumimoji="1" lang="en-US" altLang="ja-JP" dirty="0" err="1" smtClean="0"/>
-              <a:t>【</a:t>
-            </a:r>
-            <a:r>
-              <a:rPr kumimoji="1" lang="ja-JP" altLang="en-US" dirty="0" smtClean="0"/>
-              <a:t>件数が</a:t>
-            </a:r>
-            <a:r>
-              <a:rPr kumimoji="1" lang="en-US" altLang="ja-JP" dirty="0" smtClean="0"/>
-              <a:t>0</a:t>
-            </a:r>
-            <a:r>
-              <a:rPr kumimoji="1" lang="ja-JP" altLang="en-US" dirty="0" smtClean="0"/>
-              <a:t>でなければ例外</a:t>
-            </a:r>
-            <a:r>
-              <a:rPr kumimoji="1" lang="en-US" altLang="ja-JP" dirty="0" err="1" smtClean="0"/>
-              <a:t>】</a:t>
-            </a:r>
-            <a:endParaRPr kumimoji="1" lang="en-US" altLang="ja-JP" dirty="0" smtClean="0"/>
-          </a:p>
-          <a:p>
-            <a:r>
-              <a:rPr kumimoji="1" lang="en-US" altLang="ja-JP" dirty="0" smtClean="0">
-                <a:solidFill>
-                  <a:srgbClr val="008000"/>
-                </a:solidFill>
-              </a:rPr>
-              <a:t>-- #</a:t>
-            </a:r>
-            <a:r>
-              <a:rPr kumimoji="1" lang="en-US" altLang="ja-JP" dirty="0" err="1" smtClean="0">
-                <a:solidFill>
-                  <a:srgbClr val="008000"/>
-                </a:solidFill>
-              </a:rPr>
-              <a:t>df:assertListZero</a:t>
-            </a:r>
-            <a:r>
-              <a:rPr kumimoji="1" lang="en-US" altLang="ja-JP" dirty="0" smtClean="0">
-                <a:solidFill>
-                  <a:srgbClr val="008000"/>
-                </a:solidFill>
-              </a:rPr>
-              <a:t>#</a:t>
-            </a:r>
-          </a:p>
-          <a:p>
-            <a:r>
-              <a:rPr lang="en-US" altLang="ja-JP" dirty="0" smtClean="0"/>
-              <a:t>s</a:t>
-            </a:r>
-            <a:r>
-              <a:rPr lang="en-US" altLang="ja-JP" dirty="0" smtClean="0"/>
-              <a:t>elect ABC,_ID DEF</a:t>
-            </a:r>
-          </a:p>
-          <a:p>
-            <a:r>
-              <a:rPr kumimoji="1" lang="en-US" altLang="ja-JP" dirty="0" smtClean="0"/>
-              <a:t>  from ABC</a:t>
-            </a:r>
-          </a:p>
-          <a:p>
-            <a:r>
-              <a:rPr lang="en-US" altLang="ja-JP" dirty="0" smtClean="0"/>
-              <a:t> where …</a:t>
-            </a:r>
-          </a:p>
-          <a:p>
-            <a:r>
-              <a:rPr lang="en-US" altLang="ja-JP" dirty="0" smtClean="0"/>
-              <a:t>;</a:t>
-            </a:r>
-          </a:p>
-        </p:txBody>
-      </p:sp>
     </p:spTree>
   </p:cSld>
   <p:clrMapOvr>
@@ -17134,36 +17132,20 @@
               <a:rPr lang="en-US" altLang="ja-JP" dirty="0" smtClean="0"/>
               <a:t>:</a:t>
             </a:r>
-            <a:r>
-              <a:rPr lang="en-US" altLang="ja-JP" dirty="0" smtClean="0"/>
-              <a:t/>
-            </a:r>
             <a:br>
               <a:rPr lang="en-US" altLang="ja-JP" dirty="0" smtClean="0"/>
             </a:br>
             <a:r>
-              <a:rPr lang="ja-JP" altLang="en-US" dirty="0" smtClean="0"/>
-              <a:t>データ</a:t>
-            </a:r>
-            <a:r>
-              <a:rPr lang="ja-JP" altLang="en-US" dirty="0" smtClean="0"/>
-              <a:t>チェック</a:t>
-            </a:r>
-            <a:r>
-              <a:rPr lang="en-US" altLang="ja-JP" dirty="0" smtClean="0"/>
-              <a:t>&amp;</a:t>
-            </a:r>
-            <a:r>
-              <a:rPr lang="ja-JP" altLang="en-US" dirty="0" smtClean="0"/>
-              <a:t>調整</a:t>
-            </a:r>
-            <a:r>
-              <a:rPr lang="ja-JP" altLang="en-US" dirty="0" smtClean="0"/>
-              <a:t>の</a:t>
-            </a:r>
-            <a:r>
-              <a:rPr lang="ja-JP" altLang="en-US" dirty="0" smtClean="0"/>
-              <a:t>特徴</a:t>
+              <a:rPr lang="ja-JP" altLang="en-US" dirty="0" smtClean="0">
+                <a:solidFill>
+                  <a:schemeClr val="accent3"/>
+                </a:solidFill>
+              </a:rPr>
+              <a:t>データ登録</a:t>
+            </a:r>
+            <a:r>
+              <a:rPr lang="ja-JP" altLang="en-US" dirty="0" smtClean="0"/>
+              <a:t>の特徴</a:t>
             </a:r>
             <a:endParaRPr lang="ja-JP" altLang="en-US" dirty="0"/>
           </a:p>
@@ -17182,7 +17164,7 @@
         <p:spPr/>
         <p:txBody>
           <a:bodyPr>
-            <a:normAutofit/>
+            <a:normAutofit fontScale="92500" lnSpcReduction="20000"/>
           </a:bodyPr>
           <a:lstStyle/>
           <a:p>
@@ -17191,35 +17173,74 @@
           <a:p>
             <a:r>
               <a:rPr lang="ja-JP" altLang="en-US" dirty="0" smtClean="0"/>
-              <a:t>データ登録後の調整が可能</a:t>
+              <a:t>フェーズ毎のデータ管理</a:t>
             </a:r>
             <a:endParaRPr lang="en-US" altLang="ja-JP" dirty="0" smtClean="0"/>
           </a:p>
           <a:p>
             <a:r>
               <a:rPr lang="ja-JP" altLang="en-US" dirty="0" smtClean="0"/>
-              <a:t>データの不整合チェックが可能</a:t>
+              <a:t>データが編集しやすいエクセル管理</a:t>
             </a:r>
             <a:endParaRPr lang="en-US" altLang="ja-JP" dirty="0" smtClean="0"/>
           </a:p>
           <a:p>
+            <a:r>
+              <a:rPr lang="ja-JP" altLang="en-US" dirty="0" smtClean="0"/>
+              <a:t>テストデータの一元管理</a:t>
+            </a:r>
+            <a:r>
+              <a:rPr lang="en-US" altLang="ja-JP" dirty="0" smtClean="0"/>
+              <a:t>(</a:t>
+            </a:r>
+            <a:r>
+              <a:rPr lang="ja-JP" altLang="en-US" dirty="0" smtClean="0"/>
+              <a:t>単体テストのスピード向上</a:t>
+            </a:r>
+            <a:r>
+              <a:rPr lang="en-US" altLang="ja-JP" dirty="0" smtClean="0"/>
+              <a:t>)</a:t>
+            </a:r>
+          </a:p>
+          <a:p>
+            <a:r>
+              <a:rPr lang="ja-JP" altLang="en-US" dirty="0" smtClean="0"/>
+              <a:t>実行ログが残る</a:t>
+            </a:r>
+            <a:endParaRPr lang="en-US" altLang="ja-JP" dirty="0" smtClean="0"/>
+          </a:p>
+          <a:p>
             <a:pPr lvl="1"/>
             <a:r>
-              <a:rPr lang="ja-JP" altLang="en-US" dirty="0" smtClean="0"/>
-              <a:t>不整合なテストデータでのテストを未然に防ぐ</a:t>
+              <a:rPr lang="en-US" altLang="ja-JP" dirty="0" err="1" smtClean="0"/>
+              <a:t>DBFlute</a:t>
+            </a:r>
+            <a:r>
+              <a:rPr lang="ja-JP" altLang="en-US" dirty="0" smtClean="0"/>
+              <a:t>クライアント</a:t>
+            </a:r>
+            <a:r>
+              <a:rPr lang="en-US" altLang="ja-JP" dirty="0" smtClean="0"/>
+              <a:t>/logs/</a:t>
+            </a:r>
+            <a:r>
+              <a:rPr lang="en-US" altLang="ja-JP" dirty="0" err="1" smtClean="0"/>
+              <a:t>dbflute.log</a:t>
             </a:r>
             <a:endParaRPr lang="en-US" altLang="ja-JP" dirty="0" smtClean="0"/>
           </a:p>
           <a:p>
-            <a:pPr lvl="1"/>
-            <a:r>
-              <a:rPr lang="ja-JP" altLang="en-US" dirty="0" smtClean="0"/>
-              <a:t>「データが悪いのかプログラムが悪いのか？」の迷いが生じるデータバグを防ぐ</a:t>
+            <a:r>
+              <a:rPr lang="ja-JP" altLang="en-US" dirty="0" smtClean="0"/>
+              <a:t>共通カラムは一括設定</a:t>
             </a:r>
             <a:endParaRPr lang="en-US" altLang="ja-JP" dirty="0" smtClean="0"/>
           </a:p>
           <a:p>
-            <a:pPr lvl="1"/>
+            <a:r>
+              <a:rPr lang="ja-JP" altLang="en-US" dirty="0" smtClean="0"/>
+              <a:t>シート名に入らないテーブルに対応</a:t>
+            </a:r>
             <a:endParaRPr lang="en-US" altLang="ja-JP" dirty="0" smtClean="0"/>
           </a:p>
         </p:txBody>
@@ -17284,8 +17305,8 @@
         </p:nvSpPr>
         <p:spPr>
           <a:xfrm>
-            <a:off x="457200" y="503238"/>
-            <a:ext cx="8305800" cy="868362"/>
+            <a:off x="609600" y="503238"/>
+            <a:ext cx="8153400" cy="868362"/>
           </a:xfrm>
         </p:spPr>
         <p:txBody>
@@ -17304,20 +17325,36 @@
               <a:rPr lang="en-US" altLang="ja-JP" dirty="0" smtClean="0"/>
               <a:t>:</a:t>
             </a:r>
-            <a:r>
-              <a:rPr lang="en-US" altLang="ja-JP" dirty="0" smtClean="0"/>
-              <a:t/>
-            </a:r>
             <a:br>
               <a:rPr lang="en-US" altLang="ja-JP" dirty="0" smtClean="0"/>
             </a:br>
             <a:r>
-              <a:rPr lang="en-US" altLang="ja-JP" dirty="0" err="1" smtClean="0"/>
-              <a:t>ReplaceSchema</a:t>
-            </a:r>
-            <a:r>
-              <a:rPr lang="ja-JP" altLang="en-US" dirty="0" smtClean="0"/>
-              <a:t>の思想</a:t>
+              <a:rPr lang="ja-JP" altLang="en-US" dirty="0" smtClean="0">
+                <a:solidFill>
+                  <a:schemeClr val="accent3"/>
+                </a:solidFill>
+              </a:rPr>
+              <a:t>データチェック</a:t>
+            </a:r>
+            <a:r>
+              <a:rPr lang="en-US" altLang="ja-JP" dirty="0" smtClean="0">
+                <a:solidFill>
+                  <a:schemeClr val="accent3"/>
+                </a:solidFill>
+              </a:rPr>
+              <a:t>&amp;</a:t>
+            </a:r>
+            <a:r>
+              <a:rPr lang="ja-JP" altLang="en-US" dirty="0" smtClean="0">
+                <a:solidFill>
+                  <a:schemeClr val="accent3"/>
+                </a:solidFill>
+              </a:rPr>
+              <a:t>調整</a:t>
+            </a:r>
+            <a:r>
+              <a:rPr lang="ja-JP" altLang="en-US" dirty="0" smtClean="0"/>
+              <a:t>の概要</a:t>
             </a:r>
             <a:endParaRPr lang="ja-JP" altLang="en-US" dirty="0"/>
           </a:p>
@@ -17333,76 +17370,154 @@
             <p:ph idx="1"/>
           </p:nvPr>
         </p:nvSpPr>
-        <p:spPr/>
+        <p:spPr>
+          <a:xfrm>
+            <a:off x="914400" y="1735138"/>
+            <a:ext cx="7313613" cy="4232106"/>
+          </a:xfrm>
+        </p:spPr>
         <p:txBody>
           <a:bodyPr>
             <a:normAutofit/>
           </a:bodyPr>
           <a:lstStyle/>
           <a:p>
+            <a:pPr>
+              <a:buAutoNum type="arabicPeriod"/>
+            </a:pPr>
             <a:endParaRPr lang="en-US" altLang="ja-JP" dirty="0" smtClean="0"/>
           </a:p>
           <a:p>
-            <a:pPr algn="ctr">
+            <a:pPr>
               <a:buNone/>
             </a:pPr>
             <a:r>
-              <a:rPr lang="ja-JP" altLang="en-US" sz="3200" dirty="0" smtClean="0">
-                <a:solidFill>
-                  <a:schemeClr val="accent1"/>
-                </a:solidFill>
-              </a:rPr>
-              <a:t>テストデータの管理・運用</a:t>
-            </a:r>
-            <a:r>
-              <a:rPr lang="ja-JP" altLang="en-US" sz="3200" dirty="0" smtClean="0">
-                <a:solidFill>
-                  <a:schemeClr val="accent1"/>
-                </a:solidFill>
-              </a:rPr>
-              <a:t>が</a:t>
-            </a:r>
-            <a:endParaRPr lang="en-US" altLang="ja-JP" sz="3200" dirty="0" smtClean="0">
-              <a:solidFill>
-                <a:schemeClr val="accent1"/>
-              </a:solidFill>
-            </a:endParaRPr>
-          </a:p>
-          <a:p>
-            <a:pPr algn="ctr">
+              <a:rPr lang="en-US" altLang="ja-JP" dirty="0" smtClean="0"/>
+              <a:t>1. /</a:t>
+            </a:r>
+            <a:r>
+              <a:rPr lang="en-US" altLang="ja-JP" dirty="0" err="1" smtClean="0"/>
+              <a:t>playsql</a:t>
+            </a:r>
+            <a:r>
+              <a:rPr lang="en-US" altLang="ja-JP" dirty="0" smtClean="0"/>
+              <a:t>/take-finally*.</a:t>
+            </a:r>
+            <a:r>
+              <a:rPr lang="en-US" altLang="ja-JP" dirty="0" err="1" smtClean="0"/>
+              <a:t>sql</a:t>
+            </a:r>
+            <a:r>
+              <a:rPr lang="ja-JP" altLang="en-US" dirty="0" smtClean="0"/>
+              <a:t>の</a:t>
+            </a:r>
+            <a:r>
+              <a:rPr lang="en-US" altLang="ja-JP" dirty="0" smtClean="0"/>
+              <a:t>SQL</a:t>
+            </a:r>
+            <a:r>
+              <a:rPr lang="ja-JP" altLang="en-US" dirty="0" smtClean="0"/>
+              <a:t>を実行</a:t>
+            </a:r>
+            <a:endParaRPr lang="en-US" altLang="ja-JP" dirty="0" smtClean="0"/>
+          </a:p>
+          <a:p>
+            <a:pPr lvl="1">
+              <a:buFontTx/>
+              <a:buChar char="•"/>
+            </a:pPr>
+            <a:r>
+              <a:rPr lang="ja-JP" altLang="en-US" dirty="0" smtClean="0"/>
+              <a:t>基本仕様は</a:t>
+            </a:r>
+            <a:r>
+              <a:rPr lang="en-US" altLang="ja-JP" dirty="0" smtClean="0"/>
+              <a:t>replace-schema*.</a:t>
+            </a:r>
+            <a:r>
+              <a:rPr lang="en-US" altLang="ja-JP" dirty="0" err="1" smtClean="0"/>
+              <a:t>sql</a:t>
+            </a:r>
+            <a:r>
+              <a:rPr lang="ja-JP" altLang="en-US" dirty="0" smtClean="0"/>
+              <a:t>と同じ</a:t>
+            </a:r>
+            <a:endParaRPr lang="en-US" altLang="ja-JP" dirty="0" smtClean="0"/>
+          </a:p>
+          <a:p>
+            <a:pPr lvl="1">
+              <a:buFontTx/>
+              <a:buChar char="•"/>
+            </a:pPr>
+            <a:r>
+              <a:rPr lang="ja-JP" altLang="en-US" dirty="0" smtClean="0"/>
+              <a:t>データが登録された後に実行される</a:t>
+            </a:r>
+            <a:endParaRPr lang="en-US" altLang="ja-JP" dirty="0" smtClean="0"/>
+          </a:p>
+          <a:p>
+            <a:pPr lvl="2">
+              <a:buFontTx/>
+              <a:buChar char="-"/>
+            </a:pPr>
+            <a:r>
+              <a:rPr lang="ja-JP" altLang="en-US" dirty="0" smtClean="0"/>
+              <a:t>暗号化やアナライズなどデータの微調整が可能</a:t>
+            </a:r>
+            <a:endParaRPr lang="en-US" altLang="ja-JP" dirty="0" smtClean="0"/>
+          </a:p>
+          <a:p>
+            <a:pPr lvl="2">
+              <a:buFontTx/>
+              <a:buChar char="-"/>
+            </a:pPr>
+            <a:r>
+              <a:rPr lang="ja-JP" altLang="en-US" dirty="0" smtClean="0"/>
+              <a:t>データの整合性チェックが可能</a:t>
+            </a:r>
+            <a:r>
+              <a:rPr lang="en-US" altLang="ja-JP" dirty="0" smtClean="0"/>
+              <a:t>(</a:t>
+            </a:r>
+            <a:r>
+              <a:rPr lang="ja-JP" altLang="en-US" dirty="0" smtClean="0"/>
+              <a:t>業務的な制約など</a:t>
+            </a:r>
+            <a:r>
+              <a:rPr lang="en-US" altLang="ja-JP" dirty="0" smtClean="0"/>
+              <a:t>)</a:t>
+            </a:r>
+          </a:p>
+          <a:p>
+            <a:pPr lvl="1">
               <a:buNone/>
             </a:pPr>
-            <a:r>
-              <a:rPr lang="ja-JP" altLang="en-US" sz="3200" dirty="0" smtClean="0">
-                <a:solidFill>
-                  <a:schemeClr val="accent1"/>
-                </a:solidFill>
-              </a:rPr>
-              <a:t>プロジェクト</a:t>
-            </a:r>
-            <a:r>
-              <a:rPr lang="ja-JP" altLang="en-US" sz="3200" dirty="0" smtClean="0">
-                <a:solidFill>
-                  <a:schemeClr val="accent1"/>
-                </a:solidFill>
-              </a:rPr>
-              <a:t>の成否に大きく</a:t>
-            </a:r>
-            <a:r>
-              <a:rPr lang="ja-JP" altLang="en-US" sz="3200" dirty="0" smtClean="0">
-                <a:solidFill>
-                  <a:schemeClr val="accent1"/>
-                </a:solidFill>
-              </a:rPr>
-              <a:t>関わる</a:t>
-            </a:r>
-            <a:endParaRPr lang="en-US" altLang="ja-JP" sz="3200" dirty="0" smtClean="0"/>
-          </a:p>
-        </p:txBody>
-      </p:sp>
-      <p:sp>
-        <p:nvSpPr>
-          <p:cNvPr id="4" name="フッター プレースホルダ 3"/>
+            <a:endParaRPr lang="en-US" altLang="ja-JP" dirty="0" smtClean="0"/>
+          </a:p>
+          <a:p>
+            <a:pPr>
+              <a:buNone/>
+            </a:pPr>
+            <a:endParaRPr lang="en-US" altLang="ja-JP" dirty="0" smtClean="0"/>
+          </a:p>
+          <a:p>
+            <a:pPr>
+              <a:buFontTx/>
+              <a:buChar char="•"/>
+            </a:pPr>
+            <a:endParaRPr lang="en-US" altLang="ja-JP" dirty="0" smtClean="0"/>
+          </a:p>
+          <a:p>
+            <a:pPr>
+              <a:buNone/>
+            </a:pPr>
+            <a:endParaRPr lang="en-US" altLang="ja-JP" dirty="0" smtClean="0"/>
+          </a:p>
+        </p:txBody>
+      </p:sp>
+      <p:sp>
+        <p:nvSpPr>
+          <p:cNvPr id="5" name="フッター プレースホルダ 4"/>
           <p:cNvSpPr>
             <a:spLocks noGrp="1"/>
           </p:cNvSpPr>
@@ -17416,23 +17531,27 @@
           <a:lstStyle/>
           <a:p>
             <a:r>
-              <a:rPr lang="en-US" altLang="ja-JP" smtClean="0"/>
-              <a:t>Seasar Conference 2008 Autumn</a:t>
-            </a:r>
-            <a:endParaRPr lang="ja-JP" altLang="en-US"/>
-          </a:p>
-        </p:txBody>
-      </p:sp>
-      <p:sp>
-        <p:nvSpPr>
-          <p:cNvPr id="5" name="テキスト ボックス 4"/>
+              <a:rPr lang="en-US" altLang="ja-JP" dirty="0" err="1" smtClean="0"/>
+              <a:t>Seasar</a:t>
+            </a:r>
+            <a:r>
+              <a:rPr lang="en-US" altLang="ja-JP" dirty="0" smtClean="0"/>
+              <a:t> Conference 2008 Autumn</a:t>
+            </a:r>
+            <a:endParaRPr lang="ja-JP" altLang="en-US" dirty="0"/>
+          </a:p>
+        </p:txBody>
+      </p:sp>
+      <p:sp>
+        <p:nvSpPr>
+          <p:cNvPr id="10" name="テキスト ボックス 9"/>
           <p:cNvSpPr txBox="1"/>
           <p:nvPr/>
         </p:nvSpPr>
         <p:spPr>
           <a:xfrm>
-            <a:off x="1524001" y="3852208"/>
-            <a:ext cx="6136574" cy="2246769"/>
+            <a:off x="2286000" y="4582249"/>
+            <a:ext cx="3029495" cy="1754327"/>
           </a:xfrm>
           <a:prstGeom prst="rect">
             <a:avLst/>
@@ -17457,114 +17576,199 @@
           </a:ln>
         </p:spPr>
         <p:txBody>
-          <a:bodyPr wrap="square" rtlCol="0">
+          <a:bodyPr wrap="none" rtlCol="0">
             <a:spAutoFit/>
           </a:bodyPr>
           <a:lstStyle/>
           <a:p>
             <a:r>
-              <a:rPr lang="ja-JP" altLang="en-US" sz="2000" dirty="0" smtClean="0"/>
-              <a:t>そのために</a:t>
-            </a:r>
-            <a:endParaRPr lang="en-US" altLang="ja-JP" sz="2000" dirty="0" smtClean="0"/>
-          </a:p>
-          <a:p>
-            <a:pPr>
-              <a:buFontTx/>
-              <a:buChar char="•"/>
-            </a:pPr>
-            <a:r>
-              <a:rPr lang="ja-JP" altLang="en-US" sz="2000" dirty="0" smtClean="0"/>
-              <a:t>スキーマ</a:t>
-            </a:r>
-            <a:r>
-              <a:rPr lang="ja-JP" altLang="en-US" sz="2000" dirty="0" smtClean="0"/>
-              <a:t>を「</a:t>
-            </a:r>
-            <a:r>
-              <a:rPr lang="en-US" altLang="ja-JP" sz="2000" dirty="0" smtClean="0"/>
-              <a:t>DDL</a:t>
-            </a:r>
-            <a:r>
-              <a:rPr lang="ja-JP" altLang="en-US" sz="2000" dirty="0" smtClean="0"/>
-              <a:t>・データ・チェック」をワンセット</a:t>
-            </a:r>
-            <a:r>
-              <a:rPr lang="ja-JP" altLang="en-US" sz="2000" dirty="0" smtClean="0"/>
-              <a:t>管理</a:t>
-            </a:r>
-            <a:endParaRPr lang="en-US" altLang="ja-JP" sz="2000" dirty="0" smtClean="0"/>
-          </a:p>
-          <a:p>
-            <a:pPr>
-              <a:buFontTx/>
-              <a:buChar char="•"/>
-            </a:pPr>
-            <a:r>
-              <a:rPr lang="en-US" altLang="ja-JP" sz="2000" dirty="0" smtClean="0"/>
-              <a:t>DB</a:t>
-            </a:r>
-            <a:r>
-              <a:rPr lang="ja-JP" altLang="en-US" sz="2000" dirty="0" smtClean="0"/>
-              <a:t>変更時のテストデータの修正し易さ・見通しの良さ</a:t>
-            </a:r>
-            <a:endParaRPr lang="en-US" altLang="ja-JP" sz="2000" dirty="0" smtClean="0"/>
-          </a:p>
-          <a:p>
-            <a:pPr>
-              <a:buFontTx/>
-              <a:buChar char="•"/>
-            </a:pPr>
-            <a:r>
-              <a:rPr lang="ja-JP" altLang="en-US" sz="2000" dirty="0" smtClean="0"/>
-              <a:t>テストデータ作成者の手間の削減</a:t>
-            </a:r>
-            <a:endParaRPr lang="en-US" altLang="ja-JP" sz="2000" dirty="0" smtClean="0"/>
-          </a:p>
-          <a:p>
-            <a:pPr>
-              <a:buFontTx/>
-              <a:buChar char="•"/>
-            </a:pPr>
-            <a:r>
-              <a:rPr lang="ja-JP" altLang="en-US" sz="2000" dirty="0" smtClean="0"/>
-              <a:t>確実な各開発者の環境への</a:t>
-            </a:r>
-            <a:r>
-              <a:rPr lang="en-US" altLang="ja-JP" sz="2000" dirty="0" smtClean="0"/>
-              <a:t>DB</a:t>
-            </a:r>
-            <a:r>
-              <a:rPr lang="ja-JP" altLang="en-US" sz="2000" dirty="0" smtClean="0"/>
-              <a:t>反映</a:t>
-            </a:r>
-            <a:endParaRPr lang="en-US" altLang="ja-JP" sz="2000" dirty="0" smtClean="0"/>
-          </a:p>
-          <a:p>
-            <a:pPr>
-              <a:buFontTx/>
-              <a:buChar char="•"/>
-            </a:pPr>
-            <a:r>
-              <a:rPr lang="ja-JP" altLang="en-US" sz="2000" dirty="0" smtClean="0"/>
-              <a:t>どの</a:t>
-            </a:r>
-            <a:r>
-              <a:rPr lang="ja-JP" altLang="en-US" sz="2000" dirty="0" smtClean="0"/>
-              <a:t>プロジェクトに行っても同じやり方で環境</a:t>
-            </a:r>
-            <a:r>
-              <a:rPr lang="ja-JP" altLang="en-US" sz="2000" dirty="0" smtClean="0"/>
-              <a:t>構築</a:t>
-            </a:r>
-            <a:endParaRPr lang="en-US" altLang="ja-JP" sz="2000" dirty="0" smtClean="0"/>
-          </a:p>
-          <a:p>
-            <a:r>
-              <a:rPr lang="ja-JP" altLang="en-US" sz="2000" dirty="0" smtClean="0"/>
-              <a:t>などなど</a:t>
-            </a:r>
-            <a:endParaRPr lang="en-US" altLang="ja-JP" sz="2000" dirty="0" smtClean="0"/>
+              <a:rPr kumimoji="1" lang="en-US" altLang="ja-JP" dirty="0" err="1" smtClean="0"/>
+              <a:t>【</a:t>
+            </a:r>
+            <a:r>
+              <a:rPr lang="ja-JP" altLang="en-US" dirty="0" smtClean="0"/>
+              <a:t>カウント</a:t>
+            </a:r>
+            <a:r>
+              <a:rPr kumimoji="1" lang="ja-JP" altLang="en-US" dirty="0" smtClean="0"/>
+              <a:t>が</a:t>
+            </a:r>
+            <a:r>
+              <a:rPr kumimoji="1" lang="en-US" altLang="ja-JP" dirty="0" smtClean="0"/>
+              <a:t>0</a:t>
+            </a:r>
+            <a:r>
+              <a:rPr kumimoji="1" lang="ja-JP" altLang="en-US" dirty="0" smtClean="0"/>
+              <a:t>でなければ例外</a:t>
+            </a:r>
+            <a:r>
+              <a:rPr kumimoji="1" lang="en-US" altLang="ja-JP" dirty="0" err="1" smtClean="0"/>
+              <a:t>】</a:t>
+            </a:r>
+            <a:endParaRPr kumimoji="1" lang="en-US" altLang="ja-JP" dirty="0" smtClean="0"/>
+          </a:p>
+          <a:p>
+            <a:r>
+              <a:rPr kumimoji="1" lang="en-US" altLang="ja-JP" dirty="0" smtClean="0">
+                <a:solidFill>
+                  <a:srgbClr val="008000"/>
+                </a:solidFill>
+              </a:rPr>
+              <a:t>-- #</a:t>
+            </a:r>
+            <a:r>
+              <a:rPr kumimoji="1" lang="en-US" altLang="ja-JP" dirty="0" err="1" smtClean="0">
+                <a:solidFill>
+                  <a:srgbClr val="008000"/>
+                </a:solidFill>
+              </a:rPr>
+              <a:t>df:assertCountZero</a:t>
+            </a:r>
+            <a:r>
+              <a:rPr kumimoji="1" lang="en-US" altLang="ja-JP" dirty="0" smtClean="0">
+                <a:solidFill>
+                  <a:srgbClr val="008000"/>
+                </a:solidFill>
+              </a:rPr>
+              <a:t>#</a:t>
+            </a:r>
+          </a:p>
+          <a:p>
+            <a:r>
+              <a:rPr lang="en-US" altLang="ja-JP" dirty="0" smtClean="0"/>
+              <a:t>select count(*)</a:t>
+            </a:r>
+          </a:p>
+          <a:p>
+            <a:r>
+              <a:rPr kumimoji="1" lang="en-US" altLang="ja-JP" dirty="0" smtClean="0"/>
+              <a:t>  from ABC</a:t>
+            </a:r>
+          </a:p>
+          <a:p>
+            <a:r>
+              <a:rPr lang="en-US" altLang="ja-JP" dirty="0" smtClean="0"/>
+              <a:t> where …</a:t>
+            </a:r>
+          </a:p>
+          <a:p>
+            <a:r>
+              <a:rPr lang="en-US" altLang="ja-JP" dirty="0" smtClean="0"/>
+              <a:t>;</a:t>
+            </a:r>
+          </a:p>
+        </p:txBody>
+      </p:sp>
+      <p:sp>
+        <p:nvSpPr>
+          <p:cNvPr id="8" name="テキスト ボックス 7"/>
+          <p:cNvSpPr txBox="1"/>
+          <p:nvPr/>
+        </p:nvSpPr>
+        <p:spPr>
+          <a:xfrm>
+            <a:off x="5460008" y="4582249"/>
+            <a:ext cx="2768005" cy="1754327"/>
+          </a:xfrm>
+          <a:prstGeom prst="rect">
+            <a:avLst/>
+          </a:prstGeom>
+          <a:noFill/>
+          <a:ln>
+            <a:gradFill flip="none" rotWithShape="1">
+              <a:gsLst>
+                <a:gs pos="0">
+                  <a:schemeClr val="bg2"/>
+                </a:gs>
+                <a:gs pos="100000">
+                  <a:srgbClr val="000000"/>
+                </a:gs>
+              </a:gsLst>
+              <a:path path="rect">
+                <a:fillToRect l="100000" t="100000"/>
+              </a:path>
+              <a:tileRect r="-100000" b="-100000"/>
+            </a:gradFill>
+            <a:prstDash val="dashDot"/>
+          </a:ln>
+        </p:spPr>
+        <p:txBody>
+          <a:bodyPr wrap="none" rtlCol="0">
+            <a:spAutoFit/>
+          </a:bodyPr>
+          <a:lstStyle/>
+          <a:p>
+            <a:r>
+              <a:rPr kumimoji="1" lang="en-US" altLang="ja-JP" dirty="0" err="1" smtClean="0"/>
+              <a:t>【</a:t>
+            </a:r>
+            <a:r>
+              <a:rPr kumimoji="1" lang="ja-JP" altLang="en-US" dirty="0" smtClean="0"/>
+              <a:t>件数が</a:t>
+            </a:r>
+            <a:r>
+              <a:rPr kumimoji="1" lang="en-US" altLang="ja-JP" dirty="0" smtClean="0"/>
+              <a:t>0</a:t>
+            </a:r>
+            <a:r>
+              <a:rPr kumimoji="1" lang="ja-JP" altLang="en-US" dirty="0" smtClean="0"/>
+              <a:t>でなければ例外</a:t>
+            </a:r>
+            <a:r>
+              <a:rPr kumimoji="1" lang="en-US" altLang="ja-JP" dirty="0" err="1" smtClean="0"/>
+              <a:t>】</a:t>
+            </a:r>
+            <a:endParaRPr kumimoji="1" lang="en-US" altLang="ja-JP" dirty="0" smtClean="0"/>
+          </a:p>
+          <a:p>
+            <a:r>
+              <a:rPr kumimoji="1" lang="en-US" altLang="ja-JP" dirty="0" smtClean="0">
+                <a:solidFill>
+                  <a:srgbClr val="008000"/>
+                </a:solidFill>
+              </a:rPr>
+              <a:t>-- #</a:t>
+            </a:r>
+            <a:r>
+              <a:rPr kumimoji="1" lang="en-US" altLang="ja-JP" dirty="0" err="1" smtClean="0">
+                <a:solidFill>
+                  <a:srgbClr val="008000"/>
+                </a:solidFill>
+              </a:rPr>
+              <a:t>df:assertListZero</a:t>
+            </a:r>
+            <a:r>
+              <a:rPr kumimoji="1" lang="en-US" altLang="ja-JP" dirty="0" smtClean="0">
+                <a:solidFill>
+                  <a:srgbClr val="008000"/>
+                </a:solidFill>
+              </a:rPr>
+              <a:t>#</a:t>
+            </a:r>
+          </a:p>
+          <a:p>
+            <a:r>
+              <a:rPr lang="en-US" altLang="ja-JP" dirty="0" smtClean="0"/>
+              <a:t>select ABC,_ID DEF</a:t>
+            </a:r>
+          </a:p>
+          <a:p>
+            <a:r>
+              <a:rPr kumimoji="1" lang="en-US" altLang="ja-JP" dirty="0" smtClean="0"/>
+              <a:t>  from ABC</a:t>
+            </a:r>
+          </a:p>
+          <a:p>
+            <a:r>
+              <a:rPr lang="en-US" altLang="ja-JP" dirty="0" smtClean="0"/>
+              <a:t> where …</a:t>
+            </a:r>
+          </a:p>
+          <a:p>
+            <a:r>
+              <a:rPr lang="en-US" altLang="ja-JP" dirty="0" smtClean="0"/>
+              <a:t>;</a:t>
+            </a:r>
           </a:p>
         </p:txBody>
       </p:sp>
@@ -17577,6 +17781,620 @@
 </file>
 
 <file path=ppt/slides/slide32.xml><?xml version="1.0" encoding="utf-8"?>
+<p:sld xmlns:a="http://schemas.openxmlformats.org/drawingml/2006/main" xmlns:r="http://schemas.openxmlformats.org/officeDocument/2006/relationships" xmlns:mc="http://schemas.openxmlformats.org/markup-compatibility/2006" xmlns:mv="urn:schemas-microsoft-com:mac:vml" xmlns:p="http://schemas.openxmlformats.org/presentationml/2006/main" mc:Ignorable="mv" mc:PreserveAttributes="mv:*">
+  <p:cSld>
+    <p:spTree>
+      <p:nvGrpSpPr>
+        <p:cNvPr id="1" name=""/>
+        <p:cNvGrpSpPr/>
+        <p:nvPr/>
+      </p:nvGrpSpPr>
+      <p:grpSpPr>
+        <a:xfrm>
+          <a:off x="0" y="0"/>
+          <a:ext cx="0" cy="0"/>
+          <a:chOff x="0" y="0"/>
+          <a:chExt cx="0" cy="0"/>
+        </a:xfrm>
+      </p:grpSpPr>
+      <p:sp>
+        <p:nvSpPr>
+          <p:cNvPr id="2" name="タイトル 1"/>
+          <p:cNvSpPr>
+            <a:spLocks noGrp="1"/>
+          </p:cNvSpPr>
+          <p:nvPr>
+            <p:ph type="title"/>
+          </p:nvPr>
+        </p:nvSpPr>
+        <p:spPr>
+          <a:xfrm>
+            <a:off x="457200" y="503238"/>
+            <a:ext cx="8305800" cy="868362"/>
+          </a:xfrm>
+        </p:spPr>
+        <p:txBody>
+          <a:bodyPr/>
+          <a:lstStyle/>
+          <a:p>
+            <a:r>
+              <a:rPr lang="en-US" altLang="ja-JP" dirty="0" smtClean="0"/>
+              <a:t>[2]DDL</a:t>
+            </a:r>
+            <a:r>
+              <a:rPr lang="ja-JP" altLang="en-US" dirty="0" smtClean="0"/>
+              <a:t>＆データ</a:t>
+            </a:r>
+            <a:r>
+              <a:rPr lang="en-US" altLang="ja-JP" dirty="0" smtClean="0"/>
+              <a:t>:</a:t>
+            </a:r>
+            <a:br>
+              <a:rPr lang="en-US" altLang="ja-JP" dirty="0" smtClean="0"/>
+            </a:br>
+            <a:r>
+              <a:rPr lang="ja-JP" altLang="en-US" dirty="0" smtClean="0">
+                <a:solidFill>
+                  <a:schemeClr val="accent3"/>
+                </a:solidFill>
+              </a:rPr>
+              <a:t>データチェック</a:t>
+            </a:r>
+            <a:r>
+              <a:rPr lang="en-US" altLang="ja-JP" dirty="0" smtClean="0">
+                <a:solidFill>
+                  <a:schemeClr val="accent3"/>
+                </a:solidFill>
+              </a:rPr>
+              <a:t>&amp;</a:t>
+            </a:r>
+            <a:r>
+              <a:rPr lang="ja-JP" altLang="en-US" dirty="0" smtClean="0">
+                <a:solidFill>
+                  <a:schemeClr val="accent3"/>
+                </a:solidFill>
+              </a:rPr>
+              <a:t>調整</a:t>
+            </a:r>
+            <a:r>
+              <a:rPr lang="ja-JP" altLang="en-US" dirty="0" smtClean="0"/>
+              <a:t>の特徴</a:t>
+            </a:r>
+            <a:endParaRPr lang="ja-JP" altLang="en-US" dirty="0"/>
+          </a:p>
+        </p:txBody>
+      </p:sp>
+      <p:sp>
+        <p:nvSpPr>
+          <p:cNvPr id="3" name="コンテンツ プレースホルダ 2"/>
+          <p:cNvSpPr>
+            <a:spLocks noGrp="1"/>
+          </p:cNvSpPr>
+          <p:nvPr>
+            <p:ph idx="1"/>
+          </p:nvPr>
+        </p:nvSpPr>
+        <p:spPr/>
+        <p:txBody>
+          <a:bodyPr>
+            <a:normAutofit/>
+          </a:bodyPr>
+          <a:lstStyle/>
+          <a:p>
+            <a:endParaRPr lang="en-US" altLang="ja-JP" dirty="0" smtClean="0"/>
+          </a:p>
+          <a:p>
+            <a:r>
+              <a:rPr lang="ja-JP" altLang="en-US" dirty="0" smtClean="0"/>
+              <a:t>データ登録後の調整が可能</a:t>
+            </a:r>
+            <a:endParaRPr lang="en-US" altLang="ja-JP" dirty="0" smtClean="0"/>
+          </a:p>
+          <a:p>
+            <a:r>
+              <a:rPr lang="ja-JP" altLang="en-US" dirty="0" smtClean="0"/>
+              <a:t>データの不整合チェックが可能</a:t>
+            </a:r>
+            <a:endParaRPr lang="en-US" altLang="ja-JP" dirty="0" smtClean="0"/>
+          </a:p>
+          <a:p>
+            <a:pPr lvl="1"/>
+            <a:r>
+              <a:rPr lang="ja-JP" altLang="en-US" dirty="0" smtClean="0"/>
+              <a:t>不整合なテストデータでのテストを未然に防ぐ</a:t>
+            </a:r>
+            <a:endParaRPr lang="en-US" altLang="ja-JP" dirty="0" smtClean="0"/>
+          </a:p>
+          <a:p>
+            <a:pPr lvl="1"/>
+            <a:r>
+              <a:rPr lang="ja-JP" altLang="en-US" dirty="0" smtClean="0"/>
+              <a:t>「データが悪いのかプログラムが悪いのか？」の迷いが生じるデータバグを防ぐ</a:t>
+            </a:r>
+            <a:endParaRPr lang="en-US" altLang="ja-JP" dirty="0" smtClean="0"/>
+          </a:p>
+          <a:p>
+            <a:pPr lvl="1"/>
+            <a:endParaRPr lang="en-US" altLang="ja-JP" dirty="0" smtClean="0"/>
+          </a:p>
+        </p:txBody>
+      </p:sp>
+      <p:sp>
+        <p:nvSpPr>
+          <p:cNvPr id="4" name="フッター プレースホルダ 3"/>
+          <p:cNvSpPr>
+            <a:spLocks noGrp="1"/>
+          </p:cNvSpPr>
+          <p:nvPr>
+            <p:ph type="ftr" sz="quarter" idx="11"/>
+          </p:nvPr>
+        </p:nvSpPr>
+        <p:spPr/>
+        <p:txBody>
+          <a:bodyPr/>
+          <a:lstStyle/>
+          <a:p>
+            <a:r>
+              <a:rPr lang="en-US" altLang="ja-JP" smtClean="0"/>
+              <a:t>Seasar Conference 2008 Autumn</a:t>
+            </a:r>
+            <a:endParaRPr lang="ja-JP" altLang="en-US"/>
+          </a:p>
+        </p:txBody>
+      </p:sp>
+    </p:spTree>
+  </p:cSld>
+  <p:clrMapOvr>
+    <a:masterClrMapping/>
+  </p:clrMapOvr>
+</p:sld>
+</file>
+
+<file path=ppt/slides/slide33.xml><?xml version="1.0" encoding="utf-8"?>
+<p:sld xmlns:a="http://schemas.openxmlformats.org/drawingml/2006/main" xmlns:r="http://schemas.openxmlformats.org/officeDocument/2006/relationships" xmlns:mc="http://schemas.openxmlformats.org/markup-compatibility/2006" xmlns:mv="urn:schemas-microsoft-com:mac:vml" xmlns:p="http://schemas.openxmlformats.org/presentationml/2006/main" mc:Ignorable="mv" mc:PreserveAttributes="mv:*">
+  <p:cSld>
+    <p:spTree>
+      <p:nvGrpSpPr>
+        <p:cNvPr id="1" name=""/>
+        <p:cNvGrpSpPr/>
+        <p:nvPr/>
+      </p:nvGrpSpPr>
+      <p:grpSpPr>
+        <a:xfrm>
+          <a:off x="0" y="0"/>
+          <a:ext cx="0" cy="0"/>
+          <a:chOff x="0" y="0"/>
+          <a:chExt cx="0" cy="0"/>
+        </a:xfrm>
+      </p:grpSpPr>
+      <p:sp>
+        <p:nvSpPr>
+          <p:cNvPr id="2" name="タイトル 1"/>
+          <p:cNvSpPr>
+            <a:spLocks noGrp="1"/>
+          </p:cNvSpPr>
+          <p:nvPr>
+            <p:ph type="title"/>
+          </p:nvPr>
+        </p:nvSpPr>
+        <p:spPr>
+          <a:xfrm>
+            <a:off x="457200" y="503238"/>
+            <a:ext cx="8305800" cy="868362"/>
+          </a:xfrm>
+        </p:spPr>
+        <p:txBody>
+          <a:bodyPr/>
+          <a:lstStyle/>
+          <a:p>
+            <a:r>
+              <a:rPr lang="en-US" altLang="ja-JP" dirty="0" smtClean="0"/>
+              <a:t>[2]DDL</a:t>
+            </a:r>
+            <a:r>
+              <a:rPr lang="ja-JP" altLang="en-US" dirty="0" smtClean="0"/>
+              <a:t>＆データ</a:t>
+            </a:r>
+            <a:r>
+              <a:rPr lang="en-US" altLang="ja-JP" dirty="0" smtClean="0"/>
+              <a:t>:</a:t>
+            </a:r>
+            <a:br>
+              <a:rPr lang="en-US" altLang="ja-JP" dirty="0" smtClean="0"/>
+            </a:br>
+            <a:r>
+              <a:rPr lang="en-US" altLang="ja-JP" dirty="0" err="1" smtClean="0"/>
+              <a:t>ReplaceSchema</a:t>
+            </a:r>
+            <a:r>
+              <a:rPr lang="ja-JP" altLang="en-US" dirty="0" smtClean="0"/>
+              <a:t>の思想</a:t>
+            </a:r>
+            <a:endParaRPr lang="ja-JP" altLang="en-US" dirty="0"/>
+          </a:p>
+        </p:txBody>
+      </p:sp>
+      <p:sp>
+        <p:nvSpPr>
+          <p:cNvPr id="3" name="コンテンツ プレースホルダ 2"/>
+          <p:cNvSpPr>
+            <a:spLocks noGrp="1"/>
+          </p:cNvSpPr>
+          <p:nvPr>
+            <p:ph idx="1"/>
+          </p:nvPr>
+        </p:nvSpPr>
+        <p:spPr/>
+        <p:txBody>
+          <a:bodyPr>
+            <a:normAutofit/>
+          </a:bodyPr>
+          <a:lstStyle/>
+          <a:p>
+            <a:endParaRPr lang="en-US" altLang="ja-JP" dirty="0" smtClean="0"/>
+          </a:p>
+          <a:p>
+            <a:pPr algn="ctr">
+              <a:buNone/>
+            </a:pPr>
+            <a:r>
+              <a:rPr lang="ja-JP" altLang="en-US" sz="3200" dirty="0" smtClean="0">
+                <a:solidFill>
+                  <a:schemeClr val="accent1"/>
+                </a:solidFill>
+              </a:rPr>
+              <a:t>テストデータの管理・運用が</a:t>
+            </a:r>
+            <a:endParaRPr lang="en-US" altLang="ja-JP" sz="3200" dirty="0" smtClean="0">
+              <a:solidFill>
+                <a:schemeClr val="accent1"/>
+              </a:solidFill>
+            </a:endParaRPr>
+          </a:p>
+          <a:p>
+            <a:pPr algn="ctr">
+              <a:buNone/>
+            </a:pPr>
+            <a:r>
+              <a:rPr lang="ja-JP" altLang="en-US" sz="3200" dirty="0" smtClean="0">
+                <a:solidFill>
+                  <a:schemeClr val="accent1"/>
+                </a:solidFill>
+              </a:rPr>
+              <a:t>プロジェクトの成否に大きく関わる</a:t>
+            </a:r>
+            <a:endParaRPr lang="en-US" altLang="ja-JP" sz="3200" dirty="0" smtClean="0"/>
+          </a:p>
+        </p:txBody>
+      </p:sp>
+      <p:sp>
+        <p:nvSpPr>
+          <p:cNvPr id="4" name="フッター プレースホルダ 3"/>
+          <p:cNvSpPr>
+            <a:spLocks noGrp="1"/>
+          </p:cNvSpPr>
+          <p:nvPr>
+            <p:ph type="ftr" sz="quarter" idx="11"/>
+          </p:nvPr>
+        </p:nvSpPr>
+        <p:spPr/>
+        <p:txBody>
+          <a:bodyPr/>
+          <a:lstStyle/>
+          <a:p>
+            <a:r>
+              <a:rPr lang="en-US" altLang="ja-JP" smtClean="0"/>
+              <a:t>Seasar Conference 2008 Autumn</a:t>
+            </a:r>
+            <a:endParaRPr lang="ja-JP" altLang="en-US"/>
+          </a:p>
+        </p:txBody>
+      </p:sp>
+      <p:sp>
+        <p:nvSpPr>
+          <p:cNvPr id="5" name="テキスト ボックス 4"/>
+          <p:cNvSpPr txBox="1"/>
+          <p:nvPr/>
+        </p:nvSpPr>
+        <p:spPr>
+          <a:xfrm>
+            <a:off x="1219200" y="3852208"/>
+            <a:ext cx="7008813" cy="2246769"/>
+          </a:xfrm>
+          <a:prstGeom prst="rect">
+            <a:avLst/>
+          </a:prstGeom>
+          <a:noFill/>
+          <a:ln>
+            <a:gradFill flip="none" rotWithShape="1">
+              <a:gsLst>
+                <a:gs pos="0">
+                  <a:schemeClr val="bg2"/>
+                </a:gs>
+                <a:gs pos="100000">
+                  <a:srgbClr val="000000"/>
+                </a:gs>
+              </a:gsLst>
+              <a:path path="rect">
+                <a:fillToRect l="100000" t="100000"/>
+              </a:path>
+              <a:tileRect r="-100000" b="-100000"/>
+            </a:gradFill>
+            <a:prstDash val="dashDot"/>
+          </a:ln>
+        </p:spPr>
+        <p:txBody>
+          <a:bodyPr wrap="square" rtlCol="0">
+            <a:spAutoFit/>
+          </a:bodyPr>
+          <a:lstStyle/>
+          <a:p>
+            <a:r>
+              <a:rPr lang="ja-JP" altLang="en-US" sz="2000" dirty="0" smtClean="0"/>
+              <a:t>そのために</a:t>
+            </a:r>
+            <a:endParaRPr lang="en-US" altLang="ja-JP" sz="2000" dirty="0" smtClean="0"/>
+          </a:p>
+          <a:p>
+            <a:pPr>
+              <a:buFontTx/>
+              <a:buChar char="•"/>
+            </a:pPr>
+            <a:r>
+              <a:rPr lang="ja-JP" altLang="en-US" sz="2000" dirty="0" smtClean="0">
+                <a:solidFill>
+                  <a:schemeClr val="accent1"/>
+                </a:solidFill>
+              </a:rPr>
+              <a:t>スキーマ</a:t>
+            </a:r>
+            <a:r>
+              <a:rPr lang="ja-JP" altLang="en-US" sz="2000" dirty="0" smtClean="0">
+                <a:solidFill>
+                  <a:schemeClr val="accent1"/>
+                </a:solidFill>
+              </a:rPr>
+              <a:t>を</a:t>
+            </a:r>
+            <a:r>
+              <a:rPr lang="ja-JP" altLang="en-US" sz="2000" dirty="0" smtClean="0">
+                <a:solidFill>
+                  <a:schemeClr val="accent1"/>
+                </a:solidFill>
+              </a:rPr>
+              <a:t>「</a:t>
+            </a:r>
+            <a:r>
+              <a:rPr lang="en-US" altLang="ja-JP" sz="2000" dirty="0" smtClean="0">
+                <a:solidFill>
+                  <a:schemeClr val="accent1"/>
+                </a:solidFill>
+              </a:rPr>
+              <a:t>DDL</a:t>
+            </a:r>
+            <a:r>
+              <a:rPr lang="ja-JP" altLang="en-US" sz="2000" dirty="0" smtClean="0">
+                <a:solidFill>
+                  <a:schemeClr val="accent1"/>
+                </a:solidFill>
+              </a:rPr>
+              <a:t>・データ・チェック</a:t>
+            </a:r>
+            <a:r>
+              <a:rPr lang="ja-JP" altLang="en-US" sz="2000" dirty="0" smtClean="0">
+                <a:solidFill>
+                  <a:schemeClr val="accent1"/>
+                </a:solidFill>
+              </a:rPr>
+              <a:t>」</a:t>
+            </a:r>
+            <a:r>
+              <a:rPr lang="ja-JP" altLang="en-US" sz="2000" dirty="0" smtClean="0">
+                <a:solidFill>
+                  <a:schemeClr val="accent1"/>
+                </a:solidFill>
+              </a:rPr>
+              <a:t>として</a:t>
+            </a:r>
+            <a:r>
+              <a:rPr lang="ja-JP" altLang="en-US" sz="2000" dirty="0" smtClean="0">
+                <a:solidFill>
+                  <a:schemeClr val="accent1"/>
+                </a:solidFill>
+              </a:rPr>
+              <a:t>ワンセット</a:t>
+            </a:r>
+            <a:r>
+              <a:rPr lang="ja-JP" altLang="en-US" sz="2000" dirty="0" smtClean="0">
+                <a:solidFill>
+                  <a:schemeClr val="accent1"/>
+                </a:solidFill>
+              </a:rPr>
+              <a:t>管理</a:t>
+            </a:r>
+            <a:endParaRPr lang="en-US" altLang="ja-JP" sz="2000" dirty="0" smtClean="0">
+              <a:solidFill>
+                <a:schemeClr val="accent1"/>
+              </a:solidFill>
+            </a:endParaRPr>
+          </a:p>
+          <a:p>
+            <a:pPr>
+              <a:buFontTx/>
+              <a:buChar char="•"/>
+            </a:pPr>
+            <a:r>
+              <a:rPr lang="en-US" altLang="ja-JP" sz="2000" dirty="0" smtClean="0"/>
+              <a:t>DB</a:t>
+            </a:r>
+            <a:r>
+              <a:rPr lang="ja-JP" altLang="en-US" sz="2000" dirty="0" smtClean="0"/>
+              <a:t>変更時のテストデータの修正し易さ・見通しの良さ</a:t>
+            </a:r>
+            <a:endParaRPr lang="en-US" altLang="ja-JP" sz="2000" dirty="0" smtClean="0"/>
+          </a:p>
+          <a:p>
+            <a:pPr>
+              <a:buFontTx/>
+              <a:buChar char="•"/>
+            </a:pPr>
+            <a:r>
+              <a:rPr lang="ja-JP" altLang="en-US" sz="2000" dirty="0" smtClean="0"/>
+              <a:t>テストデータ作成者の手間の削減</a:t>
+            </a:r>
+            <a:endParaRPr lang="en-US" altLang="ja-JP" sz="2000" dirty="0" smtClean="0"/>
+          </a:p>
+          <a:p>
+            <a:pPr>
+              <a:buFontTx/>
+              <a:buChar char="•"/>
+            </a:pPr>
+            <a:r>
+              <a:rPr lang="ja-JP" altLang="en-US" sz="2000" dirty="0" smtClean="0"/>
+              <a:t>確実な各開発者の環境への</a:t>
+            </a:r>
+            <a:r>
+              <a:rPr lang="en-US" altLang="ja-JP" sz="2000" dirty="0" smtClean="0"/>
+              <a:t>DB</a:t>
+            </a:r>
+            <a:r>
+              <a:rPr lang="ja-JP" altLang="en-US" sz="2000" dirty="0" smtClean="0"/>
+              <a:t>反映</a:t>
+            </a:r>
+            <a:endParaRPr lang="en-US" altLang="ja-JP" sz="2000" dirty="0" smtClean="0"/>
+          </a:p>
+          <a:p>
+            <a:pPr>
+              <a:buFontTx/>
+              <a:buChar char="•"/>
+            </a:pPr>
+            <a:r>
+              <a:rPr lang="ja-JP" altLang="en-US" sz="2000" dirty="0" smtClean="0"/>
+              <a:t>どのプロジェクトに行っても同じやり方で環境構築</a:t>
+            </a:r>
+            <a:endParaRPr lang="en-US" altLang="ja-JP" sz="2000" dirty="0" smtClean="0"/>
+          </a:p>
+          <a:p>
+            <a:r>
+              <a:rPr lang="ja-JP" altLang="en-US" sz="2000" dirty="0" smtClean="0"/>
+              <a:t>などなど</a:t>
+            </a:r>
+            <a:endParaRPr lang="en-US" altLang="ja-JP" sz="2000" dirty="0" smtClean="0"/>
+          </a:p>
+        </p:txBody>
+      </p:sp>
+      <p:sp>
+        <p:nvSpPr>
+          <p:cNvPr id="6" name="テキスト ボックス 5"/>
+          <p:cNvSpPr txBox="1"/>
+          <p:nvPr/>
+        </p:nvSpPr>
+        <p:spPr>
+          <a:xfrm>
+            <a:off x="6705600" y="4876800"/>
+            <a:ext cx="2057400" cy="646331"/>
+          </a:xfrm>
+          <a:prstGeom prst="rect">
+            <a:avLst/>
+          </a:prstGeom>
+          <a:noFill/>
+          <a:ln>
+            <a:gradFill flip="none" rotWithShape="1">
+              <a:gsLst>
+                <a:gs pos="0">
+                  <a:schemeClr val="bg2"/>
+                </a:gs>
+                <a:gs pos="100000">
+                  <a:srgbClr val="000000"/>
+                </a:gs>
+              </a:gsLst>
+              <a:path path="rect">
+                <a:fillToRect l="100000" t="100000"/>
+              </a:path>
+              <a:tileRect r="-100000" b="-100000"/>
+            </a:gradFill>
+            <a:prstDash val="dashDot"/>
+          </a:ln>
+        </p:spPr>
+        <p:txBody>
+          <a:bodyPr wrap="square" rtlCol="0">
+            <a:spAutoFit/>
+          </a:bodyPr>
+          <a:lstStyle/>
+          <a:p>
+            <a:r>
+              <a:rPr kumimoji="1" lang="en-US" altLang="ja-JP" b="1" dirty="0" err="1" smtClean="0">
+                <a:solidFill>
+                  <a:schemeClr val="accent1"/>
+                </a:solidFill>
+              </a:rPr>
+              <a:t>Jiemamy</a:t>
+            </a:r>
+            <a:r>
+              <a:rPr kumimoji="1" lang="ja-JP" altLang="en-US" dirty="0" smtClean="0"/>
+              <a:t>の思想に</a:t>
+            </a:r>
+            <a:endParaRPr kumimoji="1" lang="en-US" altLang="ja-JP" dirty="0" smtClean="0"/>
+          </a:p>
+          <a:p>
+            <a:r>
+              <a:rPr kumimoji="1" lang="ja-JP" altLang="en-US" dirty="0" smtClean="0"/>
+              <a:t>通じるところがある</a:t>
+            </a:r>
+            <a:endParaRPr kumimoji="1" lang="ja-JP" altLang="en-US" dirty="0"/>
+          </a:p>
+        </p:txBody>
+      </p:sp>
+      <p:cxnSp>
+        <p:nvCxnSpPr>
+          <p:cNvPr id="7" name="直線矢印コネクタ 6"/>
+          <p:cNvCxnSpPr>
+            <a:stCxn id="6" idx="0"/>
+          </p:cNvCxnSpPr>
+          <p:nvPr/>
+        </p:nvCxnSpPr>
+        <p:spPr>
+          <a:xfrm rot="16200000" flipV="1">
+            <a:off x="7296150" y="4438650"/>
+            <a:ext cx="457200" cy="419100"/>
+          </a:xfrm>
+          <a:prstGeom prst="straightConnector1">
+            <a:avLst/>
+          </a:prstGeom>
+          <a:ln w="12700" cmpd="sng">
+            <a:solidFill>
+              <a:schemeClr val="tx1">
+                <a:lumMod val="65000"/>
+                <a:lumOff val="35000"/>
+              </a:schemeClr>
+            </a:solidFill>
+            <a:tailEnd type="arrow"/>
+          </a:ln>
+        </p:spPr>
+        <p:style>
+          <a:lnRef idx="2">
+            <a:schemeClr val="accent1"/>
+          </a:lnRef>
+          <a:fillRef idx="0">
+            <a:schemeClr val="accent1"/>
+          </a:fillRef>
+          <a:effectRef idx="1">
+            <a:schemeClr val="accent1"/>
+          </a:effectRef>
+          <a:fontRef idx="minor">
+            <a:schemeClr val="tx1"/>
+          </a:fontRef>
+        </p:style>
+      </p:cxnSp>
+    </p:spTree>
+  </p:cSld>
+  <p:clrMapOvr>
+    <a:masterClrMapping/>
+  </p:clrMapOvr>
+</p:sld>
+</file>
+
+<file path=ppt/slides/slide34.xml><?xml version="1.0" encoding="utf-8"?>
 <p:sld xmlns:a="http://schemas.openxmlformats.org/drawingml/2006/main" xmlns:r="http://schemas.openxmlformats.org/officeDocument/2006/relationships" xmlns:mc="http://schemas.openxmlformats.org/markup-compatibility/2006" xmlns:mv="urn:schemas-microsoft-com:mac:vml" xmlns:p="http://schemas.openxmlformats.org/presentationml/2006/main" mc:Ignorable="mv" mc:PreserveAttributes="mv:*">
   <p:cSld>
     <p:spTree>
@@ -17780,7 +18598,7 @@
 </p:sld>
 </file>
 
-<file path=ppt/slides/slide33.xml><?xml version="1.0" encoding="utf-8"?>
+<file path=ppt/slides/slide35.xml><?xml version="1.0" encoding="utf-8"?>
 <p:sld xmlns:a="http://schemas.openxmlformats.org/drawingml/2006/main" xmlns:r="http://schemas.openxmlformats.org/officeDocument/2006/relationships" xmlns:mc="http://schemas.openxmlformats.org/markup-compatibility/2006" xmlns:mv="urn:schemas-microsoft-com:mac:vml" xmlns:p="http://schemas.openxmlformats.org/presentationml/2006/main" mc:Ignorable="mv" mc:PreserveAttributes="mv:*">
   <p:cSld>
     <p:spTree>
@@ -18026,288 +18844,6 @@
 </p:sld>
 </file>
 
-<file path=ppt/slides/slide34.xml><?xml version="1.0" encoding="utf-8"?>
-<p:sld xmlns:a="http://schemas.openxmlformats.org/drawingml/2006/main" xmlns:r="http://schemas.openxmlformats.org/officeDocument/2006/relationships" xmlns:mc="http://schemas.openxmlformats.org/markup-compatibility/2006" xmlns:mv="urn:schemas-microsoft-com:mac:vml" xmlns:p="http://schemas.openxmlformats.org/presentationml/2006/main" mc:Ignorable="mv" mc:PreserveAttributes="mv:*">
-  <p:cSld>
-    <p:spTree>
-      <p:nvGrpSpPr>
-        <p:cNvPr id="1" name=""/>
-        <p:cNvGrpSpPr/>
-        <p:nvPr/>
-      </p:nvGrpSpPr>
-      <p:grpSpPr>
-        <a:xfrm>
-          <a:off x="0" y="0"/>
-          <a:ext cx="0" cy="0"/>
-          <a:chOff x="0" y="0"/>
-          <a:chExt cx="0" cy="0"/>
-        </a:xfrm>
-      </p:grpSpPr>
-      <p:sp>
-        <p:nvSpPr>
-          <p:cNvPr id="2" name="タイトル 1"/>
-          <p:cNvSpPr>
-            <a:spLocks noGrp="1"/>
-          </p:cNvSpPr>
-          <p:nvPr>
-            <p:ph type="title"/>
-          </p:nvPr>
-        </p:nvSpPr>
-        <p:spPr/>
-        <p:txBody>
-          <a:bodyPr/>
-          <a:lstStyle/>
-          <a:p>
-            <a:r>
-              <a:rPr lang="en-US" altLang="ja-JP" dirty="0" smtClean="0"/>
-              <a:t>[3]</a:t>
-            </a:r>
-            <a:r>
-              <a:rPr lang="ja-JP" altLang="en-US" dirty="0" smtClean="0"/>
-              <a:t>別なんとか</a:t>
-            </a:r>
-            <a:r>
-              <a:rPr lang="en-US" altLang="ja-JP" dirty="0" smtClean="0"/>
-              <a:t>:</a:t>
-            </a:r>
-            <a:r>
-              <a:rPr lang="en-US" altLang="ja-JP" dirty="0" err="1" smtClean="0"/>
-              <a:t>DBFlute</a:t>
-            </a:r>
-            <a:r>
-              <a:rPr lang="ja-JP" altLang="en-US" dirty="0" smtClean="0"/>
-              <a:t>なら</a:t>
-            </a:r>
-            <a:endParaRPr lang="ja-JP" altLang="en-US" dirty="0"/>
-          </a:p>
-        </p:txBody>
-      </p:sp>
-      <p:sp>
-        <p:nvSpPr>
-          <p:cNvPr id="3" name="コンテンツ プレースホルダ 2"/>
-          <p:cNvSpPr>
-            <a:spLocks noGrp="1"/>
-          </p:cNvSpPr>
-          <p:nvPr>
-            <p:ph idx="1"/>
-          </p:nvPr>
-        </p:nvSpPr>
-        <p:spPr/>
-        <p:txBody>
-          <a:bodyPr>
-            <a:normAutofit/>
-          </a:bodyPr>
-          <a:lstStyle/>
-          <a:p>
-            <a:pPr algn="ctr"/>
-            <a:endParaRPr lang="en-US" altLang="ja-JP" sz="4400" dirty="0" smtClean="0"/>
-          </a:p>
-          <a:p>
-            <a:pPr algn="ctr">
-              <a:buNone/>
-            </a:pPr>
-            <a:r>
-              <a:rPr lang="en-US" altLang="ja-JP" sz="4400" dirty="0" err="1" smtClean="0"/>
-              <a:t>DBFlute</a:t>
-            </a:r>
-            <a:r>
-              <a:rPr lang="ja-JP" altLang="en-US" sz="4400" dirty="0" smtClean="0"/>
-              <a:t>なら</a:t>
-            </a:r>
-            <a:r>
-              <a:rPr lang="en-US" altLang="ja-JP" sz="4400" dirty="0" smtClean="0"/>
-              <a:t>…</a:t>
-            </a:r>
-          </a:p>
-        </p:txBody>
-      </p:sp>
-      <p:sp>
-        <p:nvSpPr>
-          <p:cNvPr id="5" name="フッター プレースホルダ 4"/>
-          <p:cNvSpPr>
-            <a:spLocks noGrp="1"/>
-          </p:cNvSpPr>
-          <p:nvPr>
-            <p:ph type="ftr" sz="quarter" idx="11"/>
-          </p:nvPr>
-        </p:nvSpPr>
-        <p:spPr/>
-        <p:txBody>
-          <a:bodyPr/>
-          <a:lstStyle/>
-          <a:p>
-            <a:r>
-              <a:rPr lang="en-US" altLang="ja-JP" smtClean="0"/>
-              <a:t>Seasar Conference 2008 Autumn</a:t>
-            </a:r>
-            <a:endParaRPr lang="ja-JP" altLang="en-US"/>
-          </a:p>
-        </p:txBody>
-      </p:sp>
-    </p:spTree>
-  </p:cSld>
-  <p:clrMapOvr>
-    <a:masterClrMapping/>
-  </p:clrMapOvr>
-</p:sld>
-</file>
-
-<file path=ppt/slides/slide35.xml><?xml version="1.0" encoding="utf-8"?>
-<p:sld xmlns:a="http://schemas.openxmlformats.org/drawingml/2006/main" xmlns:r="http://schemas.openxmlformats.org/officeDocument/2006/relationships" xmlns:mc="http://schemas.openxmlformats.org/markup-compatibility/2006" xmlns:mv="urn:schemas-microsoft-com:mac:vml" xmlns:p="http://schemas.openxmlformats.org/presentationml/2006/main" mc:Ignorable="mv" mc:PreserveAttributes="mv:*">
-  <p:cSld>
-    <p:spTree>
-      <p:nvGrpSpPr>
-        <p:cNvPr id="1" name=""/>
-        <p:cNvGrpSpPr/>
-        <p:nvPr/>
-      </p:nvGrpSpPr>
-      <p:grpSpPr>
-        <a:xfrm>
-          <a:off x="0" y="0"/>
-          <a:ext cx="0" cy="0"/>
-          <a:chOff x="0" y="0"/>
-          <a:chExt cx="0" cy="0"/>
-        </a:xfrm>
-      </p:grpSpPr>
-      <p:sp>
-        <p:nvSpPr>
-          <p:cNvPr id="2" name="タイトル 1"/>
-          <p:cNvSpPr>
-            <a:spLocks noGrp="1"/>
-          </p:cNvSpPr>
-          <p:nvPr>
-            <p:ph type="title"/>
-          </p:nvPr>
-        </p:nvSpPr>
-        <p:spPr>
-          <a:xfrm>
-            <a:off x="457200" y="503238"/>
-            <a:ext cx="8382000" cy="868362"/>
-          </a:xfrm>
-        </p:spPr>
-        <p:txBody>
-          <a:bodyPr/>
-          <a:lstStyle/>
-          <a:p>
-            <a:r>
-              <a:rPr lang="en-US" altLang="ja-JP" dirty="0" smtClean="0"/>
-              <a:t>[3]</a:t>
-            </a:r>
-            <a:r>
-              <a:rPr lang="ja-JP" altLang="en-US" dirty="0" smtClean="0"/>
-              <a:t>別なんとか</a:t>
-            </a:r>
-            <a:r>
-              <a:rPr lang="en-US" altLang="ja-JP" dirty="0" smtClean="0"/>
-              <a:t>:</a:t>
-            </a:r>
-            <a:r>
-              <a:rPr lang="ja-JP" altLang="en-US" dirty="0" smtClean="0"/>
-              <a:t>別言語・別コンテナ</a:t>
-            </a:r>
-            <a:endParaRPr lang="ja-JP" altLang="en-US" dirty="0"/>
-          </a:p>
-        </p:txBody>
-      </p:sp>
-      <p:sp>
-        <p:nvSpPr>
-          <p:cNvPr id="3" name="コンテンツ プレースホルダ 2"/>
-          <p:cNvSpPr>
-            <a:spLocks noGrp="1"/>
-          </p:cNvSpPr>
-          <p:nvPr>
-            <p:ph idx="1"/>
-          </p:nvPr>
-        </p:nvSpPr>
-        <p:spPr/>
-        <p:txBody>
-          <a:bodyPr>
-            <a:normAutofit/>
-          </a:bodyPr>
-          <a:lstStyle/>
-          <a:p>
-            <a:pPr algn="ctr"/>
-            <a:endParaRPr lang="en-US" altLang="ja-JP" sz="4400" dirty="0" smtClean="0"/>
-          </a:p>
-          <a:p>
-            <a:pPr algn="ctr">
-              <a:buNone/>
-            </a:pPr>
-            <a:r>
-              <a:rPr lang="en-US" altLang="ja-JP" sz="4400" dirty="0" smtClean="0"/>
-              <a:t>C#</a:t>
-            </a:r>
-            <a:r>
-              <a:rPr lang="ja-JP" altLang="en-US" sz="4400" dirty="0" smtClean="0"/>
-              <a:t>版の</a:t>
-            </a:r>
-            <a:r>
-              <a:rPr lang="en-US" altLang="ja-JP" sz="4400" dirty="0" err="1" smtClean="0"/>
-              <a:t>DBFlute</a:t>
-            </a:r>
-            <a:r>
-              <a:rPr lang="en-US" altLang="ja-JP" sz="4400" dirty="0" smtClean="0"/>
-              <a:t>!</a:t>
-            </a:r>
-          </a:p>
-          <a:p>
-            <a:pPr algn="ctr">
-              <a:buNone/>
-            </a:pPr>
-            <a:r>
-              <a:rPr lang="en-US" altLang="ja-JP" sz="4400" dirty="0" smtClean="0"/>
-              <a:t>Spring</a:t>
-            </a:r>
-            <a:r>
-              <a:rPr lang="ja-JP" altLang="en-US" sz="4400" dirty="0" smtClean="0"/>
-              <a:t>版の</a:t>
-            </a:r>
-            <a:r>
-              <a:rPr lang="en-US" altLang="ja-JP" sz="4400" dirty="0" err="1" smtClean="0"/>
-              <a:t>DBFlute</a:t>
-            </a:r>
-            <a:r>
-              <a:rPr lang="en-US" altLang="ja-JP" sz="4400" dirty="0" smtClean="0"/>
-              <a:t>!</a:t>
-            </a:r>
-          </a:p>
-        </p:txBody>
-      </p:sp>
-      <p:sp>
-        <p:nvSpPr>
-          <p:cNvPr id="5" name="フッター プレースホルダ 4"/>
-          <p:cNvSpPr>
-            <a:spLocks noGrp="1"/>
-          </p:cNvSpPr>
-          <p:nvPr>
-            <p:ph type="ftr" sz="quarter" idx="11"/>
-          </p:nvPr>
-        </p:nvSpPr>
-        <p:spPr/>
-        <p:txBody>
-          <a:bodyPr/>
-          <a:lstStyle/>
-          <a:p>
-            <a:r>
-              <a:rPr lang="en-US" altLang="ja-JP" dirty="0" err="1" smtClean="0"/>
-              <a:t>Seasar</a:t>
-            </a:r>
-            <a:r>
-              <a:rPr lang="en-US" altLang="ja-JP" dirty="0" smtClean="0"/>
-              <a:t> Conference 2008 Autumn</a:t>
-            </a:r>
-            <a:endParaRPr lang="ja-JP" altLang="en-US" dirty="0"/>
-          </a:p>
-        </p:txBody>
-      </p:sp>
-    </p:spTree>
-  </p:cSld>
-  <p:clrMapOvr>
-    <a:masterClrMapping/>
-  </p:clrMapOvr>
-</p:sld>
-</file>
-
 <file path=ppt/slides/slide36.xml><?xml version="1.0" encoding="utf-8"?>
 <p:sld xmlns:a="http://schemas.openxmlformats.org/drawingml/2006/main" xmlns:r="http://schemas.openxmlformats.org/officeDocument/2006/relationships" xmlns:mc="http://schemas.openxmlformats.org/markup-compatibility/2006" xmlns:mv="urn:schemas-microsoft-com:mac:vml" xmlns:p="http://schemas.openxmlformats.org/presentationml/2006/main" mc:Ignorable="mv" mc:PreserveAttributes="mv:*">
   <p:cSld>
@@ -18341,12 +18877,24 @@
           <a:lstStyle/>
           <a:p>
             <a:r>
+              <a:rPr lang="en-US" altLang="ja-JP" dirty="0" smtClean="0"/>
+              <a:t>[3]</a:t>
+            </a:r>
+            <a:r>
+              <a:rPr lang="ja-JP" altLang="en-US" dirty="0" smtClean="0"/>
+              <a:t>別なんとか</a:t>
+            </a:r>
+            <a:r>
+              <a:rPr lang="en-US" altLang="ja-JP" dirty="0" smtClean="0"/>
+              <a:t>:</a:t>
+            </a:r>
+            <a:r>
               <a:rPr lang="en-US" altLang="ja-JP" dirty="0" err="1" smtClean="0"/>
               <a:t>DBFlute</a:t>
             </a:r>
             <a:r>
               <a:rPr lang="ja-JP" altLang="en-US" dirty="0" smtClean="0"/>
-              <a:t>今後の展望</a:t>
+              <a:t>なら</a:t>
             </a:r>
             <a:endParaRPr lang="ja-JP" altLang="en-US" dirty="0"/>
           </a:p>
@@ -18364,67 +18912,36 @@
         </p:nvSpPr>
         <p:spPr/>
         <p:txBody>
-          <a:bodyPr/>
-          <a:lstStyle/>
-          <a:p>
-            <a:endParaRPr lang="en-US" altLang="ja-JP" dirty="0" smtClean="0"/>
-          </a:p>
-          <a:p>
-            <a:endParaRPr lang="en-US" altLang="ja-JP" dirty="0" smtClean="0"/>
-          </a:p>
-          <a:p>
-            <a:r>
-              <a:rPr lang="ja-JP" altLang="en-US" dirty="0" smtClean="0"/>
-              <a:t>ドキュメント整備</a:t>
-            </a:r>
-            <a:endParaRPr lang="en-US" altLang="ja-JP" dirty="0" smtClean="0"/>
-          </a:p>
-          <a:p>
-            <a:pPr lvl="1"/>
-            <a:r>
-              <a:rPr lang="ja-JP" altLang="en-US" dirty="0" smtClean="0"/>
-              <a:t>ドキュメント設計</a:t>
-            </a:r>
-            <a:r>
-              <a:rPr lang="en-US" altLang="ja-JP" dirty="0" smtClean="0"/>
-              <a:t>(0.5)</a:t>
-            </a:r>
-          </a:p>
-          <a:p>
-            <a:pPr lvl="1"/>
-            <a:r>
-              <a:rPr lang="ja-JP" altLang="en-US" dirty="0" smtClean="0"/>
-              <a:t>ドキュメント作成</a:t>
-            </a:r>
-            <a:r>
-              <a:rPr lang="en-US" altLang="ja-JP" dirty="0" smtClean="0"/>
-              <a:t>(2.5)</a:t>
-            </a:r>
-          </a:p>
-          <a:p>
-            <a:r>
-              <a:rPr lang="en-US" altLang="ja-JP" dirty="0" err="1" smtClean="0"/>
-              <a:t>Emecha</a:t>
-            </a:r>
-            <a:r>
-              <a:rPr lang="ja-JP" altLang="en-US" dirty="0" smtClean="0"/>
-              <a:t>の充実</a:t>
-            </a:r>
-            <a:endParaRPr lang="en-US" altLang="ja-JP" dirty="0" smtClean="0"/>
-          </a:p>
-          <a:p>
-            <a:pPr lvl="1"/>
-            <a:r>
-              <a:rPr lang="ja-JP" altLang="en-US" dirty="0" smtClean="0"/>
-              <a:t>最低限の機能</a:t>
-            </a:r>
-            <a:endParaRPr lang="ja-JP" altLang="en-US" dirty="0"/>
-          </a:p>
-        </p:txBody>
-      </p:sp>
-      <p:sp>
-        <p:nvSpPr>
-          <p:cNvPr id="4" name="フッター プレースホルダ 3"/>
+          <a:bodyPr>
+            <a:normAutofit/>
+          </a:bodyPr>
+          <a:lstStyle/>
+          <a:p>
+            <a:pPr algn="ctr"/>
+            <a:endParaRPr lang="en-US" altLang="ja-JP" sz="4400" dirty="0" smtClean="0"/>
+          </a:p>
+          <a:p>
+            <a:pPr algn="ctr">
+              <a:buNone/>
+            </a:pPr>
+            <a:r>
+              <a:rPr lang="en-US" altLang="ja-JP" sz="4400" dirty="0" err="1" smtClean="0"/>
+              <a:t>DBFlute</a:t>
+            </a:r>
+            <a:r>
+              <a:rPr lang="ja-JP" altLang="en-US" sz="4400" dirty="0" smtClean="0"/>
+              <a:t>なら</a:t>
+            </a:r>
+            <a:r>
+              <a:rPr lang="en-US" altLang="ja-JP" sz="4400" dirty="0" smtClean="0"/>
+              <a:t>…</a:t>
+            </a:r>
+          </a:p>
+        </p:txBody>
+      </p:sp>
+      <p:sp>
+        <p:nvSpPr>
+          <p:cNvPr id="5" name="フッター プレースホルダ 4"/>
           <p:cNvSpPr>
             <a:spLocks noGrp="1"/>
           </p:cNvSpPr>
@@ -18480,14 +18997,31 @@
             <p:ph type="title"/>
           </p:nvPr>
         </p:nvSpPr>
-        <p:spPr/>
+        <p:spPr>
+          <a:xfrm>
+            <a:off x="457200" y="503238"/>
+            <a:ext cx="8382000" cy="868362"/>
+          </a:xfrm>
+        </p:spPr>
         <p:txBody>
           <a:bodyPr/>
           <a:lstStyle/>
           <a:p>
             <a:r>
-              <a:rPr lang="ja-JP" altLang="en-US" dirty="0" smtClean="0"/>
-              <a:t>最後</a:t>
+              <a:rPr lang="en-US" altLang="ja-JP" dirty="0" smtClean="0"/>
+              <a:t>[3]</a:t>
+            </a:r>
+            <a:r>
+              <a:rPr lang="ja-JP" altLang="en-US" dirty="0" smtClean="0"/>
+              <a:t>別なんとか</a:t>
+            </a:r>
+            <a:r>
+              <a:rPr lang="en-US" altLang="ja-JP" dirty="0" smtClean="0"/>
+              <a:t>:</a:t>
+            </a:r>
+            <a:r>
+              <a:rPr lang="ja-JP" altLang="en-US" dirty="0" smtClean="0"/>
+              <a:t>別言語・別コンテナ</a:t>
             </a:r>
             <a:endParaRPr lang="ja-JP" altLang="en-US" dirty="0"/>
           </a:p>
@@ -18510,20 +19044,398 @@
           </a:bodyPr>
           <a:lstStyle/>
           <a:p>
+            <a:pPr algn="ctr"/>
+            <a:endParaRPr lang="en-US" altLang="ja-JP" sz="4400" dirty="0" smtClean="0"/>
+          </a:p>
+          <a:p>
             <a:pPr algn="ctr">
               <a:buNone/>
             </a:pPr>
-            <a:endParaRPr lang="en-US" altLang="ja-JP" sz="4400" dirty="0" smtClean="0"/>
+            <a:r>
+              <a:rPr lang="en-US" altLang="ja-JP" sz="4400" dirty="0" smtClean="0"/>
+              <a:t>C#</a:t>
+            </a:r>
+            <a:r>
+              <a:rPr lang="ja-JP" altLang="en-US" sz="4400" dirty="0" smtClean="0"/>
+              <a:t>版の</a:t>
+            </a:r>
+            <a:r>
+              <a:rPr lang="en-US" altLang="ja-JP" sz="4400" dirty="0" err="1" smtClean="0"/>
+              <a:t>DBFlute</a:t>
+            </a:r>
+            <a:r>
+              <a:rPr lang="en-US" altLang="ja-JP" sz="4400" dirty="0" smtClean="0"/>
+              <a:t>!</a:t>
+            </a:r>
           </a:p>
           <a:p>
             <a:pPr algn="ctr">
               <a:buNone/>
             </a:pPr>
             <a:r>
+              <a:rPr lang="en-US" altLang="ja-JP" sz="4400" dirty="0" smtClean="0"/>
+              <a:t>Spring</a:t>
+            </a:r>
+            <a:r>
               <a:rPr lang="ja-JP" altLang="en-US" sz="4400" dirty="0" smtClean="0"/>
-              <a:t>ご清聴ありがとうございました</a:t>
-            </a:r>
-            <a:endParaRPr lang="ja-JP" altLang="en-US" sz="4400" dirty="0"/>
+              <a:t>版の</a:t>
+            </a:r>
+            <a:r>
+              <a:rPr lang="en-US" altLang="ja-JP" sz="4400" dirty="0" err="1" smtClean="0"/>
+              <a:t>DBFlute</a:t>
+            </a:r>
+            <a:r>
+              <a:rPr lang="en-US" altLang="ja-JP" sz="4400" dirty="0" smtClean="0"/>
+              <a:t>!</a:t>
+            </a:r>
+          </a:p>
+        </p:txBody>
+      </p:sp>
+      <p:sp>
+        <p:nvSpPr>
+          <p:cNvPr id="5" name="フッター プレースホルダ 4"/>
+          <p:cNvSpPr>
+            <a:spLocks noGrp="1"/>
+          </p:cNvSpPr>
+          <p:nvPr>
+            <p:ph type="ftr" sz="quarter" idx="11"/>
+          </p:nvPr>
+        </p:nvSpPr>
+        <p:spPr/>
+        <p:txBody>
+          <a:bodyPr/>
+          <a:lstStyle/>
+          <a:p>
+            <a:r>
+              <a:rPr lang="en-US" altLang="ja-JP" dirty="0" err="1" smtClean="0"/>
+              <a:t>Seasar</a:t>
+            </a:r>
+            <a:r>
+              <a:rPr lang="en-US" altLang="ja-JP" dirty="0" smtClean="0"/>
+              <a:t> Conference 2008 Autumn</a:t>
+            </a:r>
+            <a:endParaRPr lang="ja-JP" altLang="en-US" dirty="0"/>
+          </a:p>
+        </p:txBody>
+      </p:sp>
+    </p:spTree>
+  </p:cSld>
+  <p:clrMapOvr>
+    <a:masterClrMapping/>
+  </p:clrMapOvr>
+</p:sld>
+</file>
+
+<file path=ppt/slides/slide38.xml><?xml version="1.0" encoding="utf-8"?>
+<p:sld xmlns:a="http://schemas.openxmlformats.org/drawingml/2006/main" xmlns:r="http://schemas.openxmlformats.org/officeDocument/2006/relationships" xmlns:mc="http://schemas.openxmlformats.org/markup-compatibility/2006" xmlns:mv="urn:schemas-microsoft-com:mac:vml" xmlns:p="http://schemas.openxmlformats.org/presentationml/2006/main" mc:Ignorable="mv" mc:PreserveAttributes="mv:*">
+  <p:cSld>
+    <p:spTree>
+      <p:nvGrpSpPr>
+        <p:cNvPr id="1" name=""/>
+        <p:cNvGrpSpPr/>
+        <p:nvPr/>
+      </p:nvGrpSpPr>
+      <p:grpSpPr>
+        <a:xfrm>
+          <a:off x="0" y="0"/>
+          <a:ext cx="0" cy="0"/>
+          <a:chOff x="0" y="0"/>
+          <a:chExt cx="0" cy="0"/>
+        </a:xfrm>
+      </p:grpSpPr>
+      <p:sp>
+        <p:nvSpPr>
+          <p:cNvPr id="2" name="タイトル 1"/>
+          <p:cNvSpPr>
+            <a:spLocks noGrp="1"/>
+          </p:cNvSpPr>
+          <p:nvPr>
+            <p:ph type="title"/>
+          </p:nvPr>
+        </p:nvSpPr>
+        <p:spPr/>
+        <p:txBody>
+          <a:bodyPr/>
+          <a:lstStyle/>
+          <a:p>
+            <a:r>
+              <a:rPr lang="en-US" altLang="ja-JP" dirty="0" smtClean="0"/>
+              <a:t>[3]</a:t>
+            </a:r>
+            <a:r>
+              <a:rPr lang="ja-JP" altLang="en-US" dirty="0" smtClean="0"/>
+              <a:t>別なんとか</a:t>
+            </a:r>
+            <a:r>
+              <a:rPr lang="en-US" altLang="ja-JP" dirty="0" smtClean="0"/>
+              <a:t>:C#</a:t>
+            </a:r>
+            <a:r>
+              <a:rPr lang="ja-JP" altLang="en-US" dirty="0" smtClean="0"/>
+              <a:t>版</a:t>
+            </a:r>
+            <a:endParaRPr lang="ja-JP" altLang="en-US" dirty="0"/>
+          </a:p>
+        </p:txBody>
+      </p:sp>
+      <p:sp>
+        <p:nvSpPr>
+          <p:cNvPr id="3" name="コンテンツ プレースホルダ 2"/>
+          <p:cNvSpPr>
+            <a:spLocks noGrp="1"/>
+          </p:cNvSpPr>
+          <p:nvPr>
+            <p:ph idx="1"/>
+          </p:nvPr>
+        </p:nvSpPr>
+        <p:spPr/>
+        <p:txBody>
+          <a:bodyPr/>
+          <a:lstStyle/>
+          <a:p>
+            <a:endParaRPr lang="en-US" altLang="ja-JP" dirty="0" smtClean="0"/>
+          </a:p>
+          <a:p>
+            <a:r>
+              <a:rPr lang="en-US" altLang="ja-JP" dirty="0" smtClean="0"/>
+              <a:t>C#-3.0</a:t>
+            </a:r>
+            <a:r>
+              <a:rPr lang="ja-JP" altLang="en-US" dirty="0" smtClean="0"/>
+              <a:t>以降対応</a:t>
+            </a:r>
+            <a:endParaRPr lang="en-US" altLang="ja-JP" dirty="0" smtClean="0"/>
+          </a:p>
+          <a:p>
+            <a:r>
+              <a:rPr lang="en-US" altLang="ja-JP" dirty="0" smtClean="0"/>
+              <a:t>S2Container.NET</a:t>
+            </a:r>
+            <a:r>
+              <a:rPr lang="ja-JP" altLang="en-US" dirty="0" smtClean="0"/>
+              <a:t>の「</a:t>
+            </a:r>
+            <a:r>
+              <a:rPr lang="en-US" altLang="ja-JP" dirty="0" smtClean="0">
+                <a:solidFill>
+                  <a:schemeClr val="accent1"/>
+                </a:solidFill>
+              </a:rPr>
+              <a:t>Quill</a:t>
+            </a:r>
+            <a:r>
+              <a:rPr lang="ja-JP" altLang="en-US" dirty="0" smtClean="0">
+                <a:solidFill>
+                  <a:schemeClr val="accent1"/>
+                </a:solidFill>
+              </a:rPr>
+              <a:t>」</a:t>
+            </a:r>
+            <a:r>
+              <a:rPr lang="ja-JP" altLang="en-US" dirty="0" smtClean="0"/>
+              <a:t>を利用</a:t>
+            </a:r>
+            <a:endParaRPr lang="en-US" altLang="ja-JP" dirty="0" smtClean="0"/>
+          </a:p>
+          <a:p>
+            <a:r>
+              <a:rPr lang="en-US" altLang="ja-JP" dirty="0" err="1" smtClean="0"/>
+              <a:t>d</a:t>
+            </a:r>
+            <a:r>
+              <a:rPr lang="en-US" altLang="ja-JP" dirty="0" err="1" smtClean="0"/>
+              <a:t>bflute-nbasic-example</a:t>
+            </a:r>
+            <a:r>
+              <a:rPr lang="ja-JP" altLang="en-US" dirty="0" smtClean="0"/>
+              <a:t>にて</a:t>
+            </a:r>
+            <a:r>
+              <a:rPr lang="en-US" altLang="ja-JP" dirty="0" smtClean="0"/>
+              <a:t>Example</a:t>
+            </a:r>
+            <a:r>
+              <a:rPr lang="ja-JP" altLang="en-US" dirty="0" smtClean="0"/>
+              <a:t>も充実</a:t>
+            </a:r>
+            <a:endParaRPr lang="en-US" altLang="ja-JP" dirty="0" smtClean="0"/>
+          </a:p>
+          <a:p>
+            <a:endParaRPr lang="ja-JP" altLang="en-US" dirty="0"/>
+          </a:p>
+        </p:txBody>
+      </p:sp>
+      <p:sp>
+        <p:nvSpPr>
+          <p:cNvPr id="4" name="フッター プレースホルダ 3"/>
+          <p:cNvSpPr>
+            <a:spLocks noGrp="1"/>
+          </p:cNvSpPr>
+          <p:nvPr>
+            <p:ph type="ftr" sz="quarter" idx="11"/>
+          </p:nvPr>
+        </p:nvSpPr>
+        <p:spPr/>
+        <p:txBody>
+          <a:bodyPr/>
+          <a:lstStyle/>
+          <a:p>
+            <a:r>
+              <a:rPr lang="en-US" altLang="ja-JP" smtClean="0"/>
+              <a:t>Seasar Conference 2008 Autumn</a:t>
+            </a:r>
+            <a:endParaRPr lang="ja-JP" altLang="en-US"/>
+          </a:p>
+        </p:txBody>
+      </p:sp>
+    </p:spTree>
+  </p:cSld>
+  <p:clrMapOvr>
+    <a:masterClrMapping/>
+  </p:clrMapOvr>
+</p:sld>
+</file>
+
+<file path=ppt/slides/slide39.xml><?xml version="1.0" encoding="utf-8"?>
+<p:sld xmlns:a="http://schemas.openxmlformats.org/drawingml/2006/main" xmlns:r="http://schemas.openxmlformats.org/officeDocument/2006/relationships" xmlns:mc="http://schemas.openxmlformats.org/markup-compatibility/2006" xmlns:mv="urn:schemas-microsoft-com:mac:vml" xmlns:p="http://schemas.openxmlformats.org/presentationml/2006/main" mc:Ignorable="mv" mc:PreserveAttributes="mv:*">
+  <p:cSld>
+    <p:spTree>
+      <p:nvGrpSpPr>
+        <p:cNvPr id="1" name=""/>
+        <p:cNvGrpSpPr/>
+        <p:nvPr/>
+      </p:nvGrpSpPr>
+      <p:grpSpPr>
+        <a:xfrm>
+          <a:off x="0" y="0"/>
+          <a:ext cx="0" cy="0"/>
+          <a:chOff x="0" y="0"/>
+          <a:chExt cx="0" cy="0"/>
+        </a:xfrm>
+      </p:grpSpPr>
+      <p:sp>
+        <p:nvSpPr>
+          <p:cNvPr id="2" name="タイトル 1"/>
+          <p:cNvSpPr>
+            <a:spLocks noGrp="1"/>
+          </p:cNvSpPr>
+          <p:nvPr>
+            <p:ph type="title"/>
+          </p:nvPr>
+        </p:nvSpPr>
+        <p:spPr/>
+        <p:txBody>
+          <a:bodyPr/>
+          <a:lstStyle/>
+          <a:p>
+            <a:r>
+              <a:rPr lang="en-US" altLang="ja-JP" dirty="0" smtClean="0"/>
+              <a:t>[3]</a:t>
+            </a:r>
+            <a:r>
+              <a:rPr lang="ja-JP" altLang="en-US" dirty="0" smtClean="0"/>
+              <a:t>別なんとか</a:t>
+            </a:r>
+            <a:r>
+              <a:rPr lang="en-US" altLang="ja-JP" dirty="0" smtClean="0"/>
+              <a:t>:Spring</a:t>
+            </a:r>
+            <a:r>
+              <a:rPr lang="ja-JP" altLang="en-US" dirty="0" smtClean="0"/>
+              <a:t>版</a:t>
+            </a:r>
+            <a:r>
+              <a:rPr lang="en-US" altLang="ja-JP" dirty="0" smtClean="0"/>
+              <a:t>(Java)</a:t>
+            </a:r>
+            <a:endParaRPr lang="ja-JP" altLang="en-US" dirty="0"/>
+          </a:p>
+        </p:txBody>
+      </p:sp>
+      <p:sp>
+        <p:nvSpPr>
+          <p:cNvPr id="3" name="コンテンツ プレースホルダ 2"/>
+          <p:cNvSpPr>
+            <a:spLocks noGrp="1"/>
+          </p:cNvSpPr>
+          <p:nvPr>
+            <p:ph idx="1"/>
+          </p:nvPr>
+        </p:nvSpPr>
+        <p:spPr/>
+        <p:txBody>
+          <a:bodyPr/>
+          <a:lstStyle/>
+          <a:p>
+            <a:endParaRPr lang="en-US" altLang="ja-JP" dirty="0" smtClean="0"/>
+          </a:p>
+          <a:p>
+            <a:r>
+              <a:rPr lang="en-US" altLang="ja-JP" dirty="0" smtClean="0">
+                <a:solidFill>
+                  <a:schemeClr val="accent1"/>
+                </a:solidFill>
+              </a:rPr>
+              <a:t>Spring Framework</a:t>
+            </a:r>
+            <a:r>
+              <a:rPr lang="en-US" altLang="ja-JP" dirty="0" smtClean="0"/>
+              <a:t>-2.5(Java)</a:t>
+            </a:r>
+            <a:r>
+              <a:rPr lang="ja-JP" altLang="en-US" dirty="0" smtClean="0"/>
+              <a:t>以降対応</a:t>
+            </a:r>
+            <a:endParaRPr lang="en-US" altLang="ja-JP" dirty="0" smtClean="0"/>
+          </a:p>
+          <a:p>
+            <a:r>
+              <a:rPr lang="en-US" altLang="ja-JP" dirty="0" smtClean="0"/>
+              <a:t>S2Dao-Spring</a:t>
+            </a:r>
+            <a:r>
+              <a:rPr lang="ja-JP" altLang="en-US" dirty="0" smtClean="0"/>
+              <a:t>を利用</a:t>
+            </a:r>
+            <a:endParaRPr lang="en-US" altLang="ja-JP" dirty="0" smtClean="0"/>
+          </a:p>
+          <a:p>
+            <a:pPr lvl="1"/>
+            <a:r>
+              <a:rPr lang="ja-JP" altLang="en-US" dirty="0" smtClean="0"/>
+              <a:t>正式リリースされていないが正常に動作する</a:t>
+            </a:r>
+            <a:endParaRPr lang="en-US" altLang="ja-JP" dirty="0" smtClean="0"/>
+          </a:p>
+          <a:p>
+            <a:r>
+              <a:rPr lang="en-US" altLang="ja-JP" dirty="0" err="1" smtClean="0"/>
+              <a:t>d</a:t>
+            </a:r>
+            <a:r>
+              <a:rPr lang="en-US" altLang="ja-JP" dirty="0" err="1" smtClean="0"/>
+              <a:t>bflute</a:t>
+            </a:r>
+            <a:r>
+              <a:rPr lang="en-US" altLang="ja-JP" dirty="0" smtClean="0"/>
+              <a:t>-spring-example</a:t>
+            </a:r>
+            <a:r>
+              <a:rPr lang="ja-JP" altLang="en-US" dirty="0" smtClean="0"/>
+              <a:t>にて</a:t>
+            </a:r>
+            <a:r>
+              <a:rPr lang="en-US" altLang="ja-JP" dirty="0" smtClean="0"/>
+              <a:t>Example</a:t>
+            </a:r>
+            <a:r>
+              <a:rPr lang="ja-JP" altLang="en-US" dirty="0" smtClean="0"/>
+              <a:t>も充実</a:t>
+            </a:r>
+            <a:endParaRPr lang="en-US" altLang="ja-JP" dirty="0" smtClean="0"/>
+          </a:p>
+          <a:p>
+            <a:endParaRPr lang="ja-JP" altLang="en-US" dirty="0"/>
           </a:p>
         </p:txBody>
       </p:sp>
@@ -18683,6 +19595,607 @@
               <a:t>などなど</a:t>
             </a:r>
             <a:endParaRPr lang="en-US" altLang="ja-JP" dirty="0" smtClean="0"/>
+          </a:p>
+        </p:txBody>
+      </p:sp>
+      <p:sp>
+        <p:nvSpPr>
+          <p:cNvPr id="4" name="フッター プレースホルダ 3"/>
+          <p:cNvSpPr>
+            <a:spLocks noGrp="1"/>
+          </p:cNvSpPr>
+          <p:nvPr>
+            <p:ph type="ftr" sz="quarter" idx="11"/>
+          </p:nvPr>
+        </p:nvSpPr>
+        <p:spPr/>
+        <p:txBody>
+          <a:bodyPr/>
+          <a:lstStyle/>
+          <a:p>
+            <a:r>
+              <a:rPr lang="en-US" altLang="ja-JP" smtClean="0"/>
+              <a:t>Seasar Conference 2008 Autumn</a:t>
+            </a:r>
+            <a:endParaRPr lang="ja-JP" altLang="en-US"/>
+          </a:p>
+        </p:txBody>
+      </p:sp>
+    </p:spTree>
+  </p:cSld>
+  <p:clrMapOvr>
+    <a:masterClrMapping/>
+  </p:clrMapOvr>
+</p:sld>
+</file>
+
+<file path=ppt/slides/slide40.xml><?xml version="1.0" encoding="utf-8"?>
+<p:sld xmlns:a="http://schemas.openxmlformats.org/drawingml/2006/main" xmlns:r="http://schemas.openxmlformats.org/officeDocument/2006/relationships" xmlns:mc="http://schemas.openxmlformats.org/markup-compatibility/2006" xmlns:mv="urn:schemas-microsoft-com:mac:vml" xmlns:p="http://schemas.openxmlformats.org/presentationml/2006/main" mc:Ignorable="mv" mc:PreserveAttributes="mv:*">
+  <p:cSld>
+    <p:spTree>
+      <p:nvGrpSpPr>
+        <p:cNvPr id="1" name=""/>
+        <p:cNvGrpSpPr/>
+        <p:nvPr/>
+      </p:nvGrpSpPr>
+      <p:grpSpPr>
+        <a:xfrm>
+          <a:off x="0" y="0"/>
+          <a:ext cx="0" cy="0"/>
+          <a:chOff x="0" y="0"/>
+          <a:chExt cx="0" cy="0"/>
+        </a:xfrm>
+      </p:grpSpPr>
+      <p:sp>
+        <p:nvSpPr>
+          <p:cNvPr id="2" name="タイトル 1"/>
+          <p:cNvSpPr>
+            <a:spLocks noGrp="1"/>
+          </p:cNvSpPr>
+          <p:nvPr>
+            <p:ph type="title"/>
+          </p:nvPr>
+        </p:nvSpPr>
+        <p:spPr/>
+        <p:txBody>
+          <a:bodyPr/>
+          <a:lstStyle/>
+          <a:p>
+            <a:r>
+              <a:rPr lang="en-US" altLang="ja-JP" dirty="0" err="1" smtClean="0"/>
+              <a:t>DBFlute</a:t>
+            </a:r>
+            <a:r>
+              <a:rPr lang="ja-JP" altLang="en-US" dirty="0" smtClean="0"/>
+              <a:t>今後の展望</a:t>
+            </a:r>
+            <a:endParaRPr lang="ja-JP" altLang="en-US" dirty="0"/>
+          </a:p>
+        </p:txBody>
+      </p:sp>
+      <p:sp>
+        <p:nvSpPr>
+          <p:cNvPr id="3" name="コンテンツ プレースホルダ 2"/>
+          <p:cNvSpPr>
+            <a:spLocks noGrp="1"/>
+          </p:cNvSpPr>
+          <p:nvPr>
+            <p:ph idx="1"/>
+          </p:nvPr>
+        </p:nvSpPr>
+        <p:spPr/>
+        <p:txBody>
+          <a:bodyPr>
+            <a:normAutofit/>
+          </a:bodyPr>
+          <a:lstStyle/>
+          <a:p>
+            <a:pPr>
+              <a:buNone/>
+            </a:pPr>
+            <a:endParaRPr lang="en-US" altLang="ja-JP" dirty="0" smtClean="0"/>
+          </a:p>
+          <a:p>
+            <a:pPr algn="ctr">
+              <a:buNone/>
+            </a:pPr>
+            <a:r>
+              <a:rPr lang="en-US" altLang="ja-JP" sz="3600" dirty="0" smtClean="0"/>
+              <a:t>1.0</a:t>
+            </a:r>
+            <a:r>
+              <a:rPr lang="ja-JP" altLang="en-US" sz="3600" dirty="0" smtClean="0"/>
+              <a:t>へ</a:t>
+            </a:r>
+            <a:endParaRPr lang="en-US" altLang="ja-JP" sz="3600" dirty="0" smtClean="0"/>
+          </a:p>
+        </p:txBody>
+      </p:sp>
+      <p:sp>
+        <p:nvSpPr>
+          <p:cNvPr id="4" name="フッター プレースホルダ 3"/>
+          <p:cNvSpPr>
+            <a:spLocks noGrp="1"/>
+          </p:cNvSpPr>
+          <p:nvPr>
+            <p:ph type="ftr" sz="quarter" idx="11"/>
+          </p:nvPr>
+        </p:nvSpPr>
+        <p:spPr/>
+        <p:txBody>
+          <a:bodyPr/>
+          <a:lstStyle/>
+          <a:p>
+            <a:r>
+              <a:rPr lang="en-US" altLang="ja-JP" smtClean="0"/>
+              <a:t>Seasar Conference 2008 Autumn</a:t>
+            </a:r>
+            <a:endParaRPr lang="ja-JP" altLang="en-US"/>
+          </a:p>
+        </p:txBody>
+      </p:sp>
+      <p:sp>
+        <p:nvSpPr>
+          <p:cNvPr id="5" name="テキスト ボックス 4"/>
+          <p:cNvSpPr txBox="1"/>
+          <p:nvPr/>
+        </p:nvSpPr>
+        <p:spPr>
+          <a:xfrm>
+            <a:off x="5486400" y="2971800"/>
+            <a:ext cx="2513013" cy="923330"/>
+          </a:xfrm>
+          <a:prstGeom prst="rect">
+            <a:avLst/>
+          </a:prstGeom>
+          <a:noFill/>
+          <a:ln>
+            <a:gradFill flip="none" rotWithShape="1">
+              <a:gsLst>
+                <a:gs pos="0">
+                  <a:schemeClr val="bg2"/>
+                </a:gs>
+                <a:gs pos="100000">
+                  <a:srgbClr val="000000"/>
+                </a:gs>
+              </a:gsLst>
+              <a:path path="rect">
+                <a:fillToRect l="100000" t="100000"/>
+              </a:path>
+              <a:tileRect r="-100000" b="-100000"/>
+            </a:gradFill>
+            <a:prstDash val="dashDot"/>
+          </a:ln>
+        </p:spPr>
+        <p:txBody>
+          <a:bodyPr wrap="square" rtlCol="0">
+            <a:spAutoFit/>
+          </a:bodyPr>
+          <a:lstStyle/>
+          <a:p>
+            <a:r>
+              <a:rPr kumimoji="1" lang="ja-JP" altLang="en-US" dirty="0" smtClean="0"/>
+              <a:t>ドキュメント整備</a:t>
+            </a:r>
+            <a:endParaRPr kumimoji="1" lang="en-US" altLang="ja-JP" dirty="0" smtClean="0"/>
+          </a:p>
+          <a:p>
+            <a:pPr>
+              <a:buFontTx/>
+              <a:buChar char="•"/>
+            </a:pPr>
+            <a:r>
+              <a:rPr lang="ja-JP" altLang="en-US" dirty="0" smtClean="0"/>
+              <a:t>ドキュメント設計</a:t>
+            </a:r>
+            <a:r>
+              <a:rPr lang="en-US" altLang="ja-JP" dirty="0" smtClean="0"/>
+              <a:t>(0.5)</a:t>
+            </a:r>
+          </a:p>
+          <a:p>
+            <a:pPr>
+              <a:buFontTx/>
+              <a:buChar char="•"/>
+            </a:pPr>
+            <a:r>
+              <a:rPr lang="ja-JP" altLang="en-US" dirty="0" smtClean="0"/>
+              <a:t>ドキュメント作成</a:t>
+            </a:r>
+            <a:r>
+              <a:rPr lang="en-US" altLang="ja-JP" dirty="0" smtClean="0"/>
+              <a:t>(2.5)</a:t>
+            </a:r>
+            <a:endParaRPr kumimoji="1" lang="ja-JP" altLang="en-US" dirty="0"/>
+          </a:p>
+        </p:txBody>
+      </p:sp>
+      <p:sp>
+        <p:nvSpPr>
+          <p:cNvPr id="6" name="テキスト ボックス 5"/>
+          <p:cNvSpPr txBox="1"/>
+          <p:nvPr/>
+        </p:nvSpPr>
+        <p:spPr>
+          <a:xfrm>
+            <a:off x="914399" y="3390542"/>
+            <a:ext cx="3429000" cy="1200329"/>
+          </a:xfrm>
+          <a:prstGeom prst="rect">
+            <a:avLst/>
+          </a:prstGeom>
+          <a:noFill/>
+          <a:ln>
+            <a:gradFill flip="none" rotWithShape="1">
+              <a:gsLst>
+                <a:gs pos="0">
+                  <a:schemeClr val="bg2"/>
+                </a:gs>
+                <a:gs pos="100000">
+                  <a:srgbClr val="000000"/>
+                </a:gs>
+              </a:gsLst>
+              <a:path path="rect">
+                <a:fillToRect l="100000" t="100000"/>
+              </a:path>
+              <a:tileRect r="-100000" b="-100000"/>
+            </a:gradFill>
+            <a:prstDash val="dashDot"/>
+          </a:ln>
+        </p:spPr>
+        <p:txBody>
+          <a:bodyPr wrap="square" rtlCol="0">
+            <a:spAutoFit/>
+          </a:bodyPr>
+          <a:lstStyle/>
+          <a:p>
+            <a:r>
+              <a:rPr kumimoji="1" lang="en-US" altLang="ja-JP" dirty="0" err="1" smtClean="0"/>
+              <a:t>Emecha</a:t>
+            </a:r>
+            <a:r>
+              <a:rPr kumimoji="1" lang="ja-JP" altLang="en-US" dirty="0" smtClean="0"/>
+              <a:t>の充実</a:t>
+            </a:r>
+            <a:endParaRPr kumimoji="1" lang="en-US" altLang="ja-JP" dirty="0" smtClean="0"/>
+          </a:p>
+          <a:p>
+            <a:pPr>
+              <a:buFontTx/>
+              <a:buChar char="•"/>
+            </a:pPr>
+            <a:r>
+              <a:rPr lang="ja-JP" altLang="en-US" dirty="0" smtClean="0"/>
+              <a:t>新規作成ウィザードの充実</a:t>
+            </a:r>
+            <a:r>
+              <a:rPr lang="en-US" altLang="ja-JP" dirty="0" smtClean="0"/>
+              <a:t>(0.5)</a:t>
+            </a:r>
+          </a:p>
+          <a:p>
+            <a:pPr>
+              <a:buFontTx/>
+              <a:buChar char="•"/>
+            </a:pPr>
+            <a:r>
+              <a:rPr lang="ja-JP" altLang="en-US" dirty="0" smtClean="0"/>
+              <a:t>バージョンアップウィザード</a:t>
+            </a:r>
+            <a:r>
+              <a:rPr lang="en-US" altLang="ja-JP" dirty="0" smtClean="0"/>
+              <a:t>(0.5)</a:t>
+            </a:r>
+          </a:p>
+          <a:p>
+            <a:pPr>
+              <a:buFontTx/>
+              <a:buChar char="•"/>
+            </a:pPr>
+            <a:r>
+              <a:rPr kumimoji="1" lang="ja-JP" altLang="en-US" dirty="0" smtClean="0"/>
+              <a:t>タスクの実行メニュー</a:t>
+            </a:r>
+            <a:r>
+              <a:rPr kumimoji="1" lang="en-US" altLang="ja-JP" dirty="0" smtClean="0"/>
+              <a:t>(0.5)</a:t>
+            </a:r>
+            <a:endParaRPr kumimoji="1" lang="ja-JP" altLang="en-US" dirty="0"/>
+          </a:p>
+        </p:txBody>
+      </p:sp>
+      <p:sp>
+        <p:nvSpPr>
+          <p:cNvPr id="7" name="テキスト ボックス 6"/>
+          <p:cNvSpPr txBox="1"/>
+          <p:nvPr/>
+        </p:nvSpPr>
+        <p:spPr>
+          <a:xfrm>
+            <a:off x="4724400" y="4590871"/>
+            <a:ext cx="3503613" cy="1631216"/>
+          </a:xfrm>
+          <a:prstGeom prst="rect">
+            <a:avLst/>
+          </a:prstGeom>
+          <a:noFill/>
+          <a:ln>
+            <a:gradFill flip="none" rotWithShape="1">
+              <a:gsLst>
+                <a:gs pos="0">
+                  <a:schemeClr val="bg2"/>
+                </a:gs>
+                <a:gs pos="100000">
+                  <a:srgbClr val="000000"/>
+                </a:gs>
+              </a:gsLst>
+              <a:path path="rect">
+                <a:fillToRect l="100000" t="100000"/>
+              </a:path>
+              <a:tileRect r="-100000" b="-100000"/>
+            </a:gradFill>
+            <a:prstDash val="dashDot"/>
+          </a:ln>
+        </p:spPr>
+        <p:txBody>
+          <a:bodyPr wrap="square" rtlCol="0">
+            <a:spAutoFit/>
+          </a:bodyPr>
+          <a:lstStyle/>
+          <a:p>
+            <a:r>
+              <a:rPr kumimoji="1" lang="ja-JP" altLang="en-US" dirty="0" smtClean="0"/>
+              <a:t>モジュール自体のメンテ</a:t>
+            </a:r>
+            <a:endParaRPr kumimoji="1" lang="en-US" altLang="ja-JP" dirty="0" smtClean="0"/>
+          </a:p>
+          <a:p>
+            <a:pPr>
+              <a:buFontTx/>
+              <a:buChar char="•"/>
+            </a:pPr>
+            <a:r>
+              <a:rPr lang="en-US" altLang="ja-JP" dirty="0" smtClean="0"/>
+              <a:t>C#</a:t>
+            </a:r>
+            <a:r>
+              <a:rPr lang="ja-JP" altLang="en-US" dirty="0" smtClean="0"/>
+              <a:t>版の不足機能実装</a:t>
+            </a:r>
+            <a:r>
+              <a:rPr lang="en-US" altLang="ja-JP" dirty="0" smtClean="0"/>
+              <a:t>(1.0)</a:t>
+            </a:r>
+          </a:p>
+          <a:p>
+            <a:pPr>
+              <a:buFontTx/>
+              <a:buChar char="•"/>
+            </a:pPr>
+            <a:r>
+              <a:rPr kumimoji="1" lang="en-US" altLang="ja-JP" dirty="0" smtClean="0"/>
+              <a:t>Java</a:t>
+            </a:r>
+            <a:r>
+              <a:rPr kumimoji="1" lang="ja-JP" altLang="en-US" dirty="0" smtClean="0"/>
+              <a:t>版の安定化</a:t>
+            </a:r>
+            <a:endParaRPr kumimoji="1" lang="en-US" altLang="ja-JP" dirty="0" smtClean="0"/>
+          </a:p>
+          <a:p>
+            <a:pPr>
+              <a:buFontTx/>
+              <a:buChar char="•"/>
+            </a:pPr>
+            <a:r>
+              <a:rPr lang="en-US" altLang="ja-JP" dirty="0" smtClean="0"/>
+              <a:t>C#</a:t>
+            </a:r>
+            <a:r>
+              <a:rPr lang="ja-JP" altLang="en-US" dirty="0" smtClean="0"/>
+              <a:t>版の</a:t>
+            </a:r>
+            <a:r>
+              <a:rPr lang="ja-JP" altLang="en-US" dirty="0" smtClean="0"/>
+              <a:t>安定化</a:t>
+            </a:r>
+            <a:endParaRPr kumimoji="1" lang="en-US" altLang="ja-JP" dirty="0" smtClean="0"/>
+          </a:p>
+          <a:p>
+            <a:endParaRPr lang="en-US" altLang="ja-JP" sz="1400" dirty="0" smtClean="0"/>
+          </a:p>
+          <a:p>
+            <a:r>
+              <a:rPr kumimoji="1" lang="en-US" altLang="ja-JP" sz="1400" dirty="0" smtClean="0"/>
+              <a:t>※</a:t>
+            </a:r>
+            <a:r>
+              <a:rPr kumimoji="1" lang="ja-JP" altLang="en-US" sz="1400" dirty="0" smtClean="0"/>
+              <a:t>大きなタスクはあまり残っていない！</a:t>
+            </a:r>
+            <a:endParaRPr kumimoji="1" lang="ja-JP" altLang="en-US" sz="1400" dirty="0"/>
+          </a:p>
+        </p:txBody>
+      </p:sp>
+      <p:sp>
+        <p:nvSpPr>
+          <p:cNvPr id="8" name="テキスト ボックス 7"/>
+          <p:cNvSpPr txBox="1"/>
+          <p:nvPr/>
+        </p:nvSpPr>
+        <p:spPr>
+          <a:xfrm>
+            <a:off x="914400" y="5105400"/>
+            <a:ext cx="3028207" cy="923330"/>
+          </a:xfrm>
+          <a:prstGeom prst="rect">
+            <a:avLst/>
+          </a:prstGeom>
+          <a:noFill/>
+          <a:ln>
+            <a:gradFill flip="none" rotWithShape="1">
+              <a:gsLst>
+                <a:gs pos="0">
+                  <a:schemeClr val="bg2"/>
+                </a:gs>
+                <a:gs pos="100000">
+                  <a:srgbClr val="000000"/>
+                </a:gs>
+              </a:gsLst>
+              <a:path path="rect">
+                <a:fillToRect l="100000" t="100000"/>
+              </a:path>
+              <a:tileRect r="-100000" b="-100000"/>
+            </a:gradFill>
+            <a:prstDash val="dashDot"/>
+          </a:ln>
+        </p:spPr>
+        <p:txBody>
+          <a:bodyPr wrap="square" rtlCol="0">
+            <a:spAutoFit/>
+          </a:bodyPr>
+          <a:lstStyle/>
+          <a:p>
+            <a:r>
+              <a:rPr kumimoji="1" lang="en-US" altLang="ja-JP" dirty="0" smtClean="0"/>
+              <a:t>Example/Test</a:t>
+            </a:r>
+            <a:r>
+              <a:rPr kumimoji="1" lang="ja-JP" altLang="en-US" dirty="0" smtClean="0"/>
+              <a:t>環境整備</a:t>
+            </a:r>
+            <a:endParaRPr kumimoji="1" lang="en-US" altLang="ja-JP" dirty="0" smtClean="0"/>
+          </a:p>
+          <a:p>
+            <a:pPr>
+              <a:buFontTx/>
+              <a:buChar char="•"/>
+            </a:pPr>
+            <a:r>
+              <a:rPr lang="en-US" altLang="ja-JP" dirty="0" smtClean="0"/>
+              <a:t>C#</a:t>
+            </a:r>
+            <a:r>
+              <a:rPr lang="ja-JP" altLang="en-US" dirty="0" smtClean="0"/>
+              <a:t>版の</a:t>
+            </a:r>
+            <a:r>
+              <a:rPr lang="en-US" altLang="ja-JP" dirty="0" smtClean="0"/>
+              <a:t>DB</a:t>
+            </a:r>
+            <a:r>
+              <a:rPr lang="ja-JP" altLang="en-US" dirty="0" smtClean="0"/>
+              <a:t>毎の</a:t>
+            </a:r>
+            <a:r>
+              <a:rPr lang="en-US" altLang="ja-JP" dirty="0" smtClean="0"/>
+              <a:t>Example</a:t>
+            </a:r>
+          </a:p>
+          <a:p>
+            <a:pPr>
+              <a:buFontTx/>
+              <a:buChar char="•"/>
+            </a:pPr>
+            <a:r>
+              <a:rPr kumimoji="1" lang="en-US" altLang="ja-JP" dirty="0" smtClean="0"/>
+              <a:t>Java</a:t>
+            </a:r>
+            <a:r>
+              <a:rPr kumimoji="1" lang="ja-JP" altLang="en-US" dirty="0" smtClean="0"/>
+              <a:t>版</a:t>
+            </a:r>
+            <a:r>
+              <a:rPr kumimoji="1" lang="en-US" altLang="ja-JP" dirty="0" smtClean="0"/>
+              <a:t>Example</a:t>
+            </a:r>
+            <a:r>
+              <a:rPr kumimoji="1" lang="ja-JP" altLang="en-US" dirty="0" smtClean="0"/>
+              <a:t>の整理整頓</a:t>
+            </a:r>
+            <a:endParaRPr kumimoji="1" lang="ja-JP" altLang="en-US" dirty="0"/>
+          </a:p>
+        </p:txBody>
+      </p:sp>
+    </p:spTree>
+  </p:cSld>
+  <p:clrMapOvr>
+    <a:masterClrMapping/>
+  </p:clrMapOvr>
+</p:sld>
+</file>
+
+<file path=ppt/slides/slide41.xml><?xml version="1.0" encoding="utf-8"?>
+<p:sld xmlns:a="http://schemas.openxmlformats.org/drawingml/2006/main" xmlns:r="http://schemas.openxmlformats.org/officeDocument/2006/relationships" xmlns:mc="http://schemas.openxmlformats.org/markup-compatibility/2006" xmlns:mv="urn:schemas-microsoft-com:mac:vml" xmlns:p="http://schemas.openxmlformats.org/presentationml/2006/main" mc:Ignorable="mv" mc:PreserveAttributes="mv:*">
+  <p:cSld>
+    <p:spTree>
+      <p:nvGrpSpPr>
+        <p:cNvPr id="1" name=""/>
+        <p:cNvGrpSpPr/>
+        <p:nvPr/>
+      </p:nvGrpSpPr>
+      <p:grpSpPr>
+        <a:xfrm>
+          <a:off x="0" y="0"/>
+          <a:ext cx="0" cy="0"/>
+          <a:chOff x="0" y="0"/>
+          <a:chExt cx="0" cy="0"/>
+        </a:xfrm>
+      </p:grpSpPr>
+      <p:sp>
+        <p:nvSpPr>
+          <p:cNvPr id="2" name="タイトル 1"/>
+          <p:cNvSpPr>
+            <a:spLocks noGrp="1"/>
+          </p:cNvSpPr>
+          <p:nvPr>
+            <p:ph type="title"/>
+          </p:nvPr>
+        </p:nvSpPr>
+        <p:spPr/>
+        <p:txBody>
+          <a:bodyPr/>
+          <a:lstStyle/>
+          <a:p>
+            <a:r>
+              <a:rPr lang="ja-JP" altLang="en-US" dirty="0" smtClean="0"/>
+              <a:t>最後</a:t>
+            </a:r>
+            <a:endParaRPr lang="ja-JP" altLang="en-US" dirty="0"/>
+          </a:p>
+        </p:txBody>
+      </p:sp>
+      <p:sp>
+        <p:nvSpPr>
+          <p:cNvPr id="3" name="コンテンツ プレースホルダ 2"/>
+          <p:cNvSpPr>
+            <a:spLocks noGrp="1"/>
+          </p:cNvSpPr>
+          <p:nvPr>
+            <p:ph idx="1"/>
+          </p:nvPr>
+        </p:nvSpPr>
+        <p:spPr/>
+        <p:txBody>
+          <a:bodyPr>
+            <a:normAutofit/>
+          </a:bodyPr>
+          <a:lstStyle/>
+          <a:p>
+            <a:pPr algn="ctr">
+              <a:buNone/>
+            </a:pPr>
+            <a:endParaRPr lang="en-US" altLang="ja-JP" sz="4400" dirty="0" smtClean="0"/>
+          </a:p>
+          <a:p>
+            <a:pPr algn="ctr">
+              <a:buNone/>
+            </a:pPr>
+            <a:r>
+              <a:rPr lang="ja-JP" altLang="en-US" sz="4400" dirty="0" smtClean="0"/>
+              <a:t>ご清聴ありがとうございました</a:t>
+            </a:r>
+            <a:endParaRPr lang="ja-JP" altLang="en-US" sz="4400" dirty="0"/>
           </a:p>
         </p:txBody>
       </p:sp>

--- a/dbflute/etc/doc/ref/session/resource/GenbaSolution2-sc2008autumn-dbflute.pptx
+++ b/dbflute/etc/doc/ref/session/resource/GenbaSolution2-sc2008autumn-dbflute.pptx
@@ -8932,6 +8932,13 @@
   <p:clrMapOvr>
     <a:masterClrMapping/>
   </p:clrMapOvr>
+  <p:timing>
+    <p:tnLst>
+      <p:par>
+        <p:cTn id="1" dur="indefinite" restart="never" nodeType="tmRoot"/>
+      </p:par>
+    </p:tnLst>
+  </p:timing>
 </p:sld>
 </file>
 
@@ -9056,6 +9063,13 @@
   <p:clrMapOvr>
     <a:masterClrMapping/>
   </p:clrMapOvr>
+  <p:timing>
+    <p:tnLst>
+      <p:par>
+        <p:cTn id="1" dur="indefinite" restart="never" nodeType="tmRoot"/>
+      </p:par>
+    </p:tnLst>
+  </p:timing>
 </p:sld>
 </file>
 
@@ -9230,6 +9244,13 @@
   <p:clrMapOvr>
     <a:masterClrMapping/>
   </p:clrMapOvr>
+  <p:timing>
+    <p:tnLst>
+      <p:par>
+        <p:cTn id="1" dur="indefinite" restart="never" nodeType="tmRoot"/>
+      </p:par>
+    </p:tnLst>
+  </p:timing>
 </p:sld>
 </file>
 
@@ -9937,6 +9958,13 @@
   <p:clrMapOvr>
     <a:masterClrMapping/>
   </p:clrMapOvr>
+  <p:timing>
+    <p:tnLst>
+      <p:par>
+        <p:cTn id="1" dur="indefinite" restart="never" nodeType="tmRoot"/>
+      </p:par>
+    </p:tnLst>
+  </p:timing>
 </p:sld>
 </file>
 
@@ -10160,6 +10188,13 @@
   <p:clrMapOvr>
     <a:masterClrMapping/>
   </p:clrMapOvr>
+  <p:timing>
+    <p:tnLst>
+      <p:par>
+        <p:cTn id="1" dur="indefinite" restart="never" nodeType="tmRoot"/>
+      </p:par>
+    </p:tnLst>
+  </p:timing>
 </p:sld>
 </file>
 
@@ -10422,6 +10457,13 @@
   <p:clrMapOvr>
     <a:masterClrMapping/>
   </p:clrMapOvr>
+  <p:timing>
+    <p:tnLst>
+      <p:par>
+        <p:cTn id="1" dur="indefinite" restart="never" nodeType="tmRoot"/>
+      </p:par>
+    </p:tnLst>
+  </p:timing>
 </p:sld>
 </file>
 
@@ -11745,6 +11787,13 @@
   <p:clrMapOvr>
     <a:masterClrMapping/>
   </p:clrMapOvr>
+  <p:timing>
+    <p:tnLst>
+      <p:par>
+        <p:cTn id="1" dur="indefinite" restart="never" nodeType="tmRoot"/>
+      </p:par>
+    </p:tnLst>
+  </p:timing>
 </p:sld>
 </file>
 
@@ -17080,6 +17129,13 @@
   <p:clrMapOvr>
     <a:masterClrMapping/>
   </p:clrMapOvr>
+  <p:timing>
+    <p:tnLst>
+      <p:par>
+        <p:cTn id="1" dur="indefinite" restart="never" nodeType="tmRoot"/>
+      </p:par>
+    </p:tnLst>
+  </p:timing>
 </p:sld>
 </file>
 
@@ -19626,6 +19682,13 @@
   <p:clrMapOvr>
     <a:masterClrMapping/>
   </p:clrMapOvr>
+  <p:timing>
+    <p:tnLst>
+      <p:par>
+        <p:cTn id="1" dur="indefinite" restart="never" nodeType="tmRoot"/>
+      </p:par>
+    </p:tnLst>
+  </p:timing>
 </p:sld>
 </file>
 
@@ -20383,6 +20446,13 @@
   <p:clrMapOvr>
     <a:masterClrMapping/>
   </p:clrMapOvr>
+  <p:timing>
+    <p:tnLst>
+      <p:par>
+        <p:cTn id="1" dur="indefinite" restart="never" nodeType="tmRoot"/>
+      </p:par>
+    </p:tnLst>
+  </p:timing>
 </p:sld>
 </file>
 
@@ -20675,6 +20745,13 @@
   <p:clrMapOvr>
     <a:masterClrMapping/>
   </p:clrMapOvr>
+  <p:timing>
+    <p:tnLst>
+      <p:par>
+        <p:cTn id="1" dur="indefinite" restart="never" nodeType="tmRoot"/>
+      </p:par>
+    </p:tnLst>
+  </p:timing>
 </p:sld>
 </file>
 
@@ -20914,6 +20991,13 @@
   <p:clrMapOvr>
     <a:masterClrMapping/>
   </p:clrMapOvr>
+  <p:timing>
+    <p:tnLst>
+      <p:par>
+        <p:cTn id="1" dur="indefinite" restart="never" nodeType="tmRoot"/>
+      </p:par>
+    </p:tnLst>
+  </p:timing>
 </p:sld>
 </file>
 
@@ -21126,6 +21210,13 @@
   <p:clrMapOvr>
     <a:masterClrMapping/>
   </p:clrMapOvr>
+  <p:timing>
+    <p:tnLst>
+      <p:par>
+        <p:cTn id="1" dur="indefinite" restart="never" nodeType="tmRoot"/>
+      </p:par>
+    </p:tnLst>
+  </p:timing>
 </p:sld>
 </file>
 
@@ -21252,6 +21343,13 @@
   <p:clrMapOvr>
     <a:masterClrMapping/>
   </p:clrMapOvr>
+  <p:timing>
+    <p:tnLst>
+      <p:par>
+        <p:cTn id="1" dur="indefinite" restart="never" nodeType="tmRoot"/>
+      </p:par>
+    </p:tnLst>
+  </p:timing>
 </p:sld>
 </file>
 

--- a/dbflute/etc/doc/ref/session/resource/GenbaSolution2-sc2008autumn-dbflute.pptx
+++ b/dbflute/etc/doc/ref/session/resource/GenbaSolution2-sc2008autumn-dbflute.pptx
@@ -9839,7 +9839,7 @@
         <p:spPr>
           <a:xfrm>
             <a:off x="957936" y="2949678"/>
-            <a:ext cx="2034932" cy="369332"/>
+            <a:ext cx="1623762" cy="307777"/>
           </a:xfrm>
           <a:prstGeom prst="rect">
             <a:avLst/>
@@ -9870,18 +9870,18 @@
           <a:lstStyle/>
           <a:p>
             <a:r>
-              <a:rPr lang="en-US" altLang="ja-JP" dirty="0" err="1" smtClean="0"/>
+              <a:rPr lang="en-US" altLang="ja-JP" sz="1400" dirty="0" err="1" smtClean="0"/>
               <a:t>bat(sh</a:t>
             </a:r>
             <a:r>
-              <a:rPr lang="en-US" altLang="ja-JP" dirty="0" smtClean="0"/>
+              <a:rPr lang="en-US" altLang="ja-JP" sz="1400" dirty="0" smtClean="0"/>
               <a:t>)</a:t>
             </a:r>
             <a:r>
-              <a:rPr lang="ja-JP" altLang="en-US" dirty="0" smtClean="0"/>
+              <a:rPr lang="ja-JP" altLang="en-US" sz="1400" dirty="0" smtClean="0"/>
               <a:t>ファイル実行</a:t>
             </a:r>
-            <a:endParaRPr kumimoji="1" lang="ja-JP" altLang="en-US" dirty="0"/>
+            <a:endParaRPr kumimoji="1" lang="ja-JP" altLang="en-US" sz="1400" dirty="0"/>
           </a:p>
         </p:txBody>
       </p:sp>
@@ -9896,8 +9896,8 @@
         </p:nvCxnSpPr>
         <p:spPr>
           <a:xfrm rot="16200000" flipH="1">
-            <a:off x="2126548" y="3167864"/>
-            <a:ext cx="644652" cy="946944"/>
+            <a:off x="1992978" y="3034293"/>
+            <a:ext cx="706207" cy="1152529"/>
           </a:xfrm>
           <a:prstGeom prst="straightConnector1">
             <a:avLst/>
@@ -10426,23 +10426,7 @@
                   <a:srgbClr val="000000"/>
                 </a:solidFill>
               </a:rPr>
-              <a:t>などなどもっとスマートに安全</a:t>
-            </a:r>
-            <a:r>
-              <a:rPr lang="ja-JP" altLang="en-US" dirty="0" smtClean="0">
-                <a:solidFill>
-                  <a:srgbClr val="000000"/>
-                </a:solidFill>
-              </a:rPr>
-              <a:t>に</a:t>
-            </a:r>
-            <a:r>
-              <a:rPr lang="ja-JP" altLang="en-US" dirty="0" smtClean="0">
-                <a:solidFill>
-                  <a:srgbClr val="000000"/>
-                </a:solidFill>
-              </a:rPr>
-              <a:t>したい</a:t>
+              <a:t>などなどもっとスマートに安全にしたい</a:t>
             </a:r>
             <a:endParaRPr lang="en-US" altLang="ja-JP" dirty="0">
               <a:solidFill>
@@ -11273,15 +11257,7 @@
                   <a:srgbClr val="000000"/>
                 </a:solidFill>
               </a:rPr>
-              <a:t>朝まで終わらないナイトリーテストが実際</a:t>
-            </a:r>
-            <a:r>
-              <a:rPr lang="ja-JP" altLang="en-US" dirty="0" smtClean="0">
-                <a:solidFill>
-                  <a:srgbClr val="000000"/>
-                </a:solidFill>
-              </a:rPr>
-              <a:t>あ</a:t>
+              <a:t>朝まで終わらないナイトリーテストが実際あ</a:t>
             </a:r>
             <a:r>
               <a:rPr lang="en-US" altLang="ja-JP" dirty="0" smtClean="0">
@@ -12552,7 +12528,7 @@
         <p:spPr>
           <a:xfrm>
             <a:off x="957936" y="2949678"/>
-            <a:ext cx="2034932" cy="369332"/>
+            <a:ext cx="1623762" cy="307777"/>
           </a:xfrm>
           <a:prstGeom prst="rect">
             <a:avLst/>
@@ -12583,18 +12559,18 @@
           <a:lstStyle/>
           <a:p>
             <a:r>
-              <a:rPr lang="en-US" altLang="ja-JP" dirty="0" err="1" smtClean="0"/>
+              <a:rPr lang="en-US" altLang="ja-JP" sz="1400" dirty="0" err="1" smtClean="0"/>
               <a:t>bat(sh</a:t>
             </a:r>
             <a:r>
-              <a:rPr lang="en-US" altLang="ja-JP" dirty="0" smtClean="0"/>
+              <a:rPr lang="en-US" altLang="ja-JP" sz="1400" dirty="0" smtClean="0"/>
               <a:t>)</a:t>
             </a:r>
             <a:r>
-              <a:rPr lang="ja-JP" altLang="en-US" dirty="0" smtClean="0"/>
+              <a:rPr lang="ja-JP" altLang="en-US" sz="1400" dirty="0" smtClean="0"/>
               <a:t>ファイル実行</a:t>
             </a:r>
-            <a:endParaRPr kumimoji="1" lang="ja-JP" altLang="en-US" dirty="0"/>
+            <a:endParaRPr kumimoji="1" lang="ja-JP" altLang="en-US" sz="1400" dirty="0"/>
           </a:p>
         </p:txBody>
       </p:sp>
@@ -12609,8 +12585,8 @@
         </p:nvCxnSpPr>
         <p:spPr>
           <a:xfrm rot="16200000" flipH="1">
-            <a:off x="2133930" y="3160481"/>
-            <a:ext cx="644652" cy="961709"/>
+            <a:off x="2000361" y="3026911"/>
+            <a:ext cx="706207" cy="1167294"/>
           </a:xfrm>
           <a:prstGeom prst="straightConnector1">
             <a:avLst/>
@@ -13053,6 +13029,98 @@
           </a:p>
         </p:txBody>
       </p:sp>
+      <p:sp>
+        <p:nvSpPr>
+          <p:cNvPr id="28" name="テキスト ボックス 27"/>
+          <p:cNvSpPr txBox="1"/>
+          <p:nvPr/>
+        </p:nvSpPr>
+        <p:spPr>
+          <a:xfrm>
+            <a:off x="1342416" y="1918191"/>
+            <a:ext cx="2073655" cy="307777"/>
+          </a:xfrm>
+          <a:prstGeom prst="rect">
+            <a:avLst/>
+          </a:prstGeom>
+          <a:noFill/>
+          <a:ln>
+            <a:gradFill flip="none" rotWithShape="1">
+              <a:gsLst>
+                <a:gs pos="0">
+                  <a:schemeClr val="bg2"/>
+                </a:gs>
+                <a:gs pos="100000">
+                  <a:srgbClr val="000000"/>
+                </a:gs>
+              </a:gsLst>
+              <a:path path="rect">
+                <a:fillToRect l="100000" t="100000"/>
+              </a:path>
+              <a:tileRect r="-100000" b="-100000"/>
+            </a:gradFill>
+            <a:prstDash val="dashDot"/>
+          </a:ln>
+        </p:spPr>
+        <p:txBody>
+          <a:bodyPr wrap="none" rtlCol="0">
+            <a:spAutoFit/>
+          </a:bodyPr>
+          <a:lstStyle/>
+          <a:p>
+            <a:r>
+              <a:rPr lang="en-US" altLang="ja-JP" sz="1400" dirty="0" smtClean="0"/>
+              <a:t>ERD</a:t>
+            </a:r>
+            <a:r>
+              <a:rPr lang="ja-JP" altLang="en-US" sz="1400" dirty="0" smtClean="0"/>
+              <a:t>ツールから自動生成</a:t>
+            </a:r>
+            <a:endParaRPr kumimoji="1" lang="ja-JP" altLang="en-US" sz="1400" dirty="0"/>
+          </a:p>
+        </p:txBody>
+      </p:sp>
+      <p:cxnSp>
+        <p:nvCxnSpPr>
+          <p:cNvPr id="29" name="直線矢印コネクタ 28"/>
+          <p:cNvCxnSpPr>
+            <a:stCxn id="28" idx="2"/>
+          </p:cNvCxnSpPr>
+          <p:nvPr/>
+        </p:nvCxnSpPr>
+        <p:spPr>
+          <a:xfrm rot="16200000" flipH="1">
+            <a:off x="2830768" y="1774443"/>
+            <a:ext cx="568547" cy="1471595"/>
+          </a:xfrm>
+          <a:prstGeom prst="straightConnector1">
+            <a:avLst/>
+          </a:prstGeom>
+          <a:ln w="12700" cmpd="sng">
+            <a:solidFill>
+              <a:schemeClr val="tx1">
+                <a:lumMod val="65000"/>
+                <a:lumOff val="35000"/>
+              </a:schemeClr>
+            </a:solidFill>
+            <a:tailEnd type="arrow"/>
+          </a:ln>
+        </p:spPr>
+        <p:style>
+          <a:lnRef idx="2">
+            <a:schemeClr val="accent1"/>
+          </a:lnRef>
+          <a:fillRef idx="0">
+            <a:schemeClr val="accent1"/>
+          </a:fillRef>
+          <a:effectRef idx="1">
+            <a:schemeClr val="accent1"/>
+          </a:effectRef>
+          <a:fontRef idx="minor">
+            <a:schemeClr val="tx1"/>
+          </a:fontRef>
+        </p:style>
+      </p:cxnSp>
     </p:spTree>
   </p:cSld>
   <p:clrMapOvr>
@@ -14344,11 +14412,7 @@
             </a:r>
             <a:r>
               <a:rPr lang="ja-JP" altLang="en-US" dirty="0" smtClean="0"/>
-              <a:t>に</a:t>
-            </a:r>
-            <a:r>
-              <a:rPr lang="ja-JP" altLang="en-US" dirty="0" smtClean="0"/>
-              <a:t>関わらず必ず最初に登録される。</a:t>
+              <a:t>に関わらず必ず最初に登録される。</a:t>
             </a:r>
             <a:endParaRPr lang="en-US" altLang="ja-JP" dirty="0" smtClean="0"/>
           </a:p>
@@ -14431,15 +14495,7 @@
             </a:r>
             <a:r>
               <a:rPr lang="ja-JP" altLang="en-US" dirty="0" smtClean="0"/>
-              <a:t>で</a:t>
-            </a:r>
-            <a:r>
-              <a:rPr lang="ja-JP" altLang="en-US" dirty="0" smtClean="0"/>
-              <a:t>指定</a:t>
-            </a:r>
-            <a:r>
-              <a:rPr lang="ja-JP" altLang="en-US" dirty="0" smtClean="0"/>
-              <a:t>する</a:t>
+              <a:t>で指定する</a:t>
             </a:r>
             <a:r>
               <a:rPr lang="en-US" altLang="ja-JP" dirty="0" smtClean="0"/>
@@ -14774,11 +14830,7 @@
             </a:r>
             <a:r>
               <a:rPr lang="ja-JP" altLang="en-US" dirty="0" smtClean="0"/>
-              <a:t>の</a:t>
-            </a:r>
-            <a:r>
-              <a:rPr lang="ja-JP" altLang="en-US" dirty="0" smtClean="0"/>
-              <a:t>データ切り替え</a:t>
+              <a:t>のデータ切り替え</a:t>
             </a:r>
             <a:endParaRPr lang="ja-JP" altLang="en-US" dirty="0"/>
           </a:p>
@@ -14843,19 +14895,11 @@
             </a:pPr>
             <a:r>
               <a:rPr lang="en-US" altLang="ja-JP" dirty="0" err="1" smtClean="0"/>
-              <a:t>d</a:t>
-            </a:r>
-            <a:r>
-              <a:rPr lang="en-US" altLang="ja-JP" dirty="0" err="1" smtClean="0"/>
-              <a:t>fprop/replaceSchemaDefinitionMap.dfprop</a:t>
-            </a:r>
-            <a:r>
-              <a:rPr lang="ja-JP" altLang="en-US" dirty="0" smtClean="0"/>
-              <a:t>を</a:t>
-            </a:r>
-            <a:r>
-              <a:rPr lang="ja-JP" altLang="en-US" dirty="0" smtClean="0"/>
-              <a:t>作成</a:t>
+              <a:t>dfprop/replaceSchemaDefinitionMap.dfprop</a:t>
+            </a:r>
+            <a:r>
+              <a:rPr lang="ja-JP" altLang="en-US" dirty="0" smtClean="0"/>
+              <a:t>を作成</a:t>
             </a:r>
             <a:endParaRPr lang="en-US" altLang="ja-JP" dirty="0" smtClean="0"/>
           </a:p>
@@ -14888,11 +14932,7 @@
             </a:pPr>
             <a:r>
               <a:rPr lang="en-US" altLang="ja-JP" dirty="0" smtClean="0"/>
-              <a:t>    ;</a:t>
-            </a:r>
-            <a:r>
-              <a:rPr lang="en-US" altLang="ja-JP" dirty="0" smtClean="0"/>
-              <a:t> </a:t>
+              <a:t>    ; </a:t>
             </a:r>
             <a:r>
               <a:rPr lang="en-US" altLang="ja-JP" dirty="0" err="1" smtClean="0"/>
@@ -14909,11 +14949,7 @@
             </a:pPr>
             <a:r>
               <a:rPr lang="en-US" altLang="ja-JP" dirty="0" smtClean="0"/>
-              <a:t>    ; </a:t>
-            </a:r>
-            <a:r>
-              <a:rPr lang="en-US" altLang="ja-JP" dirty="0" smtClean="0"/>
-              <a:t>…</a:t>
+              <a:t>    ; …</a:t>
             </a:r>
           </a:p>
           <a:p>
@@ -14924,7 +14960,6 @@
               <a:rPr lang="en-US" altLang="ja-JP" dirty="0" smtClean="0"/>
               <a:t>}</a:t>
             </a:r>
-            <a:endParaRPr lang="en-US" altLang="ja-JP" dirty="0" smtClean="0"/>
           </a:p>
           <a:p>
             <a:pPr lvl="2">
@@ -15102,10 +15137,6 @@
               <a:rPr lang="en-US" altLang="ja-JP" dirty="0" smtClean="0"/>
               <a:t>:</a:t>
             </a:r>
-            <a:r>
-              <a:rPr lang="en-US" altLang="ja-JP" dirty="0" smtClean="0"/>
-              <a:t/>
-            </a:r>
             <a:br>
               <a:rPr lang="en-US" altLang="ja-JP" dirty="0" smtClean="0"/>
             </a:br>
@@ -15115,11 +15146,7 @@
             </a:r>
             <a:r>
               <a:rPr lang="ja-JP" altLang="en-US" dirty="0" smtClean="0"/>
-              <a:t>環境</a:t>
-            </a:r>
-            <a:r>
-              <a:rPr lang="ja-JP" altLang="en-US" dirty="0" smtClean="0"/>
-              <a:t>ごとの設定の切り替え</a:t>
+              <a:t>環境ごとの設定の切り替え</a:t>
             </a:r>
             <a:endParaRPr lang="ja-JP" altLang="en-US" dirty="0"/>
           </a:p>
@@ -15176,11 +15203,7 @@
             </a:r>
             <a:r>
               <a:rPr lang="en-US" altLang="ja-JP" dirty="0" smtClean="0"/>
-              <a:t>DBFLUTE_ENVIRONMENT_TYPE </a:t>
-            </a:r>
-            <a:r>
-              <a:rPr lang="en-US" altLang="ja-JP" dirty="0" smtClean="0"/>
-              <a:t>= </a:t>
+              <a:t>DBFLUTE_ENVIRONMENT_TYPE = </a:t>
             </a:r>
             <a:r>
               <a:rPr lang="en-US" altLang="ja-JP" dirty="0" err="1" smtClean="0"/>
@@ -15198,11 +15221,7 @@
             </a:pPr>
             <a:r>
               <a:rPr lang="en-US" altLang="ja-JP" dirty="0" err="1" smtClean="0"/>
-              <a:t>d</a:t>
-            </a:r>
-            <a:r>
-              <a:rPr lang="en-US" altLang="ja-JP" dirty="0" err="1" smtClean="0"/>
-              <a:t>fprop/abc</a:t>
+              <a:t>dfprop/abc</a:t>
             </a:r>
             <a:r>
               <a:rPr lang="ja-JP" altLang="en-US" dirty="0" smtClean="0"/>
@@ -15216,11 +15235,7 @@
             </a:pPr>
             <a:r>
               <a:rPr lang="en-US" altLang="ja-JP" dirty="0" err="1" smtClean="0"/>
-              <a:t>d</a:t>
-            </a:r>
-            <a:r>
-              <a:rPr lang="en-US" altLang="ja-JP" dirty="0" err="1" smtClean="0"/>
-              <a:t>fprop/abc</a:t>
+              <a:t>dfprop/abc</a:t>
             </a:r>
             <a:r>
               <a:rPr lang="en-US" altLang="ja-JP" dirty="0" smtClean="0"/>
@@ -18202,23 +18217,7 @@
                   <a:schemeClr val="accent1"/>
                 </a:solidFill>
               </a:rPr>
-              <a:t>スキーマ</a:t>
-            </a:r>
-            <a:r>
-              <a:rPr lang="ja-JP" altLang="en-US" sz="2000" dirty="0" smtClean="0">
-                <a:solidFill>
-                  <a:schemeClr val="accent1"/>
-                </a:solidFill>
-              </a:rPr>
-              <a:t>を</a:t>
-            </a:r>
-            <a:r>
-              <a:rPr lang="ja-JP" altLang="en-US" sz="2000" dirty="0" smtClean="0">
-                <a:solidFill>
-                  <a:schemeClr val="accent1"/>
-                </a:solidFill>
-              </a:rPr>
-              <a:t>「</a:t>
+              <a:t>スキーマを「</a:t>
             </a:r>
             <a:r>
               <a:rPr lang="en-US" altLang="ja-JP" sz="2000" dirty="0" smtClean="0">
@@ -18234,39 +18233,7 @@
                   <a:schemeClr val="accent1"/>
                 </a:solidFill>
               </a:rPr>
-              <a:t>・データ・チェック</a:t>
-            </a:r>
-            <a:r>
-              <a:rPr lang="ja-JP" altLang="en-US" sz="2000" dirty="0" smtClean="0">
-                <a:solidFill>
-                  <a:schemeClr val="accent1"/>
-                </a:solidFill>
-              </a:rPr>
-              <a:t>」</a:t>
-            </a:r>
-            <a:r>
-              <a:rPr lang="ja-JP" altLang="en-US" sz="2000" dirty="0" smtClean="0">
-                <a:solidFill>
-                  <a:schemeClr val="accent1"/>
-                </a:solidFill>
-              </a:rPr>
-              <a:t>として</a:t>
-            </a:r>
-            <a:r>
-              <a:rPr lang="ja-JP" altLang="en-US" sz="2000" dirty="0" smtClean="0">
-                <a:solidFill>
-                  <a:schemeClr val="accent1"/>
-                </a:solidFill>
-              </a:rPr>
-              <a:t>ワンセット</a:t>
-            </a:r>
-            <a:r>
-              <a:rPr lang="ja-JP" altLang="en-US" sz="2000" dirty="0" smtClean="0">
-                <a:solidFill>
-                  <a:schemeClr val="accent1"/>
-                </a:solidFill>
-              </a:rPr>
-              <a:t>管理</a:t>
+              <a:t>・データ・チェック」としてワンセット管理</a:t>
             </a:r>
             <a:endParaRPr lang="en-US" altLang="ja-JP" sz="2000" dirty="0" smtClean="0">
               <a:solidFill>
@@ -19296,11 +19263,7 @@
           <a:p>
             <a:r>
               <a:rPr lang="en-US" altLang="ja-JP" dirty="0" err="1" smtClean="0"/>
-              <a:t>d</a:t>
-            </a:r>
-            <a:r>
-              <a:rPr lang="en-US" altLang="ja-JP" dirty="0" err="1" smtClean="0"/>
-              <a:t>bflute-nbasic-example</a:t>
+              <a:t>dbflute-nbasic-example</a:t>
             </a:r>
             <a:r>
               <a:rPr lang="ja-JP" altLang="en-US" dirty="0" smtClean="0"/>
@@ -19466,11 +19429,7 @@
           <a:p>
             <a:r>
               <a:rPr lang="en-US" altLang="ja-JP" dirty="0" err="1" smtClean="0"/>
-              <a:t>d</a:t>
-            </a:r>
-            <a:r>
-              <a:rPr lang="en-US" altLang="ja-JP" dirty="0" err="1" smtClean="0"/>
-              <a:t>bflute</a:t>
+              <a:t>dbflute</a:t>
             </a:r>
             <a:r>
               <a:rPr lang="en-US" altLang="ja-JP" dirty="0" smtClean="0"/>
@@ -20056,11 +20015,7 @@
             </a:r>
             <a:r>
               <a:rPr lang="ja-JP" altLang="en-US" dirty="0" smtClean="0"/>
-              <a:t>版の</a:t>
-            </a:r>
-            <a:r>
-              <a:rPr lang="ja-JP" altLang="en-US" dirty="0" smtClean="0"/>
-              <a:t>安定化</a:t>
+              <a:t>版の安定化</a:t>
             </a:r>
             <a:endParaRPr kumimoji="1" lang="en-US" altLang="ja-JP" dirty="0" smtClean="0"/>
           </a:p>

--- a/dbflute/etc/doc/ref/session/resource/GenbaSolution2-sc2008autumn-dbflute.pptx
+++ b/dbflute/etc/doc/ref/session/resource/GenbaSolution2-sc2008autumn-dbflute.pptx
@@ -10726,6 +10726,13 @@
   <p:clrMapOvr>
     <a:masterClrMapping/>
   </p:clrMapOvr>
+  <p:timing>
+    <p:tnLst>
+      <p:par>
+        <p:cTn id="1" dur="indefinite" restart="never" nodeType="tmRoot"/>
+      </p:par>
+    </p:tnLst>
+  </p:timing>
 </p:sld>
 </file>
 
@@ -10987,6 +10994,13 @@
   <p:clrMapOvr>
     <a:masterClrMapping/>
   </p:clrMapOvr>
+  <p:timing>
+    <p:tnLst>
+      <p:par>
+        <p:cTn id="1" dur="indefinite" restart="never" nodeType="tmRoot"/>
+      </p:par>
+    </p:tnLst>
+  </p:timing>
 </p:sld>
 </file>
 
@@ -11280,6 +11294,13 @@
   <p:clrMapOvr>
     <a:masterClrMapping/>
   </p:clrMapOvr>
+  <p:timing>
+    <p:tnLst>
+      <p:par>
+        <p:cTn id="1" dur="indefinite" restart="never" nodeType="tmRoot"/>
+      </p:par>
+    </p:tnLst>
+  </p:timing>
 </p:sld>
 </file>
 
@@ -11406,6 +11427,13 @@
   <p:clrMapOvr>
     <a:masterClrMapping/>
   </p:clrMapOvr>
+  <p:timing>
+    <p:tnLst>
+      <p:par>
+        <p:cTn id="1" dur="indefinite" restart="never" nodeType="tmRoot"/>
+      </p:par>
+    </p:tnLst>
+  </p:timing>
 </p:sld>
 </file>
 
@@ -11529,6 +11557,13 @@
   <p:clrMapOvr>
     <a:masterClrMapping/>
   </p:clrMapOvr>
+  <p:timing>
+    <p:tnLst>
+      <p:par>
+        <p:cTn id="1" dur="indefinite" restart="never" nodeType="tmRoot"/>
+      </p:par>
+    </p:tnLst>
+  </p:timing>
 </p:sld>
 </file>
 
@@ -11968,6 +12003,13 @@
   <p:clrMapOvr>
     <a:masterClrMapping/>
   </p:clrMapOvr>
+  <p:timing>
+    <p:tnLst>
+      <p:par>
+        <p:cTn id="1" dur="indefinite" restart="never" nodeType="tmRoot"/>
+      </p:par>
+    </p:tnLst>
+  </p:timing>
 </p:sld>
 </file>
 
@@ -13126,6 +13168,13 @@
   <p:clrMapOvr>
     <a:masterClrMapping/>
   </p:clrMapOvr>
+  <p:timing>
+    <p:tnLst>
+      <p:par>
+        <p:cTn id="1" dur="indefinite" restart="never" nodeType="tmRoot"/>
+      </p:par>
+    </p:tnLst>
+  </p:timing>
 </p:sld>
 </file>
 
@@ -13991,6 +14040,13 @@
   <p:clrMapOvr>
     <a:masterClrMapping/>
   </p:clrMapOvr>
+  <p:timing>
+    <p:tnLst>
+      <p:par>
+        <p:cTn id="1" dur="indefinite" restart="never" nodeType="tmRoot"/>
+      </p:par>
+    </p:tnLst>
+  </p:timing>
 </p:sld>
 </file>
 
@@ -14273,6 +14329,13 @@
   <p:clrMapOvr>
     <a:masterClrMapping/>
   </p:clrMapOvr>
+  <p:timing>
+    <p:tnLst>
+      <p:par>
+        <p:cTn id="1" dur="indefinite" restart="never" nodeType="tmRoot"/>
+      </p:par>
+    </p:tnLst>
+  </p:timing>
 </p:sld>
 </file>
 
@@ -14765,6 +14828,13 @@
   <p:clrMapOvr>
     <a:masterClrMapping/>
   </p:clrMapOvr>
+  <p:timing>
+    <p:tnLst>
+      <p:par>
+        <p:cTn id="1" dur="indefinite" restart="never" nodeType="tmRoot"/>
+      </p:par>
+    </p:tnLst>
+  </p:timing>
 </p:sld>
 </file>
 
@@ -15085,6 +15155,13 @@
   <p:clrMapOvr>
     <a:masterClrMapping/>
   </p:clrMapOvr>
+  <p:timing>
+    <p:tnLst>
+      <p:par>
+        <p:cTn id="1" dur="indefinite" restart="never" nodeType="tmRoot"/>
+      </p:par>
+    </p:tnLst>
+  </p:timing>
 </p:sld>
 </file>
 
@@ -15471,6 +15548,13 @@
   <p:clrMapOvr>
     <a:masterClrMapping/>
   </p:clrMapOvr>
+  <p:timing>
+    <p:tnLst>
+      <p:par>
+        <p:cTn id="1" dur="indefinite" restart="never" nodeType="tmRoot"/>
+      </p:par>
+    </p:tnLst>
+  </p:timing>
 </p:sld>
 </file>
 
@@ -16072,6 +16156,13 @@
   <p:clrMapOvr>
     <a:masterClrMapping/>
   </p:clrMapOvr>
+  <p:timing>
+    <p:tnLst>
+      <p:par>
+        <p:cTn id="1" dur="indefinite" restart="never" nodeType="tmRoot"/>
+      </p:par>
+    </p:tnLst>
+  </p:timing>
 </p:sld>
 </file>
 
@@ -16635,6 +16726,13 @@
   <p:clrMapOvr>
     <a:masterClrMapping/>
   </p:clrMapOvr>
+  <p:timing>
+    <p:tnLst>
+      <p:par>
+        <p:cTn id="1" dur="indefinite" restart="never" nodeType="tmRoot"/>
+      </p:par>
+    </p:tnLst>
+  </p:timing>
 </p:sld>
 </file>
 
@@ -17010,6 +17108,13 @@
   <p:clrMapOvr>
     <a:masterClrMapping/>
   </p:clrMapOvr>
+  <p:timing>
+    <p:tnLst>
+      <p:par>
+        <p:cTn id="1" dur="indefinite" restart="never" nodeType="tmRoot"/>
+      </p:par>
+    </p:tnLst>
+  </p:timing>
 </p:sld>
 </file>
 
@@ -17344,6 +17449,13 @@
   <p:clrMapOvr>
     <a:masterClrMapping/>
   </p:clrMapOvr>
+  <p:timing>
+    <p:tnLst>
+      <p:par>
+        <p:cTn id="1" dur="indefinite" restart="never" nodeType="tmRoot"/>
+      </p:par>
+    </p:tnLst>
+  </p:timing>
 </p:sld>
 </file>
 
@@ -17848,6 +17960,13 @@
   <p:clrMapOvr>
     <a:masterClrMapping/>
   </p:clrMapOvr>
+  <p:timing>
+    <p:tnLst>
+      <p:par>
+        <p:cTn id="1" dur="indefinite" restart="never" nodeType="tmRoot"/>
+      </p:par>
+    </p:tnLst>
+  </p:timing>
 </p:sld>
 </file>
 
@@ -18018,6 +18137,13 @@
   <p:clrMapOvr>
     <a:masterClrMapping/>
   </p:clrMapOvr>
+  <p:timing>
+    <p:tnLst>
+      <p:par>
+        <p:cTn id="1" dur="indefinite" restart="never" nodeType="tmRoot"/>
+      </p:par>
+    </p:tnLst>
+  </p:timing>
 </p:sld>
 </file>
 
@@ -18414,6 +18540,13 @@
   <p:clrMapOvr>
     <a:masterClrMapping/>
   </p:clrMapOvr>
+  <p:timing>
+    <p:tnLst>
+      <p:par>
+        <p:cTn id="1" dur="indefinite" restart="never" nodeType="tmRoot"/>
+      </p:par>
+    </p:tnLst>
+  </p:timing>
 </p:sld>
 </file>
 
@@ -18618,6 +18751,13 @@
   <p:clrMapOvr>
     <a:masterClrMapping/>
   </p:clrMapOvr>
+  <p:timing>
+    <p:tnLst>
+      <p:par>
+        <p:cTn id="1" dur="indefinite" restart="never" nodeType="tmRoot"/>
+      </p:par>
+    </p:tnLst>
+  </p:timing>
 </p:sld>
 </file>
 
@@ -18864,6 +19004,13 @@
   <p:clrMapOvr>
     <a:masterClrMapping/>
   </p:clrMapOvr>
+  <p:timing>
+    <p:tnLst>
+      <p:par>
+        <p:cTn id="1" dur="indefinite" restart="never" nodeType="tmRoot"/>
+      </p:par>
+    </p:tnLst>
+  </p:timing>
 </p:sld>
 </file>
 
@@ -18990,6 +19137,13 @@
   <p:clrMapOvr>
     <a:masterClrMapping/>
   </p:clrMapOvr>
+  <p:timing>
+    <p:tnLst>
+      <p:par>
+        <p:cTn id="1" dur="indefinite" restart="never" nodeType="tmRoot"/>
+      </p:par>
+    </p:tnLst>
+  </p:timing>
 </p:sld>
 </file>
 
@@ -19146,6 +19300,13 @@
   <p:clrMapOvr>
     <a:masterClrMapping/>
   </p:clrMapOvr>
+  <p:timing>
+    <p:tnLst>
+      <p:par>
+        <p:cTn id="1" dur="indefinite" restart="never" nodeType="tmRoot"/>
+      </p:par>
+    </p:tnLst>
+  </p:timing>
 </p:sld>
 </file>
 
@@ -19312,6 +19473,13 @@
   <p:clrMapOvr>
     <a:masterClrMapping/>
   </p:clrMapOvr>
+  <p:timing>
+    <p:tnLst>
+      <p:par>
+        <p:cTn id="1" dur="indefinite" restart="never" nodeType="tmRoot"/>
+      </p:par>
+    </p:tnLst>
+  </p:timing>
 </p:sld>
 </file>
 
@@ -19482,6 +19650,13 @@
   <p:clrMapOvr>
     <a:masterClrMapping/>
   </p:clrMapOvr>
+  <p:timing>
+    <p:tnLst>
+      <p:par>
+        <p:cTn id="1" dur="indefinite" restart="never" nodeType="tmRoot"/>
+      </p:par>
+    </p:tnLst>
+  </p:timing>
 </p:sld>
 </file>
 
@@ -20140,6 +20315,13 @@
   <p:clrMapOvr>
     <a:masterClrMapping/>
   </p:clrMapOvr>
+  <p:timing>
+    <p:tnLst>
+      <p:par>
+        <p:cTn id="1" dur="indefinite" restart="never" nodeType="tmRoot"/>
+      </p:par>
+    </p:tnLst>
+  </p:timing>
 </p:sld>
 </file>
 
@@ -20245,6 +20427,13 @@
   <p:clrMapOvr>
     <a:masterClrMapping/>
   </p:clrMapOvr>
+  <p:timing>
+    <p:tnLst>
+      <p:par>
+        <p:cTn id="1" dur="indefinite" restart="never" nodeType="tmRoot"/>
+      </p:par>
+    </p:tnLst>
+  </p:timing>
 </p:sld>
 </file>
 

--- a/dbflute/etc/doc/ref/session/resource/GenbaSolution2-sc2008autumn-dbflute.pptx
+++ b/dbflute/etc/doc/ref/session/resource/GenbaSolution2-sc2008autumn-dbflute.pptx
@@ -236,7 +236,7 @@
             <a:fld id="{697514F1-BF3A-8244-8E24-39501B91FCA9}" type="datetimeFigureOut">
               <a:rPr lang="ja-JP" altLang="en-US" smtClean="0"/>
               <a:pPr/>
-              <a:t>08.9.5</a:t>
+              <a:t>08.9.7</a:t>
             </a:fld>
             <a:endParaRPr lang="ja-JP" altLang="en-US"/>
           </a:p>
@@ -399,7 +399,7 @@
             <a:fld id="{BCC37BBF-A47B-C644-A0B3-2AF340262DC0}" type="datetimeFigureOut">
               <a:rPr lang="ja-JP" altLang="en-US" smtClean="0"/>
               <a:pPr/>
-              <a:t>08.9.5</a:t>
+              <a:t>08.9.7</a:t>
             </a:fld>
             <a:endParaRPr lang="ja-JP" altLang="en-US"/>
           </a:p>
@@ -1014,7 +1014,7 @@
             <a:fld id="{F8B78B27-67EA-284E-B7DE-CA47CEF96BF3}" type="datetime1">
               <a:rPr lang="ja-JP" altLang="en-US" smtClean="0"/>
               <a:pPr/>
-              <a:t>08.9.5</a:t>
+              <a:t>08.9.7</a:t>
             </a:fld>
             <a:endParaRPr lang="ja-JP" altLang="en-US"/>
           </a:p>
@@ -1165,7 +1165,7 @@
             <a:fld id="{B07F40DE-A2F7-9040-AF94-3150A36DAF32}" type="datetime1">
               <a:rPr lang="ja-JP" altLang="en-US" smtClean="0"/>
               <a:pPr/>
-              <a:t>08.9.5</a:t>
+              <a:t>08.9.7</a:t>
             </a:fld>
             <a:endParaRPr lang="ja-JP" altLang="en-US"/>
           </a:p>
@@ -1752,7 +1752,7 @@
             <a:fld id="{7900A983-C81F-484C-AB24-3E409A9B0309}" type="datetime1">
               <a:rPr lang="ja-JP" altLang="en-US" smtClean="0"/>
               <a:pPr/>
-              <a:t>08.9.5</a:t>
+              <a:t>08.9.7</a:t>
             </a:fld>
             <a:endParaRPr lang="ja-JP" altLang="en-US"/>
           </a:p>
@@ -2222,7 +2222,7 @@
             <a:fld id="{49369E27-8AA6-8A4C-8F2F-BD9CFE65CFF9}" type="datetime1">
               <a:rPr lang="ja-JP" altLang="en-US" smtClean="0"/>
               <a:pPr/>
-              <a:t>08.9.5</a:t>
+              <a:t>08.9.7</a:t>
             </a:fld>
             <a:endParaRPr lang="ja-JP" altLang="en-US"/>
           </a:p>
@@ -2318,7 +2318,7 @@
             <a:fld id="{CA0B8717-2CE5-3D48-9724-6A74D3723472}" type="datetime1">
               <a:rPr lang="ja-JP" altLang="en-US" smtClean="0"/>
               <a:pPr/>
-              <a:t>08.9.5</a:t>
+              <a:t>08.9.7</a:t>
             </a:fld>
             <a:endParaRPr lang="ja-JP" altLang="en-US"/>
           </a:p>
@@ -2631,7 +2631,7 @@
             <a:fld id="{A7420916-367F-6347-9752-D3808E2C9DF8}" type="datetime1">
               <a:rPr lang="ja-JP" altLang="en-US" smtClean="0"/>
               <a:pPr/>
-              <a:t>08.9.5</a:t>
+              <a:t>08.9.7</a:t>
             </a:fld>
             <a:endParaRPr lang="ja-JP" altLang="en-US"/>
           </a:p>
@@ -2827,7 +2827,7 @@
             <a:fld id="{36F1D2E6-018C-0A41-B225-E525923353F9}" type="datetime1">
               <a:rPr lang="ja-JP" altLang="en-US" smtClean="0"/>
               <a:pPr/>
-              <a:t>08.9.5</a:t>
+              <a:t>08.9.7</a:t>
             </a:fld>
             <a:endParaRPr lang="ja-JP" altLang="en-US"/>
           </a:p>
@@ -3572,7 +3572,7 @@
             <a:fld id="{2F49DC6A-DB83-C64E-9E52-9AFA5AD018D7}" type="datetime1">
               <a:rPr lang="ja-JP" altLang="en-US" smtClean="0"/>
               <a:pPr/>
-              <a:t>08.9.5</a:t>
+              <a:t>08.9.7</a:t>
             </a:fld>
             <a:endParaRPr lang="ja-JP" altLang="en-US"/>
           </a:p>
@@ -3916,7 +3916,7 @@
             <a:fld id="{36ED8D3F-8256-3C42-8592-819D359B95D7}" type="datetime1">
               <a:rPr lang="ja-JP" altLang="en-US" smtClean="0"/>
               <a:pPr/>
-              <a:t>08.9.5</a:t>
+              <a:t>08.9.7</a:t>
             </a:fld>
             <a:endParaRPr lang="ja-JP" altLang="en-US"/>
           </a:p>
@@ -4519,7 +4519,7 @@
             <a:fld id="{490FEA9A-41F4-204E-A79D-1B36180FAAF8}" type="datetime1">
               <a:rPr lang="ja-JP" altLang="en-US" smtClean="0"/>
               <a:pPr/>
-              <a:t>08.9.5</a:t>
+              <a:t>08.9.7</a:t>
             </a:fld>
             <a:endParaRPr lang="ja-JP" altLang="en-US"/>
           </a:p>
@@ -4736,7 +4736,7 @@
             <a:fld id="{7F7C43F0-DFD5-354C-8FAE-68230B37B986}" type="datetime1">
               <a:rPr lang="ja-JP" altLang="en-US" smtClean="0"/>
               <a:pPr/>
-              <a:t>08.9.5</a:t>
+              <a:t>08.9.7</a:t>
             </a:fld>
             <a:endParaRPr lang="ja-JP" altLang="en-US"/>
           </a:p>
@@ -4939,7 +4939,7 @@
             <a:fld id="{913A2506-493B-D344-A783-4411DA3B51C6}" type="datetime1">
               <a:rPr lang="ja-JP" altLang="en-US" smtClean="0"/>
               <a:pPr/>
-              <a:t>08.9.5</a:t>
+              <a:t>08.9.7</a:t>
             </a:fld>
             <a:endParaRPr lang="ja-JP" altLang="en-US"/>
           </a:p>
@@ -5166,7 +5166,7 @@
             <a:fld id="{A8117D98-E012-1340-B59B-5CB4A353C1AC}" type="datetime1">
               <a:rPr lang="ja-JP" altLang="en-US" smtClean="0"/>
               <a:pPr/>
-              <a:t>08.9.5</a:t>
+              <a:t>08.9.7</a:t>
             </a:fld>
             <a:endParaRPr lang="ja-JP" altLang="en-US"/>
           </a:p>
@@ -5591,7 +5591,7 @@
             <a:fld id="{3A348B0A-8461-AC42-A115-63F264401103}" type="datetime1">
               <a:rPr lang="ja-JP" altLang="en-US" smtClean="0"/>
               <a:pPr/>
-              <a:t>08.9.5</a:t>
+              <a:t>08.9.7</a:t>
             </a:fld>
             <a:endParaRPr lang="ja-JP" altLang="en-US"/>
           </a:p>
@@ -5895,7 +5895,7 @@
             <a:fld id="{5E1B4DB0-F2B9-D04A-9DD7-6703AC7E7248}" type="datetime1">
               <a:rPr lang="ja-JP" altLang="en-US" smtClean="0"/>
               <a:pPr/>
-              <a:t>08.9.5</a:t>
+              <a:t>08.9.7</a:t>
             </a:fld>
             <a:endParaRPr lang="ja-JP" altLang="en-US"/>
           </a:p>
@@ -6302,7 +6302,7 @@
             <a:fld id="{D67B3AFA-E2BB-4B40-8DFD-5F43A75FECED}" type="datetime1">
               <a:rPr lang="ja-JP" altLang="en-US" smtClean="0"/>
               <a:pPr/>
-              <a:t>08.9.5</a:t>
+              <a:t>08.9.7</a:t>
             </a:fld>
             <a:endParaRPr lang="ja-JP" altLang="en-US"/>
           </a:p>
@@ -6698,7 +6698,7 @@
             <a:fld id="{C0E34838-0D8B-784A-8083-2BF0BCC81F31}" type="datetime1">
               <a:rPr lang="ja-JP" altLang="en-US" smtClean="0"/>
               <a:pPr/>
-              <a:t>08.9.5</a:t>
+              <a:t>08.9.7</a:t>
             </a:fld>
             <a:endParaRPr lang="ja-JP" altLang="en-US"/>
           </a:p>
@@ -7051,7 +7051,7 @@
             <a:fld id="{B214FFAD-D2AC-BA4E-94A6-AF1EF61CF5E3}" type="datetime1">
               <a:rPr lang="ja-JP" altLang="en-US" smtClean="0"/>
               <a:pPr/>
-              <a:t>08.9.5</a:t>
+              <a:t>08.9.7</a:t>
             </a:fld>
             <a:endParaRPr lang="ja-JP" altLang="en-US"/>
           </a:p>
@@ -7560,7 +7560,7 @@
             <a:fld id="{A505B7DA-7661-3B41-B158-5031F500DA1D}" type="datetime1">
               <a:rPr lang="ja-JP" altLang="en-US" smtClean="0"/>
               <a:pPr/>
-              <a:t>08.9.5</a:t>
+              <a:t>08.9.7</a:t>
             </a:fld>
             <a:endParaRPr lang="ja-JP" altLang="en-US"/>
           </a:p>
@@ -7892,7 +7892,7 @@
             <a:fld id="{D2DD3DBE-A7FC-A843-A5D2-64A57D5C6B0F}" type="datetime1">
               <a:rPr lang="ja-JP" altLang="en-US" smtClean="0"/>
               <a:pPr/>
-              <a:t>08.9.5</a:t>
+              <a:t>08.9.7</a:t>
             </a:fld>
             <a:endParaRPr lang="ja-JP" altLang="en-US"/>
           </a:p>
@@ -8254,7 +8254,7 @@
             <a:fld id="{19A5AFE0-9EBD-9B43-8D58-2BE7D375FB38}" type="datetime1">
               <a:rPr lang="ja-JP" altLang="en-US" smtClean="0"/>
               <a:pPr/>
-              <a:t>08.9.5</a:t>
+              <a:t>08.9.7</a:t>
             </a:fld>
             <a:endParaRPr lang="ja-JP" altLang="en-US"/>
           </a:p>
@@ -16683,7 +16683,7 @@
         <p:spPr>
           <a:xfrm>
             <a:off x="3581400" y="5637311"/>
-            <a:ext cx="4079174" cy="307777"/>
+            <a:ext cx="3848896" cy="307777"/>
           </a:xfrm>
           <a:prstGeom prst="rect">
             <a:avLst/>
@@ -16715,7 +16715,23 @@
           <a:p>
             <a:r>
               <a:rPr kumimoji="1" lang="ja-JP" altLang="en-US" sz="1400" dirty="0" smtClean="0"/>
-              <a:t>データにていぎされて入れ歯そちらが優先される</a:t>
+              <a:t>データ</a:t>
+            </a:r>
+            <a:r>
+              <a:rPr kumimoji="1" lang="ja-JP" altLang="en-US" sz="1400" dirty="0" smtClean="0"/>
+              <a:t>に</a:t>
+            </a:r>
+            <a:r>
+              <a:rPr kumimoji="1" lang="ja-JP" altLang="en-US" sz="1400" dirty="0" smtClean="0"/>
+              <a:t>定義されていれば</a:t>
+            </a:r>
+            <a:r>
+              <a:rPr kumimoji="1" lang="ja-JP" altLang="en-US" sz="1400" dirty="0" smtClean="0"/>
+              <a:t>そちら</a:t>
+            </a:r>
+            <a:r>
+              <a:rPr kumimoji="1" lang="ja-JP" altLang="en-US" sz="1400" dirty="0" smtClean="0"/>
+              <a:t>が優先される</a:t>
             </a:r>
             <a:endParaRPr kumimoji="1" lang="ja-JP" altLang="en-US" sz="1400" dirty="0"/>
           </a:p>
